--- a/Powerpoint/CARBONTOWER-v2.0.pptx
+++ b/Powerpoint/CARBONTOWER-v2.0.pptx
@@ -3391,8 +3391,8 @@
         </p:nvSpPr>
         <p:spPr>
           <a:xfrm>
-            <a:off x="0" y="2388645"/>
-            <a:ext cx="12192000" cy="1920466"/>
+            <a:off x="0" y="1945706"/>
+            <a:ext cx="12192000" cy="2966589"/>
           </a:xfrm>
           <a:prstGeom prst="rect">
             <a:avLst/>
@@ -3445,7 +3445,7 @@
         </p:nvSpPr>
         <p:spPr>
           <a:xfrm>
-            <a:off x="3949706" y="3392402"/>
+            <a:off x="78949" y="6239799"/>
             <a:ext cx="4292585" cy="584775"/>
           </a:xfrm>
           <a:prstGeom prst="rect">
@@ -3461,7 +3461,7 @@
           <a:p>
             <a:pPr algn="ctr"/>
             <a:r>
-              <a:rPr lang="en-US" sz="3200" b="1">
+              <a:rPr lang="en-US" sz="3200" b="1" dirty="0">
                 <a:ln w="0"/>
                 <a:solidFill>
                   <a:schemeClr val="bg1"/>
@@ -3476,7 +3476,7 @@
               </a:rPr>
               <a:t>EQUIPE CARBONTOWER</a:t>
             </a:r>
-            <a:endParaRPr lang="en-US" sz="3200" b="1" cap="none" spc="0">
+            <a:endParaRPr lang="en-US" sz="3200" b="1" cap="none" spc="0" dirty="0">
               <a:ln w="0"/>
               <a:solidFill>
                 <a:schemeClr val="bg1"/>
@@ -3489,186 +3489,6 @@
                 </a:outerShdw>
               </a:effectLst>
             </a:endParaRPr>
-          </a:p>
-        </p:txBody>
-      </p:sp>
-      <p:sp>
-        <p:nvSpPr>
-          <p:cNvPr id="6" name="Espaço Reservado para Texto 1">
-            <a:extLst>
-              <a:ext uri="{FF2B5EF4-FFF2-40B4-BE49-F238E27FC236}">
-                <a16:creationId xmlns:a16="http://schemas.microsoft.com/office/drawing/2014/main" id="{451027D6-F7B6-9D4E-A8FD-EAF59F224F82}"/>
-              </a:ext>
-            </a:extLst>
-          </p:cNvPr>
-          <p:cNvSpPr txBox="1">
-            <a:spLocks/>
-          </p:cNvSpPr>
-          <p:nvPr/>
-        </p:nvSpPr>
-        <p:spPr>
-          <a:xfrm>
-            <a:off x="2948149" y="2388645"/>
-            <a:ext cx="6295697" cy="1296144"/>
-          </a:xfrm>
-          <a:prstGeom prst="rect">
-            <a:avLst/>
-          </a:prstGeom>
-        </p:spPr>
-        <p:txBody>
-          <a:bodyPr/>
-          <a:lstStyle>
-            <a:lvl1pPr marL="391146" indent="-391146" algn="l" defTabSz="1043056" rtl="0" eaLnBrk="1" latinLnBrk="0" hangingPunct="1">
-              <a:spcBef>
-                <a:spcPct val="20000"/>
-              </a:spcBef>
-              <a:buFont typeface="Arial" pitchFamily="34" charset="0"/>
-              <a:buChar char="•"/>
-              <a:defRPr sz="3700" kern="1200">
-                <a:solidFill>
-                  <a:schemeClr val="tx1"/>
-                </a:solidFill>
-                <a:latin typeface="+mn-lt"/>
-                <a:ea typeface="+mn-ea"/>
-                <a:cs typeface="+mn-cs"/>
-              </a:defRPr>
-            </a:lvl1pPr>
-            <a:lvl2pPr marL="847483" indent="-325955" algn="l" defTabSz="1043056" rtl="0" eaLnBrk="1" latinLnBrk="0" hangingPunct="1">
-              <a:spcBef>
-                <a:spcPct val="20000"/>
-              </a:spcBef>
-              <a:buFont typeface="Arial" pitchFamily="34" charset="0"/>
-              <a:buChar char="–"/>
-              <a:defRPr sz="3200" kern="1200">
-                <a:solidFill>
-                  <a:schemeClr val="tx1"/>
-                </a:solidFill>
-                <a:latin typeface="+mn-lt"/>
-                <a:ea typeface="+mn-ea"/>
-                <a:cs typeface="+mn-cs"/>
-              </a:defRPr>
-            </a:lvl2pPr>
-            <a:lvl3pPr marL="1303820" indent="-260764" algn="l" defTabSz="1043056" rtl="0" eaLnBrk="1" latinLnBrk="0" hangingPunct="1">
-              <a:spcBef>
-                <a:spcPct val="20000"/>
-              </a:spcBef>
-              <a:buFont typeface="Arial" pitchFamily="34" charset="0"/>
-              <a:buChar char="•"/>
-              <a:defRPr sz="2700" kern="1200">
-                <a:solidFill>
-                  <a:schemeClr val="tx1"/>
-                </a:solidFill>
-                <a:latin typeface="+mn-lt"/>
-                <a:ea typeface="+mn-ea"/>
-                <a:cs typeface="+mn-cs"/>
-              </a:defRPr>
-            </a:lvl3pPr>
-            <a:lvl4pPr marL="1825348" indent="-260764" algn="l" defTabSz="1043056" rtl="0" eaLnBrk="1" latinLnBrk="0" hangingPunct="1">
-              <a:spcBef>
-                <a:spcPct val="20000"/>
-              </a:spcBef>
-              <a:buFont typeface="Arial" pitchFamily="34" charset="0"/>
-              <a:buChar char="–"/>
-              <a:defRPr sz="2300" kern="1200">
-                <a:solidFill>
-                  <a:schemeClr val="tx1"/>
-                </a:solidFill>
-                <a:latin typeface="+mn-lt"/>
-                <a:ea typeface="+mn-ea"/>
-                <a:cs typeface="+mn-cs"/>
-              </a:defRPr>
-            </a:lvl4pPr>
-            <a:lvl5pPr marL="2346876" indent="-260764" algn="l" defTabSz="1043056" rtl="0" eaLnBrk="1" latinLnBrk="0" hangingPunct="1">
-              <a:spcBef>
-                <a:spcPct val="20000"/>
-              </a:spcBef>
-              <a:buFont typeface="Arial" pitchFamily="34" charset="0"/>
-              <a:buChar char="»"/>
-              <a:defRPr sz="2300" kern="1200">
-                <a:solidFill>
-                  <a:schemeClr val="tx1"/>
-                </a:solidFill>
-                <a:latin typeface="+mn-lt"/>
-                <a:ea typeface="+mn-ea"/>
-                <a:cs typeface="+mn-cs"/>
-              </a:defRPr>
-            </a:lvl5pPr>
-            <a:lvl6pPr marL="2868404" indent="-260764" algn="l" defTabSz="1043056" rtl="0" eaLnBrk="1" latinLnBrk="0" hangingPunct="1">
-              <a:spcBef>
-                <a:spcPct val="20000"/>
-              </a:spcBef>
-              <a:buFont typeface="Arial" pitchFamily="34" charset="0"/>
-              <a:buChar char="•"/>
-              <a:defRPr sz="2300" kern="1200">
-                <a:solidFill>
-                  <a:schemeClr val="tx1"/>
-                </a:solidFill>
-                <a:latin typeface="+mn-lt"/>
-                <a:ea typeface="+mn-ea"/>
-                <a:cs typeface="+mn-cs"/>
-              </a:defRPr>
-            </a:lvl6pPr>
-            <a:lvl7pPr marL="3389932" indent="-260764" algn="l" defTabSz="1043056" rtl="0" eaLnBrk="1" latinLnBrk="0" hangingPunct="1">
-              <a:spcBef>
-                <a:spcPct val="20000"/>
-              </a:spcBef>
-              <a:buFont typeface="Arial" pitchFamily="34" charset="0"/>
-              <a:buChar char="•"/>
-              <a:defRPr sz="2300" kern="1200">
-                <a:solidFill>
-                  <a:schemeClr val="tx1"/>
-                </a:solidFill>
-                <a:latin typeface="+mn-lt"/>
-                <a:ea typeface="+mn-ea"/>
-                <a:cs typeface="+mn-cs"/>
-              </a:defRPr>
-            </a:lvl7pPr>
-            <a:lvl8pPr marL="3911460" indent="-260764" algn="l" defTabSz="1043056" rtl="0" eaLnBrk="1" latinLnBrk="0" hangingPunct="1">
-              <a:spcBef>
-                <a:spcPct val="20000"/>
-              </a:spcBef>
-              <a:buFont typeface="Arial" pitchFamily="34" charset="0"/>
-              <a:buChar char="•"/>
-              <a:defRPr sz="2300" kern="1200">
-                <a:solidFill>
-                  <a:schemeClr val="tx1"/>
-                </a:solidFill>
-                <a:latin typeface="+mn-lt"/>
-                <a:ea typeface="+mn-ea"/>
-                <a:cs typeface="+mn-cs"/>
-              </a:defRPr>
-            </a:lvl8pPr>
-            <a:lvl9pPr marL="4432988" indent="-260764" algn="l" defTabSz="1043056" rtl="0" eaLnBrk="1" latinLnBrk="0" hangingPunct="1">
-              <a:spcBef>
-                <a:spcPct val="20000"/>
-              </a:spcBef>
-              <a:buFont typeface="Arial" pitchFamily="34" charset="0"/>
-              <a:buChar char="•"/>
-              <a:defRPr sz="2300" kern="1200">
-                <a:solidFill>
-                  <a:schemeClr val="tx1"/>
-                </a:solidFill>
-                <a:latin typeface="+mn-lt"/>
-                <a:ea typeface="+mn-ea"/>
-                <a:cs typeface="+mn-cs"/>
-              </a:defRPr>
-            </a:lvl9pPr>
-          </a:lstStyle>
-          <a:p>
-            <a:pPr marL="0" indent="0" algn="ctr">
-              <a:lnSpc>
-                <a:spcPct val="150000"/>
-              </a:lnSpc>
-              <a:buNone/>
-            </a:pPr>
-            <a:r>
-              <a:rPr lang="pt-BR" sz="5400" b="1" dirty="0">
-                <a:solidFill>
-                  <a:srgbClr val="32B9CD"/>
-                </a:solidFill>
-              </a:rPr>
-              <a:t>STREAM CHAMPION</a:t>
-            </a:r>
           </a:p>
         </p:txBody>
       </p:sp>
@@ -3702,38 +3522,99 @@
           </a:prstGeom>
         </p:spPr>
       </p:pic>
-      <p:sp>
-        <p:nvSpPr>
-          <p:cNvPr id="11" name="TextBox 10">
+      <p:pic>
+        <p:nvPicPr>
+          <p:cNvPr id="2" name="Imagem 1"/>
+          <p:cNvPicPr>
+            <a:picLocks noChangeAspect="1"/>
+          </p:cNvPicPr>
+          <p:nvPr/>
+        </p:nvPicPr>
+        <p:blipFill rotWithShape="1">
+          <a:blip r:embed="rId4">
             <a:extLst>
-              <a:ext uri="{FF2B5EF4-FFF2-40B4-BE49-F238E27FC236}">
-                <a16:creationId xmlns:a16="http://schemas.microsoft.com/office/drawing/2014/main" id="{DF0F6825-0B1C-B94F-AB39-20E7A6260EA0}"/>
+              <a:ext uri="{BEBA8EAE-BF5A-486C-A8C5-ECC9F3942E4B}">
+                <a14:imgProps xmlns:a14="http://schemas.microsoft.com/office/drawing/2010/main">
+                  <a14:imgLayer r:embed="rId5">
+                    <a14:imgEffect>
+                      <a14:brightnessContrast bright="100000"/>
+                    </a14:imgEffect>
+                  </a14:imgLayer>
+                </a14:imgProps>
+              </a:ext>
+              <a:ext uri="{28A0092B-C50C-407E-A947-70E740481C1C}">
+                <a14:useLocalDpi xmlns:a14="http://schemas.microsoft.com/office/drawing/2010/main" val="0"/>
               </a:ext>
             </a:extLst>
-          </p:cNvPr>
-          <p:cNvSpPr txBox="1"/>
-          <p:nvPr/>
-        </p:nvSpPr>
+          </a:blip>
+          <a:srcRect l="24052" t="12745" r="21634" b="32942"/>
+          <a:stretch/>
+        </p:blipFill>
         <p:spPr>
           <a:xfrm>
-            <a:off x="12344400" y="617220"/>
-            <a:ext cx="184731" cy="369332"/>
+            <a:off x="5373088" y="2209977"/>
+            <a:ext cx="1445813" cy="1445814"/>
           </a:xfrm>
           <a:prstGeom prst="rect">
             <a:avLst/>
           </a:prstGeom>
-          <a:noFill/>
         </p:spPr>
-        <p:txBody>
-          <a:bodyPr wrap="none" rtlCol="0">
-            <a:spAutoFit/>
-          </a:bodyPr>
-          <a:lstStyle/>
-          <a:p>
-            <a:endParaRPr lang="en-US"/>
-          </a:p>
-        </p:txBody>
-      </p:sp>
+      </p:pic>
+      <p:pic>
+        <p:nvPicPr>
+          <p:cNvPr id="4" name="Imagem 3"/>
+          <p:cNvPicPr>
+            <a:picLocks noChangeAspect="1"/>
+          </p:cNvPicPr>
+          <p:nvPr/>
+        </p:nvPicPr>
+        <p:blipFill rotWithShape="1">
+          <a:blip r:embed="rId6">
+            <a:extLst>
+              <a:ext uri="{BEBA8EAE-BF5A-486C-A8C5-ECC9F3942E4B}">
+                <a14:imgProps xmlns:a14="http://schemas.microsoft.com/office/drawing/2010/main">
+                  <a14:imgLayer r:embed="rId7">
+                    <a14:imgEffect>
+                      <a14:backgroundRemoval t="0" b="98802" l="24792" r="100000">
+                        <a14:foregroundMark x1="33943" y1="36527" x2="33943" y2="36527"/>
+                        <a14:foregroundMark x1="41930" y1="12575" x2="41930" y2="12575"/>
+                        <a14:foregroundMark x1="54409" y1="34132" x2="54409" y2="34132"/>
+                        <a14:foregroundMark x1="61897" y1="32934" x2="61897" y2="32934"/>
+                        <a14:foregroundMark x1="80532" y1="34132" x2="80532" y2="34132"/>
+                        <a14:foregroundMark x1="87687" y1="69461" x2="87687" y2="69461"/>
+                        <a14:foregroundMark x1="92013" y1="70060" x2="92013" y2="70060"/>
+                        <a14:foregroundMark x1="77205" y1="68263" x2="77205" y2="68263"/>
+                        <a14:foregroundMark x1="72712" y1="71257" x2="72712" y2="71257"/>
+                        <a14:foregroundMark x1="63561" y1="70060" x2="63561" y2="70060"/>
+                        <a14:foregroundMark x1="50083" y1="70060" x2="50083" y2="70060"/>
+                        <a14:foregroundMark x1="41764" y1="71856" x2="41764" y2="71856"/>
+                        <a14:foregroundMark x1="27787" y1="71856" x2="27787" y2="71856"/>
+                      </a14:backgroundRemoval>
+                    </a14:imgEffect>
+                    <a14:imgEffect>
+                      <a14:brightnessContrast bright="53000" contrast="-64000"/>
+                    </a14:imgEffect>
+                  </a14:imgLayer>
+                </a14:imgProps>
+              </a:ext>
+              <a:ext uri="{28A0092B-C50C-407E-A947-70E740481C1C}">
+                <a14:useLocalDpi xmlns:a14="http://schemas.microsoft.com/office/drawing/2010/main" val="0"/>
+              </a:ext>
+            </a:extLst>
+          </a:blip>
+          <a:srcRect l="25732"/>
+          <a:stretch/>
+        </p:blipFill>
+        <p:spPr>
+          <a:xfrm>
+            <a:off x="4872311" y="3727411"/>
+            <a:ext cx="2447369" cy="915676"/>
+          </a:xfrm>
+          <a:prstGeom prst="rect">
+            <a:avLst/>
+          </a:prstGeom>
+        </p:spPr>
+      </p:pic>
     </p:spTree>
     <p:extLst>
       <p:ext uri="{BB962C8B-B14F-4D97-AF65-F5344CB8AC3E}">
@@ -16442,6 +16323,15 @@
 </file>
 
 <file path=customXml/item2.xml><?xml version="1.0" encoding="utf-8"?>
+<?mso-contentType ?>
+<FormTemplates xmlns="http://schemas.microsoft.com/sharepoint/v3/contenttype/forms">
+  <Display>DocumentLibraryForm</Display>
+  <Edit>DocumentLibraryForm</Edit>
+  <New>DocumentLibraryForm</New>
+</FormTemplates>
+</file>
+
+<file path=customXml/item3.xml><?xml version="1.0" encoding="utf-8"?>
 <ct:contentTypeSchema xmlns:ct="http://schemas.microsoft.com/office/2006/metadata/contentType" xmlns:ma="http://schemas.microsoft.com/office/2006/metadata/properties/metaAttributes" ct:_="" ma:_="" ma:contentTypeName="Documento" ma:contentTypeID="0x01010049EF22FAA227184C9F17DB94FF991B99" ma:contentTypeVersion="4" ma:contentTypeDescription="Crie um novo documento." ma:contentTypeScope="" ma:versionID="442411e1f160c779f1992de5e0fb256a">
   <xsd:schema xmlns:xsd="http://www.w3.org/2001/XMLSchema" xmlns:xs="http://www.w3.org/2001/XMLSchema" xmlns:p="http://schemas.microsoft.com/office/2006/metadata/properties" xmlns:ns2="020b5f2f-eb9b-4b5b-ac28-78b24d18aac0" targetNamespace="http://schemas.microsoft.com/office/2006/metadata/properties" ma:root="true" ma:fieldsID="77a5a8c295f322286c01b5981d5f1d8b" ns2:_="">
     <xsd:import namespace="020b5f2f-eb9b-4b5b-ac28-78b24d18aac0"/>
@@ -16587,15 +16477,6 @@
 </ct:contentTypeSchema>
 </file>
 
-<file path=customXml/item3.xml><?xml version="1.0" encoding="utf-8"?>
-<?mso-contentType ?>
-<FormTemplates xmlns="http://schemas.microsoft.com/sharepoint/v3/contenttype/forms">
-  <Display>DocumentLibraryForm</Display>
-  <Edit>DocumentLibraryForm</Edit>
-  <New>DocumentLibraryForm</New>
-</FormTemplates>
-</file>
-
 <file path=customXml/itemProps1.xml><?xml version="1.0" encoding="utf-8"?>
 <ds:datastoreItem xmlns:ds="http://schemas.openxmlformats.org/officeDocument/2006/customXml" ds:itemID="{55798A40-9FAD-445E-91C1-7CEFB25D743E}">
   <ds:schemaRefs>
@@ -16606,6 +16487,14 @@
 </file>
 
 <file path=customXml/itemProps2.xml><?xml version="1.0" encoding="utf-8"?>
+<ds:datastoreItem xmlns:ds="http://schemas.openxmlformats.org/officeDocument/2006/customXml" ds:itemID="{370E4D61-1BE4-4B15-A784-AD2954D7A6D9}">
+  <ds:schemaRefs>
+    <ds:schemaRef ds:uri="http://schemas.microsoft.com/sharepoint/v3/contenttype/forms"/>
+  </ds:schemaRefs>
+</ds:datastoreItem>
+</file>
+
+<file path=customXml/itemProps3.xml><?xml version="1.0" encoding="utf-8"?>
 <ds:datastoreItem xmlns:ds="http://schemas.openxmlformats.org/officeDocument/2006/customXml" ds:itemID="{29EA2E90-B8E6-4B7F-88C3-E8C22CC710BC}">
   <ds:schemaRefs>
     <ds:schemaRef ds:uri="http://schemas.microsoft.com/office/2006/metadata/contentType"/>
@@ -16621,12 +16510,4 @@
     <ds:schemaRef ds:uri="http://schemas.microsoft.com/internal/obd"/>
   </ds:schemaRefs>
 </ds:datastoreItem>
-</file>
-
-<file path=customXml/itemProps3.xml><?xml version="1.0" encoding="utf-8"?>
-<ds:datastoreItem xmlns:ds="http://schemas.openxmlformats.org/officeDocument/2006/customXml" ds:itemID="{370E4D61-1BE4-4B15-A784-AD2954D7A6D9}">
-  <ds:schemaRefs>
-    <ds:schemaRef ds:uri="http://schemas.microsoft.com/sharepoint/v3/contenttype/forms"/>
-  </ds:schemaRefs>
-</ds:datastoreItem>
 </file>
--- a/Powerpoint/CARBONTOWER-v2.0.pptx
+++ b/Powerpoint/CARBONTOWER-v2.0.pptx
@@ -276,7 +276,7 @@
           <a:p>
             <a:fld id="{F0ED955F-D8D6-CE41-B014-F2E9EF585494}" type="datetimeFigureOut">
               <a:rPr lang="en-US" smtClean="0"/>
-              <a:t>4/10/2019</a:t>
+              <a:t>4/11/2019</a:t>
             </a:fld>
             <a:endParaRPr lang="en-US"/>
           </a:p>
@@ -474,7 +474,7 @@
           <a:p>
             <a:fld id="{F0ED955F-D8D6-CE41-B014-F2E9EF585494}" type="datetimeFigureOut">
               <a:rPr lang="en-US" smtClean="0"/>
-              <a:t>4/10/2019</a:t>
+              <a:t>4/11/2019</a:t>
             </a:fld>
             <a:endParaRPr lang="en-US"/>
           </a:p>
@@ -682,7 +682,7 @@
           <a:p>
             <a:fld id="{F0ED955F-D8D6-CE41-B014-F2E9EF585494}" type="datetimeFigureOut">
               <a:rPr lang="en-US" smtClean="0"/>
-              <a:t>4/10/2019</a:t>
+              <a:t>4/11/2019</a:t>
             </a:fld>
             <a:endParaRPr lang="en-US"/>
           </a:p>
@@ -880,7 +880,7 @@
           <a:p>
             <a:fld id="{F0ED955F-D8D6-CE41-B014-F2E9EF585494}" type="datetimeFigureOut">
               <a:rPr lang="en-US" smtClean="0"/>
-              <a:t>4/10/2019</a:t>
+              <a:t>4/11/2019</a:t>
             </a:fld>
             <a:endParaRPr lang="en-US"/>
           </a:p>
@@ -1155,7 +1155,7 @@
           <a:p>
             <a:fld id="{F0ED955F-D8D6-CE41-B014-F2E9EF585494}" type="datetimeFigureOut">
               <a:rPr lang="en-US" smtClean="0"/>
-              <a:t>4/10/2019</a:t>
+              <a:t>4/11/2019</a:t>
             </a:fld>
             <a:endParaRPr lang="en-US"/>
           </a:p>
@@ -1420,7 +1420,7 @@
           <a:p>
             <a:fld id="{F0ED955F-D8D6-CE41-B014-F2E9EF585494}" type="datetimeFigureOut">
               <a:rPr lang="en-US" smtClean="0"/>
-              <a:t>4/10/2019</a:t>
+              <a:t>4/11/2019</a:t>
             </a:fld>
             <a:endParaRPr lang="en-US"/>
           </a:p>
@@ -1832,7 +1832,7 @@
           <a:p>
             <a:fld id="{F0ED955F-D8D6-CE41-B014-F2E9EF585494}" type="datetimeFigureOut">
               <a:rPr lang="en-US" smtClean="0"/>
-              <a:t>4/10/2019</a:t>
+              <a:t>4/11/2019</a:t>
             </a:fld>
             <a:endParaRPr lang="en-US"/>
           </a:p>
@@ -1973,7 +1973,7 @@
           <a:p>
             <a:fld id="{F0ED955F-D8D6-CE41-B014-F2E9EF585494}" type="datetimeFigureOut">
               <a:rPr lang="en-US" smtClean="0"/>
-              <a:t>4/10/2019</a:t>
+              <a:t>4/11/2019</a:t>
             </a:fld>
             <a:endParaRPr lang="en-US"/>
           </a:p>
@@ -2086,7 +2086,7 @@
           <a:p>
             <a:fld id="{F0ED955F-D8D6-CE41-B014-F2E9EF585494}" type="datetimeFigureOut">
               <a:rPr lang="en-US" smtClean="0"/>
-              <a:t>4/10/2019</a:t>
+              <a:t>4/11/2019</a:t>
             </a:fld>
             <a:endParaRPr lang="en-US"/>
           </a:p>
@@ -2397,7 +2397,7 @@
           <a:p>
             <a:fld id="{F0ED955F-D8D6-CE41-B014-F2E9EF585494}" type="datetimeFigureOut">
               <a:rPr lang="en-US" smtClean="0"/>
-              <a:t>4/10/2019</a:t>
+              <a:t>4/11/2019</a:t>
             </a:fld>
             <a:endParaRPr lang="en-US"/>
           </a:p>
@@ -2685,7 +2685,7 @@
           <a:p>
             <a:fld id="{F0ED955F-D8D6-CE41-B014-F2E9EF585494}" type="datetimeFigureOut">
               <a:rPr lang="en-US" smtClean="0"/>
-              <a:t>4/10/2019</a:t>
+              <a:t>4/11/2019</a:t>
             </a:fld>
             <a:endParaRPr lang="en-US"/>
           </a:p>
@@ -2931,7 +2931,7 @@
           <a:p>
             <a:fld id="{F0ED955F-D8D6-CE41-B014-F2E9EF585494}" type="datetimeFigureOut">
               <a:rPr lang="en-US" smtClean="0"/>
-              <a:t>4/10/2019</a:t>
+              <a:t>4/11/2019</a:t>
             </a:fld>
             <a:endParaRPr lang="en-US"/>
           </a:p>
@@ -3625,6 +3625,13 @@
   <p:clrMapOvr>
     <a:masterClrMapping/>
   </p:clrMapOvr>
+  <p:timing>
+    <p:tnLst>
+      <p:par>
+        <p:cTn id="1" dur="indefinite" restart="never" nodeType="tmRoot"/>
+      </p:par>
+    </p:tnLst>
+  </p:timing>
 </p:sld>
 </file>
 
@@ -4291,6 +4298,16 @@
 <file path=ppt/slides/slide2.xml><?xml version="1.0" encoding="utf-8"?>
 <p:sld xmlns:a="http://schemas.openxmlformats.org/drawingml/2006/main" xmlns:r="http://schemas.openxmlformats.org/officeDocument/2006/relationships" xmlns:p="http://schemas.openxmlformats.org/presentationml/2006/main">
   <p:cSld>
+    <p:bg>
+      <p:bgPr>
+        <a:solidFill>
+          <a:schemeClr val="tx1">
+            <a:alpha val="92000"/>
+          </a:schemeClr>
+        </a:solidFill>
+        <a:effectLst/>
+      </p:bgPr>
+    </p:bg>
     <p:spTree>
       <p:nvGrpSpPr>
         <p:cNvPr id="1" name=""/>
@@ -4327,7 +4344,7 @@
           </a:prstGeom>
           <a:solidFill>
             <a:schemeClr val="tx1">
-              <a:alpha val="21000"/>
+              <a:alpha val="40000"/>
             </a:schemeClr>
           </a:solidFill>
           <a:ln>
@@ -4579,7 +4596,7 @@
         </p:blipFill>
         <p:spPr bwMode="auto">
           <a:xfrm>
-            <a:off x="6972393" y="2953133"/>
+            <a:off x="10083379" y="1045737"/>
             <a:ext cx="723121" cy="800774"/>
           </a:xfrm>
           <a:prstGeom prst="rect">
@@ -4604,7 +4621,7 @@
         </p:nvSpPr>
         <p:spPr>
           <a:xfrm>
-            <a:off x="7705494" y="2924404"/>
+            <a:off x="10816480" y="1017008"/>
             <a:ext cx="1011534" cy="848648"/>
           </a:xfrm>
           <a:prstGeom prst="rect">
@@ -4784,7 +4801,7 @@
         </p:nvSpPr>
         <p:spPr>
           <a:xfrm>
-            <a:off x="9471201" y="3260090"/>
+            <a:off x="10898603" y="2475986"/>
             <a:ext cx="1036779" cy="483451"/>
           </a:xfrm>
           <a:prstGeom prst="rect">
@@ -4987,7 +5004,7 @@
         </p:blipFill>
         <p:spPr bwMode="auto">
           <a:xfrm>
-            <a:off x="8717251" y="3027094"/>
+            <a:off x="10144653" y="2242990"/>
             <a:ext cx="726654" cy="726813"/>
           </a:xfrm>
           <a:prstGeom prst="rect">
@@ -5859,1086 +5876,1056 @@
           </p:spPr>
         </p:pic>
       </p:grpSp>
-      <p:grpSp>
-        <p:nvGrpSpPr>
-          <p:cNvPr id="81" name="Agrupar 80"/>
-          <p:cNvGrpSpPr/>
+      <p:sp>
+        <p:nvSpPr>
+          <p:cNvPr id="64" name="Retângulo 63"/>
+          <p:cNvSpPr/>
           <p:nvPr/>
-        </p:nvGrpSpPr>
-        <p:grpSpPr>
+        </p:nvSpPr>
+        <p:spPr>
           <a:xfrm>
-            <a:off x="4479529" y="863145"/>
-            <a:ext cx="5351770" cy="2090368"/>
-            <a:chOff x="6561417" y="952745"/>
-            <a:chExt cx="5351770" cy="2090368"/>
+            <a:off x="4577929" y="863144"/>
+            <a:ext cx="5253370" cy="2271941"/>
           </a:xfrm>
-        </p:grpSpPr>
-        <p:sp>
-          <p:nvSpPr>
-            <p:cNvPr id="64" name="Retângulo 63"/>
-            <p:cNvSpPr/>
-            <p:nvPr/>
-          </p:nvSpPr>
-          <p:spPr>
-            <a:xfrm>
-              <a:off x="6659817" y="952745"/>
-              <a:ext cx="5253370" cy="2090368"/>
-            </a:xfrm>
-            <a:prstGeom prst="rect">
-              <a:avLst/>
-            </a:prstGeom>
-            <a:solidFill>
-              <a:schemeClr val="bg1">
-                <a:alpha val="16000"/>
-              </a:schemeClr>
-            </a:solidFill>
-            <a:ln>
-              <a:noFill/>
-            </a:ln>
-          </p:spPr>
-          <p:style>
-            <a:lnRef idx="2">
-              <a:schemeClr val="accent1">
-                <a:shade val="50000"/>
-              </a:schemeClr>
-            </a:lnRef>
-            <a:fillRef idx="1">
-              <a:schemeClr val="accent1"/>
-            </a:fillRef>
-            <a:effectRef idx="0">
-              <a:schemeClr val="accent1"/>
-            </a:effectRef>
-            <a:fontRef idx="minor">
-              <a:schemeClr val="lt1"/>
-            </a:fontRef>
-          </p:style>
-          <p:txBody>
-            <a:bodyPr rtlCol="0" anchor="ctr"/>
-            <a:lstStyle/>
-            <a:p>
-              <a:pPr algn="ctr"/>
-              <a:endParaRPr lang="pt-BR"/>
-            </a:p>
-          </p:txBody>
-        </p:sp>
-        <p:pic>
-          <p:nvPicPr>
-            <p:cNvPr id="99" name="Picture 18" descr="Resultado de imagem para pc icon"/>
-            <p:cNvPicPr>
-              <a:picLocks noChangeAspect="1" noChangeArrowheads="1"/>
-            </p:cNvPicPr>
-            <p:nvPr/>
-          </p:nvPicPr>
-          <p:blipFill rotWithShape="1">
-            <a:blip r:embed="rId12">
-              <a:extLst>
-                <a:ext uri="{BEBA8EAE-BF5A-486C-A8C5-ECC9F3942E4B}">
-                  <a14:imgProps xmlns:a14="http://schemas.microsoft.com/office/drawing/2010/main">
-                    <a14:imgLayer r:embed="rId13">
-                      <a14:imgEffect>
-                        <a14:backgroundRemoval t="12305" b="89844" l="7813" r="89844">
-                          <a14:foregroundMark x1="20313" y1="74219" x2="81055" y2="83398"/>
-                          <a14:foregroundMark x1="30273" y1="84375" x2="67969" y2="79688"/>
-                          <a14:foregroundMark x1="67969" y1="79688" x2="67969" y2="79688"/>
-                          <a14:foregroundMark x1="18750" y1="83398" x2="18945" y2="78906"/>
-                          <a14:foregroundMark x1="18945" y1="78711" x2="18945" y2="77148"/>
-                          <a14:foregroundMark x1="18945" y1="75781" x2="18945" y2="75781"/>
-                          <a14:foregroundMark x1="18945" y1="75781" x2="18945" y2="75781"/>
-                          <a14:foregroundMark x1="27148" y1="84961" x2="15820" y2="75781"/>
-                          <a14:foregroundMark x1="18555" y1="84180" x2="41602" y2="83789"/>
-                          <a14:foregroundMark x1="41602" y1="83789" x2="41602" y2="83789"/>
-                          <a14:foregroundMark x1="79492" y1="74023" x2="79492" y2="74023"/>
-                          <a14:foregroundMark x1="81445" y1="84570" x2="74414" y2="73633"/>
-                          <a14:foregroundMark x1="83789" y1="84570" x2="81836" y2="75977"/>
-                          <a14:foregroundMark x1="81445" y1="25781" x2="37305" y2="50781"/>
-                          <a14:foregroundMark x1="81250" y1="54688" x2="50781" y2="15625"/>
-                          <a14:foregroundMark x1="50586" y1="55664" x2="83008" y2="33203"/>
-                          <a14:foregroundMark x1="87695" y1="20313" x2="88477" y2="43750"/>
-                          <a14:foregroundMark x1="82617" y1="60742" x2="14648" y2="60938"/>
-                          <a14:foregroundMark x1="11914" y1="57031" x2="11719" y2="16992"/>
-                          <a14:foregroundMark x1="13086" y1="15430" x2="85938" y2="16016"/>
-                          <a14:foregroundMark x1="86914" y1="17773" x2="87695" y2="59570"/>
-                          <a14:foregroundMark x1="88281" y1="59961" x2="11914" y2="59375"/>
-                          <a14:foregroundMark x1="49219" y1="73633" x2="48633" y2="46094"/>
-                          <a14:foregroundMark x1="82617" y1="84961" x2="27930" y2="83594"/>
-                          <a14:foregroundMark x1="87305" y1="61523" x2="41406" y2="60938"/>
-                          <a14:backgroundMark x1="43164" y1="66406" x2="39063" y2="68164"/>
-                          <a14:backgroundMark x1="56836" y1="65430" x2="58398" y2="65430"/>
-                          <a14:backgroundMark x1="58789" y1="66211" x2="55273" y2="64844"/>
-                          <a14:backgroundMark x1="37500" y1="71875" x2="34375" y2="70117"/>
-                        </a14:backgroundRemoval>
-                      </a14:imgEffect>
-                    </a14:imgLayer>
-                  </a14:imgProps>
-                </a:ext>
-                <a:ext uri="{28A0092B-C50C-407E-A947-70E740481C1C}">
-                  <a14:useLocalDpi xmlns:a14="http://schemas.microsoft.com/office/drawing/2010/main" val="0"/>
-                </a:ext>
-              </a:extLst>
-            </a:blip>
-            <a:srcRect t="11136"/>
-            <a:stretch/>
-          </p:blipFill>
-          <p:spPr bwMode="auto">
-            <a:xfrm>
-              <a:off x="6734711" y="1327397"/>
-              <a:ext cx="1509123" cy="1341063"/>
-            </a:xfrm>
-            <a:prstGeom prst="rect">
-              <a:avLst/>
-            </a:prstGeom>
+          <a:prstGeom prst="rect">
+            <a:avLst/>
+          </a:prstGeom>
+          <a:solidFill>
+            <a:schemeClr val="bg1">
+              <a:alpha val="16000"/>
+            </a:schemeClr>
+          </a:solidFill>
+          <a:ln>
             <a:noFill/>
-          </p:spPr>
-        </p:pic>
-        <p:sp>
-          <p:nvSpPr>
-            <p:cNvPr id="68" name="Espaço Reservado para Texto 1">
-              <a:extLst>
-                <a:ext uri="{FF2B5EF4-FFF2-40B4-BE49-F238E27FC236}">
-                  <a16:creationId xmlns:a16="http://schemas.microsoft.com/office/drawing/2014/main" id="{AC30D2B6-A39B-8B49-96B2-224D7C1FED1A}"/>
-                </a:ext>
-              </a:extLst>
-            </p:cNvPr>
-            <p:cNvSpPr txBox="1">
-              <a:spLocks/>
-            </p:cNvSpPr>
-            <p:nvPr/>
-          </p:nvSpPr>
-          <p:spPr>
-            <a:xfrm>
-              <a:off x="8220012" y="1071256"/>
-              <a:ext cx="2272618" cy="848648"/>
-            </a:xfrm>
-            <a:prstGeom prst="rect">
-              <a:avLst/>
-            </a:prstGeom>
-          </p:spPr>
-          <p:txBody>
-            <a:bodyPr/>
-            <a:lstStyle>
-              <a:lvl1pPr marL="391146" indent="-391146" algn="l" defTabSz="1043056" rtl="0" eaLnBrk="1" latinLnBrk="0" hangingPunct="1">
-                <a:spcBef>
-                  <a:spcPct val="20000"/>
-                </a:spcBef>
-                <a:buFont typeface="Arial" pitchFamily="34" charset="0"/>
-                <a:buChar char="•"/>
-                <a:defRPr sz="3700" kern="1200">
-                  <a:solidFill>
-                    <a:schemeClr val="tx1"/>
-                  </a:solidFill>
-                  <a:latin typeface="+mn-lt"/>
-                  <a:ea typeface="+mn-ea"/>
-                  <a:cs typeface="+mn-cs"/>
-                </a:defRPr>
-              </a:lvl1pPr>
-              <a:lvl2pPr marL="847483" indent="-325955" algn="l" defTabSz="1043056" rtl="0" eaLnBrk="1" latinLnBrk="0" hangingPunct="1">
-                <a:spcBef>
-                  <a:spcPct val="20000"/>
-                </a:spcBef>
-                <a:buFont typeface="Arial" pitchFamily="34" charset="0"/>
-                <a:buChar char="–"/>
-                <a:defRPr sz="3200" kern="1200">
-                  <a:solidFill>
-                    <a:schemeClr val="tx1"/>
-                  </a:solidFill>
-                  <a:latin typeface="+mn-lt"/>
-                  <a:ea typeface="+mn-ea"/>
-                  <a:cs typeface="+mn-cs"/>
-                </a:defRPr>
-              </a:lvl2pPr>
-              <a:lvl3pPr marL="1303820" indent="-260764" algn="l" defTabSz="1043056" rtl="0" eaLnBrk="1" latinLnBrk="0" hangingPunct="1">
-                <a:spcBef>
-                  <a:spcPct val="20000"/>
-                </a:spcBef>
-                <a:buFont typeface="Arial" pitchFamily="34" charset="0"/>
-                <a:buChar char="•"/>
-                <a:defRPr sz="2700" kern="1200">
-                  <a:solidFill>
-                    <a:schemeClr val="tx1"/>
-                  </a:solidFill>
-                  <a:latin typeface="+mn-lt"/>
-                  <a:ea typeface="+mn-ea"/>
-                  <a:cs typeface="+mn-cs"/>
-                </a:defRPr>
-              </a:lvl3pPr>
-              <a:lvl4pPr marL="1825348" indent="-260764" algn="l" defTabSz="1043056" rtl="0" eaLnBrk="1" latinLnBrk="0" hangingPunct="1">
-                <a:spcBef>
-                  <a:spcPct val="20000"/>
-                </a:spcBef>
-                <a:buFont typeface="Arial" pitchFamily="34" charset="0"/>
-                <a:buChar char="–"/>
-                <a:defRPr sz="2300" kern="1200">
-                  <a:solidFill>
-                    <a:schemeClr val="tx1"/>
-                  </a:solidFill>
-                  <a:latin typeface="+mn-lt"/>
-                  <a:ea typeface="+mn-ea"/>
-                  <a:cs typeface="+mn-cs"/>
-                </a:defRPr>
-              </a:lvl4pPr>
-              <a:lvl5pPr marL="2346876" indent="-260764" algn="l" defTabSz="1043056" rtl="0" eaLnBrk="1" latinLnBrk="0" hangingPunct="1">
-                <a:spcBef>
-                  <a:spcPct val="20000"/>
-                </a:spcBef>
-                <a:buFont typeface="Arial" pitchFamily="34" charset="0"/>
-                <a:buChar char="»"/>
-                <a:defRPr sz="2300" kern="1200">
-                  <a:solidFill>
-                    <a:schemeClr val="tx1"/>
-                  </a:solidFill>
-                  <a:latin typeface="+mn-lt"/>
-                  <a:ea typeface="+mn-ea"/>
-                  <a:cs typeface="+mn-cs"/>
-                </a:defRPr>
-              </a:lvl5pPr>
-              <a:lvl6pPr marL="2868404" indent="-260764" algn="l" defTabSz="1043056" rtl="0" eaLnBrk="1" latinLnBrk="0" hangingPunct="1">
-                <a:spcBef>
-                  <a:spcPct val="20000"/>
-                </a:spcBef>
-                <a:buFont typeface="Arial" pitchFamily="34" charset="0"/>
-                <a:buChar char="•"/>
-                <a:defRPr sz="2300" kern="1200">
-                  <a:solidFill>
-                    <a:schemeClr val="tx1"/>
-                  </a:solidFill>
-                  <a:latin typeface="+mn-lt"/>
-                  <a:ea typeface="+mn-ea"/>
-                  <a:cs typeface="+mn-cs"/>
-                </a:defRPr>
-              </a:lvl6pPr>
-              <a:lvl7pPr marL="3389932" indent="-260764" algn="l" defTabSz="1043056" rtl="0" eaLnBrk="1" latinLnBrk="0" hangingPunct="1">
-                <a:spcBef>
-                  <a:spcPct val="20000"/>
-                </a:spcBef>
-                <a:buFont typeface="Arial" pitchFamily="34" charset="0"/>
-                <a:buChar char="•"/>
-                <a:defRPr sz="2300" kern="1200">
-                  <a:solidFill>
-                    <a:schemeClr val="tx1"/>
-                  </a:solidFill>
-                  <a:latin typeface="+mn-lt"/>
-                  <a:ea typeface="+mn-ea"/>
-                  <a:cs typeface="+mn-cs"/>
-                </a:defRPr>
-              </a:lvl7pPr>
-              <a:lvl8pPr marL="3911460" indent="-260764" algn="l" defTabSz="1043056" rtl="0" eaLnBrk="1" latinLnBrk="0" hangingPunct="1">
-                <a:spcBef>
-                  <a:spcPct val="20000"/>
-                </a:spcBef>
-                <a:buFont typeface="Arial" pitchFamily="34" charset="0"/>
-                <a:buChar char="•"/>
-                <a:defRPr sz="2300" kern="1200">
-                  <a:solidFill>
-                    <a:schemeClr val="tx1"/>
-                  </a:solidFill>
-                  <a:latin typeface="+mn-lt"/>
-                  <a:ea typeface="+mn-ea"/>
-                  <a:cs typeface="+mn-cs"/>
-                </a:defRPr>
-              </a:lvl8pPr>
-              <a:lvl9pPr marL="4432988" indent="-260764" algn="l" defTabSz="1043056" rtl="0" eaLnBrk="1" latinLnBrk="0" hangingPunct="1">
-                <a:spcBef>
-                  <a:spcPct val="20000"/>
-                </a:spcBef>
-                <a:buFont typeface="Arial" pitchFamily="34" charset="0"/>
-                <a:buChar char="•"/>
-                <a:defRPr sz="2300" kern="1200">
-                  <a:solidFill>
-                    <a:schemeClr val="tx1"/>
-                  </a:solidFill>
-                  <a:latin typeface="+mn-lt"/>
-                  <a:ea typeface="+mn-ea"/>
-                  <a:cs typeface="+mn-cs"/>
-                </a:defRPr>
-              </a:lvl9pPr>
-            </a:lstStyle>
-            <a:p>
-              <a:pPr marL="0" indent="0">
-                <a:lnSpc>
-                  <a:spcPct val="150000"/>
-                </a:lnSpc>
-                <a:buNone/>
-              </a:pPr>
-              <a:r>
-                <a:rPr lang="pt-BR" sz="2000" b="1" dirty="0">
-                  <a:solidFill>
-                    <a:srgbClr val="FFFFFF"/>
-                  </a:solidFill>
-                </a:rPr>
-                <a:t>APLICAÇÃO WEB</a:t>
-              </a:r>
-            </a:p>
-          </p:txBody>
-        </p:sp>
-        <p:sp>
-          <p:nvSpPr>
-            <p:cNvPr id="69" name="Espaço Reservado para Texto 1">
-              <a:extLst>
-                <a:ext uri="{FF2B5EF4-FFF2-40B4-BE49-F238E27FC236}">
-                  <a16:creationId xmlns:a16="http://schemas.microsoft.com/office/drawing/2014/main" id="{AC30D2B6-A39B-8B49-96B2-224D7C1FED1A}"/>
-                </a:ext>
-              </a:extLst>
-            </p:cNvPr>
-            <p:cNvSpPr txBox="1">
-              <a:spLocks/>
-            </p:cNvSpPr>
-            <p:nvPr/>
-          </p:nvSpPr>
-          <p:spPr>
-            <a:xfrm>
-              <a:off x="8220011" y="1634347"/>
-              <a:ext cx="3465848" cy="848648"/>
-            </a:xfrm>
-            <a:prstGeom prst="rect">
-              <a:avLst/>
-            </a:prstGeom>
-          </p:spPr>
-          <p:txBody>
-            <a:bodyPr/>
-            <a:lstStyle>
-              <a:lvl1pPr marL="391146" indent="-391146" algn="l" defTabSz="1043056" rtl="0" eaLnBrk="1" latinLnBrk="0" hangingPunct="1">
-                <a:spcBef>
-                  <a:spcPct val="20000"/>
-                </a:spcBef>
-                <a:buFont typeface="Arial" pitchFamily="34" charset="0"/>
-                <a:buChar char="•"/>
-                <a:defRPr sz="3700" kern="1200">
-                  <a:solidFill>
-                    <a:schemeClr val="tx1"/>
-                  </a:solidFill>
-                  <a:latin typeface="+mn-lt"/>
-                  <a:ea typeface="+mn-ea"/>
-                  <a:cs typeface="+mn-cs"/>
-                </a:defRPr>
-              </a:lvl1pPr>
-              <a:lvl2pPr marL="847483" indent="-325955" algn="l" defTabSz="1043056" rtl="0" eaLnBrk="1" latinLnBrk="0" hangingPunct="1">
-                <a:spcBef>
-                  <a:spcPct val="20000"/>
-                </a:spcBef>
-                <a:buFont typeface="Arial" pitchFamily="34" charset="0"/>
-                <a:buChar char="–"/>
-                <a:defRPr sz="3200" kern="1200">
-                  <a:solidFill>
-                    <a:schemeClr val="tx1"/>
-                  </a:solidFill>
-                  <a:latin typeface="+mn-lt"/>
-                  <a:ea typeface="+mn-ea"/>
-                  <a:cs typeface="+mn-cs"/>
-                </a:defRPr>
-              </a:lvl2pPr>
-              <a:lvl3pPr marL="1303820" indent="-260764" algn="l" defTabSz="1043056" rtl="0" eaLnBrk="1" latinLnBrk="0" hangingPunct="1">
-                <a:spcBef>
-                  <a:spcPct val="20000"/>
-                </a:spcBef>
-                <a:buFont typeface="Arial" pitchFamily="34" charset="0"/>
-                <a:buChar char="•"/>
-                <a:defRPr sz="2700" kern="1200">
-                  <a:solidFill>
-                    <a:schemeClr val="tx1"/>
-                  </a:solidFill>
-                  <a:latin typeface="+mn-lt"/>
-                  <a:ea typeface="+mn-ea"/>
-                  <a:cs typeface="+mn-cs"/>
-                </a:defRPr>
-              </a:lvl3pPr>
-              <a:lvl4pPr marL="1825348" indent="-260764" algn="l" defTabSz="1043056" rtl="0" eaLnBrk="1" latinLnBrk="0" hangingPunct="1">
-                <a:spcBef>
-                  <a:spcPct val="20000"/>
-                </a:spcBef>
-                <a:buFont typeface="Arial" pitchFamily="34" charset="0"/>
-                <a:buChar char="–"/>
-                <a:defRPr sz="2300" kern="1200">
-                  <a:solidFill>
-                    <a:schemeClr val="tx1"/>
-                  </a:solidFill>
-                  <a:latin typeface="+mn-lt"/>
-                  <a:ea typeface="+mn-ea"/>
-                  <a:cs typeface="+mn-cs"/>
-                </a:defRPr>
-              </a:lvl4pPr>
-              <a:lvl5pPr marL="2346876" indent="-260764" algn="l" defTabSz="1043056" rtl="0" eaLnBrk="1" latinLnBrk="0" hangingPunct="1">
-                <a:spcBef>
-                  <a:spcPct val="20000"/>
-                </a:spcBef>
-                <a:buFont typeface="Arial" pitchFamily="34" charset="0"/>
-                <a:buChar char="»"/>
-                <a:defRPr sz="2300" kern="1200">
-                  <a:solidFill>
-                    <a:schemeClr val="tx1"/>
-                  </a:solidFill>
-                  <a:latin typeface="+mn-lt"/>
-                  <a:ea typeface="+mn-ea"/>
-                  <a:cs typeface="+mn-cs"/>
-                </a:defRPr>
-              </a:lvl5pPr>
-              <a:lvl6pPr marL="2868404" indent="-260764" algn="l" defTabSz="1043056" rtl="0" eaLnBrk="1" latinLnBrk="0" hangingPunct="1">
-                <a:spcBef>
-                  <a:spcPct val="20000"/>
-                </a:spcBef>
-                <a:buFont typeface="Arial" pitchFamily="34" charset="0"/>
-                <a:buChar char="•"/>
-                <a:defRPr sz="2300" kern="1200">
-                  <a:solidFill>
-                    <a:schemeClr val="tx1"/>
-                  </a:solidFill>
-                  <a:latin typeface="+mn-lt"/>
-                  <a:ea typeface="+mn-ea"/>
-                  <a:cs typeface="+mn-cs"/>
-                </a:defRPr>
-              </a:lvl6pPr>
-              <a:lvl7pPr marL="3389932" indent="-260764" algn="l" defTabSz="1043056" rtl="0" eaLnBrk="1" latinLnBrk="0" hangingPunct="1">
-                <a:spcBef>
-                  <a:spcPct val="20000"/>
-                </a:spcBef>
-                <a:buFont typeface="Arial" pitchFamily="34" charset="0"/>
-                <a:buChar char="•"/>
-                <a:defRPr sz="2300" kern="1200">
-                  <a:solidFill>
-                    <a:schemeClr val="tx1"/>
-                  </a:solidFill>
-                  <a:latin typeface="+mn-lt"/>
-                  <a:ea typeface="+mn-ea"/>
-                  <a:cs typeface="+mn-cs"/>
-                </a:defRPr>
-              </a:lvl7pPr>
-              <a:lvl8pPr marL="3911460" indent="-260764" algn="l" defTabSz="1043056" rtl="0" eaLnBrk="1" latinLnBrk="0" hangingPunct="1">
-                <a:spcBef>
-                  <a:spcPct val="20000"/>
-                </a:spcBef>
-                <a:buFont typeface="Arial" pitchFamily="34" charset="0"/>
-                <a:buChar char="•"/>
-                <a:defRPr sz="2300" kern="1200">
-                  <a:solidFill>
-                    <a:schemeClr val="tx1"/>
-                  </a:solidFill>
-                  <a:latin typeface="+mn-lt"/>
-                  <a:ea typeface="+mn-ea"/>
-                  <a:cs typeface="+mn-cs"/>
-                </a:defRPr>
-              </a:lvl8pPr>
-              <a:lvl9pPr marL="4432988" indent="-260764" algn="l" defTabSz="1043056" rtl="0" eaLnBrk="1" latinLnBrk="0" hangingPunct="1">
-                <a:spcBef>
-                  <a:spcPct val="20000"/>
-                </a:spcBef>
-                <a:buFont typeface="Arial" pitchFamily="34" charset="0"/>
-                <a:buChar char="•"/>
-                <a:defRPr sz="2300" kern="1200">
-                  <a:solidFill>
-                    <a:schemeClr val="tx1"/>
-                  </a:solidFill>
-                  <a:latin typeface="+mn-lt"/>
-                  <a:ea typeface="+mn-ea"/>
-                  <a:cs typeface="+mn-cs"/>
-                </a:defRPr>
-              </a:lvl9pPr>
-            </a:lstStyle>
-            <a:p>
-              <a:pPr marL="0" indent="0">
-                <a:buNone/>
-              </a:pPr>
-              <a:r>
-                <a:rPr lang="pt-BR" sz="1400" b="1" dirty="0">
-                  <a:solidFill>
-                    <a:srgbClr val="FFFFFF"/>
-                  </a:solidFill>
-                </a:rPr>
-                <a:t>- MONITORAMENTO DAS MÁQUINAS</a:t>
-              </a:r>
-            </a:p>
-            <a:p>
-              <a:pPr marL="0" indent="0">
-                <a:buNone/>
-              </a:pPr>
-              <a:r>
-                <a:rPr lang="pt-BR" sz="1400" b="1" dirty="0">
-                  <a:solidFill>
-                    <a:srgbClr val="FFFFFF"/>
-                  </a:solidFill>
-                </a:rPr>
-                <a:t>- CADASTRO CAMPEONATO/MÁQUINA</a:t>
-              </a:r>
-            </a:p>
-            <a:p>
-              <a:pPr marL="0" indent="0">
-                <a:buNone/>
-              </a:pPr>
-              <a:r>
-                <a:rPr lang="pt-BR" sz="1400" b="1" dirty="0">
-                  <a:solidFill>
-                    <a:srgbClr val="FFFFFF"/>
-                  </a:solidFill>
-                </a:rPr>
-                <a:t>- MONITORAMENTO DAS STREAMS</a:t>
-              </a:r>
-            </a:p>
-          </p:txBody>
-        </p:sp>
-        <p:pic>
-          <p:nvPicPr>
-            <p:cNvPr id="100" name="Picture 10" descr="Imagem relacionada"/>
-            <p:cNvPicPr>
-              <a:picLocks noChangeAspect="1" noChangeArrowheads="1"/>
-            </p:cNvPicPr>
-            <p:nvPr/>
-          </p:nvPicPr>
-          <p:blipFill>
-            <a:blip r:embed="rId14">
-              <a:extLst>
-                <a:ext uri="{BEBA8EAE-BF5A-486C-A8C5-ECC9F3942E4B}">
-                  <a14:imgProps xmlns:a14="http://schemas.microsoft.com/office/drawing/2010/main">
-                    <a14:imgLayer r:embed="rId15">
-                      <a14:imgEffect>
-                        <a14:backgroundRemoval t="10000" b="90000" l="10000" r="90000"/>
-                      </a14:imgEffect>
-                    </a14:imgLayer>
-                  </a14:imgProps>
-                </a:ext>
-                <a:ext uri="{28A0092B-C50C-407E-A947-70E740481C1C}">
-                  <a14:useLocalDpi xmlns:a14="http://schemas.microsoft.com/office/drawing/2010/main" val="0"/>
-                </a:ext>
-              </a:extLst>
-            </a:blip>
-            <a:srcRect/>
-            <a:stretch>
-              <a:fillRect/>
-            </a:stretch>
-          </p:blipFill>
-          <p:spPr bwMode="auto">
-            <a:xfrm>
-              <a:off x="6561417" y="1743313"/>
-              <a:ext cx="949089" cy="949089"/>
-            </a:xfrm>
-            <a:prstGeom prst="rect">
-              <a:avLst/>
-            </a:prstGeom>
+          </a:ln>
+        </p:spPr>
+        <p:style>
+          <a:lnRef idx="2">
+            <a:schemeClr val="accent1">
+              <a:shade val="50000"/>
+            </a:schemeClr>
+          </a:lnRef>
+          <a:fillRef idx="1">
+            <a:schemeClr val="accent1"/>
+          </a:fillRef>
+          <a:effectRef idx="0">
+            <a:schemeClr val="accent1"/>
+          </a:effectRef>
+          <a:fontRef idx="minor">
+            <a:schemeClr val="lt1"/>
+          </a:fontRef>
+        </p:style>
+        <p:txBody>
+          <a:bodyPr rtlCol="0" anchor="ctr"/>
+          <a:lstStyle/>
+          <a:p>
+            <a:pPr algn="ctr"/>
+            <a:endParaRPr lang="pt-BR"/>
+          </a:p>
+        </p:txBody>
+      </p:sp>
+      <p:pic>
+        <p:nvPicPr>
+          <p:cNvPr id="99" name="Picture 18" descr="Resultado de imagem para pc icon"/>
+          <p:cNvPicPr>
+            <a:picLocks noChangeAspect="1" noChangeArrowheads="1"/>
+          </p:cNvPicPr>
+          <p:nvPr/>
+        </p:nvPicPr>
+        <p:blipFill rotWithShape="1">
+          <a:blip r:embed="rId12">
+            <a:extLst>
+              <a:ext uri="{BEBA8EAE-BF5A-486C-A8C5-ECC9F3942E4B}">
+                <a14:imgProps xmlns:a14="http://schemas.microsoft.com/office/drawing/2010/main">
+                  <a14:imgLayer r:embed="rId13">
+                    <a14:imgEffect>
+                      <a14:backgroundRemoval t="12305" b="89844" l="7813" r="89844">
+                        <a14:foregroundMark x1="20313" y1="74219" x2="81055" y2="83398"/>
+                        <a14:foregroundMark x1="30273" y1="84375" x2="67969" y2="79688"/>
+                        <a14:foregroundMark x1="67969" y1="79688" x2="67969" y2="79688"/>
+                        <a14:foregroundMark x1="18750" y1="83398" x2="18945" y2="78906"/>
+                        <a14:foregroundMark x1="18945" y1="78711" x2="18945" y2="77148"/>
+                        <a14:foregroundMark x1="18945" y1="75781" x2="18945" y2="75781"/>
+                        <a14:foregroundMark x1="18945" y1="75781" x2="18945" y2="75781"/>
+                        <a14:foregroundMark x1="27148" y1="84961" x2="15820" y2="75781"/>
+                        <a14:foregroundMark x1="18555" y1="84180" x2="41602" y2="83789"/>
+                        <a14:foregroundMark x1="41602" y1="83789" x2="41602" y2="83789"/>
+                        <a14:foregroundMark x1="79492" y1="74023" x2="79492" y2="74023"/>
+                        <a14:foregroundMark x1="81445" y1="84570" x2="74414" y2="73633"/>
+                        <a14:foregroundMark x1="83789" y1="84570" x2="81836" y2="75977"/>
+                        <a14:foregroundMark x1="81445" y1="25781" x2="37305" y2="50781"/>
+                        <a14:foregroundMark x1="81250" y1="54688" x2="50781" y2="15625"/>
+                        <a14:foregroundMark x1="50586" y1="55664" x2="83008" y2="33203"/>
+                        <a14:foregroundMark x1="87695" y1="20313" x2="88477" y2="43750"/>
+                        <a14:foregroundMark x1="82617" y1="60742" x2="14648" y2="60938"/>
+                        <a14:foregroundMark x1="11914" y1="57031" x2="11719" y2="16992"/>
+                        <a14:foregroundMark x1="13086" y1="15430" x2="85938" y2="16016"/>
+                        <a14:foregroundMark x1="86914" y1="17773" x2="87695" y2="59570"/>
+                        <a14:foregroundMark x1="88281" y1="59961" x2="11914" y2="59375"/>
+                        <a14:foregroundMark x1="49219" y1="73633" x2="48633" y2="46094"/>
+                        <a14:foregroundMark x1="82617" y1="84961" x2="27930" y2="83594"/>
+                        <a14:foregroundMark x1="87305" y1="61523" x2="41406" y2="60938"/>
+                        <a14:backgroundMark x1="43164" y1="66406" x2="39063" y2="68164"/>
+                        <a14:backgroundMark x1="56836" y1="65430" x2="58398" y2="65430"/>
+                        <a14:backgroundMark x1="58789" y1="66211" x2="55273" y2="64844"/>
+                        <a14:backgroundMark x1="37500" y1="71875" x2="34375" y2="70117"/>
+                      </a14:backgroundRemoval>
+                    </a14:imgEffect>
+                  </a14:imgLayer>
+                </a14:imgProps>
+              </a:ext>
+              <a:ext uri="{28A0092B-C50C-407E-A947-70E740481C1C}">
+                <a14:useLocalDpi xmlns:a14="http://schemas.microsoft.com/office/drawing/2010/main" val="0"/>
+              </a:ext>
+            </a:extLst>
+          </a:blip>
+          <a:srcRect t="11136"/>
+          <a:stretch/>
+        </p:blipFill>
+        <p:spPr bwMode="auto">
+          <a:xfrm>
+            <a:off x="4652823" y="1237797"/>
+            <a:ext cx="1509123" cy="1341063"/>
+          </a:xfrm>
+          <a:prstGeom prst="rect">
+            <a:avLst/>
+          </a:prstGeom>
+          <a:noFill/>
+        </p:spPr>
+      </p:pic>
+      <p:sp>
+        <p:nvSpPr>
+          <p:cNvPr id="68" name="Espaço Reservado para Texto 1">
+            <a:extLst>
+              <a:ext uri="{FF2B5EF4-FFF2-40B4-BE49-F238E27FC236}">
+                <a16:creationId xmlns:a16="http://schemas.microsoft.com/office/drawing/2014/main" id="{AC30D2B6-A39B-8B49-96B2-224D7C1FED1A}"/>
+              </a:ext>
+            </a:extLst>
+          </p:cNvPr>
+          <p:cNvSpPr txBox="1">
+            <a:spLocks/>
+          </p:cNvSpPr>
+          <p:nvPr/>
+        </p:nvSpPr>
+        <p:spPr>
+          <a:xfrm>
+            <a:off x="6138124" y="981656"/>
+            <a:ext cx="2272618" cy="848648"/>
+          </a:xfrm>
+          <a:prstGeom prst="rect">
+            <a:avLst/>
+          </a:prstGeom>
+        </p:spPr>
+        <p:txBody>
+          <a:bodyPr/>
+          <a:lstStyle>
+            <a:lvl1pPr marL="391146" indent="-391146" algn="l" defTabSz="1043056" rtl="0" eaLnBrk="1" latinLnBrk="0" hangingPunct="1">
+              <a:spcBef>
+                <a:spcPct val="20000"/>
+              </a:spcBef>
+              <a:buFont typeface="Arial" pitchFamily="34" charset="0"/>
+              <a:buChar char="•"/>
+              <a:defRPr sz="3700" kern="1200">
+                <a:solidFill>
+                  <a:schemeClr val="tx1"/>
+                </a:solidFill>
+                <a:latin typeface="+mn-lt"/>
+                <a:ea typeface="+mn-ea"/>
+                <a:cs typeface="+mn-cs"/>
+              </a:defRPr>
+            </a:lvl1pPr>
+            <a:lvl2pPr marL="847483" indent="-325955" algn="l" defTabSz="1043056" rtl="0" eaLnBrk="1" latinLnBrk="0" hangingPunct="1">
+              <a:spcBef>
+                <a:spcPct val="20000"/>
+              </a:spcBef>
+              <a:buFont typeface="Arial" pitchFamily="34" charset="0"/>
+              <a:buChar char="–"/>
+              <a:defRPr sz="3200" kern="1200">
+                <a:solidFill>
+                  <a:schemeClr val="tx1"/>
+                </a:solidFill>
+                <a:latin typeface="+mn-lt"/>
+                <a:ea typeface="+mn-ea"/>
+                <a:cs typeface="+mn-cs"/>
+              </a:defRPr>
+            </a:lvl2pPr>
+            <a:lvl3pPr marL="1303820" indent="-260764" algn="l" defTabSz="1043056" rtl="0" eaLnBrk="1" latinLnBrk="0" hangingPunct="1">
+              <a:spcBef>
+                <a:spcPct val="20000"/>
+              </a:spcBef>
+              <a:buFont typeface="Arial" pitchFamily="34" charset="0"/>
+              <a:buChar char="•"/>
+              <a:defRPr sz="2700" kern="1200">
+                <a:solidFill>
+                  <a:schemeClr val="tx1"/>
+                </a:solidFill>
+                <a:latin typeface="+mn-lt"/>
+                <a:ea typeface="+mn-ea"/>
+                <a:cs typeface="+mn-cs"/>
+              </a:defRPr>
+            </a:lvl3pPr>
+            <a:lvl4pPr marL="1825348" indent="-260764" algn="l" defTabSz="1043056" rtl="0" eaLnBrk="1" latinLnBrk="0" hangingPunct="1">
+              <a:spcBef>
+                <a:spcPct val="20000"/>
+              </a:spcBef>
+              <a:buFont typeface="Arial" pitchFamily="34" charset="0"/>
+              <a:buChar char="–"/>
+              <a:defRPr sz="2300" kern="1200">
+                <a:solidFill>
+                  <a:schemeClr val="tx1"/>
+                </a:solidFill>
+                <a:latin typeface="+mn-lt"/>
+                <a:ea typeface="+mn-ea"/>
+                <a:cs typeface="+mn-cs"/>
+              </a:defRPr>
+            </a:lvl4pPr>
+            <a:lvl5pPr marL="2346876" indent="-260764" algn="l" defTabSz="1043056" rtl="0" eaLnBrk="1" latinLnBrk="0" hangingPunct="1">
+              <a:spcBef>
+                <a:spcPct val="20000"/>
+              </a:spcBef>
+              <a:buFont typeface="Arial" pitchFamily="34" charset="0"/>
+              <a:buChar char="»"/>
+              <a:defRPr sz="2300" kern="1200">
+                <a:solidFill>
+                  <a:schemeClr val="tx1"/>
+                </a:solidFill>
+                <a:latin typeface="+mn-lt"/>
+                <a:ea typeface="+mn-ea"/>
+                <a:cs typeface="+mn-cs"/>
+              </a:defRPr>
+            </a:lvl5pPr>
+            <a:lvl6pPr marL="2868404" indent="-260764" algn="l" defTabSz="1043056" rtl="0" eaLnBrk="1" latinLnBrk="0" hangingPunct="1">
+              <a:spcBef>
+                <a:spcPct val="20000"/>
+              </a:spcBef>
+              <a:buFont typeface="Arial" pitchFamily="34" charset="0"/>
+              <a:buChar char="•"/>
+              <a:defRPr sz="2300" kern="1200">
+                <a:solidFill>
+                  <a:schemeClr val="tx1"/>
+                </a:solidFill>
+                <a:latin typeface="+mn-lt"/>
+                <a:ea typeface="+mn-ea"/>
+                <a:cs typeface="+mn-cs"/>
+              </a:defRPr>
+            </a:lvl6pPr>
+            <a:lvl7pPr marL="3389932" indent="-260764" algn="l" defTabSz="1043056" rtl="0" eaLnBrk="1" latinLnBrk="0" hangingPunct="1">
+              <a:spcBef>
+                <a:spcPct val="20000"/>
+              </a:spcBef>
+              <a:buFont typeface="Arial" pitchFamily="34" charset="0"/>
+              <a:buChar char="•"/>
+              <a:defRPr sz="2300" kern="1200">
+                <a:solidFill>
+                  <a:schemeClr val="tx1"/>
+                </a:solidFill>
+                <a:latin typeface="+mn-lt"/>
+                <a:ea typeface="+mn-ea"/>
+                <a:cs typeface="+mn-cs"/>
+              </a:defRPr>
+            </a:lvl7pPr>
+            <a:lvl8pPr marL="3911460" indent="-260764" algn="l" defTabSz="1043056" rtl="0" eaLnBrk="1" latinLnBrk="0" hangingPunct="1">
+              <a:spcBef>
+                <a:spcPct val="20000"/>
+              </a:spcBef>
+              <a:buFont typeface="Arial" pitchFamily="34" charset="0"/>
+              <a:buChar char="•"/>
+              <a:defRPr sz="2300" kern="1200">
+                <a:solidFill>
+                  <a:schemeClr val="tx1"/>
+                </a:solidFill>
+                <a:latin typeface="+mn-lt"/>
+                <a:ea typeface="+mn-ea"/>
+                <a:cs typeface="+mn-cs"/>
+              </a:defRPr>
+            </a:lvl8pPr>
+            <a:lvl9pPr marL="4432988" indent="-260764" algn="l" defTabSz="1043056" rtl="0" eaLnBrk="1" latinLnBrk="0" hangingPunct="1">
+              <a:spcBef>
+                <a:spcPct val="20000"/>
+              </a:spcBef>
+              <a:buFont typeface="Arial" pitchFamily="34" charset="0"/>
+              <a:buChar char="•"/>
+              <a:defRPr sz="2300" kern="1200">
+                <a:solidFill>
+                  <a:schemeClr val="tx1"/>
+                </a:solidFill>
+                <a:latin typeface="+mn-lt"/>
+                <a:ea typeface="+mn-ea"/>
+                <a:cs typeface="+mn-cs"/>
+              </a:defRPr>
+            </a:lvl9pPr>
+          </a:lstStyle>
+          <a:p>
+            <a:pPr marL="0" indent="0">
+              <a:lnSpc>
+                <a:spcPct val="150000"/>
+              </a:lnSpc>
+              <a:buNone/>
+            </a:pPr>
+            <a:r>
+              <a:rPr lang="pt-BR" sz="2000" b="1" dirty="0">
+                <a:solidFill>
+                  <a:srgbClr val="FFFFFF"/>
+                </a:solidFill>
+              </a:rPr>
+              <a:t>APLICAÇÃO WEB</a:t>
+            </a:r>
+          </a:p>
+        </p:txBody>
+      </p:sp>
+      <p:sp>
+        <p:nvSpPr>
+          <p:cNvPr id="69" name="Espaço Reservado para Texto 1">
+            <a:extLst>
+              <a:ext uri="{FF2B5EF4-FFF2-40B4-BE49-F238E27FC236}">
+                <a16:creationId xmlns:a16="http://schemas.microsoft.com/office/drawing/2014/main" id="{AC30D2B6-A39B-8B49-96B2-224D7C1FED1A}"/>
+              </a:ext>
+            </a:extLst>
+          </p:cNvPr>
+          <p:cNvSpPr txBox="1">
+            <a:spLocks/>
+          </p:cNvSpPr>
+          <p:nvPr/>
+        </p:nvSpPr>
+        <p:spPr>
+          <a:xfrm>
+            <a:off x="6138123" y="1544747"/>
+            <a:ext cx="3465848" cy="848648"/>
+          </a:xfrm>
+          <a:prstGeom prst="rect">
+            <a:avLst/>
+          </a:prstGeom>
+        </p:spPr>
+        <p:txBody>
+          <a:bodyPr/>
+          <a:lstStyle>
+            <a:lvl1pPr marL="391146" indent="-391146" algn="l" defTabSz="1043056" rtl="0" eaLnBrk="1" latinLnBrk="0" hangingPunct="1">
+              <a:spcBef>
+                <a:spcPct val="20000"/>
+              </a:spcBef>
+              <a:buFont typeface="Arial" pitchFamily="34" charset="0"/>
+              <a:buChar char="•"/>
+              <a:defRPr sz="3700" kern="1200">
+                <a:solidFill>
+                  <a:schemeClr val="tx1"/>
+                </a:solidFill>
+                <a:latin typeface="+mn-lt"/>
+                <a:ea typeface="+mn-ea"/>
+                <a:cs typeface="+mn-cs"/>
+              </a:defRPr>
+            </a:lvl1pPr>
+            <a:lvl2pPr marL="847483" indent="-325955" algn="l" defTabSz="1043056" rtl="0" eaLnBrk="1" latinLnBrk="0" hangingPunct="1">
+              <a:spcBef>
+                <a:spcPct val="20000"/>
+              </a:spcBef>
+              <a:buFont typeface="Arial" pitchFamily="34" charset="0"/>
+              <a:buChar char="–"/>
+              <a:defRPr sz="3200" kern="1200">
+                <a:solidFill>
+                  <a:schemeClr val="tx1"/>
+                </a:solidFill>
+                <a:latin typeface="+mn-lt"/>
+                <a:ea typeface="+mn-ea"/>
+                <a:cs typeface="+mn-cs"/>
+              </a:defRPr>
+            </a:lvl2pPr>
+            <a:lvl3pPr marL="1303820" indent="-260764" algn="l" defTabSz="1043056" rtl="0" eaLnBrk="1" latinLnBrk="0" hangingPunct="1">
+              <a:spcBef>
+                <a:spcPct val="20000"/>
+              </a:spcBef>
+              <a:buFont typeface="Arial" pitchFamily="34" charset="0"/>
+              <a:buChar char="•"/>
+              <a:defRPr sz="2700" kern="1200">
+                <a:solidFill>
+                  <a:schemeClr val="tx1"/>
+                </a:solidFill>
+                <a:latin typeface="+mn-lt"/>
+                <a:ea typeface="+mn-ea"/>
+                <a:cs typeface="+mn-cs"/>
+              </a:defRPr>
+            </a:lvl3pPr>
+            <a:lvl4pPr marL="1825348" indent="-260764" algn="l" defTabSz="1043056" rtl="0" eaLnBrk="1" latinLnBrk="0" hangingPunct="1">
+              <a:spcBef>
+                <a:spcPct val="20000"/>
+              </a:spcBef>
+              <a:buFont typeface="Arial" pitchFamily="34" charset="0"/>
+              <a:buChar char="–"/>
+              <a:defRPr sz="2300" kern="1200">
+                <a:solidFill>
+                  <a:schemeClr val="tx1"/>
+                </a:solidFill>
+                <a:latin typeface="+mn-lt"/>
+                <a:ea typeface="+mn-ea"/>
+                <a:cs typeface="+mn-cs"/>
+              </a:defRPr>
+            </a:lvl4pPr>
+            <a:lvl5pPr marL="2346876" indent="-260764" algn="l" defTabSz="1043056" rtl="0" eaLnBrk="1" latinLnBrk="0" hangingPunct="1">
+              <a:spcBef>
+                <a:spcPct val="20000"/>
+              </a:spcBef>
+              <a:buFont typeface="Arial" pitchFamily="34" charset="0"/>
+              <a:buChar char="»"/>
+              <a:defRPr sz="2300" kern="1200">
+                <a:solidFill>
+                  <a:schemeClr val="tx1"/>
+                </a:solidFill>
+                <a:latin typeface="+mn-lt"/>
+                <a:ea typeface="+mn-ea"/>
+                <a:cs typeface="+mn-cs"/>
+              </a:defRPr>
+            </a:lvl5pPr>
+            <a:lvl6pPr marL="2868404" indent="-260764" algn="l" defTabSz="1043056" rtl="0" eaLnBrk="1" latinLnBrk="0" hangingPunct="1">
+              <a:spcBef>
+                <a:spcPct val="20000"/>
+              </a:spcBef>
+              <a:buFont typeface="Arial" pitchFamily="34" charset="0"/>
+              <a:buChar char="•"/>
+              <a:defRPr sz="2300" kern="1200">
+                <a:solidFill>
+                  <a:schemeClr val="tx1"/>
+                </a:solidFill>
+                <a:latin typeface="+mn-lt"/>
+                <a:ea typeface="+mn-ea"/>
+                <a:cs typeface="+mn-cs"/>
+              </a:defRPr>
+            </a:lvl6pPr>
+            <a:lvl7pPr marL="3389932" indent="-260764" algn="l" defTabSz="1043056" rtl="0" eaLnBrk="1" latinLnBrk="0" hangingPunct="1">
+              <a:spcBef>
+                <a:spcPct val="20000"/>
+              </a:spcBef>
+              <a:buFont typeface="Arial" pitchFamily="34" charset="0"/>
+              <a:buChar char="•"/>
+              <a:defRPr sz="2300" kern="1200">
+                <a:solidFill>
+                  <a:schemeClr val="tx1"/>
+                </a:solidFill>
+                <a:latin typeface="+mn-lt"/>
+                <a:ea typeface="+mn-ea"/>
+                <a:cs typeface="+mn-cs"/>
+              </a:defRPr>
+            </a:lvl7pPr>
+            <a:lvl8pPr marL="3911460" indent="-260764" algn="l" defTabSz="1043056" rtl="0" eaLnBrk="1" latinLnBrk="0" hangingPunct="1">
+              <a:spcBef>
+                <a:spcPct val="20000"/>
+              </a:spcBef>
+              <a:buFont typeface="Arial" pitchFamily="34" charset="0"/>
+              <a:buChar char="•"/>
+              <a:defRPr sz="2300" kern="1200">
+                <a:solidFill>
+                  <a:schemeClr val="tx1"/>
+                </a:solidFill>
+                <a:latin typeface="+mn-lt"/>
+                <a:ea typeface="+mn-ea"/>
+                <a:cs typeface="+mn-cs"/>
+              </a:defRPr>
+            </a:lvl8pPr>
+            <a:lvl9pPr marL="4432988" indent="-260764" algn="l" defTabSz="1043056" rtl="0" eaLnBrk="1" latinLnBrk="0" hangingPunct="1">
+              <a:spcBef>
+                <a:spcPct val="20000"/>
+              </a:spcBef>
+              <a:buFont typeface="Arial" pitchFamily="34" charset="0"/>
+              <a:buChar char="•"/>
+              <a:defRPr sz="2300" kern="1200">
+                <a:solidFill>
+                  <a:schemeClr val="tx1"/>
+                </a:solidFill>
+                <a:latin typeface="+mn-lt"/>
+                <a:ea typeface="+mn-ea"/>
+                <a:cs typeface="+mn-cs"/>
+              </a:defRPr>
+            </a:lvl9pPr>
+          </a:lstStyle>
+          <a:p>
+            <a:pPr marL="0" indent="0">
+              <a:buNone/>
+            </a:pPr>
+            <a:r>
+              <a:rPr lang="pt-BR" sz="1400" b="1" dirty="0">
+                <a:solidFill>
+                  <a:srgbClr val="FFFFFF"/>
+                </a:solidFill>
+              </a:rPr>
+              <a:t>- MONITORAMENTO DAS MÁQUINAS</a:t>
+            </a:r>
+          </a:p>
+          <a:p>
+            <a:pPr marL="0" indent="0">
+              <a:buNone/>
+            </a:pPr>
+            <a:r>
+              <a:rPr lang="pt-BR" sz="1400" b="1" dirty="0">
+                <a:solidFill>
+                  <a:srgbClr val="FFFFFF"/>
+                </a:solidFill>
+              </a:rPr>
+              <a:t>- CADASTRO CAMPEONATO/MÁQUINA</a:t>
+            </a:r>
+          </a:p>
+          <a:p>
+            <a:pPr marL="0" indent="0">
+              <a:buNone/>
+            </a:pPr>
+            <a:r>
+              <a:rPr lang="pt-BR" sz="1400" b="1" dirty="0">
+                <a:solidFill>
+                  <a:srgbClr val="FFFFFF"/>
+                </a:solidFill>
+              </a:rPr>
+              <a:t>- MONITORAMENTO DAS STREAMS</a:t>
+            </a:r>
+          </a:p>
+        </p:txBody>
+      </p:sp>
+      <p:pic>
+        <p:nvPicPr>
+          <p:cNvPr id="100" name="Picture 10" descr="Imagem relacionada"/>
+          <p:cNvPicPr>
+            <a:picLocks noChangeAspect="1" noChangeArrowheads="1"/>
+          </p:cNvPicPr>
+          <p:nvPr/>
+        </p:nvPicPr>
+        <p:blipFill>
+          <a:blip r:embed="rId14">
+            <a:extLst>
+              <a:ext uri="{BEBA8EAE-BF5A-486C-A8C5-ECC9F3942E4B}">
+                <a14:imgProps xmlns:a14="http://schemas.microsoft.com/office/drawing/2010/main">
+                  <a14:imgLayer r:embed="rId15">
+                    <a14:imgEffect>
+                      <a14:backgroundRemoval t="10000" b="90000" l="10000" r="90000"/>
+                    </a14:imgEffect>
+                  </a14:imgLayer>
+                </a14:imgProps>
+              </a:ext>
+              <a:ext uri="{28A0092B-C50C-407E-A947-70E740481C1C}">
+                <a14:useLocalDpi xmlns:a14="http://schemas.microsoft.com/office/drawing/2010/main" val="0"/>
+              </a:ext>
+            </a:extLst>
+          </a:blip>
+          <a:srcRect/>
+          <a:stretch>
+            <a:fillRect/>
+          </a:stretch>
+        </p:blipFill>
+        <p:spPr bwMode="auto">
+          <a:xfrm>
+            <a:off x="4479529" y="1653713"/>
+            <a:ext cx="949089" cy="949089"/>
+          </a:xfrm>
+          <a:prstGeom prst="rect">
+            <a:avLst/>
+          </a:prstGeom>
+          <a:noFill/>
+          <a:extLst>
+            <a:ext uri="{909E8E84-426E-40DD-AFC4-6F175D3DCCD1}">
+              <a14:hiddenFill xmlns:a14="http://schemas.microsoft.com/office/drawing/2010/main">
+                <a:solidFill>
+                  <a:srgbClr val="FFFFFF"/>
+                </a:solidFill>
+              </a14:hiddenFill>
+            </a:ext>
+          </a:extLst>
+        </p:spPr>
+      </p:pic>
+      <p:sp>
+        <p:nvSpPr>
+          <p:cNvPr id="88" name="Retângulo 87"/>
+          <p:cNvSpPr/>
+          <p:nvPr/>
+        </p:nvSpPr>
+        <p:spPr>
+          <a:xfrm>
+            <a:off x="4567514" y="4112613"/>
+            <a:ext cx="5253370" cy="2206599"/>
+          </a:xfrm>
+          <a:prstGeom prst="rect">
+            <a:avLst/>
+          </a:prstGeom>
+          <a:solidFill>
+            <a:schemeClr val="bg1">
+              <a:alpha val="16000"/>
+            </a:schemeClr>
+          </a:solidFill>
+          <a:ln>
             <a:noFill/>
-            <a:extLst>
-              <a:ext uri="{909E8E84-426E-40DD-AFC4-6F175D3DCCD1}">
-                <a14:hiddenFill xmlns:a14="http://schemas.microsoft.com/office/drawing/2010/main">
-                  <a:solidFill>
-                    <a:srgbClr val="FFFFFF"/>
-                  </a:solidFill>
-                </a14:hiddenFill>
-              </a:ext>
-            </a:extLst>
-          </p:spPr>
-        </p:pic>
-      </p:grpSp>
-      <p:grpSp>
-        <p:nvGrpSpPr>
-          <p:cNvPr id="75" name="Agrupar 74"/>
-          <p:cNvGrpSpPr/>
+          </a:ln>
+        </p:spPr>
+        <p:style>
+          <a:lnRef idx="2">
+            <a:schemeClr val="accent1">
+              <a:shade val="50000"/>
+            </a:schemeClr>
+          </a:lnRef>
+          <a:fillRef idx="1">
+            <a:schemeClr val="accent1"/>
+          </a:fillRef>
+          <a:effectRef idx="0">
+            <a:schemeClr val="accent1"/>
+          </a:effectRef>
+          <a:fontRef idx="minor">
+            <a:schemeClr val="lt1"/>
+          </a:fontRef>
+        </p:style>
+        <p:txBody>
+          <a:bodyPr rtlCol="0" anchor="ctr"/>
+          <a:lstStyle/>
+          <a:p>
+            <a:pPr algn="ctr"/>
+            <a:endParaRPr lang="pt-BR"/>
+          </a:p>
+        </p:txBody>
+      </p:sp>
+      <p:sp>
+        <p:nvSpPr>
+          <p:cNvPr id="54" name="Espaço Reservado para Texto 1">
+            <a:extLst>
+              <a:ext uri="{FF2B5EF4-FFF2-40B4-BE49-F238E27FC236}">
+                <a16:creationId xmlns:a16="http://schemas.microsoft.com/office/drawing/2014/main" id="{AC30D2B6-A39B-8B49-96B2-224D7C1FED1A}"/>
+              </a:ext>
+            </a:extLst>
+          </p:cNvPr>
+          <p:cNvSpPr txBox="1">
+            <a:spLocks/>
+          </p:cNvSpPr>
           <p:nvPr/>
-        </p:nvGrpSpPr>
-        <p:grpSpPr>
+        </p:nvSpPr>
+        <p:spPr>
           <a:xfrm>
-            <a:off x="4567514" y="4112614"/>
-            <a:ext cx="5253370" cy="2090368"/>
-            <a:chOff x="6659817" y="3929369"/>
-            <a:chExt cx="5253370" cy="2090368"/>
+            <a:off x="6127707" y="4302225"/>
+            <a:ext cx="3214755" cy="848648"/>
           </a:xfrm>
-        </p:grpSpPr>
-        <p:sp>
-          <p:nvSpPr>
-            <p:cNvPr id="88" name="Retângulo 87"/>
-            <p:cNvSpPr/>
-            <p:nvPr/>
-          </p:nvSpPr>
-          <p:spPr>
-            <a:xfrm>
-              <a:off x="6659817" y="3929369"/>
-              <a:ext cx="5253370" cy="2090368"/>
-            </a:xfrm>
-            <a:prstGeom prst="rect">
-              <a:avLst/>
-            </a:prstGeom>
-            <a:solidFill>
-              <a:schemeClr val="bg1">
-                <a:alpha val="16000"/>
-              </a:schemeClr>
-            </a:solidFill>
-            <a:ln>
-              <a:noFill/>
-            </a:ln>
-          </p:spPr>
-          <p:style>
-            <a:lnRef idx="2">
-              <a:schemeClr val="accent1">
-                <a:shade val="50000"/>
-              </a:schemeClr>
-            </a:lnRef>
-            <a:fillRef idx="1">
-              <a:schemeClr val="accent1"/>
-            </a:fillRef>
-            <a:effectRef idx="0">
-              <a:schemeClr val="accent1"/>
-            </a:effectRef>
-            <a:fontRef idx="minor">
-              <a:schemeClr val="lt1"/>
-            </a:fontRef>
-          </p:style>
-          <p:txBody>
-            <a:bodyPr rtlCol="0" anchor="ctr"/>
-            <a:lstStyle/>
-            <a:p>
-              <a:pPr algn="ctr"/>
-              <a:endParaRPr lang="pt-BR"/>
-            </a:p>
-          </p:txBody>
-        </p:sp>
-        <p:sp>
-          <p:nvSpPr>
-            <p:cNvPr id="54" name="Espaço Reservado para Texto 1">
-              <a:extLst>
-                <a:ext uri="{FF2B5EF4-FFF2-40B4-BE49-F238E27FC236}">
-                  <a16:creationId xmlns:a16="http://schemas.microsoft.com/office/drawing/2014/main" id="{AC30D2B6-A39B-8B49-96B2-224D7C1FED1A}"/>
-                </a:ext>
-              </a:extLst>
-            </p:cNvPr>
-            <p:cNvSpPr txBox="1">
-              <a:spLocks/>
-            </p:cNvSpPr>
-            <p:nvPr/>
-          </p:nvSpPr>
-          <p:spPr>
-            <a:xfrm>
-              <a:off x="8220010" y="4118980"/>
-              <a:ext cx="3214755" cy="848648"/>
-            </a:xfrm>
-            <a:prstGeom prst="rect">
-              <a:avLst/>
-            </a:prstGeom>
-          </p:spPr>
-          <p:txBody>
-            <a:bodyPr/>
-            <a:lstStyle>
-              <a:lvl1pPr marL="391146" indent="-391146" algn="l" defTabSz="1043056" rtl="0" eaLnBrk="1" latinLnBrk="0" hangingPunct="1">
-                <a:spcBef>
-                  <a:spcPct val="20000"/>
-                </a:spcBef>
-                <a:buFont typeface="Arial" pitchFamily="34" charset="0"/>
-                <a:buChar char="•"/>
-                <a:defRPr sz="3700" kern="1200">
-                  <a:solidFill>
-                    <a:schemeClr val="tx1"/>
-                  </a:solidFill>
-                  <a:latin typeface="+mn-lt"/>
-                  <a:ea typeface="+mn-ea"/>
-                  <a:cs typeface="+mn-cs"/>
-                </a:defRPr>
-              </a:lvl1pPr>
-              <a:lvl2pPr marL="847483" indent="-325955" algn="l" defTabSz="1043056" rtl="0" eaLnBrk="1" latinLnBrk="0" hangingPunct="1">
-                <a:spcBef>
-                  <a:spcPct val="20000"/>
-                </a:spcBef>
-                <a:buFont typeface="Arial" pitchFamily="34" charset="0"/>
-                <a:buChar char="–"/>
-                <a:defRPr sz="3200" kern="1200">
-                  <a:solidFill>
-                    <a:schemeClr val="tx1"/>
-                  </a:solidFill>
-                  <a:latin typeface="+mn-lt"/>
-                  <a:ea typeface="+mn-ea"/>
-                  <a:cs typeface="+mn-cs"/>
-                </a:defRPr>
-              </a:lvl2pPr>
-              <a:lvl3pPr marL="1303820" indent="-260764" algn="l" defTabSz="1043056" rtl="0" eaLnBrk="1" latinLnBrk="0" hangingPunct="1">
-                <a:spcBef>
-                  <a:spcPct val="20000"/>
-                </a:spcBef>
-                <a:buFont typeface="Arial" pitchFamily="34" charset="0"/>
-                <a:buChar char="•"/>
-                <a:defRPr sz="2700" kern="1200">
-                  <a:solidFill>
-                    <a:schemeClr val="tx1"/>
-                  </a:solidFill>
-                  <a:latin typeface="+mn-lt"/>
-                  <a:ea typeface="+mn-ea"/>
-                  <a:cs typeface="+mn-cs"/>
-                </a:defRPr>
-              </a:lvl3pPr>
-              <a:lvl4pPr marL="1825348" indent="-260764" algn="l" defTabSz="1043056" rtl="0" eaLnBrk="1" latinLnBrk="0" hangingPunct="1">
-                <a:spcBef>
-                  <a:spcPct val="20000"/>
-                </a:spcBef>
-                <a:buFont typeface="Arial" pitchFamily="34" charset="0"/>
-                <a:buChar char="–"/>
-                <a:defRPr sz="2300" kern="1200">
-                  <a:solidFill>
-                    <a:schemeClr val="tx1"/>
-                  </a:solidFill>
-                  <a:latin typeface="+mn-lt"/>
-                  <a:ea typeface="+mn-ea"/>
-                  <a:cs typeface="+mn-cs"/>
-                </a:defRPr>
-              </a:lvl4pPr>
-              <a:lvl5pPr marL="2346876" indent="-260764" algn="l" defTabSz="1043056" rtl="0" eaLnBrk="1" latinLnBrk="0" hangingPunct="1">
-                <a:spcBef>
-                  <a:spcPct val="20000"/>
-                </a:spcBef>
-                <a:buFont typeface="Arial" pitchFamily="34" charset="0"/>
-                <a:buChar char="»"/>
-                <a:defRPr sz="2300" kern="1200">
-                  <a:solidFill>
-                    <a:schemeClr val="tx1"/>
-                  </a:solidFill>
-                  <a:latin typeface="+mn-lt"/>
-                  <a:ea typeface="+mn-ea"/>
-                  <a:cs typeface="+mn-cs"/>
-                </a:defRPr>
-              </a:lvl5pPr>
-              <a:lvl6pPr marL="2868404" indent="-260764" algn="l" defTabSz="1043056" rtl="0" eaLnBrk="1" latinLnBrk="0" hangingPunct="1">
-                <a:spcBef>
-                  <a:spcPct val="20000"/>
-                </a:spcBef>
-                <a:buFont typeface="Arial" pitchFamily="34" charset="0"/>
-                <a:buChar char="•"/>
-                <a:defRPr sz="2300" kern="1200">
-                  <a:solidFill>
-                    <a:schemeClr val="tx1"/>
-                  </a:solidFill>
-                  <a:latin typeface="+mn-lt"/>
-                  <a:ea typeface="+mn-ea"/>
-                  <a:cs typeface="+mn-cs"/>
-                </a:defRPr>
-              </a:lvl6pPr>
-              <a:lvl7pPr marL="3389932" indent="-260764" algn="l" defTabSz="1043056" rtl="0" eaLnBrk="1" latinLnBrk="0" hangingPunct="1">
-                <a:spcBef>
-                  <a:spcPct val="20000"/>
-                </a:spcBef>
-                <a:buFont typeface="Arial" pitchFamily="34" charset="0"/>
-                <a:buChar char="•"/>
-                <a:defRPr sz="2300" kern="1200">
-                  <a:solidFill>
-                    <a:schemeClr val="tx1"/>
-                  </a:solidFill>
-                  <a:latin typeface="+mn-lt"/>
-                  <a:ea typeface="+mn-ea"/>
-                  <a:cs typeface="+mn-cs"/>
-                </a:defRPr>
-              </a:lvl7pPr>
-              <a:lvl8pPr marL="3911460" indent="-260764" algn="l" defTabSz="1043056" rtl="0" eaLnBrk="1" latinLnBrk="0" hangingPunct="1">
-                <a:spcBef>
-                  <a:spcPct val="20000"/>
-                </a:spcBef>
-                <a:buFont typeface="Arial" pitchFamily="34" charset="0"/>
-                <a:buChar char="•"/>
-                <a:defRPr sz="2300" kern="1200">
-                  <a:solidFill>
-                    <a:schemeClr val="tx1"/>
-                  </a:solidFill>
-                  <a:latin typeface="+mn-lt"/>
-                  <a:ea typeface="+mn-ea"/>
-                  <a:cs typeface="+mn-cs"/>
-                </a:defRPr>
-              </a:lvl8pPr>
-              <a:lvl9pPr marL="4432988" indent="-260764" algn="l" defTabSz="1043056" rtl="0" eaLnBrk="1" latinLnBrk="0" hangingPunct="1">
-                <a:spcBef>
-                  <a:spcPct val="20000"/>
-                </a:spcBef>
-                <a:buFont typeface="Arial" pitchFamily="34" charset="0"/>
-                <a:buChar char="•"/>
-                <a:defRPr sz="2300" kern="1200">
-                  <a:solidFill>
-                    <a:schemeClr val="tx1"/>
-                  </a:solidFill>
-                  <a:latin typeface="+mn-lt"/>
-                  <a:ea typeface="+mn-ea"/>
-                  <a:cs typeface="+mn-cs"/>
-                </a:defRPr>
-              </a:lvl9pPr>
-            </a:lstStyle>
-            <a:p>
-              <a:pPr marL="0" indent="0">
-                <a:lnSpc>
-                  <a:spcPct val="150000"/>
-                </a:lnSpc>
-                <a:buNone/>
-              </a:pPr>
-              <a:r>
-                <a:rPr lang="pt-BR" sz="2000" b="1" dirty="0">
-                  <a:solidFill>
-                    <a:srgbClr val="FFFFFF"/>
-                  </a:solidFill>
-                </a:rPr>
-                <a:t>APLICAÇÃO DESKTOP</a:t>
-              </a:r>
-            </a:p>
-          </p:txBody>
-        </p:sp>
-        <p:sp>
-          <p:nvSpPr>
-            <p:cNvPr id="56" name="Espaço Reservado para Texto 1">
-              <a:extLst>
-                <a:ext uri="{FF2B5EF4-FFF2-40B4-BE49-F238E27FC236}">
-                  <a16:creationId xmlns:a16="http://schemas.microsoft.com/office/drawing/2014/main" id="{AC30D2B6-A39B-8B49-96B2-224D7C1FED1A}"/>
-                </a:ext>
-              </a:extLst>
-            </p:cNvPr>
-            <p:cNvSpPr txBox="1">
-              <a:spLocks/>
-            </p:cNvSpPr>
-            <p:nvPr/>
-          </p:nvSpPr>
-          <p:spPr>
-            <a:xfrm>
-              <a:off x="8220010" y="4689867"/>
-              <a:ext cx="3316356" cy="848648"/>
-            </a:xfrm>
-            <a:prstGeom prst="rect">
-              <a:avLst/>
-            </a:prstGeom>
-          </p:spPr>
-          <p:txBody>
-            <a:bodyPr/>
-            <a:lstStyle>
-              <a:lvl1pPr marL="391146" indent="-391146" algn="l" defTabSz="1043056" rtl="0" eaLnBrk="1" latinLnBrk="0" hangingPunct="1">
-                <a:spcBef>
-                  <a:spcPct val="20000"/>
-                </a:spcBef>
-                <a:buFont typeface="Arial" pitchFamily="34" charset="0"/>
-                <a:buChar char="•"/>
-                <a:defRPr sz="3700" kern="1200">
-                  <a:solidFill>
-                    <a:schemeClr val="tx1"/>
-                  </a:solidFill>
-                  <a:latin typeface="+mn-lt"/>
-                  <a:ea typeface="+mn-ea"/>
-                  <a:cs typeface="+mn-cs"/>
-                </a:defRPr>
-              </a:lvl1pPr>
-              <a:lvl2pPr marL="847483" indent="-325955" algn="l" defTabSz="1043056" rtl="0" eaLnBrk="1" latinLnBrk="0" hangingPunct="1">
-                <a:spcBef>
-                  <a:spcPct val="20000"/>
-                </a:spcBef>
-                <a:buFont typeface="Arial" pitchFamily="34" charset="0"/>
-                <a:buChar char="–"/>
-                <a:defRPr sz="3200" kern="1200">
-                  <a:solidFill>
-                    <a:schemeClr val="tx1"/>
-                  </a:solidFill>
-                  <a:latin typeface="+mn-lt"/>
-                  <a:ea typeface="+mn-ea"/>
-                  <a:cs typeface="+mn-cs"/>
-                </a:defRPr>
-              </a:lvl2pPr>
-              <a:lvl3pPr marL="1303820" indent="-260764" algn="l" defTabSz="1043056" rtl="0" eaLnBrk="1" latinLnBrk="0" hangingPunct="1">
-                <a:spcBef>
-                  <a:spcPct val="20000"/>
-                </a:spcBef>
-                <a:buFont typeface="Arial" pitchFamily="34" charset="0"/>
-                <a:buChar char="•"/>
-                <a:defRPr sz="2700" kern="1200">
-                  <a:solidFill>
-                    <a:schemeClr val="tx1"/>
-                  </a:solidFill>
-                  <a:latin typeface="+mn-lt"/>
-                  <a:ea typeface="+mn-ea"/>
-                  <a:cs typeface="+mn-cs"/>
-                </a:defRPr>
-              </a:lvl3pPr>
-              <a:lvl4pPr marL="1825348" indent="-260764" algn="l" defTabSz="1043056" rtl="0" eaLnBrk="1" latinLnBrk="0" hangingPunct="1">
-                <a:spcBef>
-                  <a:spcPct val="20000"/>
-                </a:spcBef>
-                <a:buFont typeface="Arial" pitchFamily="34" charset="0"/>
-                <a:buChar char="–"/>
-                <a:defRPr sz="2300" kern="1200">
-                  <a:solidFill>
-                    <a:schemeClr val="tx1"/>
-                  </a:solidFill>
-                  <a:latin typeface="+mn-lt"/>
-                  <a:ea typeface="+mn-ea"/>
-                  <a:cs typeface="+mn-cs"/>
-                </a:defRPr>
-              </a:lvl4pPr>
-              <a:lvl5pPr marL="2346876" indent="-260764" algn="l" defTabSz="1043056" rtl="0" eaLnBrk="1" latinLnBrk="0" hangingPunct="1">
-                <a:spcBef>
-                  <a:spcPct val="20000"/>
-                </a:spcBef>
-                <a:buFont typeface="Arial" pitchFamily="34" charset="0"/>
-                <a:buChar char="»"/>
-                <a:defRPr sz="2300" kern="1200">
-                  <a:solidFill>
-                    <a:schemeClr val="tx1"/>
-                  </a:solidFill>
-                  <a:latin typeface="+mn-lt"/>
-                  <a:ea typeface="+mn-ea"/>
-                  <a:cs typeface="+mn-cs"/>
-                </a:defRPr>
-              </a:lvl5pPr>
-              <a:lvl6pPr marL="2868404" indent="-260764" algn="l" defTabSz="1043056" rtl="0" eaLnBrk="1" latinLnBrk="0" hangingPunct="1">
-                <a:spcBef>
-                  <a:spcPct val="20000"/>
-                </a:spcBef>
-                <a:buFont typeface="Arial" pitchFamily="34" charset="0"/>
-                <a:buChar char="•"/>
-                <a:defRPr sz="2300" kern="1200">
-                  <a:solidFill>
-                    <a:schemeClr val="tx1"/>
-                  </a:solidFill>
-                  <a:latin typeface="+mn-lt"/>
-                  <a:ea typeface="+mn-ea"/>
-                  <a:cs typeface="+mn-cs"/>
-                </a:defRPr>
-              </a:lvl6pPr>
-              <a:lvl7pPr marL="3389932" indent="-260764" algn="l" defTabSz="1043056" rtl="0" eaLnBrk="1" latinLnBrk="0" hangingPunct="1">
-                <a:spcBef>
-                  <a:spcPct val="20000"/>
-                </a:spcBef>
-                <a:buFont typeface="Arial" pitchFamily="34" charset="0"/>
-                <a:buChar char="•"/>
-                <a:defRPr sz="2300" kern="1200">
-                  <a:solidFill>
-                    <a:schemeClr val="tx1"/>
-                  </a:solidFill>
-                  <a:latin typeface="+mn-lt"/>
-                  <a:ea typeface="+mn-ea"/>
-                  <a:cs typeface="+mn-cs"/>
-                </a:defRPr>
-              </a:lvl7pPr>
-              <a:lvl8pPr marL="3911460" indent="-260764" algn="l" defTabSz="1043056" rtl="0" eaLnBrk="1" latinLnBrk="0" hangingPunct="1">
-                <a:spcBef>
-                  <a:spcPct val="20000"/>
-                </a:spcBef>
-                <a:buFont typeface="Arial" pitchFamily="34" charset="0"/>
-                <a:buChar char="•"/>
-                <a:defRPr sz="2300" kern="1200">
-                  <a:solidFill>
-                    <a:schemeClr val="tx1"/>
-                  </a:solidFill>
-                  <a:latin typeface="+mn-lt"/>
-                  <a:ea typeface="+mn-ea"/>
-                  <a:cs typeface="+mn-cs"/>
-                </a:defRPr>
-              </a:lvl8pPr>
-              <a:lvl9pPr marL="4432988" indent="-260764" algn="l" defTabSz="1043056" rtl="0" eaLnBrk="1" latinLnBrk="0" hangingPunct="1">
-                <a:spcBef>
-                  <a:spcPct val="20000"/>
-                </a:spcBef>
-                <a:buFont typeface="Arial" pitchFamily="34" charset="0"/>
-                <a:buChar char="•"/>
-                <a:defRPr sz="2300" kern="1200">
-                  <a:solidFill>
-                    <a:schemeClr val="tx1"/>
-                  </a:solidFill>
-                  <a:latin typeface="+mn-lt"/>
-                  <a:ea typeface="+mn-ea"/>
-                  <a:cs typeface="+mn-cs"/>
-                </a:defRPr>
-              </a:lvl9pPr>
-            </a:lstStyle>
-            <a:p>
-              <a:pPr marL="0" indent="0">
-                <a:buNone/>
-              </a:pPr>
-              <a:r>
-                <a:rPr lang="pt-BR" sz="1400" b="1" dirty="0">
-                  <a:solidFill>
-                    <a:srgbClr val="FFFFFF"/>
-                  </a:solidFill>
-                </a:rPr>
-                <a:t>- LOGIN</a:t>
-              </a:r>
-            </a:p>
-            <a:p>
-              <a:pPr marL="0" indent="0">
-                <a:buNone/>
-              </a:pPr>
-              <a:r>
-                <a:rPr lang="pt-BR" sz="1400" b="1" dirty="0">
-                  <a:solidFill>
-                    <a:srgbClr val="FFFFFF"/>
-                  </a:solidFill>
-                </a:rPr>
-                <a:t>- CADASTRO</a:t>
-              </a:r>
-            </a:p>
-            <a:p>
-              <a:pPr marL="0" indent="0">
-                <a:buNone/>
-              </a:pPr>
-              <a:r>
-                <a:rPr lang="pt-BR" sz="1400" b="1" dirty="0">
-                  <a:solidFill>
-                    <a:srgbClr val="FFFFFF"/>
-                  </a:solidFill>
-                </a:rPr>
-                <a:t>- RESUMO MONITORAMENTO MÁQUINA</a:t>
-              </a:r>
-            </a:p>
-          </p:txBody>
-        </p:sp>
-        <p:pic>
-          <p:nvPicPr>
-            <p:cNvPr id="101" name="Picture 18" descr="Resultado de imagem para pc icon"/>
-            <p:cNvPicPr>
-              <a:picLocks noChangeAspect="1" noChangeArrowheads="1"/>
-            </p:cNvPicPr>
-            <p:nvPr/>
-          </p:nvPicPr>
-          <p:blipFill rotWithShape="1">
-            <a:blip r:embed="rId12">
-              <a:extLst>
-                <a:ext uri="{BEBA8EAE-BF5A-486C-A8C5-ECC9F3942E4B}">
-                  <a14:imgProps xmlns:a14="http://schemas.microsoft.com/office/drawing/2010/main">
-                    <a14:imgLayer r:embed="rId13">
-                      <a14:imgEffect>
-                        <a14:backgroundRemoval t="12305" b="89844" l="7813" r="89844">
-                          <a14:foregroundMark x1="20313" y1="74219" x2="81055" y2="83398"/>
-                          <a14:foregroundMark x1="30273" y1="84375" x2="67969" y2="79688"/>
-                          <a14:foregroundMark x1="67969" y1="79688" x2="67969" y2="79688"/>
-                          <a14:foregroundMark x1="18750" y1="83398" x2="18945" y2="78906"/>
-                          <a14:foregroundMark x1="18945" y1="78711" x2="18945" y2="77148"/>
-                          <a14:foregroundMark x1="18945" y1="75781" x2="18945" y2="75781"/>
-                          <a14:foregroundMark x1="18945" y1="75781" x2="18945" y2="75781"/>
-                          <a14:foregroundMark x1="27148" y1="84961" x2="15820" y2="75781"/>
-                          <a14:foregroundMark x1="18555" y1="84180" x2="41602" y2="83789"/>
-                          <a14:foregroundMark x1="41602" y1="83789" x2="41602" y2="83789"/>
-                          <a14:foregroundMark x1="79492" y1="74023" x2="79492" y2="74023"/>
-                          <a14:foregroundMark x1="81445" y1="84570" x2="74414" y2="73633"/>
-                          <a14:foregroundMark x1="83789" y1="84570" x2="81836" y2="75977"/>
-                          <a14:foregroundMark x1="81445" y1="25781" x2="37305" y2="50781"/>
-                          <a14:foregroundMark x1="81250" y1="54688" x2="50781" y2="15625"/>
-                          <a14:foregroundMark x1="50586" y1="55664" x2="83008" y2="33203"/>
-                          <a14:foregroundMark x1="87695" y1="20313" x2="88477" y2="43750"/>
-                          <a14:foregroundMark x1="82617" y1="60742" x2="14648" y2="60938"/>
-                          <a14:foregroundMark x1="11914" y1="57031" x2="11719" y2="16992"/>
-                          <a14:foregroundMark x1="13086" y1="15430" x2="85938" y2="16016"/>
-                          <a14:foregroundMark x1="86914" y1="17773" x2="87695" y2="59570"/>
-                          <a14:foregroundMark x1="88281" y1="59961" x2="11914" y2="59375"/>
-                          <a14:foregroundMark x1="49219" y1="73633" x2="48633" y2="46094"/>
-                          <a14:foregroundMark x1="82617" y1="84961" x2="27930" y2="83594"/>
-                          <a14:foregroundMark x1="87305" y1="61523" x2="41406" y2="60938"/>
-                          <a14:backgroundMark x1="43164" y1="66406" x2="39063" y2="68164"/>
-                          <a14:backgroundMark x1="56836" y1="65430" x2="58398" y2="65430"/>
-                          <a14:backgroundMark x1="58789" y1="66211" x2="55273" y2="64844"/>
-                          <a14:backgroundMark x1="37500" y1="71875" x2="34375" y2="70117"/>
-                        </a14:backgroundRemoval>
-                      </a14:imgEffect>
-                    </a14:imgLayer>
-                  </a14:imgProps>
-                </a:ext>
-                <a:ext uri="{28A0092B-C50C-407E-A947-70E740481C1C}">
-                  <a14:useLocalDpi xmlns:a14="http://schemas.microsoft.com/office/drawing/2010/main" val="0"/>
-                </a:ext>
-              </a:extLst>
-            </a:blip>
-            <a:srcRect t="11136"/>
-            <a:stretch/>
-          </p:blipFill>
-          <p:spPr bwMode="auto">
-            <a:xfrm>
-              <a:off x="6718858" y="4304021"/>
-              <a:ext cx="1509123" cy="1341063"/>
-            </a:xfrm>
-            <a:prstGeom prst="rect">
-              <a:avLst/>
-            </a:prstGeom>
-            <a:noFill/>
-          </p:spPr>
-        </p:pic>
-      </p:grpSp>
+          <a:prstGeom prst="rect">
+            <a:avLst/>
+          </a:prstGeom>
+        </p:spPr>
+        <p:txBody>
+          <a:bodyPr/>
+          <a:lstStyle>
+            <a:lvl1pPr marL="391146" indent="-391146" algn="l" defTabSz="1043056" rtl="0" eaLnBrk="1" latinLnBrk="0" hangingPunct="1">
+              <a:spcBef>
+                <a:spcPct val="20000"/>
+              </a:spcBef>
+              <a:buFont typeface="Arial" pitchFamily="34" charset="0"/>
+              <a:buChar char="•"/>
+              <a:defRPr sz="3700" kern="1200">
+                <a:solidFill>
+                  <a:schemeClr val="tx1"/>
+                </a:solidFill>
+                <a:latin typeface="+mn-lt"/>
+                <a:ea typeface="+mn-ea"/>
+                <a:cs typeface="+mn-cs"/>
+              </a:defRPr>
+            </a:lvl1pPr>
+            <a:lvl2pPr marL="847483" indent="-325955" algn="l" defTabSz="1043056" rtl="0" eaLnBrk="1" latinLnBrk="0" hangingPunct="1">
+              <a:spcBef>
+                <a:spcPct val="20000"/>
+              </a:spcBef>
+              <a:buFont typeface="Arial" pitchFamily="34" charset="0"/>
+              <a:buChar char="–"/>
+              <a:defRPr sz="3200" kern="1200">
+                <a:solidFill>
+                  <a:schemeClr val="tx1"/>
+                </a:solidFill>
+                <a:latin typeface="+mn-lt"/>
+                <a:ea typeface="+mn-ea"/>
+                <a:cs typeface="+mn-cs"/>
+              </a:defRPr>
+            </a:lvl2pPr>
+            <a:lvl3pPr marL="1303820" indent="-260764" algn="l" defTabSz="1043056" rtl="0" eaLnBrk="1" latinLnBrk="0" hangingPunct="1">
+              <a:spcBef>
+                <a:spcPct val="20000"/>
+              </a:spcBef>
+              <a:buFont typeface="Arial" pitchFamily="34" charset="0"/>
+              <a:buChar char="•"/>
+              <a:defRPr sz="2700" kern="1200">
+                <a:solidFill>
+                  <a:schemeClr val="tx1"/>
+                </a:solidFill>
+                <a:latin typeface="+mn-lt"/>
+                <a:ea typeface="+mn-ea"/>
+                <a:cs typeface="+mn-cs"/>
+              </a:defRPr>
+            </a:lvl3pPr>
+            <a:lvl4pPr marL="1825348" indent="-260764" algn="l" defTabSz="1043056" rtl="0" eaLnBrk="1" latinLnBrk="0" hangingPunct="1">
+              <a:spcBef>
+                <a:spcPct val="20000"/>
+              </a:spcBef>
+              <a:buFont typeface="Arial" pitchFamily="34" charset="0"/>
+              <a:buChar char="–"/>
+              <a:defRPr sz="2300" kern="1200">
+                <a:solidFill>
+                  <a:schemeClr val="tx1"/>
+                </a:solidFill>
+                <a:latin typeface="+mn-lt"/>
+                <a:ea typeface="+mn-ea"/>
+                <a:cs typeface="+mn-cs"/>
+              </a:defRPr>
+            </a:lvl4pPr>
+            <a:lvl5pPr marL="2346876" indent="-260764" algn="l" defTabSz="1043056" rtl="0" eaLnBrk="1" latinLnBrk="0" hangingPunct="1">
+              <a:spcBef>
+                <a:spcPct val="20000"/>
+              </a:spcBef>
+              <a:buFont typeface="Arial" pitchFamily="34" charset="0"/>
+              <a:buChar char="»"/>
+              <a:defRPr sz="2300" kern="1200">
+                <a:solidFill>
+                  <a:schemeClr val="tx1"/>
+                </a:solidFill>
+                <a:latin typeface="+mn-lt"/>
+                <a:ea typeface="+mn-ea"/>
+                <a:cs typeface="+mn-cs"/>
+              </a:defRPr>
+            </a:lvl5pPr>
+            <a:lvl6pPr marL="2868404" indent="-260764" algn="l" defTabSz="1043056" rtl="0" eaLnBrk="1" latinLnBrk="0" hangingPunct="1">
+              <a:spcBef>
+                <a:spcPct val="20000"/>
+              </a:spcBef>
+              <a:buFont typeface="Arial" pitchFamily="34" charset="0"/>
+              <a:buChar char="•"/>
+              <a:defRPr sz="2300" kern="1200">
+                <a:solidFill>
+                  <a:schemeClr val="tx1"/>
+                </a:solidFill>
+                <a:latin typeface="+mn-lt"/>
+                <a:ea typeface="+mn-ea"/>
+                <a:cs typeface="+mn-cs"/>
+              </a:defRPr>
+            </a:lvl6pPr>
+            <a:lvl7pPr marL="3389932" indent="-260764" algn="l" defTabSz="1043056" rtl="0" eaLnBrk="1" latinLnBrk="0" hangingPunct="1">
+              <a:spcBef>
+                <a:spcPct val="20000"/>
+              </a:spcBef>
+              <a:buFont typeface="Arial" pitchFamily="34" charset="0"/>
+              <a:buChar char="•"/>
+              <a:defRPr sz="2300" kern="1200">
+                <a:solidFill>
+                  <a:schemeClr val="tx1"/>
+                </a:solidFill>
+                <a:latin typeface="+mn-lt"/>
+                <a:ea typeface="+mn-ea"/>
+                <a:cs typeface="+mn-cs"/>
+              </a:defRPr>
+            </a:lvl7pPr>
+            <a:lvl8pPr marL="3911460" indent="-260764" algn="l" defTabSz="1043056" rtl="0" eaLnBrk="1" latinLnBrk="0" hangingPunct="1">
+              <a:spcBef>
+                <a:spcPct val="20000"/>
+              </a:spcBef>
+              <a:buFont typeface="Arial" pitchFamily="34" charset="0"/>
+              <a:buChar char="•"/>
+              <a:defRPr sz="2300" kern="1200">
+                <a:solidFill>
+                  <a:schemeClr val="tx1"/>
+                </a:solidFill>
+                <a:latin typeface="+mn-lt"/>
+                <a:ea typeface="+mn-ea"/>
+                <a:cs typeface="+mn-cs"/>
+              </a:defRPr>
+            </a:lvl8pPr>
+            <a:lvl9pPr marL="4432988" indent="-260764" algn="l" defTabSz="1043056" rtl="0" eaLnBrk="1" latinLnBrk="0" hangingPunct="1">
+              <a:spcBef>
+                <a:spcPct val="20000"/>
+              </a:spcBef>
+              <a:buFont typeface="Arial" pitchFamily="34" charset="0"/>
+              <a:buChar char="•"/>
+              <a:defRPr sz="2300" kern="1200">
+                <a:solidFill>
+                  <a:schemeClr val="tx1"/>
+                </a:solidFill>
+                <a:latin typeface="+mn-lt"/>
+                <a:ea typeface="+mn-ea"/>
+                <a:cs typeface="+mn-cs"/>
+              </a:defRPr>
+            </a:lvl9pPr>
+          </a:lstStyle>
+          <a:p>
+            <a:pPr marL="0" indent="0">
+              <a:lnSpc>
+                <a:spcPct val="150000"/>
+              </a:lnSpc>
+              <a:buNone/>
+            </a:pPr>
+            <a:r>
+              <a:rPr lang="pt-BR" sz="2000" b="1" dirty="0">
+                <a:solidFill>
+                  <a:srgbClr val="FFFFFF"/>
+                </a:solidFill>
+              </a:rPr>
+              <a:t>APLICAÇÃO DESKTOP</a:t>
+            </a:r>
+          </a:p>
+        </p:txBody>
+      </p:sp>
+      <p:sp>
+        <p:nvSpPr>
+          <p:cNvPr id="56" name="Espaço Reservado para Texto 1">
+            <a:extLst>
+              <a:ext uri="{FF2B5EF4-FFF2-40B4-BE49-F238E27FC236}">
+                <a16:creationId xmlns:a16="http://schemas.microsoft.com/office/drawing/2014/main" id="{AC30D2B6-A39B-8B49-96B2-224D7C1FED1A}"/>
+              </a:ext>
+            </a:extLst>
+          </p:cNvPr>
+          <p:cNvSpPr txBox="1">
+            <a:spLocks/>
+          </p:cNvSpPr>
+          <p:nvPr/>
+        </p:nvSpPr>
+        <p:spPr>
+          <a:xfrm>
+            <a:off x="6127707" y="4873112"/>
+            <a:ext cx="3316356" cy="848648"/>
+          </a:xfrm>
+          <a:prstGeom prst="rect">
+            <a:avLst/>
+          </a:prstGeom>
+        </p:spPr>
+        <p:txBody>
+          <a:bodyPr/>
+          <a:lstStyle>
+            <a:lvl1pPr marL="391146" indent="-391146" algn="l" defTabSz="1043056" rtl="0" eaLnBrk="1" latinLnBrk="0" hangingPunct="1">
+              <a:spcBef>
+                <a:spcPct val="20000"/>
+              </a:spcBef>
+              <a:buFont typeface="Arial" pitchFamily="34" charset="0"/>
+              <a:buChar char="•"/>
+              <a:defRPr sz="3700" kern="1200">
+                <a:solidFill>
+                  <a:schemeClr val="tx1"/>
+                </a:solidFill>
+                <a:latin typeface="+mn-lt"/>
+                <a:ea typeface="+mn-ea"/>
+                <a:cs typeface="+mn-cs"/>
+              </a:defRPr>
+            </a:lvl1pPr>
+            <a:lvl2pPr marL="847483" indent="-325955" algn="l" defTabSz="1043056" rtl="0" eaLnBrk="1" latinLnBrk="0" hangingPunct="1">
+              <a:spcBef>
+                <a:spcPct val="20000"/>
+              </a:spcBef>
+              <a:buFont typeface="Arial" pitchFamily="34" charset="0"/>
+              <a:buChar char="–"/>
+              <a:defRPr sz="3200" kern="1200">
+                <a:solidFill>
+                  <a:schemeClr val="tx1"/>
+                </a:solidFill>
+                <a:latin typeface="+mn-lt"/>
+                <a:ea typeface="+mn-ea"/>
+                <a:cs typeface="+mn-cs"/>
+              </a:defRPr>
+            </a:lvl2pPr>
+            <a:lvl3pPr marL="1303820" indent="-260764" algn="l" defTabSz="1043056" rtl="0" eaLnBrk="1" latinLnBrk="0" hangingPunct="1">
+              <a:spcBef>
+                <a:spcPct val="20000"/>
+              </a:spcBef>
+              <a:buFont typeface="Arial" pitchFamily="34" charset="0"/>
+              <a:buChar char="•"/>
+              <a:defRPr sz="2700" kern="1200">
+                <a:solidFill>
+                  <a:schemeClr val="tx1"/>
+                </a:solidFill>
+                <a:latin typeface="+mn-lt"/>
+                <a:ea typeface="+mn-ea"/>
+                <a:cs typeface="+mn-cs"/>
+              </a:defRPr>
+            </a:lvl3pPr>
+            <a:lvl4pPr marL="1825348" indent="-260764" algn="l" defTabSz="1043056" rtl="0" eaLnBrk="1" latinLnBrk="0" hangingPunct="1">
+              <a:spcBef>
+                <a:spcPct val="20000"/>
+              </a:spcBef>
+              <a:buFont typeface="Arial" pitchFamily="34" charset="0"/>
+              <a:buChar char="–"/>
+              <a:defRPr sz="2300" kern="1200">
+                <a:solidFill>
+                  <a:schemeClr val="tx1"/>
+                </a:solidFill>
+                <a:latin typeface="+mn-lt"/>
+                <a:ea typeface="+mn-ea"/>
+                <a:cs typeface="+mn-cs"/>
+              </a:defRPr>
+            </a:lvl4pPr>
+            <a:lvl5pPr marL="2346876" indent="-260764" algn="l" defTabSz="1043056" rtl="0" eaLnBrk="1" latinLnBrk="0" hangingPunct="1">
+              <a:spcBef>
+                <a:spcPct val="20000"/>
+              </a:spcBef>
+              <a:buFont typeface="Arial" pitchFamily="34" charset="0"/>
+              <a:buChar char="»"/>
+              <a:defRPr sz="2300" kern="1200">
+                <a:solidFill>
+                  <a:schemeClr val="tx1"/>
+                </a:solidFill>
+                <a:latin typeface="+mn-lt"/>
+                <a:ea typeface="+mn-ea"/>
+                <a:cs typeface="+mn-cs"/>
+              </a:defRPr>
+            </a:lvl5pPr>
+            <a:lvl6pPr marL="2868404" indent="-260764" algn="l" defTabSz="1043056" rtl="0" eaLnBrk="1" latinLnBrk="0" hangingPunct="1">
+              <a:spcBef>
+                <a:spcPct val="20000"/>
+              </a:spcBef>
+              <a:buFont typeface="Arial" pitchFamily="34" charset="0"/>
+              <a:buChar char="•"/>
+              <a:defRPr sz="2300" kern="1200">
+                <a:solidFill>
+                  <a:schemeClr val="tx1"/>
+                </a:solidFill>
+                <a:latin typeface="+mn-lt"/>
+                <a:ea typeface="+mn-ea"/>
+                <a:cs typeface="+mn-cs"/>
+              </a:defRPr>
+            </a:lvl6pPr>
+            <a:lvl7pPr marL="3389932" indent="-260764" algn="l" defTabSz="1043056" rtl="0" eaLnBrk="1" latinLnBrk="0" hangingPunct="1">
+              <a:spcBef>
+                <a:spcPct val="20000"/>
+              </a:spcBef>
+              <a:buFont typeface="Arial" pitchFamily="34" charset="0"/>
+              <a:buChar char="•"/>
+              <a:defRPr sz="2300" kern="1200">
+                <a:solidFill>
+                  <a:schemeClr val="tx1"/>
+                </a:solidFill>
+                <a:latin typeface="+mn-lt"/>
+                <a:ea typeface="+mn-ea"/>
+                <a:cs typeface="+mn-cs"/>
+              </a:defRPr>
+            </a:lvl7pPr>
+            <a:lvl8pPr marL="3911460" indent="-260764" algn="l" defTabSz="1043056" rtl="0" eaLnBrk="1" latinLnBrk="0" hangingPunct="1">
+              <a:spcBef>
+                <a:spcPct val="20000"/>
+              </a:spcBef>
+              <a:buFont typeface="Arial" pitchFamily="34" charset="0"/>
+              <a:buChar char="•"/>
+              <a:defRPr sz="2300" kern="1200">
+                <a:solidFill>
+                  <a:schemeClr val="tx1"/>
+                </a:solidFill>
+                <a:latin typeface="+mn-lt"/>
+                <a:ea typeface="+mn-ea"/>
+                <a:cs typeface="+mn-cs"/>
+              </a:defRPr>
+            </a:lvl8pPr>
+            <a:lvl9pPr marL="4432988" indent="-260764" algn="l" defTabSz="1043056" rtl="0" eaLnBrk="1" latinLnBrk="0" hangingPunct="1">
+              <a:spcBef>
+                <a:spcPct val="20000"/>
+              </a:spcBef>
+              <a:buFont typeface="Arial" pitchFamily="34" charset="0"/>
+              <a:buChar char="•"/>
+              <a:defRPr sz="2300" kern="1200">
+                <a:solidFill>
+                  <a:schemeClr val="tx1"/>
+                </a:solidFill>
+                <a:latin typeface="+mn-lt"/>
+                <a:ea typeface="+mn-ea"/>
+                <a:cs typeface="+mn-cs"/>
+              </a:defRPr>
+            </a:lvl9pPr>
+          </a:lstStyle>
+          <a:p>
+            <a:pPr marL="0" indent="0">
+              <a:buNone/>
+            </a:pPr>
+            <a:r>
+              <a:rPr lang="pt-BR" sz="1400" b="1" dirty="0">
+                <a:solidFill>
+                  <a:srgbClr val="FFFFFF"/>
+                </a:solidFill>
+              </a:rPr>
+              <a:t>- LOGIN</a:t>
+            </a:r>
+          </a:p>
+          <a:p>
+            <a:pPr marL="0" indent="0">
+              <a:buNone/>
+            </a:pPr>
+            <a:r>
+              <a:rPr lang="pt-BR" sz="1400" b="1" dirty="0">
+                <a:solidFill>
+                  <a:srgbClr val="FFFFFF"/>
+                </a:solidFill>
+              </a:rPr>
+              <a:t>- CADASTRO</a:t>
+            </a:r>
+          </a:p>
+          <a:p>
+            <a:pPr marL="0" indent="0">
+              <a:buNone/>
+            </a:pPr>
+            <a:r>
+              <a:rPr lang="pt-BR" sz="1400" b="1" dirty="0">
+                <a:solidFill>
+                  <a:srgbClr val="FFFFFF"/>
+                </a:solidFill>
+              </a:rPr>
+              <a:t>- RESUMO MONITORAMENTO MÁQUINA</a:t>
+            </a:r>
+          </a:p>
+        </p:txBody>
+      </p:sp>
+      <p:pic>
+        <p:nvPicPr>
+          <p:cNvPr id="101" name="Picture 18" descr="Resultado de imagem para pc icon"/>
+          <p:cNvPicPr>
+            <a:picLocks noChangeAspect="1" noChangeArrowheads="1"/>
+          </p:cNvPicPr>
+          <p:nvPr/>
+        </p:nvPicPr>
+        <p:blipFill rotWithShape="1">
+          <a:blip r:embed="rId12">
+            <a:extLst>
+              <a:ext uri="{BEBA8EAE-BF5A-486C-A8C5-ECC9F3942E4B}">
+                <a14:imgProps xmlns:a14="http://schemas.microsoft.com/office/drawing/2010/main">
+                  <a14:imgLayer r:embed="rId13">
+                    <a14:imgEffect>
+                      <a14:backgroundRemoval t="12305" b="89844" l="7813" r="89844">
+                        <a14:foregroundMark x1="20313" y1="74219" x2="81055" y2="83398"/>
+                        <a14:foregroundMark x1="30273" y1="84375" x2="67969" y2="79688"/>
+                        <a14:foregroundMark x1="67969" y1="79688" x2="67969" y2="79688"/>
+                        <a14:foregroundMark x1="18750" y1="83398" x2="18945" y2="78906"/>
+                        <a14:foregroundMark x1="18945" y1="78711" x2="18945" y2="77148"/>
+                        <a14:foregroundMark x1="18945" y1="75781" x2="18945" y2="75781"/>
+                        <a14:foregroundMark x1="18945" y1="75781" x2="18945" y2="75781"/>
+                        <a14:foregroundMark x1="27148" y1="84961" x2="15820" y2="75781"/>
+                        <a14:foregroundMark x1="18555" y1="84180" x2="41602" y2="83789"/>
+                        <a14:foregroundMark x1="41602" y1="83789" x2="41602" y2="83789"/>
+                        <a14:foregroundMark x1="79492" y1="74023" x2="79492" y2="74023"/>
+                        <a14:foregroundMark x1="81445" y1="84570" x2="74414" y2="73633"/>
+                        <a14:foregroundMark x1="83789" y1="84570" x2="81836" y2="75977"/>
+                        <a14:foregroundMark x1="81445" y1="25781" x2="37305" y2="50781"/>
+                        <a14:foregroundMark x1="81250" y1="54688" x2="50781" y2="15625"/>
+                        <a14:foregroundMark x1="50586" y1="55664" x2="83008" y2="33203"/>
+                        <a14:foregroundMark x1="87695" y1="20313" x2="88477" y2="43750"/>
+                        <a14:foregroundMark x1="82617" y1="60742" x2="14648" y2="60938"/>
+                        <a14:foregroundMark x1="11914" y1="57031" x2="11719" y2="16992"/>
+                        <a14:foregroundMark x1="13086" y1="15430" x2="85938" y2="16016"/>
+                        <a14:foregroundMark x1="86914" y1="17773" x2="87695" y2="59570"/>
+                        <a14:foregroundMark x1="88281" y1="59961" x2="11914" y2="59375"/>
+                        <a14:foregroundMark x1="49219" y1="73633" x2="48633" y2="46094"/>
+                        <a14:foregroundMark x1="82617" y1="84961" x2="27930" y2="83594"/>
+                        <a14:foregroundMark x1="87305" y1="61523" x2="41406" y2="60938"/>
+                        <a14:backgroundMark x1="43164" y1="66406" x2="39063" y2="68164"/>
+                        <a14:backgroundMark x1="56836" y1="65430" x2="58398" y2="65430"/>
+                        <a14:backgroundMark x1="58789" y1="66211" x2="55273" y2="64844"/>
+                        <a14:backgroundMark x1="37500" y1="71875" x2="34375" y2="70117"/>
+                      </a14:backgroundRemoval>
+                    </a14:imgEffect>
+                  </a14:imgLayer>
+                </a14:imgProps>
+              </a:ext>
+              <a:ext uri="{28A0092B-C50C-407E-A947-70E740481C1C}">
+                <a14:useLocalDpi xmlns:a14="http://schemas.microsoft.com/office/drawing/2010/main" val="0"/>
+              </a:ext>
+            </a:extLst>
+          </a:blip>
+          <a:srcRect t="11136"/>
+          <a:stretch/>
+        </p:blipFill>
+        <p:spPr bwMode="auto">
+          <a:xfrm>
+            <a:off x="4626555" y="4487266"/>
+            <a:ext cx="1509123" cy="1341063"/>
+          </a:xfrm>
+          <a:prstGeom prst="rect">
+            <a:avLst/>
+          </a:prstGeom>
+          <a:noFill/>
+        </p:spPr>
+      </p:pic>
       <p:cxnSp>
         <p:nvCxnSpPr>
           <p:cNvPr id="105" name="Conector reto 104"/>
@@ -7424,7 +7411,7 @@
           </p:blipFill>
           <p:spPr bwMode="auto">
             <a:xfrm>
-              <a:off x="3394765" y="3924022"/>
+              <a:off x="3381318" y="3910575"/>
               <a:ext cx="322167" cy="589296"/>
             </a:xfrm>
             <a:prstGeom prst="rect">
@@ -7451,7 +7438,7 @@
         </p:nvGrpSpPr>
         <p:grpSpPr>
           <a:xfrm>
-            <a:off x="5439684" y="4987544"/>
+            <a:off x="5414747" y="5025820"/>
             <a:ext cx="720931" cy="720931"/>
             <a:chOff x="3195383" y="3858204"/>
             <a:chExt cx="720931" cy="720931"/>
@@ -7526,7 +7513,7 @@
           </p:blipFill>
           <p:spPr bwMode="auto">
             <a:xfrm>
-              <a:off x="3394765" y="3924022"/>
+              <a:off x="3394765" y="3910575"/>
               <a:ext cx="322167" cy="589296"/>
             </a:xfrm>
             <a:prstGeom prst="rect">
@@ -7621,6 +7608,290 @@
           </a:fontRef>
         </p:style>
       </p:cxnSp>
+      <p:grpSp>
+        <p:nvGrpSpPr>
+          <p:cNvPr id="53" name="Agrupar 52"/>
+          <p:cNvGrpSpPr/>
+          <p:nvPr/>
+        </p:nvGrpSpPr>
+        <p:grpSpPr>
+          <a:xfrm>
+            <a:off x="5396039" y="1746341"/>
+            <a:ext cx="720931" cy="720931"/>
+            <a:chOff x="3064264" y="2141510"/>
+            <a:chExt cx="720931" cy="720931"/>
+          </a:xfrm>
+        </p:grpSpPr>
+        <p:sp>
+          <p:nvSpPr>
+            <p:cNvPr id="55" name="Elipse 54"/>
+            <p:cNvSpPr/>
+            <p:nvPr/>
+          </p:nvSpPr>
+          <p:spPr>
+            <a:xfrm>
+              <a:off x="3064264" y="2141510"/>
+              <a:ext cx="720931" cy="720931"/>
+            </a:xfrm>
+            <a:prstGeom prst="ellipse">
+              <a:avLst/>
+            </a:prstGeom>
+            <a:solidFill>
+              <a:schemeClr val="bg1"/>
+            </a:solidFill>
+            <a:ln>
+              <a:noFill/>
+            </a:ln>
+          </p:spPr>
+          <p:style>
+            <a:lnRef idx="2">
+              <a:schemeClr val="accent1">
+                <a:shade val="50000"/>
+              </a:schemeClr>
+            </a:lnRef>
+            <a:fillRef idx="1">
+              <a:schemeClr val="accent1"/>
+            </a:fillRef>
+            <a:effectRef idx="0">
+              <a:schemeClr val="accent1"/>
+            </a:effectRef>
+            <a:fontRef idx="minor">
+              <a:schemeClr val="lt1"/>
+            </a:fontRef>
+          </p:style>
+          <p:txBody>
+            <a:bodyPr rtlCol="0" anchor="ctr"/>
+            <a:lstStyle/>
+            <a:p>
+              <a:pPr algn="ctr"/>
+              <a:endParaRPr lang="pt-BR"/>
+            </a:p>
+          </p:txBody>
+        </p:sp>
+        <p:pic>
+          <p:nvPicPr>
+            <p:cNvPr id="61" name="Picture 26" descr="Resultado de imagem para KOTLIN"/>
+            <p:cNvPicPr>
+              <a:picLocks noChangeAspect="1" noChangeArrowheads="1"/>
+            </p:cNvPicPr>
+            <p:nvPr/>
+          </p:nvPicPr>
+          <p:blipFill rotWithShape="1">
+            <a:blip r:embed="rId11">
+              <a:extLst>
+                <a:ext uri="{28A0092B-C50C-407E-A947-70E740481C1C}">
+                  <a14:useLocalDpi xmlns:a14="http://schemas.microsoft.com/office/drawing/2010/main" val="0"/>
+                </a:ext>
+              </a:extLst>
+            </a:blip>
+            <a:srcRect r="444"/>
+            <a:stretch/>
+          </p:blipFill>
+          <p:spPr bwMode="auto">
+            <a:xfrm>
+              <a:off x="3074360" y="2329560"/>
+              <a:ext cx="690341" cy="346708"/>
+            </a:xfrm>
+            <a:prstGeom prst="rect">
+              <a:avLst/>
+            </a:prstGeom>
+            <a:noFill/>
+            <a:extLst>
+              <a:ext uri="{909E8E84-426E-40DD-AFC4-6F175D3DCCD1}">
+                <a14:hiddenFill xmlns:a14="http://schemas.microsoft.com/office/drawing/2010/main">
+                  <a:solidFill>
+                    <a:srgbClr val="FFFFFF"/>
+                  </a:solidFill>
+                </a14:hiddenFill>
+              </a:ext>
+            </a:extLst>
+          </p:spPr>
+        </p:pic>
+      </p:grpSp>
+      <p:grpSp>
+        <p:nvGrpSpPr>
+          <p:cNvPr id="2" name="Agrupar 1"/>
+          <p:cNvGrpSpPr/>
+          <p:nvPr/>
+        </p:nvGrpSpPr>
+        <p:grpSpPr>
+          <a:xfrm>
+            <a:off x="6256673" y="2467960"/>
+            <a:ext cx="962354" cy="569169"/>
+            <a:chOff x="6183099" y="2355080"/>
+            <a:chExt cx="962354" cy="569169"/>
+          </a:xfrm>
+        </p:grpSpPr>
+        <p:pic>
+          <p:nvPicPr>
+            <p:cNvPr id="1026" name="Picture 2" descr="Resultado de imagem para html css javascript"/>
+            <p:cNvPicPr>
+              <a:picLocks noChangeAspect="1" noChangeArrowheads="1"/>
+            </p:cNvPicPr>
+            <p:nvPr/>
+          </p:nvPicPr>
+          <p:blipFill rotWithShape="1">
+            <a:blip r:embed="rId20">
+              <a:extLst>
+                <a:ext uri="{28A0092B-C50C-407E-A947-70E740481C1C}">
+                  <a14:useLocalDpi xmlns:a14="http://schemas.microsoft.com/office/drawing/2010/main" val="0"/>
+                </a:ext>
+              </a:extLst>
+            </a:blip>
+            <a:srcRect t="23974"/>
+            <a:stretch/>
+          </p:blipFill>
+          <p:spPr bwMode="auto">
+            <a:xfrm>
+              <a:off x="6183099" y="2495550"/>
+              <a:ext cx="962354" cy="428699"/>
+            </a:xfrm>
+            <a:prstGeom prst="rect">
+              <a:avLst/>
+            </a:prstGeom>
+            <a:noFill/>
+            <a:extLst>
+              <a:ext uri="{909E8E84-426E-40DD-AFC4-6F175D3DCCD1}">
+                <a14:hiddenFill xmlns:a14="http://schemas.microsoft.com/office/drawing/2010/main">
+                  <a:solidFill>
+                    <a:srgbClr val="FFFFFF"/>
+                  </a:solidFill>
+                </a14:hiddenFill>
+              </a:ext>
+            </a:extLst>
+          </p:spPr>
+        </p:pic>
+        <p:pic>
+          <p:nvPicPr>
+            <p:cNvPr id="62" name="Picture 2" descr="Resultado de imagem para html css javascript"/>
+            <p:cNvPicPr>
+              <a:picLocks noChangeAspect="1" noChangeArrowheads="1"/>
+            </p:cNvPicPr>
+            <p:nvPr/>
+          </p:nvPicPr>
+          <p:blipFill rotWithShape="1">
+            <a:blip r:embed="rId21">
+              <a:extLst>
+                <a:ext uri="{BEBA8EAE-BF5A-486C-A8C5-ECC9F3942E4B}">
+                  <a14:imgProps xmlns:a14="http://schemas.microsoft.com/office/drawing/2010/main">
+                    <a14:imgLayer r:embed="rId22">
+                      <a14:imgEffect>
+                        <a14:brightnessContrast bright="100000"/>
+                      </a14:imgEffect>
+                    </a14:imgLayer>
+                  </a14:imgProps>
+                </a:ext>
+                <a:ext uri="{28A0092B-C50C-407E-A947-70E740481C1C}">
+                  <a14:useLocalDpi xmlns:a14="http://schemas.microsoft.com/office/drawing/2010/main" val="0"/>
+                </a:ext>
+              </a:extLst>
+            </a:blip>
+            <a:srcRect b="76182"/>
+            <a:stretch/>
+          </p:blipFill>
+          <p:spPr bwMode="auto">
+            <a:xfrm>
+              <a:off x="6183099" y="2355080"/>
+              <a:ext cx="962354" cy="134301"/>
+            </a:xfrm>
+            <a:prstGeom prst="rect">
+              <a:avLst/>
+            </a:prstGeom>
+            <a:noFill/>
+            <a:extLst>
+              <a:ext uri="{909E8E84-426E-40DD-AFC4-6F175D3DCCD1}">
+                <a14:hiddenFill xmlns:a14="http://schemas.microsoft.com/office/drawing/2010/main">
+                  <a:solidFill>
+                    <a:srgbClr val="FFFFFF"/>
+                  </a:solidFill>
+                </a14:hiddenFill>
+              </a:ext>
+            </a:extLst>
+          </p:spPr>
+        </p:pic>
+      </p:grpSp>
+      <p:pic>
+        <p:nvPicPr>
+          <p:cNvPr id="1028" name="Picture 4" descr="Resultado de imagem para react"/>
+          <p:cNvPicPr>
+            <a:picLocks noChangeAspect="1" noChangeArrowheads="1"/>
+          </p:cNvPicPr>
+          <p:nvPr/>
+        </p:nvPicPr>
+        <p:blipFill>
+          <a:blip r:embed="rId23">
+            <a:extLst>
+              <a:ext uri="{28A0092B-C50C-407E-A947-70E740481C1C}">
+                <a14:useLocalDpi xmlns:a14="http://schemas.microsoft.com/office/drawing/2010/main" val="0"/>
+              </a:ext>
+            </a:extLst>
+          </a:blip>
+          <a:srcRect/>
+          <a:stretch>
+            <a:fillRect/>
+          </a:stretch>
+        </p:blipFill>
+        <p:spPr bwMode="auto">
+          <a:xfrm>
+            <a:off x="7348007" y="2573553"/>
+            <a:ext cx="1136309" cy="381373"/>
+          </a:xfrm>
+          <a:prstGeom prst="rect">
+            <a:avLst/>
+          </a:prstGeom>
+          <a:noFill/>
+          <a:extLst>
+            <a:ext uri="{909E8E84-426E-40DD-AFC4-6F175D3DCCD1}">
+              <a14:hiddenFill xmlns:a14="http://schemas.microsoft.com/office/drawing/2010/main">
+                <a:solidFill>
+                  <a:srgbClr val="FFFFFF"/>
+                </a:solidFill>
+              </a14:hiddenFill>
+            </a:ext>
+          </a:extLst>
+        </p:spPr>
+      </p:pic>
+      <p:pic>
+        <p:nvPicPr>
+          <p:cNvPr id="1030" name="Picture 6" descr="Resultado de imagem para java swing logo"/>
+          <p:cNvPicPr>
+            <a:picLocks noChangeAspect="1" noChangeArrowheads="1"/>
+          </p:cNvPicPr>
+          <p:nvPr/>
+        </p:nvPicPr>
+        <p:blipFill>
+          <a:blip r:embed="rId24">
+            <a:extLst>
+              <a:ext uri="{28A0092B-C50C-407E-A947-70E740481C1C}">
+                <a14:useLocalDpi xmlns:a14="http://schemas.microsoft.com/office/drawing/2010/main" val="0"/>
+              </a:ext>
+            </a:extLst>
+          </a:blip>
+          <a:srcRect/>
+          <a:stretch>
+            <a:fillRect/>
+          </a:stretch>
+        </p:blipFill>
+        <p:spPr bwMode="auto">
+          <a:xfrm>
+            <a:off x="6194719" y="5676723"/>
+            <a:ext cx="566918" cy="566918"/>
+          </a:xfrm>
+          <a:prstGeom prst="rect">
+            <a:avLst/>
+          </a:prstGeom>
+          <a:noFill/>
+          <a:extLst>
+            <a:ext uri="{909E8E84-426E-40DD-AFC4-6F175D3DCCD1}">
+              <a14:hiddenFill xmlns:a14="http://schemas.microsoft.com/office/drawing/2010/main">
+                <a:solidFill>
+                  <a:srgbClr val="FFFFFF"/>
+                </a:solidFill>
+              </a14:hiddenFill>
+            </a:ext>
+          </a:extLst>
+        </p:spPr>
+      </p:pic>
     </p:spTree>
     <p:extLst>
       <p:ext uri="{BB962C8B-B14F-4D97-AF65-F5344CB8AC3E}">
@@ -7631,6 +7902,13 @@
   <p:clrMapOvr>
     <a:masterClrMapping/>
   </p:clrMapOvr>
+  <p:timing>
+    <p:tnLst>
+      <p:par>
+        <p:cTn id="1" dur="indefinite" restart="never" nodeType="tmRoot"/>
+      </p:par>
+    </p:tnLst>
+  </p:timing>
 </p:sld>
 </file>
 
@@ -7907,7 +8185,7 @@
           </a:prstGeom>
           <a:solidFill>
             <a:schemeClr val="tx1">
-              <a:alpha val="21000"/>
+              <a:alpha val="40000"/>
             </a:schemeClr>
           </a:solidFill>
           <a:ln>
@@ -10573,6 +10851,13 @@
   <p:clrMapOvr>
     <a:masterClrMapping/>
   </p:clrMapOvr>
+  <p:timing>
+    <p:tnLst>
+      <p:par>
+        <p:cTn id="1" dur="indefinite" restart="never" nodeType="tmRoot"/>
+      </p:par>
+    </p:tnLst>
+  </p:timing>
 </p:sld>
 </file>
 
@@ -10615,7 +10900,7 @@
           </a:prstGeom>
           <a:solidFill>
             <a:schemeClr val="tx1">
-              <a:alpha val="21000"/>
+              <a:alpha val="40000"/>
             </a:schemeClr>
           </a:solidFill>
           <a:ln>
@@ -11494,6 +11779,13 @@
   <p:clrMapOvr>
     <a:masterClrMapping/>
   </p:clrMapOvr>
+  <p:timing>
+    <p:tnLst>
+      <p:par>
+        <p:cTn id="1" dur="indefinite" restart="never" nodeType="tmRoot"/>
+      </p:par>
+    </p:tnLst>
+  </p:timing>
 </p:sld>
 </file>
 
@@ -11536,7 +11828,7 @@
           </a:prstGeom>
           <a:solidFill>
             <a:schemeClr val="tx1">
-              <a:alpha val="21000"/>
+              <a:alpha val="40000"/>
             </a:schemeClr>
           </a:solidFill>
           <a:ln>
@@ -12981,7 +13273,7 @@
           </a:prstGeom>
           <a:solidFill>
             <a:schemeClr val="tx1">
-              <a:alpha val="21000"/>
+              <a:alpha val="40000"/>
             </a:schemeClr>
           </a:solidFill>
           <a:ln>
@@ -13245,7 +13537,7 @@
           </a:prstGeom>
           <a:solidFill>
             <a:schemeClr val="tx1">
-              <a:alpha val="21000"/>
+              <a:alpha val="40000"/>
             </a:schemeClr>
           </a:solidFill>
           <a:ln>
@@ -13538,7 +13830,7 @@
           </a:prstGeom>
           <a:solidFill>
             <a:schemeClr val="tx1">
-              <a:alpha val="21000"/>
+              <a:alpha val="40000"/>
             </a:schemeClr>
           </a:solidFill>
           <a:ln>
@@ -15675,7 +15967,7 @@
           </a:prstGeom>
           <a:solidFill>
             <a:schemeClr val="tx1">
-              <a:alpha val="21000"/>
+              <a:alpha val="40000"/>
             </a:schemeClr>
           </a:solidFill>
           <a:ln>
@@ -16323,15 +16615,6 @@
 </file>
 
 <file path=customXml/item2.xml><?xml version="1.0" encoding="utf-8"?>
-<?mso-contentType ?>
-<FormTemplates xmlns="http://schemas.microsoft.com/sharepoint/v3/contenttype/forms">
-  <Display>DocumentLibraryForm</Display>
-  <Edit>DocumentLibraryForm</Edit>
-  <New>DocumentLibraryForm</New>
-</FormTemplates>
-</file>
-
-<file path=customXml/item3.xml><?xml version="1.0" encoding="utf-8"?>
 <ct:contentTypeSchema xmlns:ct="http://schemas.microsoft.com/office/2006/metadata/contentType" xmlns:ma="http://schemas.microsoft.com/office/2006/metadata/properties/metaAttributes" ct:_="" ma:_="" ma:contentTypeName="Documento" ma:contentTypeID="0x01010049EF22FAA227184C9F17DB94FF991B99" ma:contentTypeVersion="4" ma:contentTypeDescription="Crie um novo documento." ma:contentTypeScope="" ma:versionID="442411e1f160c779f1992de5e0fb256a">
   <xsd:schema xmlns:xsd="http://www.w3.org/2001/XMLSchema" xmlns:xs="http://www.w3.org/2001/XMLSchema" xmlns:p="http://schemas.microsoft.com/office/2006/metadata/properties" xmlns:ns2="020b5f2f-eb9b-4b5b-ac28-78b24d18aac0" targetNamespace="http://schemas.microsoft.com/office/2006/metadata/properties" ma:root="true" ma:fieldsID="77a5a8c295f322286c01b5981d5f1d8b" ns2:_="">
     <xsd:import namespace="020b5f2f-eb9b-4b5b-ac28-78b24d18aac0"/>
@@ -16477,6 +16760,15 @@
 </ct:contentTypeSchema>
 </file>
 
+<file path=customXml/item3.xml><?xml version="1.0" encoding="utf-8"?>
+<?mso-contentType ?>
+<FormTemplates xmlns="http://schemas.microsoft.com/sharepoint/v3/contenttype/forms">
+  <Display>DocumentLibraryForm</Display>
+  <Edit>DocumentLibraryForm</Edit>
+  <New>DocumentLibraryForm</New>
+</FormTemplates>
+</file>
+
 <file path=customXml/itemProps1.xml><?xml version="1.0" encoding="utf-8"?>
 <ds:datastoreItem xmlns:ds="http://schemas.openxmlformats.org/officeDocument/2006/customXml" ds:itemID="{55798A40-9FAD-445E-91C1-7CEFB25D743E}">
   <ds:schemaRefs>
@@ -16487,14 +16779,6 @@
 </file>
 
 <file path=customXml/itemProps2.xml><?xml version="1.0" encoding="utf-8"?>
-<ds:datastoreItem xmlns:ds="http://schemas.openxmlformats.org/officeDocument/2006/customXml" ds:itemID="{370E4D61-1BE4-4B15-A784-AD2954D7A6D9}">
-  <ds:schemaRefs>
-    <ds:schemaRef ds:uri="http://schemas.microsoft.com/sharepoint/v3/contenttype/forms"/>
-  </ds:schemaRefs>
-</ds:datastoreItem>
-</file>
-
-<file path=customXml/itemProps3.xml><?xml version="1.0" encoding="utf-8"?>
 <ds:datastoreItem xmlns:ds="http://schemas.openxmlformats.org/officeDocument/2006/customXml" ds:itemID="{29EA2E90-B8E6-4B7F-88C3-E8C22CC710BC}">
   <ds:schemaRefs>
     <ds:schemaRef ds:uri="http://schemas.microsoft.com/office/2006/metadata/contentType"/>
@@ -16510,4 +16794,12 @@
     <ds:schemaRef ds:uri="http://schemas.microsoft.com/internal/obd"/>
   </ds:schemaRefs>
 </ds:datastoreItem>
+</file>
+
+<file path=customXml/itemProps3.xml><?xml version="1.0" encoding="utf-8"?>
+<ds:datastoreItem xmlns:ds="http://schemas.openxmlformats.org/officeDocument/2006/customXml" ds:itemID="{370E4D61-1BE4-4B15-A784-AD2954D7A6D9}">
+  <ds:schemaRefs>
+    <ds:schemaRef ds:uri="http://schemas.microsoft.com/sharepoint/v3/contenttype/forms"/>
+  </ds:schemaRefs>
+</ds:datastoreItem>
 </file>
--- a/Powerpoint/CARBONTOWER-v2.0.pptx
+++ b/Powerpoint/CARBONTOWER-v2.0.pptx
@@ -276,7 +276,7 @@
           <a:p>
             <a:fld id="{F0ED955F-D8D6-CE41-B014-F2E9EF585494}" type="datetimeFigureOut">
               <a:rPr lang="en-US" smtClean="0"/>
-              <a:t>4/11/2019</a:t>
+              <a:t>4/15/2019</a:t>
             </a:fld>
             <a:endParaRPr lang="en-US"/>
           </a:p>
@@ -474,7 +474,7 @@
           <a:p>
             <a:fld id="{F0ED955F-D8D6-CE41-B014-F2E9EF585494}" type="datetimeFigureOut">
               <a:rPr lang="en-US" smtClean="0"/>
-              <a:t>4/11/2019</a:t>
+              <a:t>4/15/2019</a:t>
             </a:fld>
             <a:endParaRPr lang="en-US"/>
           </a:p>
@@ -682,7 +682,7 @@
           <a:p>
             <a:fld id="{F0ED955F-D8D6-CE41-B014-F2E9EF585494}" type="datetimeFigureOut">
               <a:rPr lang="en-US" smtClean="0"/>
-              <a:t>4/11/2019</a:t>
+              <a:t>4/15/2019</a:t>
             </a:fld>
             <a:endParaRPr lang="en-US"/>
           </a:p>
@@ -880,7 +880,7 @@
           <a:p>
             <a:fld id="{F0ED955F-D8D6-CE41-B014-F2E9EF585494}" type="datetimeFigureOut">
               <a:rPr lang="en-US" smtClean="0"/>
-              <a:t>4/11/2019</a:t>
+              <a:t>4/15/2019</a:t>
             </a:fld>
             <a:endParaRPr lang="en-US"/>
           </a:p>
@@ -1155,7 +1155,7 @@
           <a:p>
             <a:fld id="{F0ED955F-D8D6-CE41-B014-F2E9EF585494}" type="datetimeFigureOut">
               <a:rPr lang="en-US" smtClean="0"/>
-              <a:t>4/11/2019</a:t>
+              <a:t>4/15/2019</a:t>
             </a:fld>
             <a:endParaRPr lang="en-US"/>
           </a:p>
@@ -1420,7 +1420,7 @@
           <a:p>
             <a:fld id="{F0ED955F-D8D6-CE41-B014-F2E9EF585494}" type="datetimeFigureOut">
               <a:rPr lang="en-US" smtClean="0"/>
-              <a:t>4/11/2019</a:t>
+              <a:t>4/15/2019</a:t>
             </a:fld>
             <a:endParaRPr lang="en-US"/>
           </a:p>
@@ -1832,7 +1832,7 @@
           <a:p>
             <a:fld id="{F0ED955F-D8D6-CE41-B014-F2E9EF585494}" type="datetimeFigureOut">
               <a:rPr lang="en-US" smtClean="0"/>
-              <a:t>4/11/2019</a:t>
+              <a:t>4/15/2019</a:t>
             </a:fld>
             <a:endParaRPr lang="en-US"/>
           </a:p>
@@ -1973,7 +1973,7 @@
           <a:p>
             <a:fld id="{F0ED955F-D8D6-CE41-B014-F2E9EF585494}" type="datetimeFigureOut">
               <a:rPr lang="en-US" smtClean="0"/>
-              <a:t>4/11/2019</a:t>
+              <a:t>4/15/2019</a:t>
             </a:fld>
             <a:endParaRPr lang="en-US"/>
           </a:p>
@@ -2086,7 +2086,7 @@
           <a:p>
             <a:fld id="{F0ED955F-D8D6-CE41-B014-F2E9EF585494}" type="datetimeFigureOut">
               <a:rPr lang="en-US" smtClean="0"/>
-              <a:t>4/11/2019</a:t>
+              <a:t>4/15/2019</a:t>
             </a:fld>
             <a:endParaRPr lang="en-US"/>
           </a:p>
@@ -2397,7 +2397,7 @@
           <a:p>
             <a:fld id="{F0ED955F-D8D6-CE41-B014-F2E9EF585494}" type="datetimeFigureOut">
               <a:rPr lang="en-US" smtClean="0"/>
-              <a:t>4/11/2019</a:t>
+              <a:t>4/15/2019</a:t>
             </a:fld>
             <a:endParaRPr lang="en-US"/>
           </a:p>
@@ -2685,7 +2685,7 @@
           <a:p>
             <a:fld id="{F0ED955F-D8D6-CE41-B014-F2E9EF585494}" type="datetimeFigureOut">
               <a:rPr lang="en-US" smtClean="0"/>
-              <a:t>4/11/2019</a:t>
+              <a:t>4/15/2019</a:t>
             </a:fld>
             <a:endParaRPr lang="en-US"/>
           </a:p>
@@ -2931,7 +2931,7 @@
           <a:p>
             <a:fld id="{F0ED955F-D8D6-CE41-B014-F2E9EF585494}" type="datetimeFigureOut">
               <a:rPr lang="en-US" smtClean="0"/>
-              <a:t>4/11/2019</a:t>
+              <a:t>4/15/2019</a:t>
             </a:fld>
             <a:endParaRPr lang="en-US"/>
           </a:p>
@@ -3568,47 +3568,22 @@
           </p:cNvPicPr>
           <p:nvPr/>
         </p:nvPicPr>
-        <p:blipFill rotWithShape="1">
+        <p:blipFill>
           <a:blip r:embed="rId6">
             <a:extLst>
-              <a:ext uri="{BEBA8EAE-BF5A-486C-A8C5-ECC9F3942E4B}">
-                <a14:imgProps xmlns:a14="http://schemas.microsoft.com/office/drawing/2010/main">
-                  <a14:imgLayer r:embed="rId7">
-                    <a14:imgEffect>
-                      <a14:backgroundRemoval t="0" b="98802" l="24792" r="100000">
-                        <a14:foregroundMark x1="33943" y1="36527" x2="33943" y2="36527"/>
-                        <a14:foregroundMark x1="41930" y1="12575" x2="41930" y2="12575"/>
-                        <a14:foregroundMark x1="54409" y1="34132" x2="54409" y2="34132"/>
-                        <a14:foregroundMark x1="61897" y1="32934" x2="61897" y2="32934"/>
-                        <a14:foregroundMark x1="80532" y1="34132" x2="80532" y2="34132"/>
-                        <a14:foregroundMark x1="87687" y1="69461" x2="87687" y2="69461"/>
-                        <a14:foregroundMark x1="92013" y1="70060" x2="92013" y2="70060"/>
-                        <a14:foregroundMark x1="77205" y1="68263" x2="77205" y2="68263"/>
-                        <a14:foregroundMark x1="72712" y1="71257" x2="72712" y2="71257"/>
-                        <a14:foregroundMark x1="63561" y1="70060" x2="63561" y2="70060"/>
-                        <a14:foregroundMark x1="50083" y1="70060" x2="50083" y2="70060"/>
-                        <a14:foregroundMark x1="41764" y1="71856" x2="41764" y2="71856"/>
-                        <a14:foregroundMark x1="27787" y1="71856" x2="27787" y2="71856"/>
-                      </a14:backgroundRemoval>
-                    </a14:imgEffect>
-                    <a14:imgEffect>
-                      <a14:brightnessContrast bright="53000" contrast="-64000"/>
-                    </a14:imgEffect>
-                  </a14:imgLayer>
-                </a14:imgProps>
-              </a:ext>
               <a:ext uri="{28A0092B-C50C-407E-A947-70E740481C1C}">
                 <a14:useLocalDpi xmlns:a14="http://schemas.microsoft.com/office/drawing/2010/main" val="0"/>
               </a:ext>
             </a:extLst>
           </a:blip>
-          <a:srcRect l="25732"/>
-          <a:stretch/>
+          <a:stretch>
+            <a:fillRect/>
+          </a:stretch>
         </p:blipFill>
         <p:spPr>
           <a:xfrm>
-            <a:off x="4872311" y="3727411"/>
-            <a:ext cx="2447369" cy="915676"/>
+            <a:off x="4821742" y="3655791"/>
+            <a:ext cx="2548503" cy="1019401"/>
           </a:xfrm>
           <a:prstGeom prst="rect">
             <a:avLst/>
@@ -16615,6 +16590,15 @@
 </file>
 
 <file path=customXml/item2.xml><?xml version="1.0" encoding="utf-8"?>
+<?mso-contentType ?>
+<FormTemplates xmlns="http://schemas.microsoft.com/sharepoint/v3/contenttype/forms">
+  <Display>DocumentLibraryForm</Display>
+  <Edit>DocumentLibraryForm</Edit>
+  <New>DocumentLibraryForm</New>
+</FormTemplates>
+</file>
+
+<file path=customXml/item3.xml><?xml version="1.0" encoding="utf-8"?>
 <ct:contentTypeSchema xmlns:ct="http://schemas.microsoft.com/office/2006/metadata/contentType" xmlns:ma="http://schemas.microsoft.com/office/2006/metadata/properties/metaAttributes" ct:_="" ma:_="" ma:contentTypeName="Documento" ma:contentTypeID="0x01010049EF22FAA227184C9F17DB94FF991B99" ma:contentTypeVersion="4" ma:contentTypeDescription="Crie um novo documento." ma:contentTypeScope="" ma:versionID="442411e1f160c779f1992de5e0fb256a">
   <xsd:schema xmlns:xsd="http://www.w3.org/2001/XMLSchema" xmlns:xs="http://www.w3.org/2001/XMLSchema" xmlns:p="http://schemas.microsoft.com/office/2006/metadata/properties" xmlns:ns2="020b5f2f-eb9b-4b5b-ac28-78b24d18aac0" targetNamespace="http://schemas.microsoft.com/office/2006/metadata/properties" ma:root="true" ma:fieldsID="77a5a8c295f322286c01b5981d5f1d8b" ns2:_="">
     <xsd:import namespace="020b5f2f-eb9b-4b5b-ac28-78b24d18aac0"/>
@@ -16760,15 +16744,6 @@
 </ct:contentTypeSchema>
 </file>
 
-<file path=customXml/item3.xml><?xml version="1.0" encoding="utf-8"?>
-<?mso-contentType ?>
-<FormTemplates xmlns="http://schemas.microsoft.com/sharepoint/v3/contenttype/forms">
-  <Display>DocumentLibraryForm</Display>
-  <Edit>DocumentLibraryForm</Edit>
-  <New>DocumentLibraryForm</New>
-</FormTemplates>
-</file>
-
 <file path=customXml/itemProps1.xml><?xml version="1.0" encoding="utf-8"?>
 <ds:datastoreItem xmlns:ds="http://schemas.openxmlformats.org/officeDocument/2006/customXml" ds:itemID="{55798A40-9FAD-445E-91C1-7CEFB25D743E}">
   <ds:schemaRefs>
@@ -16779,6 +16754,14 @@
 </file>
 
 <file path=customXml/itemProps2.xml><?xml version="1.0" encoding="utf-8"?>
+<ds:datastoreItem xmlns:ds="http://schemas.openxmlformats.org/officeDocument/2006/customXml" ds:itemID="{370E4D61-1BE4-4B15-A784-AD2954D7A6D9}">
+  <ds:schemaRefs>
+    <ds:schemaRef ds:uri="http://schemas.microsoft.com/sharepoint/v3/contenttype/forms"/>
+  </ds:schemaRefs>
+</ds:datastoreItem>
+</file>
+
+<file path=customXml/itemProps3.xml><?xml version="1.0" encoding="utf-8"?>
 <ds:datastoreItem xmlns:ds="http://schemas.openxmlformats.org/officeDocument/2006/customXml" ds:itemID="{29EA2E90-B8E6-4B7F-88C3-E8C22CC710BC}">
   <ds:schemaRefs>
     <ds:schemaRef ds:uri="http://schemas.microsoft.com/office/2006/metadata/contentType"/>
@@ -16794,12 +16777,4 @@
     <ds:schemaRef ds:uri="http://schemas.microsoft.com/internal/obd"/>
   </ds:schemaRefs>
 </ds:datastoreItem>
-</file>
-
-<file path=customXml/itemProps3.xml><?xml version="1.0" encoding="utf-8"?>
-<ds:datastoreItem xmlns:ds="http://schemas.openxmlformats.org/officeDocument/2006/customXml" ds:itemID="{370E4D61-1BE4-4B15-A784-AD2954D7A6D9}">
-  <ds:schemaRefs>
-    <ds:schemaRef ds:uri="http://schemas.microsoft.com/sharepoint/v3/contenttype/forms"/>
-  </ds:schemaRefs>
-</ds:datastoreItem>
 </file>
--- a/Powerpoint/CARBONTOWER-v2.0.pptx
+++ b/Powerpoint/CARBONTOWER-v2.0.pptx
@@ -276,7 +276,7 @@
           <a:p>
             <a:fld id="{F0ED955F-D8D6-CE41-B014-F2E9EF585494}" type="datetimeFigureOut">
               <a:rPr lang="en-US" smtClean="0"/>
-              <a:t>4/15/2019</a:t>
+              <a:t>4/18/2019</a:t>
             </a:fld>
             <a:endParaRPr lang="en-US"/>
           </a:p>
@@ -474,7 +474,7 @@
           <a:p>
             <a:fld id="{F0ED955F-D8D6-CE41-B014-F2E9EF585494}" type="datetimeFigureOut">
               <a:rPr lang="en-US" smtClean="0"/>
-              <a:t>4/15/2019</a:t>
+              <a:t>4/18/2019</a:t>
             </a:fld>
             <a:endParaRPr lang="en-US"/>
           </a:p>
@@ -682,7 +682,7 @@
           <a:p>
             <a:fld id="{F0ED955F-D8D6-CE41-B014-F2E9EF585494}" type="datetimeFigureOut">
               <a:rPr lang="en-US" smtClean="0"/>
-              <a:t>4/15/2019</a:t>
+              <a:t>4/18/2019</a:t>
             </a:fld>
             <a:endParaRPr lang="en-US"/>
           </a:p>
@@ -880,7 +880,7 @@
           <a:p>
             <a:fld id="{F0ED955F-D8D6-CE41-B014-F2E9EF585494}" type="datetimeFigureOut">
               <a:rPr lang="en-US" smtClean="0"/>
-              <a:t>4/15/2019</a:t>
+              <a:t>4/18/2019</a:t>
             </a:fld>
             <a:endParaRPr lang="en-US"/>
           </a:p>
@@ -1155,7 +1155,7 @@
           <a:p>
             <a:fld id="{F0ED955F-D8D6-CE41-B014-F2E9EF585494}" type="datetimeFigureOut">
               <a:rPr lang="en-US" smtClean="0"/>
-              <a:t>4/15/2019</a:t>
+              <a:t>4/18/2019</a:t>
             </a:fld>
             <a:endParaRPr lang="en-US"/>
           </a:p>
@@ -1420,7 +1420,7 @@
           <a:p>
             <a:fld id="{F0ED955F-D8D6-CE41-B014-F2E9EF585494}" type="datetimeFigureOut">
               <a:rPr lang="en-US" smtClean="0"/>
-              <a:t>4/15/2019</a:t>
+              <a:t>4/18/2019</a:t>
             </a:fld>
             <a:endParaRPr lang="en-US"/>
           </a:p>
@@ -1832,7 +1832,7 @@
           <a:p>
             <a:fld id="{F0ED955F-D8D6-CE41-B014-F2E9EF585494}" type="datetimeFigureOut">
               <a:rPr lang="en-US" smtClean="0"/>
-              <a:t>4/15/2019</a:t>
+              <a:t>4/18/2019</a:t>
             </a:fld>
             <a:endParaRPr lang="en-US"/>
           </a:p>
@@ -1973,7 +1973,7 @@
           <a:p>
             <a:fld id="{F0ED955F-D8D6-CE41-B014-F2E9EF585494}" type="datetimeFigureOut">
               <a:rPr lang="en-US" smtClean="0"/>
-              <a:t>4/15/2019</a:t>
+              <a:t>4/18/2019</a:t>
             </a:fld>
             <a:endParaRPr lang="en-US"/>
           </a:p>
@@ -2086,7 +2086,7 @@
           <a:p>
             <a:fld id="{F0ED955F-D8D6-CE41-B014-F2E9EF585494}" type="datetimeFigureOut">
               <a:rPr lang="en-US" smtClean="0"/>
-              <a:t>4/15/2019</a:t>
+              <a:t>4/18/2019</a:t>
             </a:fld>
             <a:endParaRPr lang="en-US"/>
           </a:p>
@@ -2397,7 +2397,7 @@
           <a:p>
             <a:fld id="{F0ED955F-D8D6-CE41-B014-F2E9EF585494}" type="datetimeFigureOut">
               <a:rPr lang="en-US" smtClean="0"/>
-              <a:t>4/15/2019</a:t>
+              <a:t>4/18/2019</a:t>
             </a:fld>
             <a:endParaRPr lang="en-US"/>
           </a:p>
@@ -2685,7 +2685,7 @@
           <a:p>
             <a:fld id="{F0ED955F-D8D6-CE41-B014-F2E9EF585494}" type="datetimeFigureOut">
               <a:rPr lang="en-US" smtClean="0"/>
-              <a:t>4/15/2019</a:t>
+              <a:t>4/18/2019</a:t>
             </a:fld>
             <a:endParaRPr lang="en-US"/>
           </a:p>
@@ -2931,7 +2931,7 @@
           <a:p>
             <a:fld id="{F0ED955F-D8D6-CE41-B014-F2E9EF585494}" type="datetimeFigureOut">
               <a:rPr lang="en-US" smtClean="0"/>
-              <a:t>4/15/2019</a:t>
+              <a:t>4/18/2019</a:t>
             </a:fld>
             <a:endParaRPr lang="en-US"/>
           </a:p>
@@ -3445,8 +3445,8 @@
         </p:nvSpPr>
         <p:spPr>
           <a:xfrm>
-            <a:off x="78949" y="6239799"/>
-            <a:ext cx="4292585" cy="584775"/>
+            <a:off x="0" y="6389750"/>
+            <a:ext cx="5730180" cy="461665"/>
           </a:xfrm>
           <a:prstGeom prst="rect">
             <a:avLst/>
@@ -3459,35 +3459,26 @@
           </a:bodyPr>
           <a:lstStyle/>
           <a:p>
-            <a:pPr algn="ctr"/>
-            <a:r>
-              <a:rPr lang="en-US" sz="3200" b="1" dirty="0">
+            <a:r>
+              <a:rPr lang="en-US" sz="2400" b="1" dirty="0" smtClean="0">
                 <a:ln w="0"/>
                 <a:solidFill>
-                  <a:schemeClr val="bg1"/>
-                </a:solidFill>
-                <a:effectLst>
-                  <a:outerShdw blurRad="38100" dist="19050" dir="2700000" algn="tl" rotWithShape="0">
-                    <a:schemeClr val="dk1">
-                      <a:alpha val="40000"/>
-                    </a:schemeClr>
-                  </a:outerShdw>
-                </a:effectLst>
+                  <a:schemeClr val="bg1">
+                    <a:lumMod val="85000"/>
+                  </a:schemeClr>
+                </a:solidFill>
+                <a:latin typeface="Century Gothic" panose="020B0502020202020204" pitchFamily="34" charset="0"/>
               </a:rPr>
               <a:t>EQUIPE CARBONTOWER</a:t>
             </a:r>
-            <a:endParaRPr lang="en-US" sz="3200" b="1" cap="none" spc="0" dirty="0">
+            <a:endParaRPr lang="en-US" sz="2400" b="1" cap="none" spc="0" dirty="0">
               <a:ln w="0"/>
               <a:solidFill>
-                <a:schemeClr val="bg1"/>
+                <a:schemeClr val="bg1">
+                  <a:lumMod val="85000"/>
+                </a:schemeClr>
               </a:solidFill>
-              <a:effectLst>
-                <a:outerShdw blurRad="38100" dist="19050" dir="2700000" algn="tl" rotWithShape="0">
-                  <a:schemeClr val="dk1">
-                    <a:alpha val="40000"/>
-                  </a:schemeClr>
-                </a:outerShdw>
-              </a:effectLst>
+              <a:latin typeface="Century Gothic" panose="020B0502020202020204" pitchFamily="34" charset="0"/>
             </a:endParaRPr>
           </a:p>
         </p:txBody>
@@ -3560,36 +3551,103 @@
           </a:prstGeom>
         </p:spPr>
       </p:pic>
-      <p:pic>
-        <p:nvPicPr>
-          <p:cNvPr id="4" name="Imagem 3"/>
-          <p:cNvPicPr>
-            <a:picLocks noChangeAspect="1"/>
-          </p:cNvPicPr>
+      <p:grpSp>
+        <p:nvGrpSpPr>
+          <p:cNvPr id="8" name="Agrupar 7"/>
+          <p:cNvGrpSpPr/>
           <p:nvPr/>
-        </p:nvPicPr>
-        <p:blipFill>
-          <a:blip r:embed="rId6">
-            <a:extLst>
-              <a:ext uri="{28A0092B-C50C-407E-A947-70E740481C1C}">
-                <a14:useLocalDpi xmlns:a14="http://schemas.microsoft.com/office/drawing/2010/main" val="0"/>
-              </a:ext>
-            </a:extLst>
-          </a:blip>
-          <a:stretch>
-            <a:fillRect/>
-          </a:stretch>
-        </p:blipFill>
-        <p:spPr>
+        </p:nvGrpSpPr>
+        <p:grpSpPr>
           <a:xfrm>
-            <a:off x="4821742" y="3655791"/>
-            <a:ext cx="2548503" cy="1019401"/>
+            <a:off x="4727565" y="3567563"/>
+            <a:ext cx="2736857" cy="1123385"/>
+            <a:chOff x="-86520" y="-55805"/>
+            <a:chExt cx="1663700" cy="1123385"/>
           </a:xfrm>
-          <a:prstGeom prst="rect">
-            <a:avLst/>
-          </a:prstGeom>
-        </p:spPr>
-      </p:pic>
+        </p:grpSpPr>
+        <p:sp>
+          <p:nvSpPr>
+            <p:cNvPr id="11" name="CaixaDeTexto 10"/>
+            <p:cNvSpPr txBox="1"/>
+            <p:nvPr/>
+          </p:nvSpPr>
+          <p:spPr>
+            <a:xfrm>
+              <a:off x="-86520" y="482805"/>
+              <a:ext cx="1663700" cy="584775"/>
+            </a:xfrm>
+            <a:prstGeom prst="rect">
+              <a:avLst/>
+            </a:prstGeom>
+            <a:noFill/>
+          </p:spPr>
+          <p:txBody>
+            <a:bodyPr wrap="square" rtlCol="0">
+              <a:spAutoFit/>
+            </a:bodyPr>
+            <a:lstStyle/>
+            <a:p>
+              <a:pPr algn="ctr"/>
+              <a:r>
+                <a:rPr lang="pt-BR" sz="3200" dirty="0" smtClean="0">
+                  <a:solidFill>
+                    <a:srgbClr val="FF3F3F"/>
+                  </a:solidFill>
+                  <a:latin typeface="Century Gothic" panose="020B0502020202020204" pitchFamily="34" charset="0"/>
+                </a:rPr>
+                <a:t>CHAMPION</a:t>
+              </a:r>
+              <a:endParaRPr lang="pt-BR" sz="3200" dirty="0">
+                <a:solidFill>
+                  <a:srgbClr val="FF3F3F"/>
+                </a:solidFill>
+                <a:latin typeface="Century Gothic" panose="020B0502020202020204" pitchFamily="34" charset="0"/>
+              </a:endParaRPr>
+            </a:p>
+          </p:txBody>
+        </p:sp>
+        <p:sp>
+          <p:nvSpPr>
+            <p:cNvPr id="12" name="CaixaDeTexto 11"/>
+            <p:cNvSpPr txBox="1"/>
+            <p:nvPr/>
+          </p:nvSpPr>
+          <p:spPr>
+            <a:xfrm>
+              <a:off x="-10801" y="-55805"/>
+              <a:ext cx="1512261" cy="830997"/>
+            </a:xfrm>
+            <a:prstGeom prst="rect">
+              <a:avLst/>
+            </a:prstGeom>
+            <a:noFill/>
+          </p:spPr>
+          <p:txBody>
+            <a:bodyPr wrap="square" rtlCol="0">
+              <a:spAutoFit/>
+            </a:bodyPr>
+            <a:lstStyle/>
+            <a:p>
+              <a:pPr algn="ctr"/>
+              <a:r>
+                <a:rPr lang="pt-BR" sz="4800" dirty="0" smtClean="0">
+                  <a:solidFill>
+                    <a:srgbClr val="96A0A0"/>
+                  </a:solidFill>
+                  <a:latin typeface="Century Gothic" panose="020B0502020202020204" pitchFamily="34" charset="0"/>
+                </a:rPr>
+                <a:t>STREAM</a:t>
+              </a:r>
+              <a:endParaRPr lang="pt-BR" sz="4800" dirty="0">
+                <a:solidFill>
+                  <a:srgbClr val="96A0A0"/>
+                </a:solidFill>
+                <a:latin typeface="Century Gothic" panose="020B0502020202020204" pitchFamily="34" charset="0"/>
+              </a:endParaRPr>
+            </a:p>
+          </p:txBody>
+        </p:sp>
+      </p:grpSp>
     </p:spTree>
     <p:extLst>
       <p:ext uri="{BB962C8B-B14F-4D97-AF65-F5344CB8AC3E}">
@@ -4267,6 +4325,13 @@
   <p:clrMapOvr>
     <a:masterClrMapping/>
   </p:clrMapOvr>
+  <p:timing>
+    <p:tnLst>
+      <p:par>
+        <p:cTn id="1" dur="indefinite" restart="never" nodeType="tmRoot"/>
+      </p:par>
+    </p:tnLst>
+  </p:timing>
 </p:sld>
 </file>
 
@@ -13176,6 +13241,13 @@
   <p:clrMapOvr>
     <a:masterClrMapping/>
   </p:clrMapOvr>
+  <p:timing>
+    <p:tnLst>
+      <p:par>
+        <p:cTn id="1" dur="indefinite" restart="never" nodeType="tmRoot"/>
+      </p:par>
+    </p:tnLst>
+  </p:timing>
 </p:sld>
 </file>
 
@@ -13470,6 +13542,13 @@
   <p:clrMapOvr>
     <a:masterClrMapping/>
   </p:clrMapOvr>
+  <p:timing>
+    <p:tnLst>
+      <p:par>
+        <p:cTn id="1" dur="indefinite" restart="never" nodeType="tmRoot"/>
+      </p:par>
+    </p:tnLst>
+  </p:timing>
 </p:sld>
 </file>
 
@@ -13763,6 +13842,13 @@
   <p:clrMapOvr>
     <a:masterClrMapping/>
   </p:clrMapOvr>
+  <p:timing>
+    <p:tnLst>
+      <p:par>
+        <p:cTn id="1" dur="indefinite" restart="never" nodeType="tmRoot"/>
+      </p:par>
+    </p:tnLst>
+  </p:timing>
 </p:sld>
 </file>
 
@@ -15900,6 +15986,13 @@
   <p:clrMapOvr>
     <a:masterClrMapping/>
   </p:clrMapOvr>
+  <p:timing>
+    <p:tnLst>
+      <p:par>
+        <p:cTn id="1" dur="indefinite" restart="never" nodeType="tmRoot"/>
+      </p:par>
+    </p:tnLst>
+  </p:timing>
 </p:sld>
 </file>
 
@@ -16285,6 +16378,13 @@
   <p:clrMapOvr>
     <a:masterClrMapping/>
   </p:clrMapOvr>
+  <p:timing>
+    <p:tnLst>
+      <p:par>
+        <p:cTn id="1" dur="indefinite" restart="never" nodeType="tmRoot"/>
+      </p:par>
+    </p:tnLst>
+  </p:timing>
 </p:sld>
 </file>
 
@@ -16584,21 +16684,6 @@
 </file>
 
 <file path=customXml/item1.xml><?xml version="1.0" encoding="utf-8"?>
-<p:properties xmlns:p="http://schemas.microsoft.com/office/2006/metadata/properties" xmlns:xsi="http://www.w3.org/2001/XMLSchema-instance" xmlns:pc="http://schemas.microsoft.com/office/infopath/2007/PartnerControls">
-  <documentManagement/>
-</p:properties>
-</file>
-
-<file path=customXml/item2.xml><?xml version="1.0" encoding="utf-8"?>
-<?mso-contentType ?>
-<FormTemplates xmlns="http://schemas.microsoft.com/sharepoint/v3/contenttype/forms">
-  <Display>DocumentLibraryForm</Display>
-  <Edit>DocumentLibraryForm</Edit>
-  <New>DocumentLibraryForm</New>
-</FormTemplates>
-</file>
-
-<file path=customXml/item3.xml><?xml version="1.0" encoding="utf-8"?>
 <ct:contentTypeSchema xmlns:ct="http://schemas.microsoft.com/office/2006/metadata/contentType" xmlns:ma="http://schemas.microsoft.com/office/2006/metadata/properties/metaAttributes" ct:_="" ma:_="" ma:contentTypeName="Documento" ma:contentTypeID="0x01010049EF22FAA227184C9F17DB94FF991B99" ma:contentTypeVersion="4" ma:contentTypeDescription="Crie um novo documento." ma:contentTypeScope="" ma:versionID="442411e1f160c779f1992de5e0fb256a">
   <xsd:schema xmlns:xsd="http://www.w3.org/2001/XMLSchema" xmlns:xs="http://www.w3.org/2001/XMLSchema" xmlns:p="http://schemas.microsoft.com/office/2006/metadata/properties" xmlns:ns2="020b5f2f-eb9b-4b5b-ac28-78b24d18aac0" targetNamespace="http://schemas.microsoft.com/office/2006/metadata/properties" ma:root="true" ma:fieldsID="77a5a8c295f322286c01b5981d5f1d8b" ns2:_="">
     <xsd:import namespace="020b5f2f-eb9b-4b5b-ac28-78b24d18aac0"/>
@@ -16744,24 +16829,22 @@
 </ct:contentTypeSchema>
 </file>
 
-<file path=customXml/itemProps1.xml><?xml version="1.0" encoding="utf-8"?>
-<ds:datastoreItem xmlns:ds="http://schemas.openxmlformats.org/officeDocument/2006/customXml" ds:itemID="{55798A40-9FAD-445E-91C1-7CEFB25D743E}">
-  <ds:schemaRefs>
-    <ds:schemaRef ds:uri="http://schemas.microsoft.com/office/2006/metadata/properties"/>
-    <ds:schemaRef ds:uri="http://schemas.microsoft.com/office/infopath/2007/PartnerControls"/>
-  </ds:schemaRefs>
-</ds:datastoreItem>
+<file path=customXml/item2.xml><?xml version="1.0" encoding="utf-8"?>
+<?mso-contentType ?>
+<FormTemplates xmlns="http://schemas.microsoft.com/sharepoint/v3/contenttype/forms">
+  <Display>DocumentLibraryForm</Display>
+  <Edit>DocumentLibraryForm</Edit>
+  <New>DocumentLibraryForm</New>
+</FormTemplates>
 </file>
 
-<file path=customXml/itemProps2.xml><?xml version="1.0" encoding="utf-8"?>
-<ds:datastoreItem xmlns:ds="http://schemas.openxmlformats.org/officeDocument/2006/customXml" ds:itemID="{370E4D61-1BE4-4B15-A784-AD2954D7A6D9}">
-  <ds:schemaRefs>
-    <ds:schemaRef ds:uri="http://schemas.microsoft.com/sharepoint/v3/contenttype/forms"/>
-  </ds:schemaRefs>
-</ds:datastoreItem>
+<file path=customXml/item3.xml><?xml version="1.0" encoding="utf-8"?>
+<p:properties xmlns:p="http://schemas.microsoft.com/office/2006/metadata/properties" xmlns:xsi="http://www.w3.org/2001/XMLSchema-instance" xmlns:pc="http://schemas.microsoft.com/office/infopath/2007/PartnerControls">
+  <documentManagement/>
+</p:properties>
 </file>
 
-<file path=customXml/itemProps3.xml><?xml version="1.0" encoding="utf-8"?>
+<file path=customXml/itemProps1.xml><?xml version="1.0" encoding="utf-8"?>
 <ds:datastoreItem xmlns:ds="http://schemas.openxmlformats.org/officeDocument/2006/customXml" ds:itemID="{29EA2E90-B8E6-4B7F-88C3-E8C22CC710BC}">
   <ds:schemaRefs>
     <ds:schemaRef ds:uri="http://schemas.microsoft.com/office/2006/metadata/contentType"/>
@@ -16777,4 +16860,21 @@
     <ds:schemaRef ds:uri="http://schemas.microsoft.com/internal/obd"/>
   </ds:schemaRefs>
 </ds:datastoreItem>
+</file>
+
+<file path=customXml/itemProps2.xml><?xml version="1.0" encoding="utf-8"?>
+<ds:datastoreItem xmlns:ds="http://schemas.openxmlformats.org/officeDocument/2006/customXml" ds:itemID="{370E4D61-1BE4-4B15-A784-AD2954D7A6D9}">
+  <ds:schemaRefs>
+    <ds:schemaRef ds:uri="http://schemas.microsoft.com/sharepoint/v3/contenttype/forms"/>
+  </ds:schemaRefs>
+</ds:datastoreItem>
+</file>
+
+<file path=customXml/itemProps3.xml><?xml version="1.0" encoding="utf-8"?>
+<ds:datastoreItem xmlns:ds="http://schemas.openxmlformats.org/officeDocument/2006/customXml" ds:itemID="{55798A40-9FAD-445E-91C1-7CEFB25D743E}">
+  <ds:schemaRefs>
+    <ds:schemaRef ds:uri="http://schemas.microsoft.com/office/2006/metadata/properties"/>
+    <ds:schemaRef ds:uri="http://schemas.microsoft.com/office/infopath/2007/PartnerControls"/>
+  </ds:schemaRefs>
+</ds:datastoreItem>
 </file>
--- a/Powerpoint/CARBONTOWER-v2.0.pptx
+++ b/Powerpoint/CARBONTOWER-v2.0.pptx
@@ -7,14 +7,13 @@
   <p:sldIdLst>
     <p:sldId id="256" r:id="rId5"/>
     <p:sldId id="264" r:id="rId6"/>
-    <p:sldId id="265" r:id="rId7"/>
-    <p:sldId id="257" r:id="rId8"/>
-    <p:sldId id="263" r:id="rId9"/>
-    <p:sldId id="258" r:id="rId10"/>
-    <p:sldId id="259" r:id="rId11"/>
-    <p:sldId id="260" r:id="rId12"/>
-    <p:sldId id="261" r:id="rId13"/>
-    <p:sldId id="262" r:id="rId14"/>
+    <p:sldId id="257" r:id="rId7"/>
+    <p:sldId id="263" r:id="rId8"/>
+    <p:sldId id="258" r:id="rId9"/>
+    <p:sldId id="259" r:id="rId10"/>
+    <p:sldId id="260" r:id="rId11"/>
+    <p:sldId id="261" r:id="rId12"/>
+    <p:sldId id="262" r:id="rId13"/>
   </p:sldIdLst>
   <p:sldSz cx="12192000" cy="6858000"/>
   <p:notesSz cx="6858000" cy="9144000"/>
@@ -276,7 +275,7 @@
           <a:p>
             <a:fld id="{F0ED955F-D8D6-CE41-B014-F2E9EF585494}" type="datetimeFigureOut">
               <a:rPr lang="en-US" smtClean="0"/>
-              <a:t>4/18/2019</a:t>
+              <a:t>4/22/2019</a:t>
             </a:fld>
             <a:endParaRPr lang="en-US"/>
           </a:p>
@@ -474,7 +473,7 @@
           <a:p>
             <a:fld id="{F0ED955F-D8D6-CE41-B014-F2E9EF585494}" type="datetimeFigureOut">
               <a:rPr lang="en-US" smtClean="0"/>
-              <a:t>4/18/2019</a:t>
+              <a:t>4/22/2019</a:t>
             </a:fld>
             <a:endParaRPr lang="en-US"/>
           </a:p>
@@ -682,7 +681,7 @@
           <a:p>
             <a:fld id="{F0ED955F-D8D6-CE41-B014-F2E9EF585494}" type="datetimeFigureOut">
               <a:rPr lang="en-US" smtClean="0"/>
-              <a:t>4/18/2019</a:t>
+              <a:t>4/22/2019</a:t>
             </a:fld>
             <a:endParaRPr lang="en-US"/>
           </a:p>
@@ -880,7 +879,7 @@
           <a:p>
             <a:fld id="{F0ED955F-D8D6-CE41-B014-F2E9EF585494}" type="datetimeFigureOut">
               <a:rPr lang="en-US" smtClean="0"/>
-              <a:t>4/18/2019</a:t>
+              <a:t>4/22/2019</a:t>
             </a:fld>
             <a:endParaRPr lang="en-US"/>
           </a:p>
@@ -1155,7 +1154,7 @@
           <a:p>
             <a:fld id="{F0ED955F-D8D6-CE41-B014-F2E9EF585494}" type="datetimeFigureOut">
               <a:rPr lang="en-US" smtClean="0"/>
-              <a:t>4/18/2019</a:t>
+              <a:t>4/22/2019</a:t>
             </a:fld>
             <a:endParaRPr lang="en-US"/>
           </a:p>
@@ -1420,7 +1419,7 @@
           <a:p>
             <a:fld id="{F0ED955F-D8D6-CE41-B014-F2E9EF585494}" type="datetimeFigureOut">
               <a:rPr lang="en-US" smtClean="0"/>
-              <a:t>4/18/2019</a:t>
+              <a:t>4/22/2019</a:t>
             </a:fld>
             <a:endParaRPr lang="en-US"/>
           </a:p>
@@ -1832,7 +1831,7 @@
           <a:p>
             <a:fld id="{F0ED955F-D8D6-CE41-B014-F2E9EF585494}" type="datetimeFigureOut">
               <a:rPr lang="en-US" smtClean="0"/>
-              <a:t>4/18/2019</a:t>
+              <a:t>4/22/2019</a:t>
             </a:fld>
             <a:endParaRPr lang="en-US"/>
           </a:p>
@@ -1973,7 +1972,7 @@
           <a:p>
             <a:fld id="{F0ED955F-D8D6-CE41-B014-F2E9EF585494}" type="datetimeFigureOut">
               <a:rPr lang="en-US" smtClean="0"/>
-              <a:t>4/18/2019</a:t>
+              <a:t>4/22/2019</a:t>
             </a:fld>
             <a:endParaRPr lang="en-US"/>
           </a:p>
@@ -2086,7 +2085,7 @@
           <a:p>
             <a:fld id="{F0ED955F-D8D6-CE41-B014-F2E9EF585494}" type="datetimeFigureOut">
               <a:rPr lang="en-US" smtClean="0"/>
-              <a:t>4/18/2019</a:t>
+              <a:t>4/22/2019</a:t>
             </a:fld>
             <a:endParaRPr lang="en-US"/>
           </a:p>
@@ -2397,7 +2396,7 @@
           <a:p>
             <a:fld id="{F0ED955F-D8D6-CE41-B014-F2E9EF585494}" type="datetimeFigureOut">
               <a:rPr lang="en-US" smtClean="0"/>
-              <a:t>4/18/2019</a:t>
+              <a:t>4/22/2019</a:t>
             </a:fld>
             <a:endParaRPr lang="en-US"/>
           </a:p>
@@ -2685,7 +2684,7 @@
           <a:p>
             <a:fld id="{F0ED955F-D8D6-CE41-B014-F2E9EF585494}" type="datetimeFigureOut">
               <a:rPr lang="en-US" smtClean="0"/>
-              <a:t>4/18/2019</a:t>
+              <a:t>4/22/2019</a:t>
             </a:fld>
             <a:endParaRPr lang="en-US"/>
           </a:p>
@@ -2931,7 +2930,7 @@
           <a:p>
             <a:fld id="{F0ED955F-D8D6-CE41-B014-F2E9EF585494}" type="datetimeFigureOut">
               <a:rPr lang="en-US" smtClean="0"/>
-              <a:t>4/18/2019</a:t>
+              <a:t>4/22/2019</a:t>
             </a:fld>
             <a:endParaRPr lang="en-US"/>
           </a:p>
@@ -3652,673 +3651,6 @@
     <p:extLst>
       <p:ext uri="{BB962C8B-B14F-4D97-AF65-F5344CB8AC3E}">
         <p14:creationId xmlns:p14="http://schemas.microsoft.com/office/powerpoint/2010/main" val="2065328061"/>
-      </p:ext>
-    </p:extLst>
-  </p:cSld>
-  <p:clrMapOvr>
-    <a:masterClrMapping/>
-  </p:clrMapOvr>
-  <p:timing>
-    <p:tnLst>
-      <p:par>
-        <p:cTn id="1" dur="indefinite" restart="never" nodeType="tmRoot"/>
-      </p:par>
-    </p:tnLst>
-  </p:timing>
-</p:sld>
-</file>
-
-<file path=ppt/slides/slide10.xml><?xml version="1.0" encoding="utf-8"?>
-<p:sld xmlns:a="http://schemas.openxmlformats.org/drawingml/2006/main" xmlns:r="http://schemas.openxmlformats.org/officeDocument/2006/relationships" xmlns:p="http://schemas.openxmlformats.org/presentationml/2006/main">
-  <p:cSld>
-    <p:spTree>
-      <p:nvGrpSpPr>
-        <p:cNvPr id="1" name=""/>
-        <p:cNvGrpSpPr/>
-        <p:nvPr/>
-      </p:nvGrpSpPr>
-      <p:grpSpPr>
-        <a:xfrm>
-          <a:off x="0" y="0"/>
-          <a:ext cx="0" cy="0"/>
-          <a:chOff x="0" y="0"/>
-          <a:chExt cx="0" cy="0"/>
-        </a:xfrm>
-      </p:grpSpPr>
-      <p:pic>
-        <p:nvPicPr>
-          <p:cNvPr id="4" name="Picture 3">
-            <a:extLst>
-              <a:ext uri="{FF2B5EF4-FFF2-40B4-BE49-F238E27FC236}">
-                <a16:creationId xmlns:a16="http://schemas.microsoft.com/office/drawing/2014/main" id="{C980F007-3192-F741-A2E4-4D24B15C33ED}"/>
-              </a:ext>
-            </a:extLst>
-          </p:cNvPr>
-          <p:cNvPicPr>
-            <a:picLocks noChangeAspect="1"/>
-          </p:cNvPicPr>
-          <p:nvPr/>
-        </p:nvPicPr>
-        <p:blipFill rotWithShape="1">
-          <a:blip r:embed="rId2"/>
-          <a:srcRect l="21925" t="1" r="8753" b="1198"/>
-          <a:stretch/>
-        </p:blipFill>
-        <p:spPr>
-          <a:xfrm>
-            <a:off x="0" y="1"/>
-            <a:ext cx="12192000" cy="6858000"/>
-          </a:xfrm>
-          <a:prstGeom prst="rect">
-            <a:avLst/>
-          </a:prstGeom>
-        </p:spPr>
-      </p:pic>
-      <p:sp>
-        <p:nvSpPr>
-          <p:cNvPr id="5" name="Rectangle 4">
-            <a:extLst>
-              <a:ext uri="{FF2B5EF4-FFF2-40B4-BE49-F238E27FC236}">
-                <a16:creationId xmlns:a16="http://schemas.microsoft.com/office/drawing/2014/main" id="{0F27BB21-27CE-A146-8046-A96E77671693}"/>
-              </a:ext>
-            </a:extLst>
-          </p:cNvPr>
-          <p:cNvSpPr/>
-          <p:nvPr/>
-        </p:nvSpPr>
-        <p:spPr>
-          <a:xfrm>
-            <a:off x="0" y="0"/>
-            <a:ext cx="12192000" cy="6858000"/>
-          </a:xfrm>
-          <a:prstGeom prst="rect">
-            <a:avLst/>
-          </a:prstGeom>
-          <a:solidFill>
-            <a:schemeClr val="dk1">
-              <a:alpha val="70000"/>
-            </a:schemeClr>
-          </a:solidFill>
-          <a:ln>
-            <a:noFill/>
-          </a:ln>
-        </p:spPr>
-        <p:style>
-          <a:lnRef idx="2">
-            <a:schemeClr val="dk1">
-              <a:shade val="50000"/>
-            </a:schemeClr>
-          </a:lnRef>
-          <a:fillRef idx="1">
-            <a:schemeClr val="dk1"/>
-          </a:fillRef>
-          <a:effectRef idx="0">
-            <a:schemeClr val="dk1"/>
-          </a:effectRef>
-          <a:fontRef idx="minor">
-            <a:schemeClr val="lt1"/>
-          </a:fontRef>
-        </p:style>
-        <p:txBody>
-          <a:bodyPr rtlCol="0" anchor="ctr"/>
-          <a:lstStyle/>
-          <a:p>
-            <a:pPr algn="ctr"/>
-            <a:endParaRPr lang="en-US"/>
-          </a:p>
-        </p:txBody>
-      </p:sp>
-      <p:sp>
-        <p:nvSpPr>
-          <p:cNvPr id="6" name="Rectangle 5">
-            <a:extLst>
-              <a:ext uri="{FF2B5EF4-FFF2-40B4-BE49-F238E27FC236}">
-                <a16:creationId xmlns:a16="http://schemas.microsoft.com/office/drawing/2014/main" id="{29919FCF-1943-3548-82C5-0616239AC3BF}"/>
-              </a:ext>
-            </a:extLst>
-          </p:cNvPr>
-          <p:cNvSpPr/>
-          <p:nvPr/>
-        </p:nvSpPr>
-        <p:spPr>
-          <a:xfrm>
-            <a:off x="2973915" y="2292701"/>
-            <a:ext cx="6244163" cy="461665"/>
-          </a:xfrm>
-          <a:prstGeom prst="rect">
-            <a:avLst/>
-          </a:prstGeom>
-          <a:noFill/>
-        </p:spPr>
-        <p:txBody>
-          <a:bodyPr wrap="square" lIns="91440" tIns="45720" rIns="91440" bIns="45720">
-            <a:spAutoFit/>
-          </a:bodyPr>
-          <a:lstStyle/>
-          <a:p>
-            <a:pPr algn="ctr"/>
-            <a:r>
-              <a:rPr lang="en-US" sz="2400" b="1">
-                <a:ln w="0"/>
-                <a:solidFill>
-                  <a:schemeClr val="bg1"/>
-                </a:solidFill>
-                <a:effectLst>
-                  <a:outerShdw blurRad="38100" dist="19050" dir="2700000" algn="tl" rotWithShape="0">
-                    <a:schemeClr val="dk1">
-                      <a:alpha val="40000"/>
-                    </a:schemeClr>
-                  </a:outerShdw>
-                </a:effectLst>
-              </a:rPr>
-              <a:t>ARIEL MAGALHÃES LIRA RA 01182003 </a:t>
-            </a:r>
-            <a:endParaRPr lang="en-US" sz="2400" b="1" cap="none" spc="0">
-              <a:ln w="0"/>
-              <a:solidFill>
-                <a:schemeClr val="bg1"/>
-              </a:solidFill>
-              <a:effectLst>
-                <a:outerShdw blurRad="38100" dist="19050" dir="2700000" algn="tl" rotWithShape="0">
-                  <a:schemeClr val="dk1">
-                    <a:alpha val="40000"/>
-                  </a:schemeClr>
-                </a:outerShdw>
-              </a:effectLst>
-            </a:endParaRPr>
-          </a:p>
-        </p:txBody>
-      </p:sp>
-      <p:sp>
-        <p:nvSpPr>
-          <p:cNvPr id="7" name="Espaço Reservado para Texto 1">
-            <a:extLst>
-              <a:ext uri="{FF2B5EF4-FFF2-40B4-BE49-F238E27FC236}">
-                <a16:creationId xmlns:a16="http://schemas.microsoft.com/office/drawing/2014/main" id="{B7190582-8247-9D4E-89C0-39ABA5E7DF72}"/>
-              </a:ext>
-            </a:extLst>
-          </p:cNvPr>
-          <p:cNvSpPr txBox="1">
-            <a:spLocks/>
-          </p:cNvSpPr>
-          <p:nvPr/>
-        </p:nvSpPr>
-        <p:spPr>
-          <a:xfrm>
-            <a:off x="1130987" y="680978"/>
-            <a:ext cx="9930018" cy="1296144"/>
-          </a:xfrm>
-          <a:prstGeom prst="rect">
-            <a:avLst/>
-          </a:prstGeom>
-        </p:spPr>
-        <p:txBody>
-          <a:bodyPr/>
-          <a:lstStyle>
-            <a:lvl1pPr marL="391146" indent="-391146" algn="l" defTabSz="1043056" rtl="0" eaLnBrk="1" latinLnBrk="0" hangingPunct="1">
-              <a:spcBef>
-                <a:spcPct val="20000"/>
-              </a:spcBef>
-              <a:buFont typeface="Arial" pitchFamily="34" charset="0"/>
-              <a:buChar char="•"/>
-              <a:defRPr sz="3700" kern="1200">
-                <a:solidFill>
-                  <a:schemeClr val="tx1"/>
-                </a:solidFill>
-                <a:latin typeface="+mn-lt"/>
-                <a:ea typeface="+mn-ea"/>
-                <a:cs typeface="+mn-cs"/>
-              </a:defRPr>
-            </a:lvl1pPr>
-            <a:lvl2pPr marL="847483" indent="-325955" algn="l" defTabSz="1043056" rtl="0" eaLnBrk="1" latinLnBrk="0" hangingPunct="1">
-              <a:spcBef>
-                <a:spcPct val="20000"/>
-              </a:spcBef>
-              <a:buFont typeface="Arial" pitchFamily="34" charset="0"/>
-              <a:buChar char="–"/>
-              <a:defRPr sz="3200" kern="1200">
-                <a:solidFill>
-                  <a:schemeClr val="tx1"/>
-                </a:solidFill>
-                <a:latin typeface="+mn-lt"/>
-                <a:ea typeface="+mn-ea"/>
-                <a:cs typeface="+mn-cs"/>
-              </a:defRPr>
-            </a:lvl2pPr>
-            <a:lvl3pPr marL="1303820" indent="-260764" algn="l" defTabSz="1043056" rtl="0" eaLnBrk="1" latinLnBrk="0" hangingPunct="1">
-              <a:spcBef>
-                <a:spcPct val="20000"/>
-              </a:spcBef>
-              <a:buFont typeface="Arial" pitchFamily="34" charset="0"/>
-              <a:buChar char="•"/>
-              <a:defRPr sz="2700" kern="1200">
-                <a:solidFill>
-                  <a:schemeClr val="tx1"/>
-                </a:solidFill>
-                <a:latin typeface="+mn-lt"/>
-                <a:ea typeface="+mn-ea"/>
-                <a:cs typeface="+mn-cs"/>
-              </a:defRPr>
-            </a:lvl3pPr>
-            <a:lvl4pPr marL="1825348" indent="-260764" algn="l" defTabSz="1043056" rtl="0" eaLnBrk="1" latinLnBrk="0" hangingPunct="1">
-              <a:spcBef>
-                <a:spcPct val="20000"/>
-              </a:spcBef>
-              <a:buFont typeface="Arial" pitchFamily="34" charset="0"/>
-              <a:buChar char="–"/>
-              <a:defRPr sz="2300" kern="1200">
-                <a:solidFill>
-                  <a:schemeClr val="tx1"/>
-                </a:solidFill>
-                <a:latin typeface="+mn-lt"/>
-                <a:ea typeface="+mn-ea"/>
-                <a:cs typeface="+mn-cs"/>
-              </a:defRPr>
-            </a:lvl4pPr>
-            <a:lvl5pPr marL="2346876" indent="-260764" algn="l" defTabSz="1043056" rtl="0" eaLnBrk="1" latinLnBrk="0" hangingPunct="1">
-              <a:spcBef>
-                <a:spcPct val="20000"/>
-              </a:spcBef>
-              <a:buFont typeface="Arial" pitchFamily="34" charset="0"/>
-              <a:buChar char="»"/>
-              <a:defRPr sz="2300" kern="1200">
-                <a:solidFill>
-                  <a:schemeClr val="tx1"/>
-                </a:solidFill>
-                <a:latin typeface="+mn-lt"/>
-                <a:ea typeface="+mn-ea"/>
-                <a:cs typeface="+mn-cs"/>
-              </a:defRPr>
-            </a:lvl5pPr>
-            <a:lvl6pPr marL="2868404" indent="-260764" algn="l" defTabSz="1043056" rtl="0" eaLnBrk="1" latinLnBrk="0" hangingPunct="1">
-              <a:spcBef>
-                <a:spcPct val="20000"/>
-              </a:spcBef>
-              <a:buFont typeface="Arial" pitchFamily="34" charset="0"/>
-              <a:buChar char="•"/>
-              <a:defRPr sz="2300" kern="1200">
-                <a:solidFill>
-                  <a:schemeClr val="tx1"/>
-                </a:solidFill>
-                <a:latin typeface="+mn-lt"/>
-                <a:ea typeface="+mn-ea"/>
-                <a:cs typeface="+mn-cs"/>
-              </a:defRPr>
-            </a:lvl6pPr>
-            <a:lvl7pPr marL="3389932" indent="-260764" algn="l" defTabSz="1043056" rtl="0" eaLnBrk="1" latinLnBrk="0" hangingPunct="1">
-              <a:spcBef>
-                <a:spcPct val="20000"/>
-              </a:spcBef>
-              <a:buFont typeface="Arial" pitchFamily="34" charset="0"/>
-              <a:buChar char="•"/>
-              <a:defRPr sz="2300" kern="1200">
-                <a:solidFill>
-                  <a:schemeClr val="tx1"/>
-                </a:solidFill>
-                <a:latin typeface="+mn-lt"/>
-                <a:ea typeface="+mn-ea"/>
-                <a:cs typeface="+mn-cs"/>
-              </a:defRPr>
-            </a:lvl7pPr>
-            <a:lvl8pPr marL="3911460" indent="-260764" algn="l" defTabSz="1043056" rtl="0" eaLnBrk="1" latinLnBrk="0" hangingPunct="1">
-              <a:spcBef>
-                <a:spcPct val="20000"/>
-              </a:spcBef>
-              <a:buFont typeface="Arial" pitchFamily="34" charset="0"/>
-              <a:buChar char="•"/>
-              <a:defRPr sz="2300" kern="1200">
-                <a:solidFill>
-                  <a:schemeClr val="tx1"/>
-                </a:solidFill>
-                <a:latin typeface="+mn-lt"/>
-                <a:ea typeface="+mn-ea"/>
-                <a:cs typeface="+mn-cs"/>
-              </a:defRPr>
-            </a:lvl8pPr>
-            <a:lvl9pPr marL="4432988" indent="-260764" algn="l" defTabSz="1043056" rtl="0" eaLnBrk="1" latinLnBrk="0" hangingPunct="1">
-              <a:spcBef>
-                <a:spcPct val="20000"/>
-              </a:spcBef>
-              <a:buFont typeface="Arial" pitchFamily="34" charset="0"/>
-              <a:buChar char="•"/>
-              <a:defRPr sz="2300" kern="1200">
-                <a:solidFill>
-                  <a:schemeClr val="tx1"/>
-                </a:solidFill>
-                <a:latin typeface="+mn-lt"/>
-                <a:ea typeface="+mn-ea"/>
-                <a:cs typeface="+mn-cs"/>
-              </a:defRPr>
-            </a:lvl9pPr>
-          </a:lstStyle>
-          <a:p>
-            <a:pPr marL="0" indent="0" algn="ctr">
-              <a:lnSpc>
-                <a:spcPct val="150000"/>
-              </a:lnSpc>
-              <a:buNone/>
-            </a:pPr>
-            <a:r>
-              <a:rPr lang="pt-BR" sz="5400" b="1">
-                <a:solidFill>
-                  <a:srgbClr val="32B9CD"/>
-                </a:solidFill>
-              </a:rPr>
-              <a:t>CARBONTOWER</a:t>
-            </a:r>
-          </a:p>
-        </p:txBody>
-      </p:sp>
-      <p:pic>
-        <p:nvPicPr>
-          <p:cNvPr id="8" name="Picture 7">
-            <a:extLst>
-              <a:ext uri="{FF2B5EF4-FFF2-40B4-BE49-F238E27FC236}">
-                <a16:creationId xmlns:a16="http://schemas.microsoft.com/office/drawing/2014/main" id="{42276C8C-8F07-B343-A77A-0C5E3CD17BB7}"/>
-              </a:ext>
-            </a:extLst>
-          </p:cNvPr>
-          <p:cNvPicPr>
-            <a:picLocks noChangeAspect="1"/>
-          </p:cNvPicPr>
-          <p:nvPr/>
-        </p:nvPicPr>
-        <p:blipFill>
-          <a:blip r:embed="rId3"/>
-          <a:stretch>
-            <a:fillRect/>
-          </a:stretch>
-        </p:blipFill>
-        <p:spPr>
-          <a:xfrm>
-            <a:off x="10479031" y="6239799"/>
-            <a:ext cx="1660199" cy="618201"/>
-          </a:xfrm>
-          <a:prstGeom prst="rect">
-            <a:avLst/>
-          </a:prstGeom>
-        </p:spPr>
-      </p:pic>
-      <p:sp>
-        <p:nvSpPr>
-          <p:cNvPr id="9" name="TextBox 8">
-            <a:extLst>
-              <a:ext uri="{FF2B5EF4-FFF2-40B4-BE49-F238E27FC236}">
-                <a16:creationId xmlns:a16="http://schemas.microsoft.com/office/drawing/2014/main" id="{04255526-24C6-3E45-9B53-F59FF6DD05BD}"/>
-              </a:ext>
-            </a:extLst>
-          </p:cNvPr>
-          <p:cNvSpPr txBox="1"/>
-          <p:nvPr/>
-        </p:nvSpPr>
-        <p:spPr>
-          <a:xfrm>
-            <a:off x="12344400" y="617220"/>
-            <a:ext cx="184731" cy="369332"/>
-          </a:xfrm>
-          <a:prstGeom prst="rect">
-            <a:avLst/>
-          </a:prstGeom>
-          <a:noFill/>
-        </p:spPr>
-        <p:txBody>
-          <a:bodyPr wrap="none" rtlCol="0">
-            <a:spAutoFit/>
-          </a:bodyPr>
-          <a:lstStyle/>
-          <a:p>
-            <a:endParaRPr lang="en-US"/>
-          </a:p>
-        </p:txBody>
-      </p:sp>
-      <p:sp>
-        <p:nvSpPr>
-          <p:cNvPr id="10" name="Rectangle 9">
-            <a:extLst>
-              <a:ext uri="{FF2B5EF4-FFF2-40B4-BE49-F238E27FC236}">
-                <a16:creationId xmlns:a16="http://schemas.microsoft.com/office/drawing/2014/main" id="{2EBB8E2F-237A-234C-9FAD-94C628D8661D}"/>
-              </a:ext>
-            </a:extLst>
-          </p:cNvPr>
-          <p:cNvSpPr/>
-          <p:nvPr/>
-        </p:nvSpPr>
-        <p:spPr>
-          <a:xfrm>
-            <a:off x="2973914" y="2864533"/>
-            <a:ext cx="6244164" cy="461665"/>
-          </a:xfrm>
-          <a:prstGeom prst="rect">
-            <a:avLst/>
-          </a:prstGeom>
-          <a:noFill/>
-        </p:spPr>
-        <p:txBody>
-          <a:bodyPr wrap="square" lIns="91440" tIns="45720" rIns="91440" bIns="45720">
-            <a:spAutoFit/>
-          </a:bodyPr>
-          <a:lstStyle/>
-          <a:p>
-            <a:pPr algn="ctr"/>
-            <a:r>
-              <a:rPr lang="en-US" sz="2400" b="1">
-                <a:ln w="0"/>
-                <a:solidFill>
-                  <a:schemeClr val="bg1"/>
-                </a:solidFill>
-                <a:effectLst>
-                  <a:outerShdw blurRad="38100" dist="19050" dir="2700000" algn="tl" rotWithShape="0">
-                    <a:schemeClr val="dk1">
-                      <a:alpha val="40000"/>
-                    </a:schemeClr>
-                  </a:outerShdw>
-                </a:effectLst>
-              </a:rPr>
-              <a:t>GUSTAVO HERRERO CANO RA 01182100</a:t>
-            </a:r>
-            <a:endParaRPr lang="en-US" sz="2400" b="1" cap="none" spc="0">
-              <a:ln w="0"/>
-              <a:solidFill>
-                <a:schemeClr val="bg1"/>
-              </a:solidFill>
-              <a:effectLst>
-                <a:outerShdw blurRad="38100" dist="19050" dir="2700000" algn="tl" rotWithShape="0">
-                  <a:schemeClr val="dk1">
-                    <a:alpha val="40000"/>
-                  </a:schemeClr>
-                </a:outerShdw>
-              </a:effectLst>
-            </a:endParaRPr>
-          </a:p>
-        </p:txBody>
-      </p:sp>
-      <p:sp>
-        <p:nvSpPr>
-          <p:cNvPr id="11" name="Rectangle 10">
-            <a:extLst>
-              <a:ext uri="{FF2B5EF4-FFF2-40B4-BE49-F238E27FC236}">
-                <a16:creationId xmlns:a16="http://schemas.microsoft.com/office/drawing/2014/main" id="{6D34BF40-5B53-3C46-B2C7-4DD8380985DE}"/>
-              </a:ext>
-            </a:extLst>
-          </p:cNvPr>
-          <p:cNvSpPr/>
-          <p:nvPr/>
-        </p:nvSpPr>
-        <p:spPr>
-          <a:xfrm>
-            <a:off x="2900537" y="3385525"/>
-            <a:ext cx="6390920" cy="461665"/>
-          </a:xfrm>
-          <a:prstGeom prst="rect">
-            <a:avLst/>
-          </a:prstGeom>
-          <a:noFill/>
-        </p:spPr>
-        <p:txBody>
-          <a:bodyPr wrap="square" lIns="91440" tIns="45720" rIns="91440" bIns="45720">
-            <a:spAutoFit/>
-          </a:bodyPr>
-          <a:lstStyle/>
-          <a:p>
-            <a:pPr algn="ctr"/>
-            <a:r>
-              <a:rPr lang="en-US" sz="2400" b="1">
-                <a:ln w="0"/>
-                <a:solidFill>
-                  <a:schemeClr val="bg1"/>
-                </a:solidFill>
-                <a:effectLst>
-                  <a:outerShdw blurRad="38100" dist="19050" dir="2700000" algn="tl" rotWithShape="0">
-                    <a:schemeClr val="dk1">
-                      <a:alpha val="40000"/>
-                    </a:schemeClr>
-                  </a:outerShdw>
-                </a:effectLst>
-              </a:rPr>
-              <a:t>IGOR INÁCIO MARTINS RA 01182022</a:t>
-            </a:r>
-            <a:endParaRPr lang="en-US" sz="2400" b="1" cap="none" spc="0">
-              <a:ln w="0"/>
-              <a:solidFill>
-                <a:schemeClr val="bg1"/>
-              </a:solidFill>
-              <a:effectLst>
-                <a:outerShdw blurRad="38100" dist="19050" dir="2700000" algn="tl" rotWithShape="0">
-                  <a:schemeClr val="dk1">
-                    <a:alpha val="40000"/>
-                  </a:schemeClr>
-                </a:outerShdw>
-              </a:effectLst>
-            </a:endParaRPr>
-          </a:p>
-        </p:txBody>
-      </p:sp>
-      <p:sp>
-        <p:nvSpPr>
-          <p:cNvPr id="12" name="Rectangle 11">
-            <a:extLst>
-              <a:ext uri="{FF2B5EF4-FFF2-40B4-BE49-F238E27FC236}">
-                <a16:creationId xmlns:a16="http://schemas.microsoft.com/office/drawing/2014/main" id="{3F0BFD2E-4936-6E49-828C-BD30E0E0CCF1}"/>
-              </a:ext>
-            </a:extLst>
-          </p:cNvPr>
-          <p:cNvSpPr/>
-          <p:nvPr/>
-        </p:nvSpPr>
-        <p:spPr>
-          <a:xfrm>
-            <a:off x="3098092" y="3953509"/>
-            <a:ext cx="5995810" cy="461665"/>
-          </a:xfrm>
-          <a:prstGeom prst="rect">
-            <a:avLst/>
-          </a:prstGeom>
-          <a:noFill/>
-        </p:spPr>
-        <p:txBody>
-          <a:bodyPr wrap="square" lIns="91440" tIns="45720" rIns="91440" bIns="45720">
-            <a:spAutoFit/>
-          </a:bodyPr>
-          <a:lstStyle/>
-          <a:p>
-            <a:pPr algn="ctr"/>
-            <a:r>
-              <a:rPr lang="en-US" sz="2400" b="1">
-                <a:ln w="0"/>
-                <a:solidFill>
-                  <a:schemeClr val="bg1"/>
-                </a:solidFill>
-                <a:effectLst>
-                  <a:outerShdw blurRad="38100" dist="19050" dir="2700000" algn="tl" rotWithShape="0">
-                    <a:schemeClr val="dk1">
-                      <a:alpha val="40000"/>
-                    </a:schemeClr>
-                  </a:outerShdw>
-                </a:effectLst>
-              </a:rPr>
-              <a:t>LUCAS YUDI GANEKO RA 01182044</a:t>
-            </a:r>
-            <a:endParaRPr lang="en-US" sz="2400" b="1" cap="none" spc="0">
-              <a:ln w="0"/>
-              <a:solidFill>
-                <a:schemeClr val="bg1"/>
-              </a:solidFill>
-              <a:effectLst>
-                <a:outerShdw blurRad="38100" dist="19050" dir="2700000" algn="tl" rotWithShape="0">
-                  <a:schemeClr val="dk1">
-                    <a:alpha val="40000"/>
-                  </a:schemeClr>
-                </a:outerShdw>
-              </a:effectLst>
-            </a:endParaRPr>
-          </a:p>
-        </p:txBody>
-      </p:sp>
-      <p:sp>
-        <p:nvSpPr>
-          <p:cNvPr id="14" name="Rectangle 13">
-            <a:extLst>
-              <a:ext uri="{FF2B5EF4-FFF2-40B4-BE49-F238E27FC236}">
-                <a16:creationId xmlns:a16="http://schemas.microsoft.com/office/drawing/2014/main" id="{F6FB5D85-4EF4-5B4E-ACB9-16BCB64BE0B2}"/>
-              </a:ext>
-            </a:extLst>
-          </p:cNvPr>
-          <p:cNvSpPr/>
-          <p:nvPr/>
-        </p:nvSpPr>
-        <p:spPr>
-          <a:xfrm>
-            <a:off x="2686047" y="4521493"/>
-            <a:ext cx="6819899" cy="461665"/>
-          </a:xfrm>
-          <a:prstGeom prst="rect">
-            <a:avLst/>
-          </a:prstGeom>
-          <a:noFill/>
-        </p:spPr>
-        <p:txBody>
-          <a:bodyPr wrap="square" lIns="91440" tIns="45720" rIns="91440" bIns="45720">
-            <a:spAutoFit/>
-          </a:bodyPr>
-          <a:lstStyle/>
-          <a:p>
-            <a:pPr algn="ctr"/>
-            <a:r>
-              <a:rPr lang="en-US" sz="2400" b="1">
-                <a:ln w="0"/>
-                <a:solidFill>
-                  <a:schemeClr val="bg1"/>
-                </a:solidFill>
-                <a:effectLst>
-                  <a:outerShdw blurRad="38100" dist="19050" dir="2700000" algn="tl" rotWithShape="0">
-                    <a:schemeClr val="dk1">
-                      <a:alpha val="40000"/>
-                    </a:schemeClr>
-                  </a:outerShdw>
-                </a:effectLst>
-              </a:rPr>
-              <a:t>VINICIUS LUCENA VIANA RA 01182077</a:t>
-            </a:r>
-            <a:endParaRPr lang="en-US" sz="2400" b="1" cap="none" spc="0">
-              <a:ln w="0"/>
-              <a:solidFill>
-                <a:schemeClr val="bg1"/>
-              </a:solidFill>
-              <a:effectLst>
-                <a:outerShdw blurRad="38100" dist="19050" dir="2700000" algn="tl" rotWithShape="0">
-                  <a:schemeClr val="dk1">
-                    <a:alpha val="40000"/>
-                  </a:schemeClr>
-                </a:outerShdw>
-              </a:effectLst>
-            </a:endParaRPr>
-          </a:p>
-        </p:txBody>
-      </p:sp>
-    </p:spTree>
-    <p:extLst>
-      <p:ext uri="{BB962C8B-B14F-4D97-AF65-F5344CB8AC3E}">
-        <p14:creationId xmlns:p14="http://schemas.microsoft.com/office/powerpoint/2010/main" val="292984706"/>
       </p:ext>
     </p:extLst>
   </p:cSld>
@@ -7971,241 +7303,7 @@
       </p:grpSpPr>
       <p:sp>
         <p:nvSpPr>
-          <p:cNvPr id="88" name="Retângulo 87"/>
-          <p:cNvSpPr/>
-          <p:nvPr/>
-        </p:nvSpPr>
-        <p:spPr>
-          <a:xfrm>
-            <a:off x="6525347" y="3915921"/>
-            <a:ext cx="5253370" cy="2090368"/>
-          </a:xfrm>
-          <a:prstGeom prst="rect">
-            <a:avLst/>
-          </a:prstGeom>
-          <a:solidFill>
-            <a:schemeClr val="bg1">
-              <a:alpha val="16000"/>
-            </a:schemeClr>
-          </a:solidFill>
-          <a:ln>
-            <a:noFill/>
-          </a:ln>
-        </p:spPr>
-        <p:style>
-          <a:lnRef idx="2">
-            <a:schemeClr val="accent1">
-              <a:shade val="50000"/>
-            </a:schemeClr>
-          </a:lnRef>
-          <a:fillRef idx="1">
-            <a:schemeClr val="accent1"/>
-          </a:fillRef>
-          <a:effectRef idx="0">
-            <a:schemeClr val="accent1"/>
-          </a:effectRef>
-          <a:fontRef idx="minor">
-            <a:schemeClr val="lt1"/>
-          </a:fontRef>
-        </p:style>
-        <p:txBody>
-          <a:bodyPr rtlCol="0" anchor="ctr"/>
-          <a:lstStyle/>
-          <a:p>
-            <a:pPr algn="ctr"/>
-            <a:endParaRPr lang="pt-BR"/>
-          </a:p>
-        </p:txBody>
-      </p:sp>
-      <p:sp>
-        <p:nvSpPr>
-          <p:cNvPr id="64" name="Retângulo 63"/>
-          <p:cNvSpPr/>
-          <p:nvPr/>
-        </p:nvSpPr>
-        <p:spPr>
-          <a:xfrm>
-            <a:off x="6525347" y="1396050"/>
-            <a:ext cx="5253370" cy="2090368"/>
-          </a:xfrm>
-          <a:prstGeom prst="rect">
-            <a:avLst/>
-          </a:prstGeom>
-          <a:solidFill>
-            <a:schemeClr val="bg1">
-              <a:alpha val="16000"/>
-            </a:schemeClr>
-          </a:solidFill>
-          <a:ln>
-            <a:noFill/>
-          </a:ln>
-        </p:spPr>
-        <p:style>
-          <a:lnRef idx="2">
-            <a:schemeClr val="accent1">
-              <a:shade val="50000"/>
-            </a:schemeClr>
-          </a:lnRef>
-          <a:fillRef idx="1">
-            <a:schemeClr val="accent1"/>
-          </a:fillRef>
-          <a:effectRef idx="0">
-            <a:schemeClr val="accent1"/>
-          </a:effectRef>
-          <a:fontRef idx="minor">
-            <a:schemeClr val="lt1"/>
-          </a:fontRef>
-        </p:style>
-        <p:txBody>
-          <a:bodyPr rtlCol="0" anchor="ctr"/>
-          <a:lstStyle/>
-          <a:p>
-            <a:pPr algn="ctr"/>
-            <a:endParaRPr lang="pt-BR"/>
-          </a:p>
-        </p:txBody>
-      </p:sp>
-      <p:grpSp>
-        <p:nvGrpSpPr>
-          <p:cNvPr id="46" name="Agrupar 45"/>
-          <p:cNvGrpSpPr/>
-          <p:nvPr/>
-        </p:nvGrpSpPr>
-        <p:grpSpPr>
-          <a:xfrm>
-            <a:off x="10843864" y="2638495"/>
-            <a:ext cx="761559" cy="847923"/>
-            <a:chOff x="8705391" y="3255362"/>
-            <a:chExt cx="1604841" cy="1786839"/>
-          </a:xfrm>
-        </p:grpSpPr>
-        <p:pic>
-          <p:nvPicPr>
-            <p:cNvPr id="1058" name="Picture 34" descr="Resultado de imagem para smashcast icon"/>
-            <p:cNvPicPr>
-              <a:picLocks noChangeAspect="1" noChangeArrowheads="1"/>
-            </p:cNvPicPr>
-            <p:nvPr/>
-          </p:nvPicPr>
-          <p:blipFill>
-            <a:blip r:embed="rId2">
-              <a:extLst>
-                <a:ext uri="{28A0092B-C50C-407E-A947-70E740481C1C}">
-                  <a14:useLocalDpi xmlns:a14="http://schemas.microsoft.com/office/drawing/2010/main" val="0"/>
-                </a:ext>
-              </a:extLst>
-            </a:blip>
-            <a:srcRect/>
-            <a:stretch>
-              <a:fillRect/>
-            </a:stretch>
-          </p:blipFill>
-          <p:spPr bwMode="auto">
-            <a:xfrm>
-              <a:off x="8705391" y="3255362"/>
-              <a:ext cx="954515" cy="1011827"/>
-            </a:xfrm>
-            <a:prstGeom prst="rect">
-              <a:avLst/>
-            </a:prstGeom>
-            <a:noFill/>
-            <a:extLst>
-              <a:ext uri="{909E8E84-426E-40DD-AFC4-6F175D3DCCD1}">
-                <a14:hiddenFill xmlns:a14="http://schemas.microsoft.com/office/drawing/2010/main">
-                  <a:solidFill>
-                    <a:srgbClr val="FFFFFF"/>
-                  </a:solidFill>
-                </a14:hiddenFill>
-              </a:ext>
-            </a:extLst>
-          </p:spPr>
-        </p:pic>
-        <p:pic>
-          <p:nvPicPr>
-            <p:cNvPr id="1054" name="Picture 30" descr="Resultado de imagem para twitch icon"/>
-            <p:cNvPicPr>
-              <a:picLocks noChangeAspect="1" noChangeArrowheads="1"/>
-            </p:cNvPicPr>
-            <p:nvPr/>
-          </p:nvPicPr>
-          <p:blipFill>
-            <a:blip r:embed="rId3">
-              <a:extLst>
-                <a:ext uri="{28A0092B-C50C-407E-A947-70E740481C1C}">
-                  <a14:useLocalDpi xmlns:a14="http://schemas.microsoft.com/office/drawing/2010/main" val="0"/>
-                </a:ext>
-              </a:extLst>
-            </a:blip>
-            <a:srcRect/>
-            <a:stretch>
-              <a:fillRect/>
-            </a:stretch>
-          </p:blipFill>
-          <p:spPr bwMode="auto">
-            <a:xfrm>
-              <a:off x="9397377" y="3555946"/>
-              <a:ext cx="912855" cy="955672"/>
-            </a:xfrm>
-            <a:prstGeom prst="rect">
-              <a:avLst/>
-            </a:prstGeom>
-            <a:noFill/>
-            <a:extLst>
-              <a:ext uri="{909E8E84-426E-40DD-AFC4-6F175D3DCCD1}">
-                <a14:hiddenFill xmlns:a14="http://schemas.microsoft.com/office/drawing/2010/main">
-                  <a:solidFill>
-                    <a:srgbClr val="FFFFFF"/>
-                  </a:solidFill>
-                </a14:hiddenFill>
-              </a:ext>
-            </a:extLst>
-          </p:spPr>
-        </p:pic>
-        <p:pic>
-          <p:nvPicPr>
-            <p:cNvPr id="1056" name="Picture 32" descr="Resultado de imagem para youtube icon"/>
-            <p:cNvPicPr>
-              <a:picLocks noChangeAspect="1" noChangeArrowheads="1"/>
-            </p:cNvPicPr>
-            <p:nvPr/>
-          </p:nvPicPr>
-          <p:blipFill>
-            <a:blip r:embed="rId4">
-              <a:extLst>
-                <a:ext uri="{28A0092B-C50C-407E-A947-70E740481C1C}">
-                  <a14:useLocalDpi xmlns:a14="http://schemas.microsoft.com/office/drawing/2010/main" val="0"/>
-                </a:ext>
-              </a:extLst>
-            </a:blip>
-            <a:srcRect/>
-            <a:stretch>
-              <a:fillRect/>
-            </a:stretch>
-          </p:blipFill>
-          <p:spPr bwMode="auto">
-            <a:xfrm>
-              <a:off x="8779216" y="3684255"/>
-              <a:ext cx="1357946" cy="1357946"/>
-            </a:xfrm>
-            <a:prstGeom prst="rect">
-              <a:avLst/>
-            </a:prstGeom>
-            <a:noFill/>
-            <a:extLst>
-              <a:ext uri="{909E8E84-426E-40DD-AFC4-6F175D3DCCD1}">
-                <a14:hiddenFill xmlns:a14="http://schemas.microsoft.com/office/drawing/2010/main">
-                  <a:solidFill>
-                    <a:srgbClr val="FFFFFF"/>
-                  </a:solidFill>
-                </a14:hiddenFill>
-              </a:ext>
-            </a:extLst>
-          </p:spPr>
-        </p:pic>
-      </p:grpSp>
-      <p:sp>
-        <p:nvSpPr>
-          <p:cNvPr id="4" name="Rectangle 6">
+          <p:cNvPr id="7" name="Rectangle 6">
             <a:extLst>
               <a:ext uri="{FF2B5EF4-FFF2-40B4-BE49-F238E27FC236}">
                 <a16:creationId xmlns:a16="http://schemas.microsoft.com/office/drawing/2014/main" id="{BD7A6E7E-C977-C24D-B38C-167C1FD17849}"/>
@@ -8259,2721 +7357,6 @@
       </p:sp>
       <p:sp>
         <p:nvSpPr>
-          <p:cNvPr id="5" name="Espaço Reservado para Texto 1">
-            <a:extLst>
-              <a:ext uri="{FF2B5EF4-FFF2-40B4-BE49-F238E27FC236}">
-                <a16:creationId xmlns:a16="http://schemas.microsoft.com/office/drawing/2014/main" id="{AC30D2B6-A39B-8B49-96B2-224D7C1FED1A}"/>
-              </a:ext>
-            </a:extLst>
-          </p:cNvPr>
-          <p:cNvSpPr txBox="1">
-            <a:spLocks/>
-          </p:cNvSpPr>
-          <p:nvPr/>
-        </p:nvSpPr>
-        <p:spPr>
-          <a:xfrm>
-            <a:off x="1684020" y="-91665"/>
-            <a:ext cx="8823960" cy="640305"/>
-          </a:xfrm>
-          <a:prstGeom prst="rect">
-            <a:avLst/>
-          </a:prstGeom>
-        </p:spPr>
-        <p:txBody>
-          <a:bodyPr/>
-          <a:lstStyle>
-            <a:lvl1pPr marL="391146" indent="-391146" algn="l" defTabSz="1043056" rtl="0" eaLnBrk="1" latinLnBrk="0" hangingPunct="1">
-              <a:spcBef>
-                <a:spcPct val="20000"/>
-              </a:spcBef>
-              <a:buFont typeface="Arial" pitchFamily="34" charset="0"/>
-              <a:buChar char="•"/>
-              <a:defRPr sz="3700" kern="1200">
-                <a:solidFill>
-                  <a:schemeClr val="tx1"/>
-                </a:solidFill>
-                <a:latin typeface="+mn-lt"/>
-                <a:ea typeface="+mn-ea"/>
-                <a:cs typeface="+mn-cs"/>
-              </a:defRPr>
-            </a:lvl1pPr>
-            <a:lvl2pPr marL="847483" indent="-325955" algn="l" defTabSz="1043056" rtl="0" eaLnBrk="1" latinLnBrk="0" hangingPunct="1">
-              <a:spcBef>
-                <a:spcPct val="20000"/>
-              </a:spcBef>
-              <a:buFont typeface="Arial" pitchFamily="34" charset="0"/>
-              <a:buChar char="–"/>
-              <a:defRPr sz="3200" kern="1200">
-                <a:solidFill>
-                  <a:schemeClr val="tx1"/>
-                </a:solidFill>
-                <a:latin typeface="+mn-lt"/>
-                <a:ea typeface="+mn-ea"/>
-                <a:cs typeface="+mn-cs"/>
-              </a:defRPr>
-            </a:lvl2pPr>
-            <a:lvl3pPr marL="1303820" indent="-260764" algn="l" defTabSz="1043056" rtl="0" eaLnBrk="1" latinLnBrk="0" hangingPunct="1">
-              <a:spcBef>
-                <a:spcPct val="20000"/>
-              </a:spcBef>
-              <a:buFont typeface="Arial" pitchFamily="34" charset="0"/>
-              <a:buChar char="•"/>
-              <a:defRPr sz="2700" kern="1200">
-                <a:solidFill>
-                  <a:schemeClr val="tx1"/>
-                </a:solidFill>
-                <a:latin typeface="+mn-lt"/>
-                <a:ea typeface="+mn-ea"/>
-                <a:cs typeface="+mn-cs"/>
-              </a:defRPr>
-            </a:lvl3pPr>
-            <a:lvl4pPr marL="1825348" indent="-260764" algn="l" defTabSz="1043056" rtl="0" eaLnBrk="1" latinLnBrk="0" hangingPunct="1">
-              <a:spcBef>
-                <a:spcPct val="20000"/>
-              </a:spcBef>
-              <a:buFont typeface="Arial" pitchFamily="34" charset="0"/>
-              <a:buChar char="–"/>
-              <a:defRPr sz="2300" kern="1200">
-                <a:solidFill>
-                  <a:schemeClr val="tx1"/>
-                </a:solidFill>
-                <a:latin typeface="+mn-lt"/>
-                <a:ea typeface="+mn-ea"/>
-                <a:cs typeface="+mn-cs"/>
-              </a:defRPr>
-            </a:lvl4pPr>
-            <a:lvl5pPr marL="2346876" indent="-260764" algn="l" defTabSz="1043056" rtl="0" eaLnBrk="1" latinLnBrk="0" hangingPunct="1">
-              <a:spcBef>
-                <a:spcPct val="20000"/>
-              </a:spcBef>
-              <a:buFont typeface="Arial" pitchFamily="34" charset="0"/>
-              <a:buChar char="»"/>
-              <a:defRPr sz="2300" kern="1200">
-                <a:solidFill>
-                  <a:schemeClr val="tx1"/>
-                </a:solidFill>
-                <a:latin typeface="+mn-lt"/>
-                <a:ea typeface="+mn-ea"/>
-                <a:cs typeface="+mn-cs"/>
-              </a:defRPr>
-            </a:lvl5pPr>
-            <a:lvl6pPr marL="2868404" indent="-260764" algn="l" defTabSz="1043056" rtl="0" eaLnBrk="1" latinLnBrk="0" hangingPunct="1">
-              <a:spcBef>
-                <a:spcPct val="20000"/>
-              </a:spcBef>
-              <a:buFont typeface="Arial" pitchFamily="34" charset="0"/>
-              <a:buChar char="•"/>
-              <a:defRPr sz="2300" kern="1200">
-                <a:solidFill>
-                  <a:schemeClr val="tx1"/>
-                </a:solidFill>
-                <a:latin typeface="+mn-lt"/>
-                <a:ea typeface="+mn-ea"/>
-                <a:cs typeface="+mn-cs"/>
-              </a:defRPr>
-            </a:lvl6pPr>
-            <a:lvl7pPr marL="3389932" indent="-260764" algn="l" defTabSz="1043056" rtl="0" eaLnBrk="1" latinLnBrk="0" hangingPunct="1">
-              <a:spcBef>
-                <a:spcPct val="20000"/>
-              </a:spcBef>
-              <a:buFont typeface="Arial" pitchFamily="34" charset="0"/>
-              <a:buChar char="•"/>
-              <a:defRPr sz="2300" kern="1200">
-                <a:solidFill>
-                  <a:schemeClr val="tx1"/>
-                </a:solidFill>
-                <a:latin typeface="+mn-lt"/>
-                <a:ea typeface="+mn-ea"/>
-                <a:cs typeface="+mn-cs"/>
-              </a:defRPr>
-            </a:lvl7pPr>
-            <a:lvl8pPr marL="3911460" indent="-260764" algn="l" defTabSz="1043056" rtl="0" eaLnBrk="1" latinLnBrk="0" hangingPunct="1">
-              <a:spcBef>
-                <a:spcPct val="20000"/>
-              </a:spcBef>
-              <a:buFont typeface="Arial" pitchFamily="34" charset="0"/>
-              <a:buChar char="•"/>
-              <a:defRPr sz="2300" kern="1200">
-                <a:solidFill>
-                  <a:schemeClr val="tx1"/>
-                </a:solidFill>
-                <a:latin typeface="+mn-lt"/>
-                <a:ea typeface="+mn-ea"/>
-                <a:cs typeface="+mn-cs"/>
-              </a:defRPr>
-            </a:lvl8pPr>
-            <a:lvl9pPr marL="4432988" indent="-260764" algn="l" defTabSz="1043056" rtl="0" eaLnBrk="1" latinLnBrk="0" hangingPunct="1">
-              <a:spcBef>
-                <a:spcPct val="20000"/>
-              </a:spcBef>
-              <a:buFont typeface="Arial" pitchFamily="34" charset="0"/>
-              <a:buChar char="•"/>
-              <a:defRPr sz="2300" kern="1200">
-                <a:solidFill>
-                  <a:schemeClr val="tx1"/>
-                </a:solidFill>
-                <a:latin typeface="+mn-lt"/>
-                <a:ea typeface="+mn-ea"/>
-                <a:cs typeface="+mn-cs"/>
-              </a:defRPr>
-            </a:lvl9pPr>
-          </a:lstStyle>
-          <a:p>
-            <a:pPr marL="0" indent="0" algn="ctr">
-              <a:lnSpc>
-                <a:spcPct val="150000"/>
-              </a:lnSpc>
-              <a:buNone/>
-            </a:pPr>
-            <a:r>
-              <a:rPr lang="pt-BR" sz="2400" b="1" dirty="0">
-                <a:solidFill>
-                  <a:schemeClr val="bg1"/>
-                </a:solidFill>
-              </a:rPr>
-              <a:t>DIAGRAMA DA SOLUÇÃO</a:t>
-            </a:r>
-          </a:p>
-        </p:txBody>
-      </p:sp>
-      <p:grpSp>
-        <p:nvGrpSpPr>
-          <p:cNvPr id="14" name="Agrupar 13"/>
-          <p:cNvGrpSpPr/>
-          <p:nvPr/>
-        </p:nvGrpSpPr>
-        <p:grpSpPr>
-          <a:xfrm>
-            <a:off x="3982689" y="1344755"/>
-            <a:ext cx="3224987" cy="4758892"/>
-            <a:chOff x="9376147" y="870243"/>
-            <a:chExt cx="3684505" cy="5436973"/>
-          </a:xfrm>
-        </p:grpSpPr>
-        <p:pic>
-          <p:nvPicPr>
-            <p:cNvPr id="1032" name="Picture 8" descr="Resultado de imagem para admin icon"/>
-            <p:cNvPicPr>
-              <a:picLocks noChangeAspect="1" noChangeArrowheads="1"/>
-            </p:cNvPicPr>
-            <p:nvPr/>
-          </p:nvPicPr>
-          <p:blipFill rotWithShape="1">
-            <a:blip r:embed="rId5">
-              <a:duotone>
-                <a:schemeClr val="accent1">
-                  <a:shade val="45000"/>
-                  <a:satMod val="135000"/>
-                </a:schemeClr>
-                <a:prstClr val="white"/>
-              </a:duotone>
-              <a:extLst>
-                <a:ext uri="{BEBA8EAE-BF5A-486C-A8C5-ECC9F3942E4B}">
-                  <a14:imgProps xmlns:a14="http://schemas.microsoft.com/office/drawing/2010/main">
-                    <a14:imgLayer r:embed="rId6">
-                      <a14:imgEffect>
-                        <a14:saturation sat="98000"/>
-                      </a14:imgEffect>
-                      <a14:imgEffect>
-                        <a14:brightnessContrast contrast="-100000"/>
-                      </a14:imgEffect>
-                    </a14:imgLayer>
-                  </a14:imgProps>
-                </a:ext>
-                <a:ext uri="{28A0092B-C50C-407E-A947-70E740481C1C}">
-                  <a14:useLocalDpi xmlns:a14="http://schemas.microsoft.com/office/drawing/2010/main" val="0"/>
-                </a:ext>
-              </a:extLst>
-            </a:blip>
-            <a:srcRect l="18477" t="14178" r="13744" b="10781"/>
-            <a:stretch/>
-          </p:blipFill>
-          <p:spPr bwMode="auto">
-            <a:xfrm>
-              <a:off x="10041529" y="870243"/>
-              <a:ext cx="932901" cy="1032855"/>
-            </a:xfrm>
-            <a:prstGeom prst="rect">
-              <a:avLst/>
-            </a:prstGeom>
-            <a:noFill/>
-          </p:spPr>
-        </p:pic>
-        <p:sp>
-          <p:nvSpPr>
-            <p:cNvPr id="25" name="Espaço Reservado para Texto 1">
-              <a:extLst>
-                <a:ext uri="{FF2B5EF4-FFF2-40B4-BE49-F238E27FC236}">
-                  <a16:creationId xmlns:a16="http://schemas.microsoft.com/office/drawing/2014/main" id="{AC30D2B6-A39B-8B49-96B2-224D7C1FED1A}"/>
-                </a:ext>
-              </a:extLst>
-            </p:cNvPr>
-            <p:cNvSpPr txBox="1">
-              <a:spLocks/>
-            </p:cNvSpPr>
-            <p:nvPr/>
-          </p:nvSpPr>
-          <p:spPr>
-            <a:xfrm>
-              <a:off x="10954173" y="982853"/>
-              <a:ext cx="1155918" cy="969569"/>
-            </a:xfrm>
-            <a:prstGeom prst="rect">
-              <a:avLst/>
-            </a:prstGeom>
-          </p:spPr>
-          <p:txBody>
-            <a:bodyPr/>
-            <a:lstStyle>
-              <a:lvl1pPr marL="391146" indent="-391146" algn="l" defTabSz="1043056" rtl="0" eaLnBrk="1" latinLnBrk="0" hangingPunct="1">
-                <a:spcBef>
-                  <a:spcPct val="20000"/>
-                </a:spcBef>
-                <a:buFont typeface="Arial" pitchFamily="34" charset="0"/>
-                <a:buChar char="•"/>
-                <a:defRPr sz="3700" kern="1200">
-                  <a:solidFill>
-                    <a:schemeClr val="tx1"/>
-                  </a:solidFill>
-                  <a:latin typeface="+mn-lt"/>
-                  <a:ea typeface="+mn-ea"/>
-                  <a:cs typeface="+mn-cs"/>
-                </a:defRPr>
-              </a:lvl1pPr>
-              <a:lvl2pPr marL="847483" indent="-325955" algn="l" defTabSz="1043056" rtl="0" eaLnBrk="1" latinLnBrk="0" hangingPunct="1">
-                <a:spcBef>
-                  <a:spcPct val="20000"/>
-                </a:spcBef>
-                <a:buFont typeface="Arial" pitchFamily="34" charset="0"/>
-                <a:buChar char="–"/>
-                <a:defRPr sz="3200" kern="1200">
-                  <a:solidFill>
-                    <a:schemeClr val="tx1"/>
-                  </a:solidFill>
-                  <a:latin typeface="+mn-lt"/>
-                  <a:ea typeface="+mn-ea"/>
-                  <a:cs typeface="+mn-cs"/>
-                </a:defRPr>
-              </a:lvl2pPr>
-              <a:lvl3pPr marL="1303820" indent="-260764" algn="l" defTabSz="1043056" rtl="0" eaLnBrk="1" latinLnBrk="0" hangingPunct="1">
-                <a:spcBef>
-                  <a:spcPct val="20000"/>
-                </a:spcBef>
-                <a:buFont typeface="Arial" pitchFamily="34" charset="0"/>
-                <a:buChar char="•"/>
-                <a:defRPr sz="2700" kern="1200">
-                  <a:solidFill>
-                    <a:schemeClr val="tx1"/>
-                  </a:solidFill>
-                  <a:latin typeface="+mn-lt"/>
-                  <a:ea typeface="+mn-ea"/>
-                  <a:cs typeface="+mn-cs"/>
-                </a:defRPr>
-              </a:lvl3pPr>
-              <a:lvl4pPr marL="1825348" indent="-260764" algn="l" defTabSz="1043056" rtl="0" eaLnBrk="1" latinLnBrk="0" hangingPunct="1">
-                <a:spcBef>
-                  <a:spcPct val="20000"/>
-                </a:spcBef>
-                <a:buFont typeface="Arial" pitchFamily="34" charset="0"/>
-                <a:buChar char="–"/>
-                <a:defRPr sz="2300" kern="1200">
-                  <a:solidFill>
-                    <a:schemeClr val="tx1"/>
-                  </a:solidFill>
-                  <a:latin typeface="+mn-lt"/>
-                  <a:ea typeface="+mn-ea"/>
-                  <a:cs typeface="+mn-cs"/>
-                </a:defRPr>
-              </a:lvl4pPr>
-              <a:lvl5pPr marL="2346876" indent="-260764" algn="l" defTabSz="1043056" rtl="0" eaLnBrk="1" latinLnBrk="0" hangingPunct="1">
-                <a:spcBef>
-                  <a:spcPct val="20000"/>
-                </a:spcBef>
-                <a:buFont typeface="Arial" pitchFamily="34" charset="0"/>
-                <a:buChar char="»"/>
-                <a:defRPr sz="2300" kern="1200">
-                  <a:solidFill>
-                    <a:schemeClr val="tx1"/>
-                  </a:solidFill>
-                  <a:latin typeface="+mn-lt"/>
-                  <a:ea typeface="+mn-ea"/>
-                  <a:cs typeface="+mn-cs"/>
-                </a:defRPr>
-              </a:lvl5pPr>
-              <a:lvl6pPr marL="2868404" indent="-260764" algn="l" defTabSz="1043056" rtl="0" eaLnBrk="1" latinLnBrk="0" hangingPunct="1">
-                <a:spcBef>
-                  <a:spcPct val="20000"/>
-                </a:spcBef>
-                <a:buFont typeface="Arial" pitchFamily="34" charset="0"/>
-                <a:buChar char="•"/>
-                <a:defRPr sz="2300" kern="1200">
-                  <a:solidFill>
-                    <a:schemeClr val="tx1"/>
-                  </a:solidFill>
-                  <a:latin typeface="+mn-lt"/>
-                  <a:ea typeface="+mn-ea"/>
-                  <a:cs typeface="+mn-cs"/>
-                </a:defRPr>
-              </a:lvl6pPr>
-              <a:lvl7pPr marL="3389932" indent="-260764" algn="l" defTabSz="1043056" rtl="0" eaLnBrk="1" latinLnBrk="0" hangingPunct="1">
-                <a:spcBef>
-                  <a:spcPct val="20000"/>
-                </a:spcBef>
-                <a:buFont typeface="Arial" pitchFamily="34" charset="0"/>
-                <a:buChar char="•"/>
-                <a:defRPr sz="2300" kern="1200">
-                  <a:solidFill>
-                    <a:schemeClr val="tx1"/>
-                  </a:solidFill>
-                  <a:latin typeface="+mn-lt"/>
-                  <a:ea typeface="+mn-ea"/>
-                  <a:cs typeface="+mn-cs"/>
-                </a:defRPr>
-              </a:lvl7pPr>
-              <a:lvl8pPr marL="3911460" indent="-260764" algn="l" defTabSz="1043056" rtl="0" eaLnBrk="1" latinLnBrk="0" hangingPunct="1">
-                <a:spcBef>
-                  <a:spcPct val="20000"/>
-                </a:spcBef>
-                <a:buFont typeface="Arial" pitchFamily="34" charset="0"/>
-                <a:buChar char="•"/>
-                <a:defRPr sz="2300" kern="1200">
-                  <a:solidFill>
-                    <a:schemeClr val="tx1"/>
-                  </a:solidFill>
-                  <a:latin typeface="+mn-lt"/>
-                  <a:ea typeface="+mn-ea"/>
-                  <a:cs typeface="+mn-cs"/>
-                </a:defRPr>
-              </a:lvl8pPr>
-              <a:lvl9pPr marL="4432988" indent="-260764" algn="l" defTabSz="1043056" rtl="0" eaLnBrk="1" latinLnBrk="0" hangingPunct="1">
-                <a:spcBef>
-                  <a:spcPct val="20000"/>
-                </a:spcBef>
-                <a:buFont typeface="Arial" pitchFamily="34" charset="0"/>
-                <a:buChar char="•"/>
-                <a:defRPr sz="2300" kern="1200">
-                  <a:solidFill>
-                    <a:schemeClr val="tx1"/>
-                  </a:solidFill>
-                  <a:latin typeface="+mn-lt"/>
-                  <a:ea typeface="+mn-ea"/>
-                  <a:cs typeface="+mn-cs"/>
-                </a:defRPr>
-              </a:lvl9pPr>
-            </a:lstStyle>
-            <a:p>
-              <a:pPr marL="0" indent="0">
-                <a:lnSpc>
-                  <a:spcPct val="150000"/>
-                </a:lnSpc>
-                <a:buNone/>
-              </a:pPr>
-              <a:r>
-                <a:rPr lang="pt-BR" sz="1600" b="1" dirty="0">
-                  <a:solidFill>
-                    <a:srgbClr val="FFFFFF"/>
-                  </a:solidFill>
-                </a:rPr>
-                <a:t>EMPRESA CLIENTE</a:t>
-              </a:r>
-            </a:p>
-          </p:txBody>
-        </p:sp>
-        <p:sp>
-          <p:nvSpPr>
-            <p:cNvPr id="26" name="Espaço Reservado para Texto 1">
-              <a:extLst>
-                <a:ext uri="{FF2B5EF4-FFF2-40B4-BE49-F238E27FC236}">
-                  <a16:creationId xmlns:a16="http://schemas.microsoft.com/office/drawing/2014/main" id="{AC30D2B6-A39B-8B49-96B2-224D7C1FED1A}"/>
-                </a:ext>
-              </a:extLst>
-            </p:cNvPr>
-            <p:cNvSpPr txBox="1">
-              <a:spLocks/>
-            </p:cNvSpPr>
-            <p:nvPr/>
-          </p:nvSpPr>
-          <p:spPr>
-            <a:xfrm>
-              <a:off x="10954173" y="2678464"/>
-              <a:ext cx="2106479" cy="552337"/>
-            </a:xfrm>
-            <a:prstGeom prst="rect">
-              <a:avLst/>
-            </a:prstGeom>
-          </p:spPr>
-          <p:txBody>
-            <a:bodyPr/>
-            <a:lstStyle>
-              <a:lvl1pPr marL="391146" indent="-391146" algn="l" defTabSz="1043056" rtl="0" eaLnBrk="1" latinLnBrk="0" hangingPunct="1">
-                <a:spcBef>
-                  <a:spcPct val="20000"/>
-                </a:spcBef>
-                <a:buFont typeface="Arial" pitchFamily="34" charset="0"/>
-                <a:buChar char="•"/>
-                <a:defRPr sz="3700" kern="1200">
-                  <a:solidFill>
-                    <a:schemeClr val="tx1"/>
-                  </a:solidFill>
-                  <a:latin typeface="+mn-lt"/>
-                  <a:ea typeface="+mn-ea"/>
-                  <a:cs typeface="+mn-cs"/>
-                </a:defRPr>
-              </a:lvl1pPr>
-              <a:lvl2pPr marL="847483" indent="-325955" algn="l" defTabSz="1043056" rtl="0" eaLnBrk="1" latinLnBrk="0" hangingPunct="1">
-                <a:spcBef>
-                  <a:spcPct val="20000"/>
-                </a:spcBef>
-                <a:buFont typeface="Arial" pitchFamily="34" charset="0"/>
-                <a:buChar char="–"/>
-                <a:defRPr sz="3200" kern="1200">
-                  <a:solidFill>
-                    <a:schemeClr val="tx1"/>
-                  </a:solidFill>
-                  <a:latin typeface="+mn-lt"/>
-                  <a:ea typeface="+mn-ea"/>
-                  <a:cs typeface="+mn-cs"/>
-                </a:defRPr>
-              </a:lvl2pPr>
-              <a:lvl3pPr marL="1303820" indent="-260764" algn="l" defTabSz="1043056" rtl="0" eaLnBrk="1" latinLnBrk="0" hangingPunct="1">
-                <a:spcBef>
-                  <a:spcPct val="20000"/>
-                </a:spcBef>
-                <a:buFont typeface="Arial" pitchFamily="34" charset="0"/>
-                <a:buChar char="•"/>
-                <a:defRPr sz="2700" kern="1200">
-                  <a:solidFill>
-                    <a:schemeClr val="tx1"/>
-                  </a:solidFill>
-                  <a:latin typeface="+mn-lt"/>
-                  <a:ea typeface="+mn-ea"/>
-                  <a:cs typeface="+mn-cs"/>
-                </a:defRPr>
-              </a:lvl3pPr>
-              <a:lvl4pPr marL="1825348" indent="-260764" algn="l" defTabSz="1043056" rtl="0" eaLnBrk="1" latinLnBrk="0" hangingPunct="1">
-                <a:spcBef>
-                  <a:spcPct val="20000"/>
-                </a:spcBef>
-                <a:buFont typeface="Arial" pitchFamily="34" charset="0"/>
-                <a:buChar char="–"/>
-                <a:defRPr sz="2300" kern="1200">
-                  <a:solidFill>
-                    <a:schemeClr val="tx1"/>
-                  </a:solidFill>
-                  <a:latin typeface="+mn-lt"/>
-                  <a:ea typeface="+mn-ea"/>
-                  <a:cs typeface="+mn-cs"/>
-                </a:defRPr>
-              </a:lvl4pPr>
-              <a:lvl5pPr marL="2346876" indent="-260764" algn="l" defTabSz="1043056" rtl="0" eaLnBrk="1" latinLnBrk="0" hangingPunct="1">
-                <a:spcBef>
-                  <a:spcPct val="20000"/>
-                </a:spcBef>
-                <a:buFont typeface="Arial" pitchFamily="34" charset="0"/>
-                <a:buChar char="»"/>
-                <a:defRPr sz="2300" kern="1200">
-                  <a:solidFill>
-                    <a:schemeClr val="tx1"/>
-                  </a:solidFill>
-                  <a:latin typeface="+mn-lt"/>
-                  <a:ea typeface="+mn-ea"/>
-                  <a:cs typeface="+mn-cs"/>
-                </a:defRPr>
-              </a:lvl5pPr>
-              <a:lvl6pPr marL="2868404" indent="-260764" algn="l" defTabSz="1043056" rtl="0" eaLnBrk="1" latinLnBrk="0" hangingPunct="1">
-                <a:spcBef>
-                  <a:spcPct val="20000"/>
-                </a:spcBef>
-                <a:buFont typeface="Arial" pitchFamily="34" charset="0"/>
-                <a:buChar char="•"/>
-                <a:defRPr sz="2300" kern="1200">
-                  <a:solidFill>
-                    <a:schemeClr val="tx1"/>
-                  </a:solidFill>
-                  <a:latin typeface="+mn-lt"/>
-                  <a:ea typeface="+mn-ea"/>
-                  <a:cs typeface="+mn-cs"/>
-                </a:defRPr>
-              </a:lvl6pPr>
-              <a:lvl7pPr marL="3389932" indent="-260764" algn="l" defTabSz="1043056" rtl="0" eaLnBrk="1" latinLnBrk="0" hangingPunct="1">
-                <a:spcBef>
-                  <a:spcPct val="20000"/>
-                </a:spcBef>
-                <a:buFont typeface="Arial" pitchFamily="34" charset="0"/>
-                <a:buChar char="•"/>
-                <a:defRPr sz="2300" kern="1200">
-                  <a:solidFill>
-                    <a:schemeClr val="tx1"/>
-                  </a:solidFill>
-                  <a:latin typeface="+mn-lt"/>
-                  <a:ea typeface="+mn-ea"/>
-                  <a:cs typeface="+mn-cs"/>
-                </a:defRPr>
-              </a:lvl7pPr>
-              <a:lvl8pPr marL="3911460" indent="-260764" algn="l" defTabSz="1043056" rtl="0" eaLnBrk="1" latinLnBrk="0" hangingPunct="1">
-                <a:spcBef>
-                  <a:spcPct val="20000"/>
-                </a:spcBef>
-                <a:buFont typeface="Arial" pitchFamily="34" charset="0"/>
-                <a:buChar char="•"/>
-                <a:defRPr sz="2300" kern="1200">
-                  <a:solidFill>
-                    <a:schemeClr val="tx1"/>
-                  </a:solidFill>
-                  <a:latin typeface="+mn-lt"/>
-                  <a:ea typeface="+mn-ea"/>
-                  <a:cs typeface="+mn-cs"/>
-                </a:defRPr>
-              </a:lvl8pPr>
-              <a:lvl9pPr marL="4432988" indent="-260764" algn="l" defTabSz="1043056" rtl="0" eaLnBrk="1" latinLnBrk="0" hangingPunct="1">
-                <a:spcBef>
-                  <a:spcPct val="20000"/>
-                </a:spcBef>
-                <a:buFont typeface="Arial" pitchFamily="34" charset="0"/>
-                <a:buChar char="•"/>
-                <a:defRPr sz="2300" kern="1200">
-                  <a:solidFill>
-                    <a:schemeClr val="tx1"/>
-                  </a:solidFill>
-                  <a:latin typeface="+mn-lt"/>
-                  <a:ea typeface="+mn-ea"/>
-                  <a:cs typeface="+mn-cs"/>
-                </a:defRPr>
-              </a:lvl9pPr>
-            </a:lstStyle>
-            <a:p>
-              <a:pPr marL="0" indent="0">
-                <a:lnSpc>
-                  <a:spcPct val="150000"/>
-                </a:lnSpc>
-                <a:buNone/>
-              </a:pPr>
-              <a:r>
-                <a:rPr lang="pt-BR" sz="1800" b="1" dirty="0">
-                  <a:solidFill>
-                    <a:srgbClr val="FFFFFF"/>
-                  </a:solidFill>
-                </a:rPr>
-                <a:t>JUIZ</a:t>
-              </a:r>
-            </a:p>
-          </p:txBody>
-        </p:sp>
-        <p:pic>
-          <p:nvPicPr>
-            <p:cNvPr id="1034" name="Picture 10" descr="Imagem relacionada"/>
-            <p:cNvPicPr>
-              <a:picLocks noChangeAspect="1" noChangeArrowheads="1"/>
-            </p:cNvPicPr>
-            <p:nvPr/>
-          </p:nvPicPr>
-          <p:blipFill>
-            <a:blip r:embed="rId7">
-              <a:duotone>
-                <a:prstClr val="black"/>
-                <a:schemeClr val="accent1">
-                  <a:tint val="45000"/>
-                  <a:satMod val="400000"/>
-                </a:schemeClr>
-              </a:duotone>
-              <a:extLst>
-                <a:ext uri="{BEBA8EAE-BF5A-486C-A8C5-ECC9F3942E4B}">
-                  <a14:imgProps xmlns:a14="http://schemas.microsoft.com/office/drawing/2010/main">
-                    <a14:imgLayer r:embed="rId8">
-                      <a14:imgEffect>
-                        <a14:brightnessContrast bright="100000"/>
-                      </a14:imgEffect>
-                    </a14:imgLayer>
-                  </a14:imgProps>
-                </a:ext>
-                <a:ext uri="{28A0092B-C50C-407E-A947-70E740481C1C}">
-                  <a14:useLocalDpi xmlns:a14="http://schemas.microsoft.com/office/drawing/2010/main" val="0"/>
-                </a:ext>
-              </a:extLst>
-            </a:blip>
-            <a:srcRect/>
-            <a:stretch>
-              <a:fillRect/>
-            </a:stretch>
-          </p:blipFill>
-          <p:spPr bwMode="auto">
-            <a:xfrm>
-              <a:off x="10092793" y="2412268"/>
-              <a:ext cx="830374" cy="830374"/>
-            </a:xfrm>
-            <a:prstGeom prst="rect">
-              <a:avLst/>
-            </a:prstGeom>
-            <a:noFill/>
-          </p:spPr>
-        </p:pic>
-        <p:grpSp>
-          <p:nvGrpSpPr>
-            <p:cNvPr id="7" name="Agrupar 6"/>
-            <p:cNvGrpSpPr/>
-            <p:nvPr/>
-          </p:nvGrpSpPr>
-          <p:grpSpPr>
-            <a:xfrm>
-              <a:off x="9376147" y="3674742"/>
-              <a:ext cx="2263666" cy="2632474"/>
-              <a:chOff x="9361644" y="3836097"/>
-              <a:chExt cx="2263666" cy="2632474"/>
-            </a:xfrm>
-          </p:grpSpPr>
-          <p:pic>
-            <p:nvPicPr>
-              <p:cNvPr id="1036" name="Picture 12" descr="Resultado de imagem para gamer icon"/>
-              <p:cNvPicPr>
-                <a:picLocks noChangeAspect="1" noChangeArrowheads="1"/>
-              </p:cNvPicPr>
-              <p:nvPr/>
-            </p:nvPicPr>
-            <p:blipFill>
-              <a:blip r:embed="rId9">
-                <a:duotone>
-                  <a:prstClr val="black"/>
-                  <a:schemeClr val="accent1">
-                    <a:tint val="45000"/>
-                    <a:satMod val="400000"/>
-                  </a:schemeClr>
-                </a:duotone>
-                <a:extLst>
-                  <a:ext uri="{BEBA8EAE-BF5A-486C-A8C5-ECC9F3942E4B}">
-                    <a14:imgProps xmlns:a14="http://schemas.microsoft.com/office/drawing/2010/main">
-                      <a14:imgLayer r:embed="rId10">
-                        <a14:imgEffect>
-                          <a14:brightnessContrast bright="100000"/>
-                        </a14:imgEffect>
-                      </a14:imgLayer>
-                    </a14:imgProps>
-                  </a:ext>
-                  <a:ext uri="{28A0092B-C50C-407E-A947-70E740481C1C}">
-                    <a14:useLocalDpi xmlns:a14="http://schemas.microsoft.com/office/drawing/2010/main" val="0"/>
-                  </a:ext>
-                </a:extLst>
-              </a:blip>
-              <a:srcRect/>
-              <a:stretch>
-                <a:fillRect/>
-              </a:stretch>
-            </p:blipFill>
-            <p:spPr bwMode="auto">
-              <a:xfrm>
-                <a:off x="10678523" y="5521785"/>
-                <a:ext cx="946786" cy="946786"/>
-              </a:xfrm>
-              <a:prstGeom prst="rect">
-                <a:avLst/>
-              </a:prstGeom>
-              <a:noFill/>
-              <a:extLst>
-                <a:ext uri="{909E8E84-426E-40DD-AFC4-6F175D3DCCD1}">
-                  <a14:hiddenFill xmlns:a14="http://schemas.microsoft.com/office/drawing/2010/main">
-                    <a:solidFill>
-                      <a:srgbClr val="FFFFFF"/>
-                    </a:solidFill>
-                  </a14:hiddenFill>
-                </a:ext>
-              </a:extLst>
-            </p:spPr>
-          </p:pic>
-          <p:pic>
-            <p:nvPicPr>
-              <p:cNvPr id="29" name="Picture 12" descr="Resultado de imagem para gamer icon"/>
-              <p:cNvPicPr>
-                <a:picLocks noChangeAspect="1" noChangeArrowheads="1"/>
-              </p:cNvPicPr>
-              <p:nvPr/>
-            </p:nvPicPr>
-            <p:blipFill>
-              <a:blip r:embed="rId9">
-                <a:duotone>
-                  <a:prstClr val="black"/>
-                  <a:schemeClr val="accent1">
-                    <a:tint val="45000"/>
-                    <a:satMod val="400000"/>
-                  </a:schemeClr>
-                </a:duotone>
-                <a:extLst>
-                  <a:ext uri="{BEBA8EAE-BF5A-486C-A8C5-ECC9F3942E4B}">
-                    <a14:imgProps xmlns:a14="http://schemas.microsoft.com/office/drawing/2010/main">
-                      <a14:imgLayer r:embed="rId10">
-                        <a14:imgEffect>
-                          <a14:brightnessContrast bright="100000"/>
-                        </a14:imgEffect>
-                      </a14:imgLayer>
-                    </a14:imgProps>
-                  </a:ext>
-                  <a:ext uri="{28A0092B-C50C-407E-A947-70E740481C1C}">
-                    <a14:useLocalDpi xmlns:a14="http://schemas.microsoft.com/office/drawing/2010/main" val="0"/>
-                  </a:ext>
-                </a:extLst>
-              </a:blip>
-              <a:srcRect/>
-              <a:stretch>
-                <a:fillRect/>
-              </a:stretch>
-            </p:blipFill>
-            <p:spPr bwMode="auto">
-              <a:xfrm>
-                <a:off x="10678524" y="4670535"/>
-                <a:ext cx="946786" cy="946786"/>
-              </a:xfrm>
-              <a:prstGeom prst="rect">
-                <a:avLst/>
-              </a:prstGeom>
-              <a:noFill/>
-              <a:extLst>
-                <a:ext uri="{909E8E84-426E-40DD-AFC4-6F175D3DCCD1}">
-                  <a14:hiddenFill xmlns:a14="http://schemas.microsoft.com/office/drawing/2010/main">
-                    <a:solidFill>
-                      <a:srgbClr val="FFFFFF"/>
-                    </a:solidFill>
-                  </a14:hiddenFill>
-                </a:ext>
-              </a:extLst>
-            </p:spPr>
-          </p:pic>
-          <p:pic>
-            <p:nvPicPr>
-              <p:cNvPr id="30" name="Picture 12" descr="Resultado de imagem para gamer icon"/>
-              <p:cNvPicPr>
-                <a:picLocks noChangeAspect="1" noChangeArrowheads="1"/>
-              </p:cNvPicPr>
-              <p:nvPr/>
-            </p:nvPicPr>
-            <p:blipFill>
-              <a:blip r:embed="rId9">
-                <a:duotone>
-                  <a:prstClr val="black"/>
-                  <a:schemeClr val="accent1">
-                    <a:tint val="45000"/>
-                    <a:satMod val="400000"/>
-                  </a:schemeClr>
-                </a:duotone>
-                <a:extLst>
-                  <a:ext uri="{BEBA8EAE-BF5A-486C-A8C5-ECC9F3942E4B}">
-                    <a14:imgProps xmlns:a14="http://schemas.microsoft.com/office/drawing/2010/main">
-                      <a14:imgLayer r:embed="rId10">
-                        <a14:imgEffect>
-                          <a14:brightnessContrast bright="100000"/>
-                        </a14:imgEffect>
-                      </a14:imgLayer>
-                    </a14:imgProps>
-                  </a:ext>
-                  <a:ext uri="{28A0092B-C50C-407E-A947-70E740481C1C}">
-                    <a14:useLocalDpi xmlns:a14="http://schemas.microsoft.com/office/drawing/2010/main" val="0"/>
-                  </a:ext>
-                </a:extLst>
-              </a:blip>
-              <a:srcRect/>
-              <a:stretch>
-                <a:fillRect/>
-              </a:stretch>
-            </p:blipFill>
-            <p:spPr bwMode="auto">
-              <a:xfrm>
-                <a:off x="10678524" y="3836097"/>
-                <a:ext cx="946786" cy="946786"/>
-              </a:xfrm>
-              <a:prstGeom prst="rect">
-                <a:avLst/>
-              </a:prstGeom>
-              <a:noFill/>
-              <a:extLst>
-                <a:ext uri="{909E8E84-426E-40DD-AFC4-6F175D3DCCD1}">
-                  <a14:hiddenFill xmlns:a14="http://schemas.microsoft.com/office/drawing/2010/main">
-                    <a:solidFill>
-                      <a:srgbClr val="FFFFFF"/>
-                    </a:solidFill>
-                  </a14:hiddenFill>
-                </a:ext>
-              </a:extLst>
-            </p:spPr>
-          </p:pic>
-          <p:pic>
-            <p:nvPicPr>
-              <p:cNvPr id="31" name="Picture 12" descr="Resultado de imagem para gamer icon"/>
-              <p:cNvPicPr>
-                <a:picLocks noChangeAspect="1" noChangeArrowheads="1"/>
-              </p:cNvPicPr>
-              <p:nvPr/>
-            </p:nvPicPr>
-            <p:blipFill>
-              <a:blip r:embed="rId9">
-                <a:duotone>
-                  <a:prstClr val="black"/>
-                  <a:schemeClr val="accent1">
-                    <a:tint val="45000"/>
-                    <a:satMod val="400000"/>
-                  </a:schemeClr>
-                </a:duotone>
-                <a:extLst>
-                  <a:ext uri="{BEBA8EAE-BF5A-486C-A8C5-ECC9F3942E4B}">
-                    <a14:imgProps xmlns:a14="http://schemas.microsoft.com/office/drawing/2010/main">
-                      <a14:imgLayer r:embed="rId10">
-                        <a14:imgEffect>
-                          <a14:brightnessContrast bright="100000"/>
-                        </a14:imgEffect>
-                      </a14:imgLayer>
-                    </a14:imgProps>
-                  </a:ext>
-                  <a:ext uri="{28A0092B-C50C-407E-A947-70E740481C1C}">
-                    <a14:useLocalDpi xmlns:a14="http://schemas.microsoft.com/office/drawing/2010/main" val="0"/>
-                  </a:ext>
-                </a:extLst>
-              </a:blip>
-              <a:srcRect/>
-              <a:stretch>
-                <a:fillRect/>
-              </a:stretch>
-            </p:blipFill>
-            <p:spPr bwMode="auto">
-              <a:xfrm flipH="1">
-                <a:off x="9361644" y="5521785"/>
-                <a:ext cx="946786" cy="946786"/>
-              </a:xfrm>
-              <a:prstGeom prst="rect">
-                <a:avLst/>
-              </a:prstGeom>
-              <a:noFill/>
-              <a:extLst>
-                <a:ext uri="{909E8E84-426E-40DD-AFC4-6F175D3DCCD1}">
-                  <a14:hiddenFill xmlns:a14="http://schemas.microsoft.com/office/drawing/2010/main">
-                    <a:solidFill>
-                      <a:srgbClr val="FFFFFF"/>
-                    </a:solidFill>
-                  </a14:hiddenFill>
-                </a:ext>
-              </a:extLst>
-            </p:spPr>
-          </p:pic>
-          <p:pic>
-            <p:nvPicPr>
-              <p:cNvPr id="32" name="Picture 12" descr="Resultado de imagem para gamer icon"/>
-              <p:cNvPicPr>
-                <a:picLocks noChangeAspect="1" noChangeArrowheads="1"/>
-              </p:cNvPicPr>
-              <p:nvPr/>
-            </p:nvPicPr>
-            <p:blipFill>
-              <a:blip r:embed="rId9">
-                <a:duotone>
-                  <a:prstClr val="black"/>
-                  <a:schemeClr val="accent1">
-                    <a:tint val="45000"/>
-                    <a:satMod val="400000"/>
-                  </a:schemeClr>
-                </a:duotone>
-                <a:extLst>
-                  <a:ext uri="{BEBA8EAE-BF5A-486C-A8C5-ECC9F3942E4B}">
-                    <a14:imgProps xmlns:a14="http://schemas.microsoft.com/office/drawing/2010/main">
-                      <a14:imgLayer r:embed="rId10">
-                        <a14:imgEffect>
-                          <a14:brightnessContrast bright="100000"/>
-                        </a14:imgEffect>
-                      </a14:imgLayer>
-                    </a14:imgProps>
-                  </a:ext>
-                  <a:ext uri="{28A0092B-C50C-407E-A947-70E740481C1C}">
-                    <a14:useLocalDpi xmlns:a14="http://schemas.microsoft.com/office/drawing/2010/main" val="0"/>
-                  </a:ext>
-                </a:extLst>
-              </a:blip>
-              <a:srcRect/>
-              <a:stretch>
-                <a:fillRect/>
-              </a:stretch>
-            </p:blipFill>
-            <p:spPr bwMode="auto">
-              <a:xfrm flipH="1">
-                <a:off x="9361645" y="4670535"/>
-                <a:ext cx="946786" cy="946786"/>
-              </a:xfrm>
-              <a:prstGeom prst="rect">
-                <a:avLst/>
-              </a:prstGeom>
-              <a:noFill/>
-              <a:extLst>
-                <a:ext uri="{909E8E84-426E-40DD-AFC4-6F175D3DCCD1}">
-                  <a14:hiddenFill xmlns:a14="http://schemas.microsoft.com/office/drawing/2010/main">
-                    <a:solidFill>
-                      <a:srgbClr val="FFFFFF"/>
-                    </a:solidFill>
-                  </a14:hiddenFill>
-                </a:ext>
-              </a:extLst>
-            </p:spPr>
-          </p:pic>
-          <p:pic>
-            <p:nvPicPr>
-              <p:cNvPr id="33" name="Picture 12" descr="Resultado de imagem para gamer icon"/>
-              <p:cNvPicPr>
-                <a:picLocks noChangeAspect="1" noChangeArrowheads="1"/>
-              </p:cNvPicPr>
-              <p:nvPr/>
-            </p:nvPicPr>
-            <p:blipFill>
-              <a:blip r:embed="rId9">
-                <a:duotone>
-                  <a:prstClr val="black"/>
-                  <a:schemeClr val="accent1">
-                    <a:tint val="45000"/>
-                    <a:satMod val="400000"/>
-                  </a:schemeClr>
-                </a:duotone>
-                <a:extLst>
-                  <a:ext uri="{BEBA8EAE-BF5A-486C-A8C5-ECC9F3942E4B}">
-                    <a14:imgProps xmlns:a14="http://schemas.microsoft.com/office/drawing/2010/main">
-                      <a14:imgLayer r:embed="rId10">
-                        <a14:imgEffect>
-                          <a14:brightnessContrast bright="100000"/>
-                        </a14:imgEffect>
-                      </a14:imgLayer>
-                    </a14:imgProps>
-                  </a:ext>
-                  <a:ext uri="{28A0092B-C50C-407E-A947-70E740481C1C}">
-                    <a14:useLocalDpi xmlns:a14="http://schemas.microsoft.com/office/drawing/2010/main" val="0"/>
-                  </a:ext>
-                </a:extLst>
-              </a:blip>
-              <a:srcRect/>
-              <a:stretch>
-                <a:fillRect/>
-              </a:stretch>
-            </p:blipFill>
-            <p:spPr bwMode="auto">
-              <a:xfrm flipH="1">
-                <a:off x="9361645" y="3836097"/>
-                <a:ext cx="946786" cy="946786"/>
-              </a:xfrm>
-              <a:prstGeom prst="rect">
-                <a:avLst/>
-              </a:prstGeom>
-              <a:noFill/>
-              <a:extLst>
-                <a:ext uri="{909E8E84-426E-40DD-AFC4-6F175D3DCCD1}">
-                  <a14:hiddenFill xmlns:a14="http://schemas.microsoft.com/office/drawing/2010/main">
-                    <a:solidFill>
-                      <a:srgbClr val="FFFFFF"/>
-                    </a:solidFill>
-                  </a14:hiddenFill>
-                </a:ext>
-              </a:extLst>
-            </p:spPr>
-          </p:pic>
-        </p:grpSp>
-      </p:grpSp>
-      <p:cxnSp>
-        <p:nvCxnSpPr>
-          <p:cNvPr id="38" name="Conector reto 37"/>
-          <p:cNvCxnSpPr/>
-          <p:nvPr/>
-        </p:nvCxnSpPr>
-        <p:spPr>
-          <a:xfrm flipH="1">
-            <a:off x="3389049" y="1867645"/>
-            <a:ext cx="1014345" cy="0"/>
-          </a:xfrm>
-          <a:prstGeom prst="line">
-            <a:avLst/>
-          </a:prstGeom>
-          <a:ln w="57150">
-            <a:solidFill>
-              <a:schemeClr val="bg1"/>
-            </a:solidFill>
-            <a:prstDash val="dash"/>
-          </a:ln>
-        </p:spPr>
-        <p:style>
-          <a:lnRef idx="1">
-            <a:schemeClr val="accent1"/>
-          </a:lnRef>
-          <a:fillRef idx="0">
-            <a:schemeClr val="accent1"/>
-          </a:fillRef>
-          <a:effectRef idx="0">
-            <a:schemeClr val="accent1"/>
-          </a:effectRef>
-          <a:fontRef idx="minor">
-            <a:schemeClr val="tx1"/>
-          </a:fontRef>
-        </p:style>
-      </p:cxnSp>
-      <p:cxnSp>
-        <p:nvCxnSpPr>
-          <p:cNvPr id="44" name="Conector reto 43"/>
-          <p:cNvCxnSpPr/>
-          <p:nvPr/>
-        </p:nvCxnSpPr>
-        <p:spPr>
-          <a:xfrm flipH="1">
-            <a:off x="3395399" y="3169186"/>
-            <a:ext cx="1014344" cy="0"/>
-          </a:xfrm>
-          <a:prstGeom prst="line">
-            <a:avLst/>
-          </a:prstGeom>
-          <a:ln w="57150">
-            <a:solidFill>
-              <a:schemeClr val="bg1"/>
-            </a:solidFill>
-            <a:prstDash val="dash"/>
-          </a:ln>
-        </p:spPr>
-        <p:style>
-          <a:lnRef idx="1">
-            <a:schemeClr val="accent1"/>
-          </a:lnRef>
-          <a:fillRef idx="0">
-            <a:schemeClr val="accent1"/>
-          </a:fillRef>
-          <a:effectRef idx="0">
-            <a:schemeClr val="accent1"/>
-          </a:effectRef>
-          <a:fontRef idx="minor">
-            <a:schemeClr val="tx1"/>
-          </a:fontRef>
-        </p:style>
-      </p:cxnSp>
-      <p:cxnSp>
-        <p:nvCxnSpPr>
-          <p:cNvPr id="45" name="Conector reto 44"/>
-          <p:cNvCxnSpPr/>
-          <p:nvPr/>
-        </p:nvCxnSpPr>
-        <p:spPr>
-          <a:xfrm flipH="1">
-            <a:off x="3389049" y="4944209"/>
-            <a:ext cx="468500" cy="0"/>
-          </a:xfrm>
-          <a:prstGeom prst="line">
-            <a:avLst/>
-          </a:prstGeom>
-          <a:ln w="57150">
-            <a:solidFill>
-              <a:schemeClr val="bg1"/>
-            </a:solidFill>
-            <a:prstDash val="dash"/>
-          </a:ln>
-        </p:spPr>
-        <p:style>
-          <a:lnRef idx="1">
-            <a:schemeClr val="accent1"/>
-          </a:lnRef>
-          <a:fillRef idx="0">
-            <a:schemeClr val="accent1"/>
-          </a:fillRef>
-          <a:effectRef idx="0">
-            <a:schemeClr val="accent1"/>
-          </a:effectRef>
-          <a:fontRef idx="minor">
-            <a:schemeClr val="tx1"/>
-          </a:fontRef>
-        </p:style>
-      </p:cxnSp>
-      <p:cxnSp>
-        <p:nvCxnSpPr>
-          <p:cNvPr id="48" name="Conector reto 47"/>
-          <p:cNvCxnSpPr/>
-          <p:nvPr/>
-        </p:nvCxnSpPr>
-        <p:spPr>
-          <a:xfrm flipV="1">
-            <a:off x="3421379" y="1840751"/>
-            <a:ext cx="0" cy="3076564"/>
-          </a:xfrm>
-          <a:prstGeom prst="line">
-            <a:avLst/>
-          </a:prstGeom>
-          <a:ln w="57150">
-            <a:solidFill>
-              <a:schemeClr val="bg1"/>
-            </a:solidFill>
-            <a:prstDash val="dash"/>
-          </a:ln>
-        </p:spPr>
-        <p:style>
-          <a:lnRef idx="1">
-            <a:schemeClr val="accent1"/>
-          </a:lnRef>
-          <a:fillRef idx="0">
-            <a:schemeClr val="accent1"/>
-          </a:fillRef>
-          <a:effectRef idx="0">
-            <a:schemeClr val="accent1"/>
-          </a:effectRef>
-          <a:fontRef idx="minor">
-            <a:schemeClr val="tx1"/>
-          </a:fontRef>
-        </p:style>
-      </p:cxnSp>
-      <p:cxnSp>
-        <p:nvCxnSpPr>
-          <p:cNvPr id="50" name="Conector reto 49"/>
-          <p:cNvCxnSpPr/>
-          <p:nvPr/>
-        </p:nvCxnSpPr>
-        <p:spPr>
-          <a:xfrm flipH="1">
-            <a:off x="2873632" y="3181064"/>
-            <a:ext cx="515418" cy="0"/>
-          </a:xfrm>
-          <a:prstGeom prst="line">
-            <a:avLst/>
-          </a:prstGeom>
-          <a:ln w="57150">
-            <a:solidFill>
-              <a:schemeClr val="bg1"/>
-            </a:solidFill>
-            <a:prstDash val="dash"/>
-          </a:ln>
-        </p:spPr>
-        <p:style>
-          <a:lnRef idx="1">
-            <a:schemeClr val="accent1"/>
-          </a:lnRef>
-          <a:fillRef idx="0">
-            <a:schemeClr val="accent1"/>
-          </a:fillRef>
-          <a:effectRef idx="0">
-            <a:schemeClr val="accent1"/>
-          </a:effectRef>
-          <a:fontRef idx="minor">
-            <a:schemeClr val="tx1"/>
-          </a:fontRef>
-        </p:style>
-      </p:cxnSp>
-      <p:pic>
-        <p:nvPicPr>
-          <p:cNvPr id="1038" name="Picture 14" descr="Resultado de imagem para JAVA"/>
-          <p:cNvPicPr>
-            <a:picLocks noChangeAspect="1" noChangeArrowheads="1"/>
-          </p:cNvPicPr>
-          <p:nvPr/>
-        </p:nvPicPr>
-        <p:blipFill>
-          <a:blip r:embed="rId11">
-            <a:extLst>
-              <a:ext uri="{28A0092B-C50C-407E-A947-70E740481C1C}">
-                <a14:useLocalDpi xmlns:a14="http://schemas.microsoft.com/office/drawing/2010/main" val="0"/>
-              </a:ext>
-            </a:extLst>
-          </a:blip>
-          <a:srcRect/>
-          <a:stretch>
-            <a:fillRect/>
-          </a:stretch>
-        </p:blipFill>
-        <p:spPr bwMode="auto">
-          <a:xfrm>
-            <a:off x="6970859" y="4437559"/>
-            <a:ext cx="568172" cy="1039281"/>
-          </a:xfrm>
-          <a:prstGeom prst="rect">
-            <a:avLst/>
-          </a:prstGeom>
-          <a:noFill/>
-          <a:extLst>
-            <a:ext uri="{909E8E84-426E-40DD-AFC4-6F175D3DCCD1}">
-              <a14:hiddenFill xmlns:a14="http://schemas.microsoft.com/office/drawing/2010/main">
-                <a:solidFill>
-                  <a:srgbClr val="FFFFFF"/>
-                </a:solidFill>
-              </a14:hiddenFill>
-            </a:ext>
-          </a:extLst>
-        </p:spPr>
-      </p:pic>
-      <p:pic>
-        <p:nvPicPr>
-          <p:cNvPr id="1040" name="Picture 16" descr="Imagem relacionada"/>
-          <p:cNvPicPr>
-            <a:picLocks noChangeAspect="1" noChangeArrowheads="1"/>
-          </p:cNvPicPr>
-          <p:nvPr/>
-        </p:nvPicPr>
-        <p:blipFill>
-          <a:blip r:embed="rId12">
-            <a:duotone>
-              <a:schemeClr val="accent1">
-                <a:shade val="45000"/>
-                <a:satMod val="135000"/>
-              </a:schemeClr>
-              <a:prstClr val="white"/>
-            </a:duotone>
-            <a:extLst>
-              <a:ext uri="{28A0092B-C50C-407E-A947-70E740481C1C}">
-                <a14:useLocalDpi xmlns:a14="http://schemas.microsoft.com/office/drawing/2010/main" val="0"/>
-              </a:ext>
-            </a:extLst>
-          </a:blip>
-          <a:srcRect/>
-          <a:stretch>
-            <a:fillRect/>
-          </a:stretch>
-        </p:blipFill>
-        <p:spPr bwMode="auto">
-          <a:xfrm>
-            <a:off x="1975171" y="2694464"/>
-            <a:ext cx="876428" cy="876428"/>
-          </a:xfrm>
-          <a:prstGeom prst="rect">
-            <a:avLst/>
-          </a:prstGeom>
-          <a:noFill/>
-          <a:extLst>
-            <a:ext uri="{909E8E84-426E-40DD-AFC4-6F175D3DCCD1}">
-              <a14:hiddenFill xmlns:a14="http://schemas.microsoft.com/office/drawing/2010/main">
-                <a:solidFill>
-                  <a:srgbClr val="FFFFFF"/>
-                </a:solidFill>
-              </a14:hiddenFill>
-            </a:ext>
-          </a:extLst>
-        </p:spPr>
-      </p:pic>
-      <p:sp>
-        <p:nvSpPr>
-          <p:cNvPr id="54" name="Espaço Reservado para Texto 1">
-            <a:extLst>
-              <a:ext uri="{FF2B5EF4-FFF2-40B4-BE49-F238E27FC236}">
-                <a16:creationId xmlns:a16="http://schemas.microsoft.com/office/drawing/2014/main" id="{AC30D2B6-A39B-8B49-96B2-224D7C1FED1A}"/>
-              </a:ext>
-            </a:extLst>
-          </p:cNvPr>
-          <p:cNvSpPr txBox="1">
-            <a:spLocks/>
-          </p:cNvSpPr>
-          <p:nvPr/>
-        </p:nvSpPr>
-        <p:spPr>
-          <a:xfrm>
-            <a:off x="7980462" y="4057305"/>
-            <a:ext cx="3214755" cy="848648"/>
-          </a:xfrm>
-          <a:prstGeom prst="rect">
-            <a:avLst/>
-          </a:prstGeom>
-        </p:spPr>
-        <p:txBody>
-          <a:bodyPr/>
-          <a:lstStyle>
-            <a:lvl1pPr marL="391146" indent="-391146" algn="l" defTabSz="1043056" rtl="0" eaLnBrk="1" latinLnBrk="0" hangingPunct="1">
-              <a:spcBef>
-                <a:spcPct val="20000"/>
-              </a:spcBef>
-              <a:buFont typeface="Arial" pitchFamily="34" charset="0"/>
-              <a:buChar char="•"/>
-              <a:defRPr sz="3700" kern="1200">
-                <a:solidFill>
-                  <a:schemeClr val="tx1"/>
-                </a:solidFill>
-                <a:latin typeface="+mn-lt"/>
-                <a:ea typeface="+mn-ea"/>
-                <a:cs typeface="+mn-cs"/>
-              </a:defRPr>
-            </a:lvl1pPr>
-            <a:lvl2pPr marL="847483" indent="-325955" algn="l" defTabSz="1043056" rtl="0" eaLnBrk="1" latinLnBrk="0" hangingPunct="1">
-              <a:spcBef>
-                <a:spcPct val="20000"/>
-              </a:spcBef>
-              <a:buFont typeface="Arial" pitchFamily="34" charset="0"/>
-              <a:buChar char="–"/>
-              <a:defRPr sz="3200" kern="1200">
-                <a:solidFill>
-                  <a:schemeClr val="tx1"/>
-                </a:solidFill>
-                <a:latin typeface="+mn-lt"/>
-                <a:ea typeface="+mn-ea"/>
-                <a:cs typeface="+mn-cs"/>
-              </a:defRPr>
-            </a:lvl2pPr>
-            <a:lvl3pPr marL="1303820" indent="-260764" algn="l" defTabSz="1043056" rtl="0" eaLnBrk="1" latinLnBrk="0" hangingPunct="1">
-              <a:spcBef>
-                <a:spcPct val="20000"/>
-              </a:spcBef>
-              <a:buFont typeface="Arial" pitchFamily="34" charset="0"/>
-              <a:buChar char="•"/>
-              <a:defRPr sz="2700" kern="1200">
-                <a:solidFill>
-                  <a:schemeClr val="tx1"/>
-                </a:solidFill>
-                <a:latin typeface="+mn-lt"/>
-                <a:ea typeface="+mn-ea"/>
-                <a:cs typeface="+mn-cs"/>
-              </a:defRPr>
-            </a:lvl3pPr>
-            <a:lvl4pPr marL="1825348" indent="-260764" algn="l" defTabSz="1043056" rtl="0" eaLnBrk="1" latinLnBrk="0" hangingPunct="1">
-              <a:spcBef>
-                <a:spcPct val="20000"/>
-              </a:spcBef>
-              <a:buFont typeface="Arial" pitchFamily="34" charset="0"/>
-              <a:buChar char="–"/>
-              <a:defRPr sz="2300" kern="1200">
-                <a:solidFill>
-                  <a:schemeClr val="tx1"/>
-                </a:solidFill>
-                <a:latin typeface="+mn-lt"/>
-                <a:ea typeface="+mn-ea"/>
-                <a:cs typeface="+mn-cs"/>
-              </a:defRPr>
-            </a:lvl4pPr>
-            <a:lvl5pPr marL="2346876" indent="-260764" algn="l" defTabSz="1043056" rtl="0" eaLnBrk="1" latinLnBrk="0" hangingPunct="1">
-              <a:spcBef>
-                <a:spcPct val="20000"/>
-              </a:spcBef>
-              <a:buFont typeface="Arial" pitchFamily="34" charset="0"/>
-              <a:buChar char="»"/>
-              <a:defRPr sz="2300" kern="1200">
-                <a:solidFill>
-                  <a:schemeClr val="tx1"/>
-                </a:solidFill>
-                <a:latin typeface="+mn-lt"/>
-                <a:ea typeface="+mn-ea"/>
-                <a:cs typeface="+mn-cs"/>
-              </a:defRPr>
-            </a:lvl5pPr>
-            <a:lvl6pPr marL="2868404" indent="-260764" algn="l" defTabSz="1043056" rtl="0" eaLnBrk="1" latinLnBrk="0" hangingPunct="1">
-              <a:spcBef>
-                <a:spcPct val="20000"/>
-              </a:spcBef>
-              <a:buFont typeface="Arial" pitchFamily="34" charset="0"/>
-              <a:buChar char="•"/>
-              <a:defRPr sz="2300" kern="1200">
-                <a:solidFill>
-                  <a:schemeClr val="tx1"/>
-                </a:solidFill>
-                <a:latin typeface="+mn-lt"/>
-                <a:ea typeface="+mn-ea"/>
-                <a:cs typeface="+mn-cs"/>
-              </a:defRPr>
-            </a:lvl6pPr>
-            <a:lvl7pPr marL="3389932" indent="-260764" algn="l" defTabSz="1043056" rtl="0" eaLnBrk="1" latinLnBrk="0" hangingPunct="1">
-              <a:spcBef>
-                <a:spcPct val="20000"/>
-              </a:spcBef>
-              <a:buFont typeface="Arial" pitchFamily="34" charset="0"/>
-              <a:buChar char="•"/>
-              <a:defRPr sz="2300" kern="1200">
-                <a:solidFill>
-                  <a:schemeClr val="tx1"/>
-                </a:solidFill>
-                <a:latin typeface="+mn-lt"/>
-                <a:ea typeface="+mn-ea"/>
-                <a:cs typeface="+mn-cs"/>
-              </a:defRPr>
-            </a:lvl7pPr>
-            <a:lvl8pPr marL="3911460" indent="-260764" algn="l" defTabSz="1043056" rtl="0" eaLnBrk="1" latinLnBrk="0" hangingPunct="1">
-              <a:spcBef>
-                <a:spcPct val="20000"/>
-              </a:spcBef>
-              <a:buFont typeface="Arial" pitchFamily="34" charset="0"/>
-              <a:buChar char="•"/>
-              <a:defRPr sz="2300" kern="1200">
-                <a:solidFill>
-                  <a:schemeClr val="tx1"/>
-                </a:solidFill>
-                <a:latin typeface="+mn-lt"/>
-                <a:ea typeface="+mn-ea"/>
-                <a:cs typeface="+mn-cs"/>
-              </a:defRPr>
-            </a:lvl8pPr>
-            <a:lvl9pPr marL="4432988" indent="-260764" algn="l" defTabSz="1043056" rtl="0" eaLnBrk="1" latinLnBrk="0" hangingPunct="1">
-              <a:spcBef>
-                <a:spcPct val="20000"/>
-              </a:spcBef>
-              <a:buFont typeface="Arial" pitchFamily="34" charset="0"/>
-              <a:buChar char="•"/>
-              <a:defRPr sz="2300" kern="1200">
-                <a:solidFill>
-                  <a:schemeClr val="tx1"/>
-                </a:solidFill>
-                <a:latin typeface="+mn-lt"/>
-                <a:ea typeface="+mn-ea"/>
-                <a:cs typeface="+mn-cs"/>
-              </a:defRPr>
-            </a:lvl9pPr>
-          </a:lstStyle>
-          <a:p>
-            <a:pPr marL="0" indent="0">
-              <a:lnSpc>
-                <a:spcPct val="150000"/>
-              </a:lnSpc>
-              <a:buNone/>
-            </a:pPr>
-            <a:r>
-              <a:rPr lang="pt-BR" sz="2000" b="1" dirty="0">
-                <a:solidFill>
-                  <a:srgbClr val="FFFFFF"/>
-                </a:solidFill>
-              </a:rPr>
-              <a:t>APLICAÇÃO DESKTOP</a:t>
-            </a:r>
-          </a:p>
-        </p:txBody>
-      </p:sp>
-      <p:sp>
-        <p:nvSpPr>
-          <p:cNvPr id="55" name="Espaço Reservado para Texto 1">
-            <a:extLst>
-              <a:ext uri="{FF2B5EF4-FFF2-40B4-BE49-F238E27FC236}">
-                <a16:creationId xmlns:a16="http://schemas.microsoft.com/office/drawing/2014/main" id="{AC30D2B6-A39B-8B49-96B2-224D7C1FED1A}"/>
-              </a:ext>
-            </a:extLst>
-          </p:cNvPr>
-          <p:cNvSpPr txBox="1">
-            <a:spLocks/>
-          </p:cNvSpPr>
-          <p:nvPr/>
-        </p:nvSpPr>
-        <p:spPr>
-          <a:xfrm>
-            <a:off x="756890" y="2674242"/>
-            <a:ext cx="1329496" cy="848648"/>
-          </a:xfrm>
-          <a:prstGeom prst="rect">
-            <a:avLst/>
-          </a:prstGeom>
-        </p:spPr>
-        <p:txBody>
-          <a:bodyPr/>
-          <a:lstStyle>
-            <a:lvl1pPr marL="391146" indent="-391146" algn="l" defTabSz="1043056" rtl="0" eaLnBrk="1" latinLnBrk="0" hangingPunct="1">
-              <a:spcBef>
-                <a:spcPct val="20000"/>
-              </a:spcBef>
-              <a:buFont typeface="Arial" pitchFamily="34" charset="0"/>
-              <a:buChar char="•"/>
-              <a:defRPr sz="3700" kern="1200">
-                <a:solidFill>
-                  <a:schemeClr val="tx1"/>
-                </a:solidFill>
-                <a:latin typeface="+mn-lt"/>
-                <a:ea typeface="+mn-ea"/>
-                <a:cs typeface="+mn-cs"/>
-              </a:defRPr>
-            </a:lvl1pPr>
-            <a:lvl2pPr marL="847483" indent="-325955" algn="l" defTabSz="1043056" rtl="0" eaLnBrk="1" latinLnBrk="0" hangingPunct="1">
-              <a:spcBef>
-                <a:spcPct val="20000"/>
-              </a:spcBef>
-              <a:buFont typeface="Arial" pitchFamily="34" charset="0"/>
-              <a:buChar char="–"/>
-              <a:defRPr sz="3200" kern="1200">
-                <a:solidFill>
-                  <a:schemeClr val="tx1"/>
-                </a:solidFill>
-                <a:latin typeface="+mn-lt"/>
-                <a:ea typeface="+mn-ea"/>
-                <a:cs typeface="+mn-cs"/>
-              </a:defRPr>
-            </a:lvl2pPr>
-            <a:lvl3pPr marL="1303820" indent="-260764" algn="l" defTabSz="1043056" rtl="0" eaLnBrk="1" latinLnBrk="0" hangingPunct="1">
-              <a:spcBef>
-                <a:spcPct val="20000"/>
-              </a:spcBef>
-              <a:buFont typeface="Arial" pitchFamily="34" charset="0"/>
-              <a:buChar char="•"/>
-              <a:defRPr sz="2700" kern="1200">
-                <a:solidFill>
-                  <a:schemeClr val="tx1"/>
-                </a:solidFill>
-                <a:latin typeface="+mn-lt"/>
-                <a:ea typeface="+mn-ea"/>
-                <a:cs typeface="+mn-cs"/>
-              </a:defRPr>
-            </a:lvl3pPr>
-            <a:lvl4pPr marL="1825348" indent="-260764" algn="l" defTabSz="1043056" rtl="0" eaLnBrk="1" latinLnBrk="0" hangingPunct="1">
-              <a:spcBef>
-                <a:spcPct val="20000"/>
-              </a:spcBef>
-              <a:buFont typeface="Arial" pitchFamily="34" charset="0"/>
-              <a:buChar char="–"/>
-              <a:defRPr sz="2300" kern="1200">
-                <a:solidFill>
-                  <a:schemeClr val="tx1"/>
-                </a:solidFill>
-                <a:latin typeface="+mn-lt"/>
-                <a:ea typeface="+mn-ea"/>
-                <a:cs typeface="+mn-cs"/>
-              </a:defRPr>
-            </a:lvl4pPr>
-            <a:lvl5pPr marL="2346876" indent="-260764" algn="l" defTabSz="1043056" rtl="0" eaLnBrk="1" latinLnBrk="0" hangingPunct="1">
-              <a:spcBef>
-                <a:spcPct val="20000"/>
-              </a:spcBef>
-              <a:buFont typeface="Arial" pitchFamily="34" charset="0"/>
-              <a:buChar char="»"/>
-              <a:defRPr sz="2300" kern="1200">
-                <a:solidFill>
-                  <a:schemeClr val="tx1"/>
-                </a:solidFill>
-                <a:latin typeface="+mn-lt"/>
-                <a:ea typeface="+mn-ea"/>
-                <a:cs typeface="+mn-cs"/>
-              </a:defRPr>
-            </a:lvl5pPr>
-            <a:lvl6pPr marL="2868404" indent="-260764" algn="l" defTabSz="1043056" rtl="0" eaLnBrk="1" latinLnBrk="0" hangingPunct="1">
-              <a:spcBef>
-                <a:spcPct val="20000"/>
-              </a:spcBef>
-              <a:buFont typeface="Arial" pitchFamily="34" charset="0"/>
-              <a:buChar char="•"/>
-              <a:defRPr sz="2300" kern="1200">
-                <a:solidFill>
-                  <a:schemeClr val="tx1"/>
-                </a:solidFill>
-                <a:latin typeface="+mn-lt"/>
-                <a:ea typeface="+mn-ea"/>
-                <a:cs typeface="+mn-cs"/>
-              </a:defRPr>
-            </a:lvl6pPr>
-            <a:lvl7pPr marL="3389932" indent="-260764" algn="l" defTabSz="1043056" rtl="0" eaLnBrk="1" latinLnBrk="0" hangingPunct="1">
-              <a:spcBef>
-                <a:spcPct val="20000"/>
-              </a:spcBef>
-              <a:buFont typeface="Arial" pitchFamily="34" charset="0"/>
-              <a:buChar char="•"/>
-              <a:defRPr sz="2300" kern="1200">
-                <a:solidFill>
-                  <a:schemeClr val="tx1"/>
-                </a:solidFill>
-                <a:latin typeface="+mn-lt"/>
-                <a:ea typeface="+mn-ea"/>
-                <a:cs typeface="+mn-cs"/>
-              </a:defRPr>
-            </a:lvl7pPr>
-            <a:lvl8pPr marL="3911460" indent="-260764" algn="l" defTabSz="1043056" rtl="0" eaLnBrk="1" latinLnBrk="0" hangingPunct="1">
-              <a:spcBef>
-                <a:spcPct val="20000"/>
-              </a:spcBef>
-              <a:buFont typeface="Arial" pitchFamily="34" charset="0"/>
-              <a:buChar char="•"/>
-              <a:defRPr sz="2300" kern="1200">
-                <a:solidFill>
-                  <a:schemeClr val="tx1"/>
-                </a:solidFill>
-                <a:latin typeface="+mn-lt"/>
-                <a:ea typeface="+mn-ea"/>
-                <a:cs typeface="+mn-cs"/>
-              </a:defRPr>
-            </a:lvl8pPr>
-            <a:lvl9pPr marL="4432988" indent="-260764" algn="l" defTabSz="1043056" rtl="0" eaLnBrk="1" latinLnBrk="0" hangingPunct="1">
-              <a:spcBef>
-                <a:spcPct val="20000"/>
-              </a:spcBef>
-              <a:buFont typeface="Arial" pitchFamily="34" charset="0"/>
-              <a:buChar char="•"/>
-              <a:defRPr sz="2300" kern="1200">
-                <a:solidFill>
-                  <a:schemeClr val="tx1"/>
-                </a:solidFill>
-                <a:latin typeface="+mn-lt"/>
-                <a:ea typeface="+mn-ea"/>
-                <a:cs typeface="+mn-cs"/>
-              </a:defRPr>
-            </a:lvl9pPr>
-          </a:lstStyle>
-          <a:p>
-            <a:pPr marL="0" indent="0" algn="r">
-              <a:lnSpc>
-                <a:spcPct val="150000"/>
-              </a:lnSpc>
-              <a:buNone/>
-            </a:pPr>
-            <a:r>
-              <a:rPr lang="pt-BR" sz="1600" b="1" dirty="0">
-                <a:solidFill>
-                  <a:srgbClr val="FFFFFF"/>
-                </a:solidFill>
-              </a:rPr>
-              <a:t>AZURE</a:t>
-            </a:r>
-          </a:p>
-          <a:p>
-            <a:pPr marL="0" indent="0" algn="r">
-              <a:lnSpc>
-                <a:spcPct val="150000"/>
-              </a:lnSpc>
-              <a:buNone/>
-            </a:pPr>
-            <a:r>
-              <a:rPr lang="pt-BR" sz="1600" b="1" dirty="0">
-                <a:solidFill>
-                  <a:srgbClr val="FFFFFF"/>
-                </a:solidFill>
-              </a:rPr>
-              <a:t>SQL SERVER</a:t>
-            </a:r>
-          </a:p>
-        </p:txBody>
-      </p:sp>
-      <p:sp>
-        <p:nvSpPr>
-          <p:cNvPr id="56" name="Espaço Reservado para Texto 1">
-            <a:extLst>
-              <a:ext uri="{FF2B5EF4-FFF2-40B4-BE49-F238E27FC236}">
-                <a16:creationId xmlns:a16="http://schemas.microsoft.com/office/drawing/2014/main" id="{AC30D2B6-A39B-8B49-96B2-224D7C1FED1A}"/>
-              </a:ext>
-            </a:extLst>
-          </p:cNvPr>
-          <p:cNvSpPr txBox="1">
-            <a:spLocks/>
-          </p:cNvSpPr>
-          <p:nvPr/>
-        </p:nvSpPr>
-        <p:spPr>
-          <a:xfrm>
-            <a:off x="7980462" y="4628192"/>
-            <a:ext cx="3316356" cy="848648"/>
-          </a:xfrm>
-          <a:prstGeom prst="rect">
-            <a:avLst/>
-          </a:prstGeom>
-        </p:spPr>
-        <p:txBody>
-          <a:bodyPr/>
-          <a:lstStyle>
-            <a:lvl1pPr marL="391146" indent="-391146" algn="l" defTabSz="1043056" rtl="0" eaLnBrk="1" latinLnBrk="0" hangingPunct="1">
-              <a:spcBef>
-                <a:spcPct val="20000"/>
-              </a:spcBef>
-              <a:buFont typeface="Arial" pitchFamily="34" charset="0"/>
-              <a:buChar char="•"/>
-              <a:defRPr sz="3700" kern="1200">
-                <a:solidFill>
-                  <a:schemeClr val="tx1"/>
-                </a:solidFill>
-                <a:latin typeface="+mn-lt"/>
-                <a:ea typeface="+mn-ea"/>
-                <a:cs typeface="+mn-cs"/>
-              </a:defRPr>
-            </a:lvl1pPr>
-            <a:lvl2pPr marL="847483" indent="-325955" algn="l" defTabSz="1043056" rtl="0" eaLnBrk="1" latinLnBrk="0" hangingPunct="1">
-              <a:spcBef>
-                <a:spcPct val="20000"/>
-              </a:spcBef>
-              <a:buFont typeface="Arial" pitchFamily="34" charset="0"/>
-              <a:buChar char="–"/>
-              <a:defRPr sz="3200" kern="1200">
-                <a:solidFill>
-                  <a:schemeClr val="tx1"/>
-                </a:solidFill>
-                <a:latin typeface="+mn-lt"/>
-                <a:ea typeface="+mn-ea"/>
-                <a:cs typeface="+mn-cs"/>
-              </a:defRPr>
-            </a:lvl2pPr>
-            <a:lvl3pPr marL="1303820" indent="-260764" algn="l" defTabSz="1043056" rtl="0" eaLnBrk="1" latinLnBrk="0" hangingPunct="1">
-              <a:spcBef>
-                <a:spcPct val="20000"/>
-              </a:spcBef>
-              <a:buFont typeface="Arial" pitchFamily="34" charset="0"/>
-              <a:buChar char="•"/>
-              <a:defRPr sz="2700" kern="1200">
-                <a:solidFill>
-                  <a:schemeClr val="tx1"/>
-                </a:solidFill>
-                <a:latin typeface="+mn-lt"/>
-                <a:ea typeface="+mn-ea"/>
-                <a:cs typeface="+mn-cs"/>
-              </a:defRPr>
-            </a:lvl3pPr>
-            <a:lvl4pPr marL="1825348" indent="-260764" algn="l" defTabSz="1043056" rtl="0" eaLnBrk="1" latinLnBrk="0" hangingPunct="1">
-              <a:spcBef>
-                <a:spcPct val="20000"/>
-              </a:spcBef>
-              <a:buFont typeface="Arial" pitchFamily="34" charset="0"/>
-              <a:buChar char="–"/>
-              <a:defRPr sz="2300" kern="1200">
-                <a:solidFill>
-                  <a:schemeClr val="tx1"/>
-                </a:solidFill>
-                <a:latin typeface="+mn-lt"/>
-                <a:ea typeface="+mn-ea"/>
-                <a:cs typeface="+mn-cs"/>
-              </a:defRPr>
-            </a:lvl4pPr>
-            <a:lvl5pPr marL="2346876" indent="-260764" algn="l" defTabSz="1043056" rtl="0" eaLnBrk="1" latinLnBrk="0" hangingPunct="1">
-              <a:spcBef>
-                <a:spcPct val="20000"/>
-              </a:spcBef>
-              <a:buFont typeface="Arial" pitchFamily="34" charset="0"/>
-              <a:buChar char="»"/>
-              <a:defRPr sz="2300" kern="1200">
-                <a:solidFill>
-                  <a:schemeClr val="tx1"/>
-                </a:solidFill>
-                <a:latin typeface="+mn-lt"/>
-                <a:ea typeface="+mn-ea"/>
-                <a:cs typeface="+mn-cs"/>
-              </a:defRPr>
-            </a:lvl5pPr>
-            <a:lvl6pPr marL="2868404" indent="-260764" algn="l" defTabSz="1043056" rtl="0" eaLnBrk="1" latinLnBrk="0" hangingPunct="1">
-              <a:spcBef>
-                <a:spcPct val="20000"/>
-              </a:spcBef>
-              <a:buFont typeface="Arial" pitchFamily="34" charset="0"/>
-              <a:buChar char="•"/>
-              <a:defRPr sz="2300" kern="1200">
-                <a:solidFill>
-                  <a:schemeClr val="tx1"/>
-                </a:solidFill>
-                <a:latin typeface="+mn-lt"/>
-                <a:ea typeface="+mn-ea"/>
-                <a:cs typeface="+mn-cs"/>
-              </a:defRPr>
-            </a:lvl6pPr>
-            <a:lvl7pPr marL="3389932" indent="-260764" algn="l" defTabSz="1043056" rtl="0" eaLnBrk="1" latinLnBrk="0" hangingPunct="1">
-              <a:spcBef>
-                <a:spcPct val="20000"/>
-              </a:spcBef>
-              <a:buFont typeface="Arial" pitchFamily="34" charset="0"/>
-              <a:buChar char="•"/>
-              <a:defRPr sz="2300" kern="1200">
-                <a:solidFill>
-                  <a:schemeClr val="tx1"/>
-                </a:solidFill>
-                <a:latin typeface="+mn-lt"/>
-                <a:ea typeface="+mn-ea"/>
-                <a:cs typeface="+mn-cs"/>
-              </a:defRPr>
-            </a:lvl7pPr>
-            <a:lvl8pPr marL="3911460" indent="-260764" algn="l" defTabSz="1043056" rtl="0" eaLnBrk="1" latinLnBrk="0" hangingPunct="1">
-              <a:spcBef>
-                <a:spcPct val="20000"/>
-              </a:spcBef>
-              <a:buFont typeface="Arial" pitchFamily="34" charset="0"/>
-              <a:buChar char="•"/>
-              <a:defRPr sz="2300" kern="1200">
-                <a:solidFill>
-                  <a:schemeClr val="tx1"/>
-                </a:solidFill>
-                <a:latin typeface="+mn-lt"/>
-                <a:ea typeface="+mn-ea"/>
-                <a:cs typeface="+mn-cs"/>
-              </a:defRPr>
-            </a:lvl8pPr>
-            <a:lvl9pPr marL="4432988" indent="-260764" algn="l" defTabSz="1043056" rtl="0" eaLnBrk="1" latinLnBrk="0" hangingPunct="1">
-              <a:spcBef>
-                <a:spcPct val="20000"/>
-              </a:spcBef>
-              <a:buFont typeface="Arial" pitchFamily="34" charset="0"/>
-              <a:buChar char="•"/>
-              <a:defRPr sz="2300" kern="1200">
-                <a:solidFill>
-                  <a:schemeClr val="tx1"/>
-                </a:solidFill>
-                <a:latin typeface="+mn-lt"/>
-                <a:ea typeface="+mn-ea"/>
-                <a:cs typeface="+mn-cs"/>
-              </a:defRPr>
-            </a:lvl9pPr>
-          </a:lstStyle>
-          <a:p>
-            <a:pPr marL="0" indent="0">
-              <a:buNone/>
-            </a:pPr>
-            <a:r>
-              <a:rPr lang="pt-BR" sz="1400" b="1" dirty="0">
-                <a:solidFill>
-                  <a:srgbClr val="FFFFFF"/>
-                </a:solidFill>
-              </a:rPr>
-              <a:t>- LOGIN</a:t>
-            </a:r>
-          </a:p>
-          <a:p>
-            <a:pPr marL="0" indent="0">
-              <a:buNone/>
-            </a:pPr>
-            <a:r>
-              <a:rPr lang="pt-BR" sz="1400" b="1" dirty="0">
-                <a:solidFill>
-                  <a:srgbClr val="FFFFFF"/>
-                </a:solidFill>
-              </a:rPr>
-              <a:t>- CADASTRO</a:t>
-            </a:r>
-          </a:p>
-          <a:p>
-            <a:pPr marL="0" indent="0">
-              <a:buNone/>
-            </a:pPr>
-            <a:r>
-              <a:rPr lang="pt-BR" sz="1400" b="1" dirty="0">
-                <a:solidFill>
-                  <a:srgbClr val="FFFFFF"/>
-                </a:solidFill>
-              </a:rPr>
-              <a:t>- RESUMO MONITORAMENTO MÁQUINA</a:t>
-            </a:r>
-          </a:p>
-        </p:txBody>
-      </p:sp>
-      <p:grpSp>
-        <p:nvGrpSpPr>
-          <p:cNvPr id="42" name="Agrupar 41"/>
-          <p:cNvGrpSpPr/>
-          <p:nvPr/>
-        </p:nvGrpSpPr>
-        <p:grpSpPr>
-          <a:xfrm>
-            <a:off x="6737157" y="1718532"/>
-            <a:ext cx="1194923" cy="680643"/>
-            <a:chOff x="7655690" y="1339354"/>
-            <a:chExt cx="1194923" cy="680643"/>
-          </a:xfrm>
-        </p:grpSpPr>
-        <p:pic>
-          <p:nvPicPr>
-            <p:cNvPr id="1046" name="Picture 22" descr="Resultado de imagem para HTML CSS JAVASCRIPT"/>
-            <p:cNvPicPr>
-              <a:picLocks noChangeAspect="1" noChangeArrowheads="1"/>
-            </p:cNvPicPr>
-            <p:nvPr/>
-          </p:nvPicPr>
-          <p:blipFill rotWithShape="1">
-            <a:blip r:embed="rId13">
-              <a:extLst>
-                <a:ext uri="{28A0092B-C50C-407E-A947-70E740481C1C}">
-                  <a14:useLocalDpi xmlns:a14="http://schemas.microsoft.com/office/drawing/2010/main" val="0"/>
-                </a:ext>
-              </a:extLst>
-            </a:blip>
-            <a:srcRect t="22376"/>
-            <a:stretch/>
-          </p:blipFill>
-          <p:spPr bwMode="auto">
-            <a:xfrm>
-              <a:off x="7655690" y="1477108"/>
-              <a:ext cx="1194923" cy="542889"/>
-            </a:xfrm>
-            <a:prstGeom prst="rect">
-              <a:avLst/>
-            </a:prstGeom>
-            <a:noFill/>
-            <a:extLst>
-              <a:ext uri="{909E8E84-426E-40DD-AFC4-6F175D3DCCD1}">
-                <a14:hiddenFill xmlns:a14="http://schemas.microsoft.com/office/drawing/2010/main">
-                  <a:solidFill>
-                    <a:srgbClr val="FFFFFF"/>
-                  </a:solidFill>
-                </a14:hiddenFill>
-              </a:ext>
-            </a:extLst>
-          </p:spPr>
-        </p:pic>
-        <p:pic>
-          <p:nvPicPr>
-            <p:cNvPr id="63" name="Picture 22" descr="Resultado de imagem para HTML CSS JAVASCRIPT"/>
-            <p:cNvPicPr>
-              <a:picLocks noChangeAspect="1" noChangeArrowheads="1"/>
-            </p:cNvPicPr>
-            <p:nvPr/>
-          </p:nvPicPr>
-          <p:blipFill rotWithShape="1">
-            <a:blip r:embed="rId14">
-              <a:extLst>
-                <a:ext uri="{BEBA8EAE-BF5A-486C-A8C5-ECC9F3942E4B}">
-                  <a14:imgProps xmlns:a14="http://schemas.microsoft.com/office/drawing/2010/main">
-                    <a14:imgLayer r:embed="rId15">
-                      <a14:imgEffect>
-                        <a14:brightnessContrast bright="100000"/>
-                      </a14:imgEffect>
-                    </a14:imgLayer>
-                  </a14:imgProps>
-                </a:ext>
-                <a:ext uri="{28A0092B-C50C-407E-A947-70E740481C1C}">
-                  <a14:useLocalDpi xmlns:a14="http://schemas.microsoft.com/office/drawing/2010/main" val="0"/>
-                </a:ext>
-              </a:extLst>
-            </a:blip>
-            <a:srcRect t="5310" b="76587"/>
-            <a:stretch/>
-          </p:blipFill>
-          <p:spPr bwMode="auto">
-            <a:xfrm>
-              <a:off x="7655690" y="1339354"/>
-              <a:ext cx="1194923" cy="126608"/>
-            </a:xfrm>
-            <a:prstGeom prst="rect">
-              <a:avLst/>
-            </a:prstGeom>
-            <a:noFill/>
-            <a:extLst>
-              <a:ext uri="{909E8E84-426E-40DD-AFC4-6F175D3DCCD1}">
-                <a14:hiddenFill xmlns:a14="http://schemas.microsoft.com/office/drawing/2010/main">
-                  <a:solidFill>
-                    <a:srgbClr val="FFFFFF"/>
-                  </a:solidFill>
-                </a14:hiddenFill>
-              </a:ext>
-            </a:extLst>
-          </p:spPr>
-        </p:pic>
-      </p:grpSp>
-      <p:grpSp>
-        <p:nvGrpSpPr>
-          <p:cNvPr id="43" name="Agrupar 42"/>
-          <p:cNvGrpSpPr/>
-          <p:nvPr/>
-        </p:nvGrpSpPr>
-        <p:grpSpPr>
-          <a:xfrm>
-            <a:off x="6610834" y="2246177"/>
-            <a:ext cx="1447567" cy="725192"/>
-            <a:chOff x="2302929" y="2740162"/>
-            <a:chExt cx="4563120" cy="2286001"/>
-          </a:xfrm>
-        </p:grpSpPr>
-        <p:pic>
-          <p:nvPicPr>
-            <p:cNvPr id="1050" name="Picture 26" descr="Resultado de imagem para KOTLIN"/>
-            <p:cNvPicPr>
-              <a:picLocks noChangeAspect="1" noChangeArrowheads="1"/>
-            </p:cNvPicPr>
-            <p:nvPr/>
-          </p:nvPicPr>
-          <p:blipFill rotWithShape="1">
-            <a:blip r:embed="rId16">
-              <a:extLst>
-                <a:ext uri="{28A0092B-C50C-407E-A947-70E740481C1C}">
-                  <a14:useLocalDpi xmlns:a14="http://schemas.microsoft.com/office/drawing/2010/main" val="0"/>
-                </a:ext>
-              </a:extLst>
-            </a:blip>
-            <a:srcRect r="60959"/>
-            <a:stretch/>
-          </p:blipFill>
-          <p:spPr bwMode="auto">
-            <a:xfrm>
-              <a:off x="2302929" y="2740162"/>
-              <a:ext cx="1784977" cy="2286001"/>
-            </a:xfrm>
-            <a:prstGeom prst="rect">
-              <a:avLst/>
-            </a:prstGeom>
-            <a:noFill/>
-            <a:extLst>
-              <a:ext uri="{909E8E84-426E-40DD-AFC4-6F175D3DCCD1}">
-                <a14:hiddenFill xmlns:a14="http://schemas.microsoft.com/office/drawing/2010/main">
-                  <a:solidFill>
-                    <a:srgbClr val="FFFFFF"/>
-                  </a:solidFill>
-                </a14:hiddenFill>
-              </a:ext>
-            </a:extLst>
-          </p:spPr>
-        </p:pic>
-        <p:pic>
-          <p:nvPicPr>
-            <p:cNvPr id="1052" name="Picture 28" descr="Resultado de imagem para KOTLIN"/>
-            <p:cNvPicPr>
-              <a:picLocks noChangeAspect="1" noChangeArrowheads="1"/>
-            </p:cNvPicPr>
-            <p:nvPr/>
-          </p:nvPicPr>
-          <p:blipFill rotWithShape="1">
-            <a:blip r:embed="rId17">
-              <a:extLst>
-                <a:ext uri="{BEBA8EAE-BF5A-486C-A8C5-ECC9F3942E4B}">
-                  <a14:imgProps xmlns:a14="http://schemas.microsoft.com/office/drawing/2010/main">
-                    <a14:imgLayer r:embed="rId18">
-                      <a14:imgEffect>
-                        <a14:brightnessContrast bright="100000"/>
-                      </a14:imgEffect>
-                    </a14:imgLayer>
-                  </a14:imgProps>
-                </a:ext>
-                <a:ext uri="{28A0092B-C50C-407E-A947-70E740481C1C}">
-                  <a14:useLocalDpi xmlns:a14="http://schemas.microsoft.com/office/drawing/2010/main" val="0"/>
-                </a:ext>
-              </a:extLst>
-            </a:blip>
-            <a:srcRect l="38071"/>
-            <a:stretch/>
-          </p:blipFill>
-          <p:spPr bwMode="auto">
-            <a:xfrm>
-              <a:off x="4034674" y="2740162"/>
-              <a:ext cx="2831375" cy="2286001"/>
-            </a:xfrm>
-            <a:prstGeom prst="rect">
-              <a:avLst/>
-            </a:prstGeom>
-            <a:noFill/>
-            <a:extLst>
-              <a:ext uri="{909E8E84-426E-40DD-AFC4-6F175D3DCCD1}">
-                <a14:hiddenFill xmlns:a14="http://schemas.microsoft.com/office/drawing/2010/main">
-                  <a:solidFill>
-                    <a:srgbClr val="FFFFFF"/>
-                  </a:solidFill>
-                </a14:hiddenFill>
-              </a:ext>
-            </a:extLst>
-          </p:spPr>
-        </p:pic>
-      </p:grpSp>
-      <p:sp>
-        <p:nvSpPr>
-          <p:cNvPr id="68" name="Espaço Reservado para Texto 1">
-            <a:extLst>
-              <a:ext uri="{FF2B5EF4-FFF2-40B4-BE49-F238E27FC236}">
-                <a16:creationId xmlns:a16="http://schemas.microsoft.com/office/drawing/2014/main" id="{AC30D2B6-A39B-8B49-96B2-224D7C1FED1A}"/>
-              </a:ext>
-            </a:extLst>
-          </p:cNvPr>
-          <p:cNvSpPr txBox="1">
-            <a:spLocks/>
-          </p:cNvSpPr>
-          <p:nvPr/>
-        </p:nvSpPr>
-        <p:spPr>
-          <a:xfrm>
-            <a:off x="8085542" y="1514561"/>
-            <a:ext cx="2272618" cy="848648"/>
-          </a:xfrm>
-          <a:prstGeom prst="rect">
-            <a:avLst/>
-          </a:prstGeom>
-        </p:spPr>
-        <p:txBody>
-          <a:bodyPr/>
-          <a:lstStyle>
-            <a:lvl1pPr marL="391146" indent="-391146" algn="l" defTabSz="1043056" rtl="0" eaLnBrk="1" latinLnBrk="0" hangingPunct="1">
-              <a:spcBef>
-                <a:spcPct val="20000"/>
-              </a:spcBef>
-              <a:buFont typeface="Arial" pitchFamily="34" charset="0"/>
-              <a:buChar char="•"/>
-              <a:defRPr sz="3700" kern="1200">
-                <a:solidFill>
-                  <a:schemeClr val="tx1"/>
-                </a:solidFill>
-                <a:latin typeface="+mn-lt"/>
-                <a:ea typeface="+mn-ea"/>
-                <a:cs typeface="+mn-cs"/>
-              </a:defRPr>
-            </a:lvl1pPr>
-            <a:lvl2pPr marL="847483" indent="-325955" algn="l" defTabSz="1043056" rtl="0" eaLnBrk="1" latinLnBrk="0" hangingPunct="1">
-              <a:spcBef>
-                <a:spcPct val="20000"/>
-              </a:spcBef>
-              <a:buFont typeface="Arial" pitchFamily="34" charset="0"/>
-              <a:buChar char="–"/>
-              <a:defRPr sz="3200" kern="1200">
-                <a:solidFill>
-                  <a:schemeClr val="tx1"/>
-                </a:solidFill>
-                <a:latin typeface="+mn-lt"/>
-                <a:ea typeface="+mn-ea"/>
-                <a:cs typeface="+mn-cs"/>
-              </a:defRPr>
-            </a:lvl2pPr>
-            <a:lvl3pPr marL="1303820" indent="-260764" algn="l" defTabSz="1043056" rtl="0" eaLnBrk="1" latinLnBrk="0" hangingPunct="1">
-              <a:spcBef>
-                <a:spcPct val="20000"/>
-              </a:spcBef>
-              <a:buFont typeface="Arial" pitchFamily="34" charset="0"/>
-              <a:buChar char="•"/>
-              <a:defRPr sz="2700" kern="1200">
-                <a:solidFill>
-                  <a:schemeClr val="tx1"/>
-                </a:solidFill>
-                <a:latin typeface="+mn-lt"/>
-                <a:ea typeface="+mn-ea"/>
-                <a:cs typeface="+mn-cs"/>
-              </a:defRPr>
-            </a:lvl3pPr>
-            <a:lvl4pPr marL="1825348" indent="-260764" algn="l" defTabSz="1043056" rtl="0" eaLnBrk="1" latinLnBrk="0" hangingPunct="1">
-              <a:spcBef>
-                <a:spcPct val="20000"/>
-              </a:spcBef>
-              <a:buFont typeface="Arial" pitchFamily="34" charset="0"/>
-              <a:buChar char="–"/>
-              <a:defRPr sz="2300" kern="1200">
-                <a:solidFill>
-                  <a:schemeClr val="tx1"/>
-                </a:solidFill>
-                <a:latin typeface="+mn-lt"/>
-                <a:ea typeface="+mn-ea"/>
-                <a:cs typeface="+mn-cs"/>
-              </a:defRPr>
-            </a:lvl4pPr>
-            <a:lvl5pPr marL="2346876" indent="-260764" algn="l" defTabSz="1043056" rtl="0" eaLnBrk="1" latinLnBrk="0" hangingPunct="1">
-              <a:spcBef>
-                <a:spcPct val="20000"/>
-              </a:spcBef>
-              <a:buFont typeface="Arial" pitchFamily="34" charset="0"/>
-              <a:buChar char="»"/>
-              <a:defRPr sz="2300" kern="1200">
-                <a:solidFill>
-                  <a:schemeClr val="tx1"/>
-                </a:solidFill>
-                <a:latin typeface="+mn-lt"/>
-                <a:ea typeface="+mn-ea"/>
-                <a:cs typeface="+mn-cs"/>
-              </a:defRPr>
-            </a:lvl5pPr>
-            <a:lvl6pPr marL="2868404" indent="-260764" algn="l" defTabSz="1043056" rtl="0" eaLnBrk="1" latinLnBrk="0" hangingPunct="1">
-              <a:spcBef>
-                <a:spcPct val="20000"/>
-              </a:spcBef>
-              <a:buFont typeface="Arial" pitchFamily="34" charset="0"/>
-              <a:buChar char="•"/>
-              <a:defRPr sz="2300" kern="1200">
-                <a:solidFill>
-                  <a:schemeClr val="tx1"/>
-                </a:solidFill>
-                <a:latin typeface="+mn-lt"/>
-                <a:ea typeface="+mn-ea"/>
-                <a:cs typeface="+mn-cs"/>
-              </a:defRPr>
-            </a:lvl6pPr>
-            <a:lvl7pPr marL="3389932" indent="-260764" algn="l" defTabSz="1043056" rtl="0" eaLnBrk="1" latinLnBrk="0" hangingPunct="1">
-              <a:spcBef>
-                <a:spcPct val="20000"/>
-              </a:spcBef>
-              <a:buFont typeface="Arial" pitchFamily="34" charset="0"/>
-              <a:buChar char="•"/>
-              <a:defRPr sz="2300" kern="1200">
-                <a:solidFill>
-                  <a:schemeClr val="tx1"/>
-                </a:solidFill>
-                <a:latin typeface="+mn-lt"/>
-                <a:ea typeface="+mn-ea"/>
-                <a:cs typeface="+mn-cs"/>
-              </a:defRPr>
-            </a:lvl7pPr>
-            <a:lvl8pPr marL="3911460" indent="-260764" algn="l" defTabSz="1043056" rtl="0" eaLnBrk="1" latinLnBrk="0" hangingPunct="1">
-              <a:spcBef>
-                <a:spcPct val="20000"/>
-              </a:spcBef>
-              <a:buFont typeface="Arial" pitchFamily="34" charset="0"/>
-              <a:buChar char="•"/>
-              <a:defRPr sz="2300" kern="1200">
-                <a:solidFill>
-                  <a:schemeClr val="tx1"/>
-                </a:solidFill>
-                <a:latin typeface="+mn-lt"/>
-                <a:ea typeface="+mn-ea"/>
-                <a:cs typeface="+mn-cs"/>
-              </a:defRPr>
-            </a:lvl8pPr>
-            <a:lvl9pPr marL="4432988" indent="-260764" algn="l" defTabSz="1043056" rtl="0" eaLnBrk="1" latinLnBrk="0" hangingPunct="1">
-              <a:spcBef>
-                <a:spcPct val="20000"/>
-              </a:spcBef>
-              <a:buFont typeface="Arial" pitchFamily="34" charset="0"/>
-              <a:buChar char="•"/>
-              <a:defRPr sz="2300" kern="1200">
-                <a:solidFill>
-                  <a:schemeClr val="tx1"/>
-                </a:solidFill>
-                <a:latin typeface="+mn-lt"/>
-                <a:ea typeface="+mn-ea"/>
-                <a:cs typeface="+mn-cs"/>
-              </a:defRPr>
-            </a:lvl9pPr>
-          </a:lstStyle>
-          <a:p>
-            <a:pPr marL="0" indent="0">
-              <a:lnSpc>
-                <a:spcPct val="150000"/>
-              </a:lnSpc>
-              <a:buNone/>
-            </a:pPr>
-            <a:r>
-              <a:rPr lang="pt-BR" sz="2000" b="1" dirty="0">
-                <a:solidFill>
-                  <a:srgbClr val="FFFFFF"/>
-                </a:solidFill>
-              </a:rPr>
-              <a:t>APLICAÇÃO WEB</a:t>
-            </a:r>
-          </a:p>
-        </p:txBody>
-      </p:sp>
-      <p:sp>
-        <p:nvSpPr>
-          <p:cNvPr id="69" name="Espaço Reservado para Texto 1">
-            <a:extLst>
-              <a:ext uri="{FF2B5EF4-FFF2-40B4-BE49-F238E27FC236}">
-                <a16:creationId xmlns:a16="http://schemas.microsoft.com/office/drawing/2014/main" id="{AC30D2B6-A39B-8B49-96B2-224D7C1FED1A}"/>
-              </a:ext>
-            </a:extLst>
-          </p:cNvPr>
-          <p:cNvSpPr txBox="1">
-            <a:spLocks/>
-          </p:cNvSpPr>
-          <p:nvPr/>
-        </p:nvSpPr>
-        <p:spPr>
-          <a:xfrm>
-            <a:off x="8085541" y="2077652"/>
-            <a:ext cx="3465848" cy="848648"/>
-          </a:xfrm>
-          <a:prstGeom prst="rect">
-            <a:avLst/>
-          </a:prstGeom>
-        </p:spPr>
-        <p:txBody>
-          <a:bodyPr/>
-          <a:lstStyle>
-            <a:lvl1pPr marL="391146" indent="-391146" algn="l" defTabSz="1043056" rtl="0" eaLnBrk="1" latinLnBrk="0" hangingPunct="1">
-              <a:spcBef>
-                <a:spcPct val="20000"/>
-              </a:spcBef>
-              <a:buFont typeface="Arial" pitchFamily="34" charset="0"/>
-              <a:buChar char="•"/>
-              <a:defRPr sz="3700" kern="1200">
-                <a:solidFill>
-                  <a:schemeClr val="tx1"/>
-                </a:solidFill>
-                <a:latin typeface="+mn-lt"/>
-                <a:ea typeface="+mn-ea"/>
-                <a:cs typeface="+mn-cs"/>
-              </a:defRPr>
-            </a:lvl1pPr>
-            <a:lvl2pPr marL="847483" indent="-325955" algn="l" defTabSz="1043056" rtl="0" eaLnBrk="1" latinLnBrk="0" hangingPunct="1">
-              <a:spcBef>
-                <a:spcPct val="20000"/>
-              </a:spcBef>
-              <a:buFont typeface="Arial" pitchFamily="34" charset="0"/>
-              <a:buChar char="–"/>
-              <a:defRPr sz="3200" kern="1200">
-                <a:solidFill>
-                  <a:schemeClr val="tx1"/>
-                </a:solidFill>
-                <a:latin typeface="+mn-lt"/>
-                <a:ea typeface="+mn-ea"/>
-                <a:cs typeface="+mn-cs"/>
-              </a:defRPr>
-            </a:lvl2pPr>
-            <a:lvl3pPr marL="1303820" indent="-260764" algn="l" defTabSz="1043056" rtl="0" eaLnBrk="1" latinLnBrk="0" hangingPunct="1">
-              <a:spcBef>
-                <a:spcPct val="20000"/>
-              </a:spcBef>
-              <a:buFont typeface="Arial" pitchFamily="34" charset="0"/>
-              <a:buChar char="•"/>
-              <a:defRPr sz="2700" kern="1200">
-                <a:solidFill>
-                  <a:schemeClr val="tx1"/>
-                </a:solidFill>
-                <a:latin typeface="+mn-lt"/>
-                <a:ea typeface="+mn-ea"/>
-                <a:cs typeface="+mn-cs"/>
-              </a:defRPr>
-            </a:lvl3pPr>
-            <a:lvl4pPr marL="1825348" indent="-260764" algn="l" defTabSz="1043056" rtl="0" eaLnBrk="1" latinLnBrk="0" hangingPunct="1">
-              <a:spcBef>
-                <a:spcPct val="20000"/>
-              </a:spcBef>
-              <a:buFont typeface="Arial" pitchFamily="34" charset="0"/>
-              <a:buChar char="–"/>
-              <a:defRPr sz="2300" kern="1200">
-                <a:solidFill>
-                  <a:schemeClr val="tx1"/>
-                </a:solidFill>
-                <a:latin typeface="+mn-lt"/>
-                <a:ea typeface="+mn-ea"/>
-                <a:cs typeface="+mn-cs"/>
-              </a:defRPr>
-            </a:lvl4pPr>
-            <a:lvl5pPr marL="2346876" indent="-260764" algn="l" defTabSz="1043056" rtl="0" eaLnBrk="1" latinLnBrk="0" hangingPunct="1">
-              <a:spcBef>
-                <a:spcPct val="20000"/>
-              </a:spcBef>
-              <a:buFont typeface="Arial" pitchFamily="34" charset="0"/>
-              <a:buChar char="»"/>
-              <a:defRPr sz="2300" kern="1200">
-                <a:solidFill>
-                  <a:schemeClr val="tx1"/>
-                </a:solidFill>
-                <a:latin typeface="+mn-lt"/>
-                <a:ea typeface="+mn-ea"/>
-                <a:cs typeface="+mn-cs"/>
-              </a:defRPr>
-            </a:lvl5pPr>
-            <a:lvl6pPr marL="2868404" indent="-260764" algn="l" defTabSz="1043056" rtl="0" eaLnBrk="1" latinLnBrk="0" hangingPunct="1">
-              <a:spcBef>
-                <a:spcPct val="20000"/>
-              </a:spcBef>
-              <a:buFont typeface="Arial" pitchFamily="34" charset="0"/>
-              <a:buChar char="•"/>
-              <a:defRPr sz="2300" kern="1200">
-                <a:solidFill>
-                  <a:schemeClr val="tx1"/>
-                </a:solidFill>
-                <a:latin typeface="+mn-lt"/>
-                <a:ea typeface="+mn-ea"/>
-                <a:cs typeface="+mn-cs"/>
-              </a:defRPr>
-            </a:lvl6pPr>
-            <a:lvl7pPr marL="3389932" indent="-260764" algn="l" defTabSz="1043056" rtl="0" eaLnBrk="1" latinLnBrk="0" hangingPunct="1">
-              <a:spcBef>
-                <a:spcPct val="20000"/>
-              </a:spcBef>
-              <a:buFont typeface="Arial" pitchFamily="34" charset="0"/>
-              <a:buChar char="•"/>
-              <a:defRPr sz="2300" kern="1200">
-                <a:solidFill>
-                  <a:schemeClr val="tx1"/>
-                </a:solidFill>
-                <a:latin typeface="+mn-lt"/>
-                <a:ea typeface="+mn-ea"/>
-                <a:cs typeface="+mn-cs"/>
-              </a:defRPr>
-            </a:lvl7pPr>
-            <a:lvl8pPr marL="3911460" indent="-260764" algn="l" defTabSz="1043056" rtl="0" eaLnBrk="1" latinLnBrk="0" hangingPunct="1">
-              <a:spcBef>
-                <a:spcPct val="20000"/>
-              </a:spcBef>
-              <a:buFont typeface="Arial" pitchFamily="34" charset="0"/>
-              <a:buChar char="•"/>
-              <a:defRPr sz="2300" kern="1200">
-                <a:solidFill>
-                  <a:schemeClr val="tx1"/>
-                </a:solidFill>
-                <a:latin typeface="+mn-lt"/>
-                <a:ea typeface="+mn-ea"/>
-                <a:cs typeface="+mn-cs"/>
-              </a:defRPr>
-            </a:lvl8pPr>
-            <a:lvl9pPr marL="4432988" indent="-260764" algn="l" defTabSz="1043056" rtl="0" eaLnBrk="1" latinLnBrk="0" hangingPunct="1">
-              <a:spcBef>
-                <a:spcPct val="20000"/>
-              </a:spcBef>
-              <a:buFont typeface="Arial" pitchFamily="34" charset="0"/>
-              <a:buChar char="•"/>
-              <a:defRPr sz="2300" kern="1200">
-                <a:solidFill>
-                  <a:schemeClr val="tx1"/>
-                </a:solidFill>
-                <a:latin typeface="+mn-lt"/>
-                <a:ea typeface="+mn-ea"/>
-                <a:cs typeface="+mn-cs"/>
-              </a:defRPr>
-            </a:lvl9pPr>
-          </a:lstStyle>
-          <a:p>
-            <a:pPr marL="0" indent="0">
-              <a:buNone/>
-            </a:pPr>
-            <a:r>
-              <a:rPr lang="pt-BR" sz="1400" b="1" dirty="0">
-                <a:solidFill>
-                  <a:srgbClr val="FFFFFF"/>
-                </a:solidFill>
-              </a:rPr>
-              <a:t>- MONITORAMENTO DAS MÁQUINAS</a:t>
-            </a:r>
-          </a:p>
-          <a:p>
-            <a:pPr marL="0" indent="0">
-              <a:buNone/>
-            </a:pPr>
-            <a:r>
-              <a:rPr lang="pt-BR" sz="1400" b="1" dirty="0">
-                <a:solidFill>
-                  <a:srgbClr val="FFFFFF"/>
-                </a:solidFill>
-              </a:rPr>
-              <a:t>- CADASTRO CAMPEONATO/MÁQUINA</a:t>
-            </a:r>
-          </a:p>
-          <a:p>
-            <a:pPr marL="0" indent="0">
-              <a:buNone/>
-            </a:pPr>
-            <a:r>
-              <a:rPr lang="pt-BR" sz="1400" b="1" dirty="0">
-                <a:solidFill>
-                  <a:srgbClr val="FFFFFF"/>
-                </a:solidFill>
-              </a:rPr>
-              <a:t>- MONITORAMENTO DAS STREAMS</a:t>
-            </a:r>
-          </a:p>
-        </p:txBody>
-      </p:sp>
-      <p:sp>
-        <p:nvSpPr>
-          <p:cNvPr id="89" name="Espaço Reservado para Texto 1">
-            <a:extLst>
-              <a:ext uri="{FF2B5EF4-FFF2-40B4-BE49-F238E27FC236}">
-                <a16:creationId xmlns:a16="http://schemas.microsoft.com/office/drawing/2014/main" id="{AC30D2B6-A39B-8B49-96B2-224D7C1FED1A}"/>
-              </a:ext>
-            </a:extLst>
-          </p:cNvPr>
-          <p:cNvSpPr txBox="1">
-            <a:spLocks/>
-          </p:cNvSpPr>
-          <p:nvPr/>
-        </p:nvSpPr>
-        <p:spPr>
-          <a:xfrm>
-            <a:off x="3982689" y="5945290"/>
-            <a:ext cx="1981348" cy="848648"/>
-          </a:xfrm>
-          <a:prstGeom prst="rect">
-            <a:avLst/>
-          </a:prstGeom>
-        </p:spPr>
-        <p:txBody>
-          <a:bodyPr/>
-          <a:lstStyle>
-            <a:lvl1pPr marL="391146" indent="-391146" algn="l" defTabSz="1043056" rtl="0" eaLnBrk="1" latinLnBrk="0" hangingPunct="1">
-              <a:spcBef>
-                <a:spcPct val="20000"/>
-              </a:spcBef>
-              <a:buFont typeface="Arial" pitchFamily="34" charset="0"/>
-              <a:buChar char="•"/>
-              <a:defRPr sz="3700" kern="1200">
-                <a:solidFill>
-                  <a:schemeClr val="tx1"/>
-                </a:solidFill>
-                <a:latin typeface="+mn-lt"/>
-                <a:ea typeface="+mn-ea"/>
-                <a:cs typeface="+mn-cs"/>
-              </a:defRPr>
-            </a:lvl1pPr>
-            <a:lvl2pPr marL="847483" indent="-325955" algn="l" defTabSz="1043056" rtl="0" eaLnBrk="1" latinLnBrk="0" hangingPunct="1">
-              <a:spcBef>
-                <a:spcPct val="20000"/>
-              </a:spcBef>
-              <a:buFont typeface="Arial" pitchFamily="34" charset="0"/>
-              <a:buChar char="–"/>
-              <a:defRPr sz="3200" kern="1200">
-                <a:solidFill>
-                  <a:schemeClr val="tx1"/>
-                </a:solidFill>
-                <a:latin typeface="+mn-lt"/>
-                <a:ea typeface="+mn-ea"/>
-                <a:cs typeface="+mn-cs"/>
-              </a:defRPr>
-            </a:lvl2pPr>
-            <a:lvl3pPr marL="1303820" indent="-260764" algn="l" defTabSz="1043056" rtl="0" eaLnBrk="1" latinLnBrk="0" hangingPunct="1">
-              <a:spcBef>
-                <a:spcPct val="20000"/>
-              </a:spcBef>
-              <a:buFont typeface="Arial" pitchFamily="34" charset="0"/>
-              <a:buChar char="•"/>
-              <a:defRPr sz="2700" kern="1200">
-                <a:solidFill>
-                  <a:schemeClr val="tx1"/>
-                </a:solidFill>
-                <a:latin typeface="+mn-lt"/>
-                <a:ea typeface="+mn-ea"/>
-                <a:cs typeface="+mn-cs"/>
-              </a:defRPr>
-            </a:lvl3pPr>
-            <a:lvl4pPr marL="1825348" indent="-260764" algn="l" defTabSz="1043056" rtl="0" eaLnBrk="1" latinLnBrk="0" hangingPunct="1">
-              <a:spcBef>
-                <a:spcPct val="20000"/>
-              </a:spcBef>
-              <a:buFont typeface="Arial" pitchFamily="34" charset="0"/>
-              <a:buChar char="–"/>
-              <a:defRPr sz="2300" kern="1200">
-                <a:solidFill>
-                  <a:schemeClr val="tx1"/>
-                </a:solidFill>
-                <a:latin typeface="+mn-lt"/>
-                <a:ea typeface="+mn-ea"/>
-                <a:cs typeface="+mn-cs"/>
-              </a:defRPr>
-            </a:lvl4pPr>
-            <a:lvl5pPr marL="2346876" indent="-260764" algn="l" defTabSz="1043056" rtl="0" eaLnBrk="1" latinLnBrk="0" hangingPunct="1">
-              <a:spcBef>
-                <a:spcPct val="20000"/>
-              </a:spcBef>
-              <a:buFont typeface="Arial" pitchFamily="34" charset="0"/>
-              <a:buChar char="»"/>
-              <a:defRPr sz="2300" kern="1200">
-                <a:solidFill>
-                  <a:schemeClr val="tx1"/>
-                </a:solidFill>
-                <a:latin typeface="+mn-lt"/>
-                <a:ea typeface="+mn-ea"/>
-                <a:cs typeface="+mn-cs"/>
-              </a:defRPr>
-            </a:lvl5pPr>
-            <a:lvl6pPr marL="2868404" indent="-260764" algn="l" defTabSz="1043056" rtl="0" eaLnBrk="1" latinLnBrk="0" hangingPunct="1">
-              <a:spcBef>
-                <a:spcPct val="20000"/>
-              </a:spcBef>
-              <a:buFont typeface="Arial" pitchFamily="34" charset="0"/>
-              <a:buChar char="•"/>
-              <a:defRPr sz="2300" kern="1200">
-                <a:solidFill>
-                  <a:schemeClr val="tx1"/>
-                </a:solidFill>
-                <a:latin typeface="+mn-lt"/>
-                <a:ea typeface="+mn-ea"/>
-                <a:cs typeface="+mn-cs"/>
-              </a:defRPr>
-            </a:lvl6pPr>
-            <a:lvl7pPr marL="3389932" indent="-260764" algn="l" defTabSz="1043056" rtl="0" eaLnBrk="1" latinLnBrk="0" hangingPunct="1">
-              <a:spcBef>
-                <a:spcPct val="20000"/>
-              </a:spcBef>
-              <a:buFont typeface="Arial" pitchFamily="34" charset="0"/>
-              <a:buChar char="•"/>
-              <a:defRPr sz="2300" kern="1200">
-                <a:solidFill>
-                  <a:schemeClr val="tx1"/>
-                </a:solidFill>
-                <a:latin typeface="+mn-lt"/>
-                <a:ea typeface="+mn-ea"/>
-                <a:cs typeface="+mn-cs"/>
-              </a:defRPr>
-            </a:lvl7pPr>
-            <a:lvl8pPr marL="3911460" indent="-260764" algn="l" defTabSz="1043056" rtl="0" eaLnBrk="1" latinLnBrk="0" hangingPunct="1">
-              <a:spcBef>
-                <a:spcPct val="20000"/>
-              </a:spcBef>
-              <a:buFont typeface="Arial" pitchFamily="34" charset="0"/>
-              <a:buChar char="•"/>
-              <a:defRPr sz="2300" kern="1200">
-                <a:solidFill>
-                  <a:schemeClr val="tx1"/>
-                </a:solidFill>
-                <a:latin typeface="+mn-lt"/>
-                <a:ea typeface="+mn-ea"/>
-                <a:cs typeface="+mn-cs"/>
-              </a:defRPr>
-            </a:lvl8pPr>
-            <a:lvl9pPr marL="4432988" indent="-260764" algn="l" defTabSz="1043056" rtl="0" eaLnBrk="1" latinLnBrk="0" hangingPunct="1">
-              <a:spcBef>
-                <a:spcPct val="20000"/>
-              </a:spcBef>
-              <a:buFont typeface="Arial" pitchFamily="34" charset="0"/>
-              <a:buChar char="•"/>
-              <a:defRPr sz="2300" kern="1200">
-                <a:solidFill>
-                  <a:schemeClr val="tx1"/>
-                </a:solidFill>
-                <a:latin typeface="+mn-lt"/>
-                <a:ea typeface="+mn-ea"/>
-                <a:cs typeface="+mn-cs"/>
-              </a:defRPr>
-            </a:lvl9pPr>
-          </a:lstStyle>
-          <a:p>
-            <a:pPr marL="0" indent="0" algn="ctr">
-              <a:lnSpc>
-                <a:spcPct val="150000"/>
-              </a:lnSpc>
-              <a:buNone/>
-            </a:pPr>
-            <a:r>
-              <a:rPr lang="pt-BR" sz="1600" b="1" dirty="0">
-                <a:solidFill>
-                  <a:srgbClr val="FFFFFF"/>
-                </a:solidFill>
-              </a:rPr>
-              <a:t>JOGADORES</a:t>
-            </a:r>
-          </a:p>
-        </p:txBody>
-      </p:sp>
-    </p:spTree>
-    <p:extLst>
-      <p:ext uri="{BB962C8B-B14F-4D97-AF65-F5344CB8AC3E}">
-        <p14:creationId xmlns:p14="http://schemas.microsoft.com/office/powerpoint/2010/main" val="2192434858"/>
-      </p:ext>
-    </p:extLst>
-  </p:cSld>
-  <p:clrMapOvr>
-    <a:masterClrMapping/>
-  </p:clrMapOvr>
-  <p:timing>
-    <p:tnLst>
-      <p:par>
-        <p:cTn id="1" dur="indefinite" restart="never" nodeType="tmRoot"/>
-      </p:par>
-    </p:tnLst>
-  </p:timing>
-</p:sld>
-</file>
-
-<file path=ppt/slides/slide4.xml><?xml version="1.0" encoding="utf-8"?>
-<p:sld xmlns:a="http://schemas.openxmlformats.org/drawingml/2006/main" xmlns:r="http://schemas.openxmlformats.org/officeDocument/2006/relationships" xmlns:p="http://schemas.openxmlformats.org/presentationml/2006/main">
-  <p:cSld>
-    <p:spTree>
-      <p:nvGrpSpPr>
-        <p:cNvPr id="1" name=""/>
-        <p:cNvGrpSpPr/>
-        <p:nvPr/>
-      </p:nvGrpSpPr>
-      <p:grpSpPr>
-        <a:xfrm>
-          <a:off x="0" y="0"/>
-          <a:ext cx="0" cy="0"/>
-          <a:chOff x="0" y="0"/>
-          <a:chExt cx="0" cy="0"/>
-        </a:xfrm>
-      </p:grpSpPr>
-      <p:sp>
-        <p:nvSpPr>
-          <p:cNvPr id="7" name="Rectangle 6">
-            <a:extLst>
-              <a:ext uri="{FF2B5EF4-FFF2-40B4-BE49-F238E27FC236}">
-                <a16:creationId xmlns:a16="http://schemas.microsoft.com/office/drawing/2014/main" id="{BD7A6E7E-C977-C24D-B38C-167C1FD17849}"/>
-              </a:ext>
-            </a:extLst>
-          </p:cNvPr>
-          <p:cNvSpPr/>
-          <p:nvPr/>
-        </p:nvSpPr>
-        <p:spPr>
-          <a:xfrm>
-            <a:off x="0" y="0"/>
-            <a:ext cx="12192000" cy="514350"/>
-          </a:xfrm>
-          <a:prstGeom prst="rect">
-            <a:avLst/>
-          </a:prstGeom>
-          <a:solidFill>
-            <a:schemeClr val="tx1">
-              <a:alpha val="40000"/>
-            </a:schemeClr>
-          </a:solidFill>
-          <a:ln>
-            <a:noFill/>
-          </a:ln>
-        </p:spPr>
-        <p:style>
-          <a:lnRef idx="2">
-            <a:schemeClr val="dk1">
-              <a:shade val="50000"/>
-            </a:schemeClr>
-          </a:lnRef>
-          <a:fillRef idx="1">
-            <a:schemeClr val="dk1"/>
-          </a:fillRef>
-          <a:effectRef idx="0">
-            <a:schemeClr val="dk1"/>
-          </a:effectRef>
-          <a:fontRef idx="minor">
-            <a:schemeClr val="lt1"/>
-          </a:fontRef>
-        </p:style>
-        <p:txBody>
-          <a:bodyPr rtlCol="0" anchor="ctr"/>
-          <a:lstStyle/>
-          <a:p>
-            <a:pPr algn="ctr"/>
-            <a:endParaRPr lang="en-US"/>
-          </a:p>
-        </p:txBody>
-      </p:sp>
-      <p:sp>
-        <p:nvSpPr>
           <p:cNvPr id="6" name="Espaço Reservado para Texto 1">
             <a:extLst>
               <a:ext uri="{FF2B5EF4-FFF2-40B4-BE49-F238E27FC236}">
@@ -11829,7 +8212,7 @@
 </p:sld>
 </file>
 
-<file path=ppt/slides/slide5.xml><?xml version="1.0" encoding="utf-8"?>
+<file path=ppt/slides/slide4.xml><?xml version="1.0" encoding="utf-8"?>
 <p:sld xmlns:a="http://schemas.openxmlformats.org/drawingml/2006/main" xmlns:r="http://schemas.openxmlformats.org/officeDocument/2006/relationships" xmlns:p="http://schemas.openxmlformats.org/presentationml/2006/main">
   <p:cSld>
     <p:spTree>
@@ -13251,7 +9634,7 @@
 </p:sld>
 </file>
 
-<file path=ppt/slides/slide6.xml><?xml version="1.0" encoding="utf-8"?>
+<file path=ppt/slides/slide5.xml><?xml version="1.0" encoding="utf-8"?>
 <p:sld xmlns:a="http://schemas.openxmlformats.org/drawingml/2006/main" xmlns:r="http://schemas.openxmlformats.org/officeDocument/2006/relationships" xmlns:p="http://schemas.openxmlformats.org/presentationml/2006/main">
   <p:cSld>
     <p:spTree>
@@ -13552,7 +9935,7 @@
 </p:sld>
 </file>
 
-<file path=ppt/slides/slide7.xml><?xml version="1.0" encoding="utf-8"?>
+<file path=ppt/slides/slide6.xml><?xml version="1.0" encoding="utf-8"?>
 <p:sld xmlns:a="http://schemas.openxmlformats.org/drawingml/2006/main" xmlns:r="http://schemas.openxmlformats.org/officeDocument/2006/relationships" xmlns:p="http://schemas.openxmlformats.org/presentationml/2006/main">
   <p:cSld>
     <p:spTree>
@@ -13852,7 +10235,7 @@
 </p:sld>
 </file>
 
-<file path=ppt/slides/slide8.xml><?xml version="1.0" encoding="utf-8"?>
+<file path=ppt/slides/slide7.xml><?xml version="1.0" encoding="utf-8"?>
 <p:sld xmlns:a="http://schemas.openxmlformats.org/drawingml/2006/main" xmlns:r="http://schemas.openxmlformats.org/officeDocument/2006/relationships" xmlns:p="http://schemas.openxmlformats.org/presentationml/2006/main">
   <p:cSld>
     <p:spTree>
@@ -15996,7 +12379,7 @@
 </p:sld>
 </file>
 
-<file path=ppt/slides/slide9.xml><?xml version="1.0" encoding="utf-8"?>
+<file path=ppt/slides/slide8.xml><?xml version="1.0" encoding="utf-8"?>
 <p:sld xmlns:a="http://schemas.openxmlformats.org/drawingml/2006/main" xmlns:r="http://schemas.openxmlformats.org/officeDocument/2006/relationships" xmlns:p="http://schemas.openxmlformats.org/presentationml/2006/main">
   <p:cSld>
     <p:spTree>
@@ -16372,6 +12755,673 @@
     <p:extLst>
       <p:ext uri="{BB962C8B-B14F-4D97-AF65-F5344CB8AC3E}">
         <p14:creationId xmlns:p14="http://schemas.microsoft.com/office/powerpoint/2010/main" val="104459859"/>
+      </p:ext>
+    </p:extLst>
+  </p:cSld>
+  <p:clrMapOvr>
+    <a:masterClrMapping/>
+  </p:clrMapOvr>
+  <p:timing>
+    <p:tnLst>
+      <p:par>
+        <p:cTn id="1" dur="indefinite" restart="never" nodeType="tmRoot"/>
+      </p:par>
+    </p:tnLst>
+  </p:timing>
+</p:sld>
+</file>
+
+<file path=ppt/slides/slide9.xml><?xml version="1.0" encoding="utf-8"?>
+<p:sld xmlns:a="http://schemas.openxmlformats.org/drawingml/2006/main" xmlns:r="http://schemas.openxmlformats.org/officeDocument/2006/relationships" xmlns:p="http://schemas.openxmlformats.org/presentationml/2006/main">
+  <p:cSld>
+    <p:spTree>
+      <p:nvGrpSpPr>
+        <p:cNvPr id="1" name=""/>
+        <p:cNvGrpSpPr/>
+        <p:nvPr/>
+      </p:nvGrpSpPr>
+      <p:grpSpPr>
+        <a:xfrm>
+          <a:off x="0" y="0"/>
+          <a:ext cx="0" cy="0"/>
+          <a:chOff x="0" y="0"/>
+          <a:chExt cx="0" cy="0"/>
+        </a:xfrm>
+      </p:grpSpPr>
+      <p:pic>
+        <p:nvPicPr>
+          <p:cNvPr id="4" name="Picture 3">
+            <a:extLst>
+              <a:ext uri="{FF2B5EF4-FFF2-40B4-BE49-F238E27FC236}">
+                <a16:creationId xmlns:a16="http://schemas.microsoft.com/office/drawing/2014/main" id="{C980F007-3192-F741-A2E4-4D24B15C33ED}"/>
+              </a:ext>
+            </a:extLst>
+          </p:cNvPr>
+          <p:cNvPicPr>
+            <a:picLocks noChangeAspect="1"/>
+          </p:cNvPicPr>
+          <p:nvPr/>
+        </p:nvPicPr>
+        <p:blipFill rotWithShape="1">
+          <a:blip r:embed="rId2"/>
+          <a:srcRect l="21925" t="1" r="8753" b="1198"/>
+          <a:stretch/>
+        </p:blipFill>
+        <p:spPr>
+          <a:xfrm>
+            <a:off x="0" y="1"/>
+            <a:ext cx="12192000" cy="6858000"/>
+          </a:xfrm>
+          <a:prstGeom prst="rect">
+            <a:avLst/>
+          </a:prstGeom>
+        </p:spPr>
+      </p:pic>
+      <p:sp>
+        <p:nvSpPr>
+          <p:cNvPr id="5" name="Rectangle 4">
+            <a:extLst>
+              <a:ext uri="{FF2B5EF4-FFF2-40B4-BE49-F238E27FC236}">
+                <a16:creationId xmlns:a16="http://schemas.microsoft.com/office/drawing/2014/main" id="{0F27BB21-27CE-A146-8046-A96E77671693}"/>
+              </a:ext>
+            </a:extLst>
+          </p:cNvPr>
+          <p:cNvSpPr/>
+          <p:nvPr/>
+        </p:nvSpPr>
+        <p:spPr>
+          <a:xfrm>
+            <a:off x="0" y="0"/>
+            <a:ext cx="12192000" cy="6858000"/>
+          </a:xfrm>
+          <a:prstGeom prst="rect">
+            <a:avLst/>
+          </a:prstGeom>
+          <a:solidFill>
+            <a:schemeClr val="dk1">
+              <a:alpha val="70000"/>
+            </a:schemeClr>
+          </a:solidFill>
+          <a:ln>
+            <a:noFill/>
+          </a:ln>
+        </p:spPr>
+        <p:style>
+          <a:lnRef idx="2">
+            <a:schemeClr val="dk1">
+              <a:shade val="50000"/>
+            </a:schemeClr>
+          </a:lnRef>
+          <a:fillRef idx="1">
+            <a:schemeClr val="dk1"/>
+          </a:fillRef>
+          <a:effectRef idx="0">
+            <a:schemeClr val="dk1"/>
+          </a:effectRef>
+          <a:fontRef idx="minor">
+            <a:schemeClr val="lt1"/>
+          </a:fontRef>
+        </p:style>
+        <p:txBody>
+          <a:bodyPr rtlCol="0" anchor="ctr"/>
+          <a:lstStyle/>
+          <a:p>
+            <a:pPr algn="ctr"/>
+            <a:endParaRPr lang="en-US"/>
+          </a:p>
+        </p:txBody>
+      </p:sp>
+      <p:sp>
+        <p:nvSpPr>
+          <p:cNvPr id="6" name="Rectangle 5">
+            <a:extLst>
+              <a:ext uri="{FF2B5EF4-FFF2-40B4-BE49-F238E27FC236}">
+                <a16:creationId xmlns:a16="http://schemas.microsoft.com/office/drawing/2014/main" id="{29919FCF-1943-3548-82C5-0616239AC3BF}"/>
+              </a:ext>
+            </a:extLst>
+          </p:cNvPr>
+          <p:cNvSpPr/>
+          <p:nvPr/>
+        </p:nvSpPr>
+        <p:spPr>
+          <a:xfrm>
+            <a:off x="2973915" y="2292701"/>
+            <a:ext cx="6244163" cy="461665"/>
+          </a:xfrm>
+          <a:prstGeom prst="rect">
+            <a:avLst/>
+          </a:prstGeom>
+          <a:noFill/>
+        </p:spPr>
+        <p:txBody>
+          <a:bodyPr wrap="square" lIns="91440" tIns="45720" rIns="91440" bIns="45720">
+            <a:spAutoFit/>
+          </a:bodyPr>
+          <a:lstStyle/>
+          <a:p>
+            <a:pPr algn="ctr"/>
+            <a:r>
+              <a:rPr lang="en-US" sz="2400" b="1">
+                <a:ln w="0"/>
+                <a:solidFill>
+                  <a:schemeClr val="bg1"/>
+                </a:solidFill>
+                <a:effectLst>
+                  <a:outerShdw blurRad="38100" dist="19050" dir="2700000" algn="tl" rotWithShape="0">
+                    <a:schemeClr val="dk1">
+                      <a:alpha val="40000"/>
+                    </a:schemeClr>
+                  </a:outerShdw>
+                </a:effectLst>
+              </a:rPr>
+              <a:t>ARIEL MAGALHÃES LIRA RA 01182003 </a:t>
+            </a:r>
+            <a:endParaRPr lang="en-US" sz="2400" b="1" cap="none" spc="0">
+              <a:ln w="0"/>
+              <a:solidFill>
+                <a:schemeClr val="bg1"/>
+              </a:solidFill>
+              <a:effectLst>
+                <a:outerShdw blurRad="38100" dist="19050" dir="2700000" algn="tl" rotWithShape="0">
+                  <a:schemeClr val="dk1">
+                    <a:alpha val="40000"/>
+                  </a:schemeClr>
+                </a:outerShdw>
+              </a:effectLst>
+            </a:endParaRPr>
+          </a:p>
+        </p:txBody>
+      </p:sp>
+      <p:sp>
+        <p:nvSpPr>
+          <p:cNvPr id="7" name="Espaço Reservado para Texto 1">
+            <a:extLst>
+              <a:ext uri="{FF2B5EF4-FFF2-40B4-BE49-F238E27FC236}">
+                <a16:creationId xmlns:a16="http://schemas.microsoft.com/office/drawing/2014/main" id="{B7190582-8247-9D4E-89C0-39ABA5E7DF72}"/>
+              </a:ext>
+            </a:extLst>
+          </p:cNvPr>
+          <p:cNvSpPr txBox="1">
+            <a:spLocks/>
+          </p:cNvSpPr>
+          <p:nvPr/>
+        </p:nvSpPr>
+        <p:spPr>
+          <a:xfrm>
+            <a:off x="1130987" y="680978"/>
+            <a:ext cx="9930018" cy="1296144"/>
+          </a:xfrm>
+          <a:prstGeom prst="rect">
+            <a:avLst/>
+          </a:prstGeom>
+        </p:spPr>
+        <p:txBody>
+          <a:bodyPr/>
+          <a:lstStyle>
+            <a:lvl1pPr marL="391146" indent="-391146" algn="l" defTabSz="1043056" rtl="0" eaLnBrk="1" latinLnBrk="0" hangingPunct="1">
+              <a:spcBef>
+                <a:spcPct val="20000"/>
+              </a:spcBef>
+              <a:buFont typeface="Arial" pitchFamily="34" charset="0"/>
+              <a:buChar char="•"/>
+              <a:defRPr sz="3700" kern="1200">
+                <a:solidFill>
+                  <a:schemeClr val="tx1"/>
+                </a:solidFill>
+                <a:latin typeface="+mn-lt"/>
+                <a:ea typeface="+mn-ea"/>
+                <a:cs typeface="+mn-cs"/>
+              </a:defRPr>
+            </a:lvl1pPr>
+            <a:lvl2pPr marL="847483" indent="-325955" algn="l" defTabSz="1043056" rtl="0" eaLnBrk="1" latinLnBrk="0" hangingPunct="1">
+              <a:spcBef>
+                <a:spcPct val="20000"/>
+              </a:spcBef>
+              <a:buFont typeface="Arial" pitchFamily="34" charset="0"/>
+              <a:buChar char="–"/>
+              <a:defRPr sz="3200" kern="1200">
+                <a:solidFill>
+                  <a:schemeClr val="tx1"/>
+                </a:solidFill>
+                <a:latin typeface="+mn-lt"/>
+                <a:ea typeface="+mn-ea"/>
+                <a:cs typeface="+mn-cs"/>
+              </a:defRPr>
+            </a:lvl2pPr>
+            <a:lvl3pPr marL="1303820" indent="-260764" algn="l" defTabSz="1043056" rtl="0" eaLnBrk="1" latinLnBrk="0" hangingPunct="1">
+              <a:spcBef>
+                <a:spcPct val="20000"/>
+              </a:spcBef>
+              <a:buFont typeface="Arial" pitchFamily="34" charset="0"/>
+              <a:buChar char="•"/>
+              <a:defRPr sz="2700" kern="1200">
+                <a:solidFill>
+                  <a:schemeClr val="tx1"/>
+                </a:solidFill>
+                <a:latin typeface="+mn-lt"/>
+                <a:ea typeface="+mn-ea"/>
+                <a:cs typeface="+mn-cs"/>
+              </a:defRPr>
+            </a:lvl3pPr>
+            <a:lvl4pPr marL="1825348" indent="-260764" algn="l" defTabSz="1043056" rtl="0" eaLnBrk="1" latinLnBrk="0" hangingPunct="1">
+              <a:spcBef>
+                <a:spcPct val="20000"/>
+              </a:spcBef>
+              <a:buFont typeface="Arial" pitchFamily="34" charset="0"/>
+              <a:buChar char="–"/>
+              <a:defRPr sz="2300" kern="1200">
+                <a:solidFill>
+                  <a:schemeClr val="tx1"/>
+                </a:solidFill>
+                <a:latin typeface="+mn-lt"/>
+                <a:ea typeface="+mn-ea"/>
+                <a:cs typeface="+mn-cs"/>
+              </a:defRPr>
+            </a:lvl4pPr>
+            <a:lvl5pPr marL="2346876" indent="-260764" algn="l" defTabSz="1043056" rtl="0" eaLnBrk="1" latinLnBrk="0" hangingPunct="1">
+              <a:spcBef>
+                <a:spcPct val="20000"/>
+              </a:spcBef>
+              <a:buFont typeface="Arial" pitchFamily="34" charset="0"/>
+              <a:buChar char="»"/>
+              <a:defRPr sz="2300" kern="1200">
+                <a:solidFill>
+                  <a:schemeClr val="tx1"/>
+                </a:solidFill>
+                <a:latin typeface="+mn-lt"/>
+                <a:ea typeface="+mn-ea"/>
+                <a:cs typeface="+mn-cs"/>
+              </a:defRPr>
+            </a:lvl5pPr>
+            <a:lvl6pPr marL="2868404" indent="-260764" algn="l" defTabSz="1043056" rtl="0" eaLnBrk="1" latinLnBrk="0" hangingPunct="1">
+              <a:spcBef>
+                <a:spcPct val="20000"/>
+              </a:spcBef>
+              <a:buFont typeface="Arial" pitchFamily="34" charset="0"/>
+              <a:buChar char="•"/>
+              <a:defRPr sz="2300" kern="1200">
+                <a:solidFill>
+                  <a:schemeClr val="tx1"/>
+                </a:solidFill>
+                <a:latin typeface="+mn-lt"/>
+                <a:ea typeface="+mn-ea"/>
+                <a:cs typeface="+mn-cs"/>
+              </a:defRPr>
+            </a:lvl6pPr>
+            <a:lvl7pPr marL="3389932" indent="-260764" algn="l" defTabSz="1043056" rtl="0" eaLnBrk="1" latinLnBrk="0" hangingPunct="1">
+              <a:spcBef>
+                <a:spcPct val="20000"/>
+              </a:spcBef>
+              <a:buFont typeface="Arial" pitchFamily="34" charset="0"/>
+              <a:buChar char="•"/>
+              <a:defRPr sz="2300" kern="1200">
+                <a:solidFill>
+                  <a:schemeClr val="tx1"/>
+                </a:solidFill>
+                <a:latin typeface="+mn-lt"/>
+                <a:ea typeface="+mn-ea"/>
+                <a:cs typeface="+mn-cs"/>
+              </a:defRPr>
+            </a:lvl7pPr>
+            <a:lvl8pPr marL="3911460" indent="-260764" algn="l" defTabSz="1043056" rtl="0" eaLnBrk="1" latinLnBrk="0" hangingPunct="1">
+              <a:spcBef>
+                <a:spcPct val="20000"/>
+              </a:spcBef>
+              <a:buFont typeface="Arial" pitchFamily="34" charset="0"/>
+              <a:buChar char="•"/>
+              <a:defRPr sz="2300" kern="1200">
+                <a:solidFill>
+                  <a:schemeClr val="tx1"/>
+                </a:solidFill>
+                <a:latin typeface="+mn-lt"/>
+                <a:ea typeface="+mn-ea"/>
+                <a:cs typeface="+mn-cs"/>
+              </a:defRPr>
+            </a:lvl8pPr>
+            <a:lvl9pPr marL="4432988" indent="-260764" algn="l" defTabSz="1043056" rtl="0" eaLnBrk="1" latinLnBrk="0" hangingPunct="1">
+              <a:spcBef>
+                <a:spcPct val="20000"/>
+              </a:spcBef>
+              <a:buFont typeface="Arial" pitchFamily="34" charset="0"/>
+              <a:buChar char="•"/>
+              <a:defRPr sz="2300" kern="1200">
+                <a:solidFill>
+                  <a:schemeClr val="tx1"/>
+                </a:solidFill>
+                <a:latin typeface="+mn-lt"/>
+                <a:ea typeface="+mn-ea"/>
+                <a:cs typeface="+mn-cs"/>
+              </a:defRPr>
+            </a:lvl9pPr>
+          </a:lstStyle>
+          <a:p>
+            <a:pPr marL="0" indent="0" algn="ctr">
+              <a:lnSpc>
+                <a:spcPct val="150000"/>
+              </a:lnSpc>
+              <a:buNone/>
+            </a:pPr>
+            <a:r>
+              <a:rPr lang="pt-BR" sz="5400" b="1">
+                <a:solidFill>
+                  <a:srgbClr val="32B9CD"/>
+                </a:solidFill>
+              </a:rPr>
+              <a:t>CARBONTOWER</a:t>
+            </a:r>
+          </a:p>
+        </p:txBody>
+      </p:sp>
+      <p:pic>
+        <p:nvPicPr>
+          <p:cNvPr id="8" name="Picture 7">
+            <a:extLst>
+              <a:ext uri="{FF2B5EF4-FFF2-40B4-BE49-F238E27FC236}">
+                <a16:creationId xmlns:a16="http://schemas.microsoft.com/office/drawing/2014/main" id="{42276C8C-8F07-B343-A77A-0C5E3CD17BB7}"/>
+              </a:ext>
+            </a:extLst>
+          </p:cNvPr>
+          <p:cNvPicPr>
+            <a:picLocks noChangeAspect="1"/>
+          </p:cNvPicPr>
+          <p:nvPr/>
+        </p:nvPicPr>
+        <p:blipFill>
+          <a:blip r:embed="rId3"/>
+          <a:stretch>
+            <a:fillRect/>
+          </a:stretch>
+        </p:blipFill>
+        <p:spPr>
+          <a:xfrm>
+            <a:off x="10479031" y="6239799"/>
+            <a:ext cx="1660199" cy="618201"/>
+          </a:xfrm>
+          <a:prstGeom prst="rect">
+            <a:avLst/>
+          </a:prstGeom>
+        </p:spPr>
+      </p:pic>
+      <p:sp>
+        <p:nvSpPr>
+          <p:cNvPr id="9" name="TextBox 8">
+            <a:extLst>
+              <a:ext uri="{FF2B5EF4-FFF2-40B4-BE49-F238E27FC236}">
+                <a16:creationId xmlns:a16="http://schemas.microsoft.com/office/drawing/2014/main" id="{04255526-24C6-3E45-9B53-F59FF6DD05BD}"/>
+              </a:ext>
+            </a:extLst>
+          </p:cNvPr>
+          <p:cNvSpPr txBox="1"/>
+          <p:nvPr/>
+        </p:nvSpPr>
+        <p:spPr>
+          <a:xfrm>
+            <a:off x="12344400" y="617220"/>
+            <a:ext cx="184731" cy="369332"/>
+          </a:xfrm>
+          <a:prstGeom prst="rect">
+            <a:avLst/>
+          </a:prstGeom>
+          <a:noFill/>
+        </p:spPr>
+        <p:txBody>
+          <a:bodyPr wrap="none" rtlCol="0">
+            <a:spAutoFit/>
+          </a:bodyPr>
+          <a:lstStyle/>
+          <a:p>
+            <a:endParaRPr lang="en-US"/>
+          </a:p>
+        </p:txBody>
+      </p:sp>
+      <p:sp>
+        <p:nvSpPr>
+          <p:cNvPr id="10" name="Rectangle 9">
+            <a:extLst>
+              <a:ext uri="{FF2B5EF4-FFF2-40B4-BE49-F238E27FC236}">
+                <a16:creationId xmlns:a16="http://schemas.microsoft.com/office/drawing/2014/main" id="{2EBB8E2F-237A-234C-9FAD-94C628D8661D}"/>
+              </a:ext>
+            </a:extLst>
+          </p:cNvPr>
+          <p:cNvSpPr/>
+          <p:nvPr/>
+        </p:nvSpPr>
+        <p:spPr>
+          <a:xfrm>
+            <a:off x="2973914" y="2864533"/>
+            <a:ext cx="6244164" cy="461665"/>
+          </a:xfrm>
+          <a:prstGeom prst="rect">
+            <a:avLst/>
+          </a:prstGeom>
+          <a:noFill/>
+        </p:spPr>
+        <p:txBody>
+          <a:bodyPr wrap="square" lIns="91440" tIns="45720" rIns="91440" bIns="45720">
+            <a:spAutoFit/>
+          </a:bodyPr>
+          <a:lstStyle/>
+          <a:p>
+            <a:pPr algn="ctr"/>
+            <a:r>
+              <a:rPr lang="en-US" sz="2400" b="1">
+                <a:ln w="0"/>
+                <a:solidFill>
+                  <a:schemeClr val="bg1"/>
+                </a:solidFill>
+                <a:effectLst>
+                  <a:outerShdw blurRad="38100" dist="19050" dir="2700000" algn="tl" rotWithShape="0">
+                    <a:schemeClr val="dk1">
+                      <a:alpha val="40000"/>
+                    </a:schemeClr>
+                  </a:outerShdw>
+                </a:effectLst>
+              </a:rPr>
+              <a:t>GUSTAVO HERRERO CANO RA 01182100</a:t>
+            </a:r>
+            <a:endParaRPr lang="en-US" sz="2400" b="1" cap="none" spc="0">
+              <a:ln w="0"/>
+              <a:solidFill>
+                <a:schemeClr val="bg1"/>
+              </a:solidFill>
+              <a:effectLst>
+                <a:outerShdw blurRad="38100" dist="19050" dir="2700000" algn="tl" rotWithShape="0">
+                  <a:schemeClr val="dk1">
+                    <a:alpha val="40000"/>
+                  </a:schemeClr>
+                </a:outerShdw>
+              </a:effectLst>
+            </a:endParaRPr>
+          </a:p>
+        </p:txBody>
+      </p:sp>
+      <p:sp>
+        <p:nvSpPr>
+          <p:cNvPr id="11" name="Rectangle 10">
+            <a:extLst>
+              <a:ext uri="{FF2B5EF4-FFF2-40B4-BE49-F238E27FC236}">
+                <a16:creationId xmlns:a16="http://schemas.microsoft.com/office/drawing/2014/main" id="{6D34BF40-5B53-3C46-B2C7-4DD8380985DE}"/>
+              </a:ext>
+            </a:extLst>
+          </p:cNvPr>
+          <p:cNvSpPr/>
+          <p:nvPr/>
+        </p:nvSpPr>
+        <p:spPr>
+          <a:xfrm>
+            <a:off x="2900537" y="3385525"/>
+            <a:ext cx="6390920" cy="461665"/>
+          </a:xfrm>
+          <a:prstGeom prst="rect">
+            <a:avLst/>
+          </a:prstGeom>
+          <a:noFill/>
+        </p:spPr>
+        <p:txBody>
+          <a:bodyPr wrap="square" lIns="91440" tIns="45720" rIns="91440" bIns="45720">
+            <a:spAutoFit/>
+          </a:bodyPr>
+          <a:lstStyle/>
+          <a:p>
+            <a:pPr algn="ctr"/>
+            <a:r>
+              <a:rPr lang="en-US" sz="2400" b="1">
+                <a:ln w="0"/>
+                <a:solidFill>
+                  <a:schemeClr val="bg1"/>
+                </a:solidFill>
+                <a:effectLst>
+                  <a:outerShdw blurRad="38100" dist="19050" dir="2700000" algn="tl" rotWithShape="0">
+                    <a:schemeClr val="dk1">
+                      <a:alpha val="40000"/>
+                    </a:schemeClr>
+                  </a:outerShdw>
+                </a:effectLst>
+              </a:rPr>
+              <a:t>IGOR INÁCIO MARTINS RA 01182022</a:t>
+            </a:r>
+            <a:endParaRPr lang="en-US" sz="2400" b="1" cap="none" spc="0">
+              <a:ln w="0"/>
+              <a:solidFill>
+                <a:schemeClr val="bg1"/>
+              </a:solidFill>
+              <a:effectLst>
+                <a:outerShdw blurRad="38100" dist="19050" dir="2700000" algn="tl" rotWithShape="0">
+                  <a:schemeClr val="dk1">
+                    <a:alpha val="40000"/>
+                  </a:schemeClr>
+                </a:outerShdw>
+              </a:effectLst>
+            </a:endParaRPr>
+          </a:p>
+        </p:txBody>
+      </p:sp>
+      <p:sp>
+        <p:nvSpPr>
+          <p:cNvPr id="12" name="Rectangle 11">
+            <a:extLst>
+              <a:ext uri="{FF2B5EF4-FFF2-40B4-BE49-F238E27FC236}">
+                <a16:creationId xmlns:a16="http://schemas.microsoft.com/office/drawing/2014/main" id="{3F0BFD2E-4936-6E49-828C-BD30E0E0CCF1}"/>
+              </a:ext>
+            </a:extLst>
+          </p:cNvPr>
+          <p:cNvSpPr/>
+          <p:nvPr/>
+        </p:nvSpPr>
+        <p:spPr>
+          <a:xfrm>
+            <a:off x="3098092" y="3953509"/>
+            <a:ext cx="5995810" cy="461665"/>
+          </a:xfrm>
+          <a:prstGeom prst="rect">
+            <a:avLst/>
+          </a:prstGeom>
+          <a:noFill/>
+        </p:spPr>
+        <p:txBody>
+          <a:bodyPr wrap="square" lIns="91440" tIns="45720" rIns="91440" bIns="45720">
+            <a:spAutoFit/>
+          </a:bodyPr>
+          <a:lstStyle/>
+          <a:p>
+            <a:pPr algn="ctr"/>
+            <a:r>
+              <a:rPr lang="en-US" sz="2400" b="1">
+                <a:ln w="0"/>
+                <a:solidFill>
+                  <a:schemeClr val="bg1"/>
+                </a:solidFill>
+                <a:effectLst>
+                  <a:outerShdw blurRad="38100" dist="19050" dir="2700000" algn="tl" rotWithShape="0">
+                    <a:schemeClr val="dk1">
+                      <a:alpha val="40000"/>
+                    </a:schemeClr>
+                  </a:outerShdw>
+                </a:effectLst>
+              </a:rPr>
+              <a:t>LUCAS YUDI GANEKO RA 01182044</a:t>
+            </a:r>
+            <a:endParaRPr lang="en-US" sz="2400" b="1" cap="none" spc="0">
+              <a:ln w="0"/>
+              <a:solidFill>
+                <a:schemeClr val="bg1"/>
+              </a:solidFill>
+              <a:effectLst>
+                <a:outerShdw blurRad="38100" dist="19050" dir="2700000" algn="tl" rotWithShape="0">
+                  <a:schemeClr val="dk1">
+                    <a:alpha val="40000"/>
+                  </a:schemeClr>
+                </a:outerShdw>
+              </a:effectLst>
+            </a:endParaRPr>
+          </a:p>
+        </p:txBody>
+      </p:sp>
+      <p:sp>
+        <p:nvSpPr>
+          <p:cNvPr id="14" name="Rectangle 13">
+            <a:extLst>
+              <a:ext uri="{FF2B5EF4-FFF2-40B4-BE49-F238E27FC236}">
+                <a16:creationId xmlns:a16="http://schemas.microsoft.com/office/drawing/2014/main" id="{F6FB5D85-4EF4-5B4E-ACB9-16BCB64BE0B2}"/>
+              </a:ext>
+            </a:extLst>
+          </p:cNvPr>
+          <p:cNvSpPr/>
+          <p:nvPr/>
+        </p:nvSpPr>
+        <p:spPr>
+          <a:xfrm>
+            <a:off x="2686047" y="4521493"/>
+            <a:ext cx="6819899" cy="461665"/>
+          </a:xfrm>
+          <a:prstGeom prst="rect">
+            <a:avLst/>
+          </a:prstGeom>
+          <a:noFill/>
+        </p:spPr>
+        <p:txBody>
+          <a:bodyPr wrap="square" lIns="91440" tIns="45720" rIns="91440" bIns="45720">
+            <a:spAutoFit/>
+          </a:bodyPr>
+          <a:lstStyle/>
+          <a:p>
+            <a:pPr algn="ctr"/>
+            <a:r>
+              <a:rPr lang="en-US" sz="2400" b="1">
+                <a:ln w="0"/>
+                <a:solidFill>
+                  <a:schemeClr val="bg1"/>
+                </a:solidFill>
+                <a:effectLst>
+                  <a:outerShdw blurRad="38100" dist="19050" dir="2700000" algn="tl" rotWithShape="0">
+                    <a:schemeClr val="dk1">
+                      <a:alpha val="40000"/>
+                    </a:schemeClr>
+                  </a:outerShdw>
+                </a:effectLst>
+              </a:rPr>
+              <a:t>VINICIUS LUCENA VIANA RA 01182077</a:t>
+            </a:r>
+            <a:endParaRPr lang="en-US" sz="2400" b="1" cap="none" spc="0">
+              <a:ln w="0"/>
+              <a:solidFill>
+                <a:schemeClr val="bg1"/>
+              </a:solidFill>
+              <a:effectLst>
+                <a:outerShdw blurRad="38100" dist="19050" dir="2700000" algn="tl" rotWithShape="0">
+                  <a:schemeClr val="dk1">
+                    <a:alpha val="40000"/>
+                  </a:schemeClr>
+                </a:outerShdw>
+              </a:effectLst>
+            </a:endParaRPr>
+          </a:p>
+        </p:txBody>
+      </p:sp>
+    </p:spTree>
+    <p:extLst>
+      <p:ext uri="{BB962C8B-B14F-4D97-AF65-F5344CB8AC3E}">
+        <p14:creationId xmlns:p14="http://schemas.microsoft.com/office/powerpoint/2010/main" val="292984706"/>
       </p:ext>
     </p:extLst>
   </p:cSld>
@@ -16684,6 +13734,15 @@
 </file>
 
 <file path=customXml/item1.xml><?xml version="1.0" encoding="utf-8"?>
+<?mso-contentType ?>
+<FormTemplates xmlns="http://schemas.microsoft.com/sharepoint/v3/contenttype/forms">
+  <Display>DocumentLibraryForm</Display>
+  <Edit>DocumentLibraryForm</Edit>
+  <New>DocumentLibraryForm</New>
+</FormTemplates>
+</file>
+
+<file path=customXml/item2.xml><?xml version="1.0" encoding="utf-8"?>
 <ct:contentTypeSchema xmlns:ct="http://schemas.microsoft.com/office/2006/metadata/contentType" xmlns:ma="http://schemas.microsoft.com/office/2006/metadata/properties/metaAttributes" ct:_="" ma:_="" ma:contentTypeName="Documento" ma:contentTypeID="0x01010049EF22FAA227184C9F17DB94FF991B99" ma:contentTypeVersion="4" ma:contentTypeDescription="Crie um novo documento." ma:contentTypeScope="" ma:versionID="442411e1f160c779f1992de5e0fb256a">
   <xsd:schema xmlns:xsd="http://www.w3.org/2001/XMLSchema" xmlns:xs="http://www.w3.org/2001/XMLSchema" xmlns:p="http://schemas.microsoft.com/office/2006/metadata/properties" xmlns:ns2="020b5f2f-eb9b-4b5b-ac28-78b24d18aac0" targetNamespace="http://schemas.microsoft.com/office/2006/metadata/properties" ma:root="true" ma:fieldsID="77a5a8c295f322286c01b5981d5f1d8b" ns2:_="">
     <xsd:import namespace="020b5f2f-eb9b-4b5b-ac28-78b24d18aac0"/>
@@ -16829,15 +13888,6 @@
 </ct:contentTypeSchema>
 </file>
 
-<file path=customXml/item2.xml><?xml version="1.0" encoding="utf-8"?>
-<?mso-contentType ?>
-<FormTemplates xmlns="http://schemas.microsoft.com/sharepoint/v3/contenttype/forms">
-  <Display>DocumentLibraryForm</Display>
-  <Edit>DocumentLibraryForm</Edit>
-  <New>DocumentLibraryForm</New>
-</FormTemplates>
-</file>
-
 <file path=customXml/item3.xml><?xml version="1.0" encoding="utf-8"?>
 <p:properties xmlns:p="http://schemas.microsoft.com/office/2006/metadata/properties" xmlns:xsi="http://www.w3.org/2001/XMLSchema-instance" xmlns:pc="http://schemas.microsoft.com/office/infopath/2007/PartnerControls">
   <documentManagement/>
@@ -16845,6 +13895,14 @@
 </file>
 
 <file path=customXml/itemProps1.xml><?xml version="1.0" encoding="utf-8"?>
+<ds:datastoreItem xmlns:ds="http://schemas.openxmlformats.org/officeDocument/2006/customXml" ds:itemID="{370E4D61-1BE4-4B15-A784-AD2954D7A6D9}">
+  <ds:schemaRefs>
+    <ds:schemaRef ds:uri="http://schemas.microsoft.com/sharepoint/v3/contenttype/forms"/>
+  </ds:schemaRefs>
+</ds:datastoreItem>
+</file>
+
+<file path=customXml/itemProps2.xml><?xml version="1.0" encoding="utf-8"?>
 <ds:datastoreItem xmlns:ds="http://schemas.openxmlformats.org/officeDocument/2006/customXml" ds:itemID="{29EA2E90-B8E6-4B7F-88C3-E8C22CC710BC}">
   <ds:schemaRefs>
     <ds:schemaRef ds:uri="http://schemas.microsoft.com/office/2006/metadata/contentType"/>
@@ -16862,14 +13920,6 @@
 </ds:datastoreItem>
 </file>
 
-<file path=customXml/itemProps2.xml><?xml version="1.0" encoding="utf-8"?>
-<ds:datastoreItem xmlns:ds="http://schemas.openxmlformats.org/officeDocument/2006/customXml" ds:itemID="{370E4D61-1BE4-4B15-A784-AD2954D7A6D9}">
-  <ds:schemaRefs>
-    <ds:schemaRef ds:uri="http://schemas.microsoft.com/sharepoint/v3/contenttype/forms"/>
-  </ds:schemaRefs>
-</ds:datastoreItem>
-</file>
-
 <file path=customXml/itemProps3.xml><?xml version="1.0" encoding="utf-8"?>
 <ds:datastoreItem xmlns:ds="http://schemas.openxmlformats.org/officeDocument/2006/customXml" ds:itemID="{55798A40-9FAD-445E-91C1-7CEFB25D743E}">
   <ds:schemaRefs>

--- a/Powerpoint/CARBONTOWER-v2.0.pptx
+++ b/Powerpoint/CARBONTOWER-v2.0.pptx
@@ -7,13 +7,14 @@
   <p:sldIdLst>
     <p:sldId id="256" r:id="rId5"/>
     <p:sldId id="264" r:id="rId6"/>
-    <p:sldId id="257" r:id="rId7"/>
-    <p:sldId id="263" r:id="rId8"/>
-    <p:sldId id="258" r:id="rId9"/>
-    <p:sldId id="259" r:id="rId10"/>
-    <p:sldId id="260" r:id="rId11"/>
-    <p:sldId id="261" r:id="rId12"/>
-    <p:sldId id="262" r:id="rId13"/>
+    <p:sldId id="265" r:id="rId7"/>
+    <p:sldId id="257" r:id="rId8"/>
+    <p:sldId id="263" r:id="rId9"/>
+    <p:sldId id="258" r:id="rId10"/>
+    <p:sldId id="259" r:id="rId11"/>
+    <p:sldId id="260" r:id="rId12"/>
+    <p:sldId id="261" r:id="rId13"/>
+    <p:sldId id="262" r:id="rId14"/>
   </p:sldIdLst>
   <p:sldSz cx="12192000" cy="6858000"/>
   <p:notesSz cx="6858000" cy="9144000"/>
@@ -3651,6 +3652,673 @@
     <p:extLst>
       <p:ext uri="{BB962C8B-B14F-4D97-AF65-F5344CB8AC3E}">
         <p14:creationId xmlns:p14="http://schemas.microsoft.com/office/powerpoint/2010/main" val="2065328061"/>
+      </p:ext>
+    </p:extLst>
+  </p:cSld>
+  <p:clrMapOvr>
+    <a:masterClrMapping/>
+  </p:clrMapOvr>
+  <p:timing>
+    <p:tnLst>
+      <p:par>
+        <p:cTn id="1" dur="indefinite" restart="never" nodeType="tmRoot"/>
+      </p:par>
+    </p:tnLst>
+  </p:timing>
+</p:sld>
+</file>
+
+<file path=ppt/slides/slide10.xml><?xml version="1.0" encoding="utf-8"?>
+<p:sld xmlns:a="http://schemas.openxmlformats.org/drawingml/2006/main" xmlns:r="http://schemas.openxmlformats.org/officeDocument/2006/relationships" xmlns:p="http://schemas.openxmlformats.org/presentationml/2006/main">
+  <p:cSld>
+    <p:spTree>
+      <p:nvGrpSpPr>
+        <p:cNvPr id="1" name=""/>
+        <p:cNvGrpSpPr/>
+        <p:nvPr/>
+      </p:nvGrpSpPr>
+      <p:grpSpPr>
+        <a:xfrm>
+          <a:off x="0" y="0"/>
+          <a:ext cx="0" cy="0"/>
+          <a:chOff x="0" y="0"/>
+          <a:chExt cx="0" cy="0"/>
+        </a:xfrm>
+      </p:grpSpPr>
+      <p:pic>
+        <p:nvPicPr>
+          <p:cNvPr id="4" name="Picture 3">
+            <a:extLst>
+              <a:ext uri="{FF2B5EF4-FFF2-40B4-BE49-F238E27FC236}">
+                <a16:creationId xmlns:a16="http://schemas.microsoft.com/office/drawing/2014/main" id="{C980F007-3192-F741-A2E4-4D24B15C33ED}"/>
+              </a:ext>
+            </a:extLst>
+          </p:cNvPr>
+          <p:cNvPicPr>
+            <a:picLocks noChangeAspect="1"/>
+          </p:cNvPicPr>
+          <p:nvPr/>
+        </p:nvPicPr>
+        <p:blipFill rotWithShape="1">
+          <a:blip r:embed="rId2"/>
+          <a:srcRect l="21925" t="1" r="8753" b="1198"/>
+          <a:stretch/>
+        </p:blipFill>
+        <p:spPr>
+          <a:xfrm>
+            <a:off x="0" y="1"/>
+            <a:ext cx="12192000" cy="6858000"/>
+          </a:xfrm>
+          <a:prstGeom prst="rect">
+            <a:avLst/>
+          </a:prstGeom>
+        </p:spPr>
+      </p:pic>
+      <p:sp>
+        <p:nvSpPr>
+          <p:cNvPr id="5" name="Rectangle 4">
+            <a:extLst>
+              <a:ext uri="{FF2B5EF4-FFF2-40B4-BE49-F238E27FC236}">
+                <a16:creationId xmlns:a16="http://schemas.microsoft.com/office/drawing/2014/main" id="{0F27BB21-27CE-A146-8046-A96E77671693}"/>
+              </a:ext>
+            </a:extLst>
+          </p:cNvPr>
+          <p:cNvSpPr/>
+          <p:nvPr/>
+        </p:nvSpPr>
+        <p:spPr>
+          <a:xfrm>
+            <a:off x="0" y="0"/>
+            <a:ext cx="12192000" cy="6858000"/>
+          </a:xfrm>
+          <a:prstGeom prst="rect">
+            <a:avLst/>
+          </a:prstGeom>
+          <a:solidFill>
+            <a:schemeClr val="dk1">
+              <a:alpha val="70000"/>
+            </a:schemeClr>
+          </a:solidFill>
+          <a:ln>
+            <a:noFill/>
+          </a:ln>
+        </p:spPr>
+        <p:style>
+          <a:lnRef idx="2">
+            <a:schemeClr val="dk1">
+              <a:shade val="50000"/>
+            </a:schemeClr>
+          </a:lnRef>
+          <a:fillRef idx="1">
+            <a:schemeClr val="dk1"/>
+          </a:fillRef>
+          <a:effectRef idx="0">
+            <a:schemeClr val="dk1"/>
+          </a:effectRef>
+          <a:fontRef idx="minor">
+            <a:schemeClr val="lt1"/>
+          </a:fontRef>
+        </p:style>
+        <p:txBody>
+          <a:bodyPr rtlCol="0" anchor="ctr"/>
+          <a:lstStyle/>
+          <a:p>
+            <a:pPr algn="ctr"/>
+            <a:endParaRPr lang="en-US"/>
+          </a:p>
+        </p:txBody>
+      </p:sp>
+      <p:sp>
+        <p:nvSpPr>
+          <p:cNvPr id="6" name="Rectangle 5">
+            <a:extLst>
+              <a:ext uri="{FF2B5EF4-FFF2-40B4-BE49-F238E27FC236}">
+                <a16:creationId xmlns:a16="http://schemas.microsoft.com/office/drawing/2014/main" id="{29919FCF-1943-3548-82C5-0616239AC3BF}"/>
+              </a:ext>
+            </a:extLst>
+          </p:cNvPr>
+          <p:cNvSpPr/>
+          <p:nvPr/>
+        </p:nvSpPr>
+        <p:spPr>
+          <a:xfrm>
+            <a:off x="2973915" y="2292701"/>
+            <a:ext cx="6244163" cy="461665"/>
+          </a:xfrm>
+          <a:prstGeom prst="rect">
+            <a:avLst/>
+          </a:prstGeom>
+          <a:noFill/>
+        </p:spPr>
+        <p:txBody>
+          <a:bodyPr wrap="square" lIns="91440" tIns="45720" rIns="91440" bIns="45720">
+            <a:spAutoFit/>
+          </a:bodyPr>
+          <a:lstStyle/>
+          <a:p>
+            <a:pPr algn="ctr"/>
+            <a:r>
+              <a:rPr lang="en-US" sz="2400" b="1">
+                <a:ln w="0"/>
+                <a:solidFill>
+                  <a:schemeClr val="bg1"/>
+                </a:solidFill>
+                <a:effectLst>
+                  <a:outerShdw blurRad="38100" dist="19050" dir="2700000" algn="tl" rotWithShape="0">
+                    <a:schemeClr val="dk1">
+                      <a:alpha val="40000"/>
+                    </a:schemeClr>
+                  </a:outerShdw>
+                </a:effectLst>
+              </a:rPr>
+              <a:t>ARIEL MAGALHÃES LIRA RA 01182003 </a:t>
+            </a:r>
+            <a:endParaRPr lang="en-US" sz="2400" b="1" cap="none" spc="0">
+              <a:ln w="0"/>
+              <a:solidFill>
+                <a:schemeClr val="bg1"/>
+              </a:solidFill>
+              <a:effectLst>
+                <a:outerShdw blurRad="38100" dist="19050" dir="2700000" algn="tl" rotWithShape="0">
+                  <a:schemeClr val="dk1">
+                    <a:alpha val="40000"/>
+                  </a:schemeClr>
+                </a:outerShdw>
+              </a:effectLst>
+            </a:endParaRPr>
+          </a:p>
+        </p:txBody>
+      </p:sp>
+      <p:sp>
+        <p:nvSpPr>
+          <p:cNvPr id="7" name="Espaço Reservado para Texto 1">
+            <a:extLst>
+              <a:ext uri="{FF2B5EF4-FFF2-40B4-BE49-F238E27FC236}">
+                <a16:creationId xmlns:a16="http://schemas.microsoft.com/office/drawing/2014/main" id="{B7190582-8247-9D4E-89C0-39ABA5E7DF72}"/>
+              </a:ext>
+            </a:extLst>
+          </p:cNvPr>
+          <p:cNvSpPr txBox="1">
+            <a:spLocks/>
+          </p:cNvSpPr>
+          <p:nvPr/>
+        </p:nvSpPr>
+        <p:spPr>
+          <a:xfrm>
+            <a:off x="1130987" y="680978"/>
+            <a:ext cx="9930018" cy="1296144"/>
+          </a:xfrm>
+          <a:prstGeom prst="rect">
+            <a:avLst/>
+          </a:prstGeom>
+        </p:spPr>
+        <p:txBody>
+          <a:bodyPr/>
+          <a:lstStyle>
+            <a:lvl1pPr marL="391146" indent="-391146" algn="l" defTabSz="1043056" rtl="0" eaLnBrk="1" latinLnBrk="0" hangingPunct="1">
+              <a:spcBef>
+                <a:spcPct val="20000"/>
+              </a:spcBef>
+              <a:buFont typeface="Arial" pitchFamily="34" charset="0"/>
+              <a:buChar char="•"/>
+              <a:defRPr sz="3700" kern="1200">
+                <a:solidFill>
+                  <a:schemeClr val="tx1"/>
+                </a:solidFill>
+                <a:latin typeface="+mn-lt"/>
+                <a:ea typeface="+mn-ea"/>
+                <a:cs typeface="+mn-cs"/>
+              </a:defRPr>
+            </a:lvl1pPr>
+            <a:lvl2pPr marL="847483" indent="-325955" algn="l" defTabSz="1043056" rtl="0" eaLnBrk="1" latinLnBrk="0" hangingPunct="1">
+              <a:spcBef>
+                <a:spcPct val="20000"/>
+              </a:spcBef>
+              <a:buFont typeface="Arial" pitchFamily="34" charset="0"/>
+              <a:buChar char="–"/>
+              <a:defRPr sz="3200" kern="1200">
+                <a:solidFill>
+                  <a:schemeClr val="tx1"/>
+                </a:solidFill>
+                <a:latin typeface="+mn-lt"/>
+                <a:ea typeface="+mn-ea"/>
+                <a:cs typeface="+mn-cs"/>
+              </a:defRPr>
+            </a:lvl2pPr>
+            <a:lvl3pPr marL="1303820" indent="-260764" algn="l" defTabSz="1043056" rtl="0" eaLnBrk="1" latinLnBrk="0" hangingPunct="1">
+              <a:spcBef>
+                <a:spcPct val="20000"/>
+              </a:spcBef>
+              <a:buFont typeface="Arial" pitchFamily="34" charset="0"/>
+              <a:buChar char="•"/>
+              <a:defRPr sz="2700" kern="1200">
+                <a:solidFill>
+                  <a:schemeClr val="tx1"/>
+                </a:solidFill>
+                <a:latin typeface="+mn-lt"/>
+                <a:ea typeface="+mn-ea"/>
+                <a:cs typeface="+mn-cs"/>
+              </a:defRPr>
+            </a:lvl3pPr>
+            <a:lvl4pPr marL="1825348" indent="-260764" algn="l" defTabSz="1043056" rtl="0" eaLnBrk="1" latinLnBrk="0" hangingPunct="1">
+              <a:spcBef>
+                <a:spcPct val="20000"/>
+              </a:spcBef>
+              <a:buFont typeface="Arial" pitchFamily="34" charset="0"/>
+              <a:buChar char="–"/>
+              <a:defRPr sz="2300" kern="1200">
+                <a:solidFill>
+                  <a:schemeClr val="tx1"/>
+                </a:solidFill>
+                <a:latin typeface="+mn-lt"/>
+                <a:ea typeface="+mn-ea"/>
+                <a:cs typeface="+mn-cs"/>
+              </a:defRPr>
+            </a:lvl4pPr>
+            <a:lvl5pPr marL="2346876" indent="-260764" algn="l" defTabSz="1043056" rtl="0" eaLnBrk="1" latinLnBrk="0" hangingPunct="1">
+              <a:spcBef>
+                <a:spcPct val="20000"/>
+              </a:spcBef>
+              <a:buFont typeface="Arial" pitchFamily="34" charset="0"/>
+              <a:buChar char="»"/>
+              <a:defRPr sz="2300" kern="1200">
+                <a:solidFill>
+                  <a:schemeClr val="tx1"/>
+                </a:solidFill>
+                <a:latin typeface="+mn-lt"/>
+                <a:ea typeface="+mn-ea"/>
+                <a:cs typeface="+mn-cs"/>
+              </a:defRPr>
+            </a:lvl5pPr>
+            <a:lvl6pPr marL="2868404" indent="-260764" algn="l" defTabSz="1043056" rtl="0" eaLnBrk="1" latinLnBrk="0" hangingPunct="1">
+              <a:spcBef>
+                <a:spcPct val="20000"/>
+              </a:spcBef>
+              <a:buFont typeface="Arial" pitchFamily="34" charset="0"/>
+              <a:buChar char="•"/>
+              <a:defRPr sz="2300" kern="1200">
+                <a:solidFill>
+                  <a:schemeClr val="tx1"/>
+                </a:solidFill>
+                <a:latin typeface="+mn-lt"/>
+                <a:ea typeface="+mn-ea"/>
+                <a:cs typeface="+mn-cs"/>
+              </a:defRPr>
+            </a:lvl6pPr>
+            <a:lvl7pPr marL="3389932" indent="-260764" algn="l" defTabSz="1043056" rtl="0" eaLnBrk="1" latinLnBrk="0" hangingPunct="1">
+              <a:spcBef>
+                <a:spcPct val="20000"/>
+              </a:spcBef>
+              <a:buFont typeface="Arial" pitchFamily="34" charset="0"/>
+              <a:buChar char="•"/>
+              <a:defRPr sz="2300" kern="1200">
+                <a:solidFill>
+                  <a:schemeClr val="tx1"/>
+                </a:solidFill>
+                <a:latin typeface="+mn-lt"/>
+                <a:ea typeface="+mn-ea"/>
+                <a:cs typeface="+mn-cs"/>
+              </a:defRPr>
+            </a:lvl7pPr>
+            <a:lvl8pPr marL="3911460" indent="-260764" algn="l" defTabSz="1043056" rtl="0" eaLnBrk="1" latinLnBrk="0" hangingPunct="1">
+              <a:spcBef>
+                <a:spcPct val="20000"/>
+              </a:spcBef>
+              <a:buFont typeface="Arial" pitchFamily="34" charset="0"/>
+              <a:buChar char="•"/>
+              <a:defRPr sz="2300" kern="1200">
+                <a:solidFill>
+                  <a:schemeClr val="tx1"/>
+                </a:solidFill>
+                <a:latin typeface="+mn-lt"/>
+                <a:ea typeface="+mn-ea"/>
+                <a:cs typeface="+mn-cs"/>
+              </a:defRPr>
+            </a:lvl8pPr>
+            <a:lvl9pPr marL="4432988" indent="-260764" algn="l" defTabSz="1043056" rtl="0" eaLnBrk="1" latinLnBrk="0" hangingPunct="1">
+              <a:spcBef>
+                <a:spcPct val="20000"/>
+              </a:spcBef>
+              <a:buFont typeface="Arial" pitchFamily="34" charset="0"/>
+              <a:buChar char="•"/>
+              <a:defRPr sz="2300" kern="1200">
+                <a:solidFill>
+                  <a:schemeClr val="tx1"/>
+                </a:solidFill>
+                <a:latin typeface="+mn-lt"/>
+                <a:ea typeface="+mn-ea"/>
+                <a:cs typeface="+mn-cs"/>
+              </a:defRPr>
+            </a:lvl9pPr>
+          </a:lstStyle>
+          <a:p>
+            <a:pPr marL="0" indent="0" algn="ctr">
+              <a:lnSpc>
+                <a:spcPct val="150000"/>
+              </a:lnSpc>
+              <a:buNone/>
+            </a:pPr>
+            <a:r>
+              <a:rPr lang="pt-BR" sz="5400" b="1">
+                <a:solidFill>
+                  <a:srgbClr val="32B9CD"/>
+                </a:solidFill>
+              </a:rPr>
+              <a:t>CARBONTOWER</a:t>
+            </a:r>
+          </a:p>
+        </p:txBody>
+      </p:sp>
+      <p:pic>
+        <p:nvPicPr>
+          <p:cNvPr id="8" name="Picture 7">
+            <a:extLst>
+              <a:ext uri="{FF2B5EF4-FFF2-40B4-BE49-F238E27FC236}">
+                <a16:creationId xmlns:a16="http://schemas.microsoft.com/office/drawing/2014/main" id="{42276C8C-8F07-B343-A77A-0C5E3CD17BB7}"/>
+              </a:ext>
+            </a:extLst>
+          </p:cNvPr>
+          <p:cNvPicPr>
+            <a:picLocks noChangeAspect="1"/>
+          </p:cNvPicPr>
+          <p:nvPr/>
+        </p:nvPicPr>
+        <p:blipFill>
+          <a:blip r:embed="rId3"/>
+          <a:stretch>
+            <a:fillRect/>
+          </a:stretch>
+        </p:blipFill>
+        <p:spPr>
+          <a:xfrm>
+            <a:off x="10479031" y="6239799"/>
+            <a:ext cx="1660199" cy="618201"/>
+          </a:xfrm>
+          <a:prstGeom prst="rect">
+            <a:avLst/>
+          </a:prstGeom>
+        </p:spPr>
+      </p:pic>
+      <p:sp>
+        <p:nvSpPr>
+          <p:cNvPr id="9" name="TextBox 8">
+            <a:extLst>
+              <a:ext uri="{FF2B5EF4-FFF2-40B4-BE49-F238E27FC236}">
+                <a16:creationId xmlns:a16="http://schemas.microsoft.com/office/drawing/2014/main" id="{04255526-24C6-3E45-9B53-F59FF6DD05BD}"/>
+              </a:ext>
+            </a:extLst>
+          </p:cNvPr>
+          <p:cNvSpPr txBox="1"/>
+          <p:nvPr/>
+        </p:nvSpPr>
+        <p:spPr>
+          <a:xfrm>
+            <a:off x="12344400" y="617220"/>
+            <a:ext cx="184731" cy="369332"/>
+          </a:xfrm>
+          <a:prstGeom prst="rect">
+            <a:avLst/>
+          </a:prstGeom>
+          <a:noFill/>
+        </p:spPr>
+        <p:txBody>
+          <a:bodyPr wrap="none" rtlCol="0">
+            <a:spAutoFit/>
+          </a:bodyPr>
+          <a:lstStyle/>
+          <a:p>
+            <a:endParaRPr lang="en-US"/>
+          </a:p>
+        </p:txBody>
+      </p:sp>
+      <p:sp>
+        <p:nvSpPr>
+          <p:cNvPr id="10" name="Rectangle 9">
+            <a:extLst>
+              <a:ext uri="{FF2B5EF4-FFF2-40B4-BE49-F238E27FC236}">
+                <a16:creationId xmlns:a16="http://schemas.microsoft.com/office/drawing/2014/main" id="{2EBB8E2F-237A-234C-9FAD-94C628D8661D}"/>
+              </a:ext>
+            </a:extLst>
+          </p:cNvPr>
+          <p:cNvSpPr/>
+          <p:nvPr/>
+        </p:nvSpPr>
+        <p:spPr>
+          <a:xfrm>
+            <a:off x="2973914" y="2864533"/>
+            <a:ext cx="6244164" cy="461665"/>
+          </a:xfrm>
+          <a:prstGeom prst="rect">
+            <a:avLst/>
+          </a:prstGeom>
+          <a:noFill/>
+        </p:spPr>
+        <p:txBody>
+          <a:bodyPr wrap="square" lIns="91440" tIns="45720" rIns="91440" bIns="45720">
+            <a:spAutoFit/>
+          </a:bodyPr>
+          <a:lstStyle/>
+          <a:p>
+            <a:pPr algn="ctr"/>
+            <a:r>
+              <a:rPr lang="en-US" sz="2400" b="1">
+                <a:ln w="0"/>
+                <a:solidFill>
+                  <a:schemeClr val="bg1"/>
+                </a:solidFill>
+                <a:effectLst>
+                  <a:outerShdw blurRad="38100" dist="19050" dir="2700000" algn="tl" rotWithShape="0">
+                    <a:schemeClr val="dk1">
+                      <a:alpha val="40000"/>
+                    </a:schemeClr>
+                  </a:outerShdw>
+                </a:effectLst>
+              </a:rPr>
+              <a:t>GUSTAVO HERRERO CANO RA 01182100</a:t>
+            </a:r>
+            <a:endParaRPr lang="en-US" sz="2400" b="1" cap="none" spc="0">
+              <a:ln w="0"/>
+              <a:solidFill>
+                <a:schemeClr val="bg1"/>
+              </a:solidFill>
+              <a:effectLst>
+                <a:outerShdw blurRad="38100" dist="19050" dir="2700000" algn="tl" rotWithShape="0">
+                  <a:schemeClr val="dk1">
+                    <a:alpha val="40000"/>
+                  </a:schemeClr>
+                </a:outerShdw>
+              </a:effectLst>
+            </a:endParaRPr>
+          </a:p>
+        </p:txBody>
+      </p:sp>
+      <p:sp>
+        <p:nvSpPr>
+          <p:cNvPr id="11" name="Rectangle 10">
+            <a:extLst>
+              <a:ext uri="{FF2B5EF4-FFF2-40B4-BE49-F238E27FC236}">
+                <a16:creationId xmlns:a16="http://schemas.microsoft.com/office/drawing/2014/main" id="{6D34BF40-5B53-3C46-B2C7-4DD8380985DE}"/>
+              </a:ext>
+            </a:extLst>
+          </p:cNvPr>
+          <p:cNvSpPr/>
+          <p:nvPr/>
+        </p:nvSpPr>
+        <p:spPr>
+          <a:xfrm>
+            <a:off x="2900537" y="3385525"/>
+            <a:ext cx="6390920" cy="461665"/>
+          </a:xfrm>
+          <a:prstGeom prst="rect">
+            <a:avLst/>
+          </a:prstGeom>
+          <a:noFill/>
+        </p:spPr>
+        <p:txBody>
+          <a:bodyPr wrap="square" lIns="91440" tIns="45720" rIns="91440" bIns="45720">
+            <a:spAutoFit/>
+          </a:bodyPr>
+          <a:lstStyle/>
+          <a:p>
+            <a:pPr algn="ctr"/>
+            <a:r>
+              <a:rPr lang="en-US" sz="2400" b="1">
+                <a:ln w="0"/>
+                <a:solidFill>
+                  <a:schemeClr val="bg1"/>
+                </a:solidFill>
+                <a:effectLst>
+                  <a:outerShdw blurRad="38100" dist="19050" dir="2700000" algn="tl" rotWithShape="0">
+                    <a:schemeClr val="dk1">
+                      <a:alpha val="40000"/>
+                    </a:schemeClr>
+                  </a:outerShdw>
+                </a:effectLst>
+              </a:rPr>
+              <a:t>IGOR INÁCIO MARTINS RA 01182022</a:t>
+            </a:r>
+            <a:endParaRPr lang="en-US" sz="2400" b="1" cap="none" spc="0">
+              <a:ln w="0"/>
+              <a:solidFill>
+                <a:schemeClr val="bg1"/>
+              </a:solidFill>
+              <a:effectLst>
+                <a:outerShdw blurRad="38100" dist="19050" dir="2700000" algn="tl" rotWithShape="0">
+                  <a:schemeClr val="dk1">
+                    <a:alpha val="40000"/>
+                  </a:schemeClr>
+                </a:outerShdw>
+              </a:effectLst>
+            </a:endParaRPr>
+          </a:p>
+        </p:txBody>
+      </p:sp>
+      <p:sp>
+        <p:nvSpPr>
+          <p:cNvPr id="12" name="Rectangle 11">
+            <a:extLst>
+              <a:ext uri="{FF2B5EF4-FFF2-40B4-BE49-F238E27FC236}">
+                <a16:creationId xmlns:a16="http://schemas.microsoft.com/office/drawing/2014/main" id="{3F0BFD2E-4936-6E49-828C-BD30E0E0CCF1}"/>
+              </a:ext>
+            </a:extLst>
+          </p:cNvPr>
+          <p:cNvSpPr/>
+          <p:nvPr/>
+        </p:nvSpPr>
+        <p:spPr>
+          <a:xfrm>
+            <a:off x="3098092" y="3953509"/>
+            <a:ext cx="5995810" cy="461665"/>
+          </a:xfrm>
+          <a:prstGeom prst="rect">
+            <a:avLst/>
+          </a:prstGeom>
+          <a:noFill/>
+        </p:spPr>
+        <p:txBody>
+          <a:bodyPr wrap="square" lIns="91440" tIns="45720" rIns="91440" bIns="45720">
+            <a:spAutoFit/>
+          </a:bodyPr>
+          <a:lstStyle/>
+          <a:p>
+            <a:pPr algn="ctr"/>
+            <a:r>
+              <a:rPr lang="en-US" sz="2400" b="1">
+                <a:ln w="0"/>
+                <a:solidFill>
+                  <a:schemeClr val="bg1"/>
+                </a:solidFill>
+                <a:effectLst>
+                  <a:outerShdw blurRad="38100" dist="19050" dir="2700000" algn="tl" rotWithShape="0">
+                    <a:schemeClr val="dk1">
+                      <a:alpha val="40000"/>
+                    </a:schemeClr>
+                  </a:outerShdw>
+                </a:effectLst>
+              </a:rPr>
+              <a:t>LUCAS YUDI GANEKO RA 01182044</a:t>
+            </a:r>
+            <a:endParaRPr lang="en-US" sz="2400" b="1" cap="none" spc="0">
+              <a:ln w="0"/>
+              <a:solidFill>
+                <a:schemeClr val="bg1"/>
+              </a:solidFill>
+              <a:effectLst>
+                <a:outerShdw blurRad="38100" dist="19050" dir="2700000" algn="tl" rotWithShape="0">
+                  <a:schemeClr val="dk1">
+                    <a:alpha val="40000"/>
+                  </a:schemeClr>
+                </a:outerShdw>
+              </a:effectLst>
+            </a:endParaRPr>
+          </a:p>
+        </p:txBody>
+      </p:sp>
+      <p:sp>
+        <p:nvSpPr>
+          <p:cNvPr id="14" name="Rectangle 13">
+            <a:extLst>
+              <a:ext uri="{FF2B5EF4-FFF2-40B4-BE49-F238E27FC236}">
+                <a16:creationId xmlns:a16="http://schemas.microsoft.com/office/drawing/2014/main" id="{F6FB5D85-4EF4-5B4E-ACB9-16BCB64BE0B2}"/>
+              </a:ext>
+            </a:extLst>
+          </p:cNvPr>
+          <p:cNvSpPr/>
+          <p:nvPr/>
+        </p:nvSpPr>
+        <p:spPr>
+          <a:xfrm>
+            <a:off x="2686047" y="4521493"/>
+            <a:ext cx="6819899" cy="461665"/>
+          </a:xfrm>
+          <a:prstGeom prst="rect">
+            <a:avLst/>
+          </a:prstGeom>
+          <a:noFill/>
+        </p:spPr>
+        <p:txBody>
+          <a:bodyPr wrap="square" lIns="91440" tIns="45720" rIns="91440" bIns="45720">
+            <a:spAutoFit/>
+          </a:bodyPr>
+          <a:lstStyle/>
+          <a:p>
+            <a:pPr algn="ctr"/>
+            <a:r>
+              <a:rPr lang="en-US" sz="2400" b="1">
+                <a:ln w="0"/>
+                <a:solidFill>
+                  <a:schemeClr val="bg1"/>
+                </a:solidFill>
+                <a:effectLst>
+                  <a:outerShdw blurRad="38100" dist="19050" dir="2700000" algn="tl" rotWithShape="0">
+                    <a:schemeClr val="dk1">
+                      <a:alpha val="40000"/>
+                    </a:schemeClr>
+                  </a:outerShdw>
+                </a:effectLst>
+              </a:rPr>
+              <a:t>VINICIUS LUCENA VIANA RA 01182077</a:t>
+            </a:r>
+            <a:endParaRPr lang="en-US" sz="2400" b="1" cap="none" spc="0">
+              <a:ln w="0"/>
+              <a:solidFill>
+                <a:schemeClr val="bg1"/>
+              </a:solidFill>
+              <a:effectLst>
+                <a:outerShdw blurRad="38100" dist="19050" dir="2700000" algn="tl" rotWithShape="0">
+                  <a:schemeClr val="dk1">
+                    <a:alpha val="40000"/>
+                  </a:schemeClr>
+                </a:outerShdw>
+              </a:effectLst>
+            </a:endParaRPr>
+          </a:p>
+        </p:txBody>
+      </p:sp>
+    </p:spTree>
+    <p:extLst>
+      <p:ext uri="{BB962C8B-B14F-4D97-AF65-F5344CB8AC3E}">
+        <p14:creationId xmlns:p14="http://schemas.microsoft.com/office/powerpoint/2010/main" val="292984706"/>
       </p:ext>
     </p:extLst>
   </p:cSld>
@@ -7301,6 +7969,216 @@
           <a:chExt cx="0" cy="0"/>
         </a:xfrm>
       </p:grpSpPr>
+      <p:pic>
+        <p:nvPicPr>
+          <p:cNvPr id="5" name="Picture 6" descr="Resultado de imagem para cloud"/>
+          <p:cNvPicPr>
+            <a:picLocks noChangeAspect="1" noChangeArrowheads="1"/>
+          </p:cNvPicPr>
+          <p:nvPr/>
+        </p:nvPicPr>
+        <p:blipFill rotWithShape="1">
+          <a:blip r:embed="rId2">
+            <a:biLevel thresh="50000"/>
+            <a:extLst>
+              <a:ext uri="{28A0092B-C50C-407E-A947-70E740481C1C}">
+                <a14:useLocalDpi xmlns:a14="http://schemas.microsoft.com/office/drawing/2010/main" val="0"/>
+              </a:ext>
+            </a:extLst>
+          </a:blip>
+          <a:srcRect b="4873"/>
+          <a:stretch/>
+        </p:blipFill>
+        <p:spPr bwMode="auto">
+          <a:xfrm>
+            <a:off x="0" y="-230473"/>
+            <a:ext cx="5893686" cy="3719809"/>
+          </a:xfrm>
+          <a:prstGeom prst="rect">
+            <a:avLst/>
+          </a:prstGeom>
+          <a:noFill/>
+          <a:extLst>
+            <a:ext uri="{909E8E84-426E-40DD-AFC4-6F175D3DCCD1}">
+              <a14:hiddenFill xmlns:a14="http://schemas.microsoft.com/office/drawing/2010/main">
+                <a:solidFill>
+                  <a:srgbClr val="FFFFFF"/>
+                </a:solidFill>
+              </a14:hiddenFill>
+            </a:ext>
+          </a:extLst>
+        </p:spPr>
+      </p:pic>
+      <p:pic>
+        <p:nvPicPr>
+          <p:cNvPr id="6" name="Picture 4" descr="Resultado de imagem para azure logo"/>
+          <p:cNvPicPr>
+            <a:picLocks noChangeAspect="1" noChangeArrowheads="1"/>
+          </p:cNvPicPr>
+          <p:nvPr/>
+        </p:nvPicPr>
+        <p:blipFill>
+          <a:blip r:embed="rId3" cstate="print">
+            <a:extLst>
+              <a:ext uri="{28A0092B-C50C-407E-A947-70E740481C1C}">
+                <a14:useLocalDpi xmlns:a14="http://schemas.microsoft.com/office/drawing/2010/main" val="0"/>
+              </a:ext>
+            </a:extLst>
+          </a:blip>
+          <a:srcRect/>
+          <a:stretch>
+            <a:fillRect/>
+          </a:stretch>
+        </p:blipFill>
+        <p:spPr bwMode="auto">
+          <a:xfrm>
+            <a:off x="1767546" y="3622326"/>
+            <a:ext cx="910401" cy="263163"/>
+          </a:xfrm>
+          <a:prstGeom prst="rect">
+            <a:avLst/>
+          </a:prstGeom>
+          <a:noFill/>
+          <a:extLst>
+            <a:ext uri="{909E8E84-426E-40DD-AFC4-6F175D3DCCD1}">
+              <a14:hiddenFill xmlns:a14="http://schemas.microsoft.com/office/drawing/2010/main">
+                <a:solidFill>
+                  <a:srgbClr val="FFFFFF"/>
+                </a:solidFill>
+              </a14:hiddenFill>
+            </a:ext>
+          </a:extLst>
+        </p:spPr>
+      </p:pic>
+      <p:pic>
+        <p:nvPicPr>
+          <p:cNvPr id="7" name="Picture 16" descr="Resultado de imagem para SQL"/>
+          <p:cNvPicPr>
+            <a:picLocks noChangeAspect="1" noChangeArrowheads="1"/>
+          </p:cNvPicPr>
+          <p:nvPr/>
+        </p:nvPicPr>
+        <p:blipFill rotWithShape="1">
+          <a:blip r:embed="rId4" cstate="print">
+            <a:extLst>
+              <a:ext uri="{28A0092B-C50C-407E-A947-70E740481C1C}">
+                <a14:useLocalDpi xmlns:a14="http://schemas.microsoft.com/office/drawing/2010/main" val="0"/>
+              </a:ext>
+            </a:extLst>
+          </a:blip>
+          <a:srcRect l="29291" r="28931"/>
+          <a:stretch/>
+        </p:blipFill>
+        <p:spPr bwMode="auto">
+          <a:xfrm>
+            <a:off x="1063433" y="3489336"/>
+            <a:ext cx="368824" cy="463481"/>
+          </a:xfrm>
+          <a:prstGeom prst="rect">
+            <a:avLst/>
+          </a:prstGeom>
+          <a:noFill/>
+          <a:extLst>
+            <a:ext uri="{909E8E84-426E-40DD-AFC4-6F175D3DCCD1}">
+              <a14:hiddenFill xmlns:a14="http://schemas.microsoft.com/office/drawing/2010/main">
+                <a:solidFill>
+                  <a:srgbClr val="FFFFFF"/>
+                </a:solidFill>
+              </a14:hiddenFill>
+            </a:ext>
+          </a:extLst>
+        </p:spPr>
+      </p:pic>
+      <p:pic>
+        <p:nvPicPr>
+          <p:cNvPr id="1026" name="Picture 2" descr="Imagem relacionada"/>
+          <p:cNvPicPr>
+            <a:picLocks noChangeAspect="1" noChangeArrowheads="1"/>
+          </p:cNvPicPr>
+          <p:nvPr/>
+        </p:nvPicPr>
+        <p:blipFill>
+          <a:blip r:embed="rId5">
+            <a:duotone>
+              <a:schemeClr val="bg2">
+                <a:shade val="45000"/>
+                <a:satMod val="135000"/>
+              </a:schemeClr>
+              <a:prstClr val="white"/>
+            </a:duotone>
+            <a:extLst>
+              <a:ext uri="{BEBA8EAE-BF5A-486C-A8C5-ECC9F3942E4B}">
+                <a14:imgProps xmlns:a14="http://schemas.microsoft.com/office/drawing/2010/main">
+                  <a14:imgLayer r:embed="rId6">
+                    <a14:imgEffect>
+                      <a14:sharpenSoften amount="50000"/>
+                    </a14:imgEffect>
+                    <a14:imgEffect>
+                      <a14:brightnessContrast bright="-100000" contrast="100000"/>
+                    </a14:imgEffect>
+                  </a14:imgLayer>
+                </a14:imgProps>
+              </a:ext>
+              <a:ext uri="{28A0092B-C50C-407E-A947-70E740481C1C}">
+                <a14:useLocalDpi xmlns:a14="http://schemas.microsoft.com/office/drawing/2010/main" val="0"/>
+              </a:ext>
+            </a:extLst>
+          </a:blip>
+          <a:srcRect/>
+          <a:stretch>
+            <a:fillRect/>
+          </a:stretch>
+        </p:blipFill>
+        <p:spPr bwMode="auto">
+          <a:xfrm>
+            <a:off x="6384807" y="619965"/>
+            <a:ext cx="4876800" cy="4876801"/>
+          </a:xfrm>
+          <a:prstGeom prst="rect">
+            <a:avLst/>
+          </a:prstGeom>
+          <a:noFill/>
+          <a:extLst>
+            <a:ext uri="{909E8E84-426E-40DD-AFC4-6F175D3DCCD1}">
+              <a14:hiddenFill xmlns:a14="http://schemas.microsoft.com/office/drawing/2010/main">
+                <a:solidFill>
+                  <a:srgbClr val="FFFFFF"/>
+                </a:solidFill>
+              </a14:hiddenFill>
+            </a:ext>
+          </a:extLst>
+        </p:spPr>
+      </p:pic>
+    </p:spTree>
+    <p:extLst>
+      <p:ext uri="{BB962C8B-B14F-4D97-AF65-F5344CB8AC3E}">
+        <p14:creationId xmlns:p14="http://schemas.microsoft.com/office/powerpoint/2010/main" val="36411897"/>
+      </p:ext>
+    </p:extLst>
+  </p:cSld>
+  <p:clrMapOvr>
+    <a:masterClrMapping/>
+  </p:clrMapOvr>
+</p:sld>
+</file>
+
+<file path=ppt/slides/slide4.xml><?xml version="1.0" encoding="utf-8"?>
+<p:sld xmlns:a="http://schemas.openxmlformats.org/drawingml/2006/main" xmlns:r="http://schemas.openxmlformats.org/officeDocument/2006/relationships" xmlns:p="http://schemas.openxmlformats.org/presentationml/2006/main">
+  <p:cSld>
+    <p:spTree>
+      <p:nvGrpSpPr>
+        <p:cNvPr id="1" name=""/>
+        <p:cNvGrpSpPr/>
+        <p:nvPr/>
+      </p:nvGrpSpPr>
+      <p:grpSpPr>
+        <a:xfrm>
+          <a:off x="0" y="0"/>
+          <a:ext cx="0" cy="0"/>
+          <a:chOff x="0" y="0"/>
+          <a:chExt cx="0" cy="0"/>
+        </a:xfrm>
+      </p:grpSpPr>
       <p:sp>
         <p:nvSpPr>
           <p:cNvPr id="7" name="Rectangle 6">
@@ -8212,7 +9090,7 @@
 </p:sld>
 </file>
 
-<file path=ppt/slides/slide4.xml><?xml version="1.0" encoding="utf-8"?>
+<file path=ppt/slides/slide5.xml><?xml version="1.0" encoding="utf-8"?>
 <p:sld xmlns:a="http://schemas.openxmlformats.org/drawingml/2006/main" xmlns:r="http://schemas.openxmlformats.org/officeDocument/2006/relationships" xmlns:p="http://schemas.openxmlformats.org/presentationml/2006/main">
   <p:cSld>
     <p:spTree>
@@ -9634,7 +10512,7 @@
 </p:sld>
 </file>
 
-<file path=ppt/slides/slide5.xml><?xml version="1.0" encoding="utf-8"?>
+<file path=ppt/slides/slide6.xml><?xml version="1.0" encoding="utf-8"?>
 <p:sld xmlns:a="http://schemas.openxmlformats.org/drawingml/2006/main" xmlns:r="http://schemas.openxmlformats.org/officeDocument/2006/relationships" xmlns:p="http://schemas.openxmlformats.org/presentationml/2006/main">
   <p:cSld>
     <p:spTree>
@@ -9935,7 +10813,7 @@
 </p:sld>
 </file>
 
-<file path=ppt/slides/slide6.xml><?xml version="1.0" encoding="utf-8"?>
+<file path=ppt/slides/slide7.xml><?xml version="1.0" encoding="utf-8"?>
 <p:sld xmlns:a="http://schemas.openxmlformats.org/drawingml/2006/main" xmlns:r="http://schemas.openxmlformats.org/officeDocument/2006/relationships" xmlns:p="http://schemas.openxmlformats.org/presentationml/2006/main">
   <p:cSld>
     <p:spTree>
@@ -10235,7 +11113,7 @@
 </p:sld>
 </file>
 
-<file path=ppt/slides/slide7.xml><?xml version="1.0" encoding="utf-8"?>
+<file path=ppt/slides/slide8.xml><?xml version="1.0" encoding="utf-8"?>
 <p:sld xmlns:a="http://schemas.openxmlformats.org/drawingml/2006/main" xmlns:r="http://schemas.openxmlformats.org/officeDocument/2006/relationships" xmlns:p="http://schemas.openxmlformats.org/presentationml/2006/main">
   <p:cSld>
     <p:spTree>
@@ -12379,7 +13257,7 @@
 </p:sld>
 </file>
 
-<file path=ppt/slides/slide8.xml><?xml version="1.0" encoding="utf-8"?>
+<file path=ppt/slides/slide9.xml><?xml version="1.0" encoding="utf-8"?>
 <p:sld xmlns:a="http://schemas.openxmlformats.org/drawingml/2006/main" xmlns:r="http://schemas.openxmlformats.org/officeDocument/2006/relationships" xmlns:p="http://schemas.openxmlformats.org/presentationml/2006/main">
   <p:cSld>
     <p:spTree>
@@ -12755,673 +13633,6 @@
     <p:extLst>
       <p:ext uri="{BB962C8B-B14F-4D97-AF65-F5344CB8AC3E}">
         <p14:creationId xmlns:p14="http://schemas.microsoft.com/office/powerpoint/2010/main" val="104459859"/>
-      </p:ext>
-    </p:extLst>
-  </p:cSld>
-  <p:clrMapOvr>
-    <a:masterClrMapping/>
-  </p:clrMapOvr>
-  <p:timing>
-    <p:tnLst>
-      <p:par>
-        <p:cTn id="1" dur="indefinite" restart="never" nodeType="tmRoot"/>
-      </p:par>
-    </p:tnLst>
-  </p:timing>
-</p:sld>
-</file>
-
-<file path=ppt/slides/slide9.xml><?xml version="1.0" encoding="utf-8"?>
-<p:sld xmlns:a="http://schemas.openxmlformats.org/drawingml/2006/main" xmlns:r="http://schemas.openxmlformats.org/officeDocument/2006/relationships" xmlns:p="http://schemas.openxmlformats.org/presentationml/2006/main">
-  <p:cSld>
-    <p:spTree>
-      <p:nvGrpSpPr>
-        <p:cNvPr id="1" name=""/>
-        <p:cNvGrpSpPr/>
-        <p:nvPr/>
-      </p:nvGrpSpPr>
-      <p:grpSpPr>
-        <a:xfrm>
-          <a:off x="0" y="0"/>
-          <a:ext cx="0" cy="0"/>
-          <a:chOff x="0" y="0"/>
-          <a:chExt cx="0" cy="0"/>
-        </a:xfrm>
-      </p:grpSpPr>
-      <p:pic>
-        <p:nvPicPr>
-          <p:cNvPr id="4" name="Picture 3">
-            <a:extLst>
-              <a:ext uri="{FF2B5EF4-FFF2-40B4-BE49-F238E27FC236}">
-                <a16:creationId xmlns:a16="http://schemas.microsoft.com/office/drawing/2014/main" id="{C980F007-3192-F741-A2E4-4D24B15C33ED}"/>
-              </a:ext>
-            </a:extLst>
-          </p:cNvPr>
-          <p:cNvPicPr>
-            <a:picLocks noChangeAspect="1"/>
-          </p:cNvPicPr>
-          <p:nvPr/>
-        </p:nvPicPr>
-        <p:blipFill rotWithShape="1">
-          <a:blip r:embed="rId2"/>
-          <a:srcRect l="21925" t="1" r="8753" b="1198"/>
-          <a:stretch/>
-        </p:blipFill>
-        <p:spPr>
-          <a:xfrm>
-            <a:off x="0" y="1"/>
-            <a:ext cx="12192000" cy="6858000"/>
-          </a:xfrm>
-          <a:prstGeom prst="rect">
-            <a:avLst/>
-          </a:prstGeom>
-        </p:spPr>
-      </p:pic>
-      <p:sp>
-        <p:nvSpPr>
-          <p:cNvPr id="5" name="Rectangle 4">
-            <a:extLst>
-              <a:ext uri="{FF2B5EF4-FFF2-40B4-BE49-F238E27FC236}">
-                <a16:creationId xmlns:a16="http://schemas.microsoft.com/office/drawing/2014/main" id="{0F27BB21-27CE-A146-8046-A96E77671693}"/>
-              </a:ext>
-            </a:extLst>
-          </p:cNvPr>
-          <p:cNvSpPr/>
-          <p:nvPr/>
-        </p:nvSpPr>
-        <p:spPr>
-          <a:xfrm>
-            <a:off x="0" y="0"/>
-            <a:ext cx="12192000" cy="6858000"/>
-          </a:xfrm>
-          <a:prstGeom prst="rect">
-            <a:avLst/>
-          </a:prstGeom>
-          <a:solidFill>
-            <a:schemeClr val="dk1">
-              <a:alpha val="70000"/>
-            </a:schemeClr>
-          </a:solidFill>
-          <a:ln>
-            <a:noFill/>
-          </a:ln>
-        </p:spPr>
-        <p:style>
-          <a:lnRef idx="2">
-            <a:schemeClr val="dk1">
-              <a:shade val="50000"/>
-            </a:schemeClr>
-          </a:lnRef>
-          <a:fillRef idx="1">
-            <a:schemeClr val="dk1"/>
-          </a:fillRef>
-          <a:effectRef idx="0">
-            <a:schemeClr val="dk1"/>
-          </a:effectRef>
-          <a:fontRef idx="minor">
-            <a:schemeClr val="lt1"/>
-          </a:fontRef>
-        </p:style>
-        <p:txBody>
-          <a:bodyPr rtlCol="0" anchor="ctr"/>
-          <a:lstStyle/>
-          <a:p>
-            <a:pPr algn="ctr"/>
-            <a:endParaRPr lang="en-US"/>
-          </a:p>
-        </p:txBody>
-      </p:sp>
-      <p:sp>
-        <p:nvSpPr>
-          <p:cNvPr id="6" name="Rectangle 5">
-            <a:extLst>
-              <a:ext uri="{FF2B5EF4-FFF2-40B4-BE49-F238E27FC236}">
-                <a16:creationId xmlns:a16="http://schemas.microsoft.com/office/drawing/2014/main" id="{29919FCF-1943-3548-82C5-0616239AC3BF}"/>
-              </a:ext>
-            </a:extLst>
-          </p:cNvPr>
-          <p:cNvSpPr/>
-          <p:nvPr/>
-        </p:nvSpPr>
-        <p:spPr>
-          <a:xfrm>
-            <a:off x="2973915" y="2292701"/>
-            <a:ext cx="6244163" cy="461665"/>
-          </a:xfrm>
-          <a:prstGeom prst="rect">
-            <a:avLst/>
-          </a:prstGeom>
-          <a:noFill/>
-        </p:spPr>
-        <p:txBody>
-          <a:bodyPr wrap="square" lIns="91440" tIns="45720" rIns="91440" bIns="45720">
-            <a:spAutoFit/>
-          </a:bodyPr>
-          <a:lstStyle/>
-          <a:p>
-            <a:pPr algn="ctr"/>
-            <a:r>
-              <a:rPr lang="en-US" sz="2400" b="1">
-                <a:ln w="0"/>
-                <a:solidFill>
-                  <a:schemeClr val="bg1"/>
-                </a:solidFill>
-                <a:effectLst>
-                  <a:outerShdw blurRad="38100" dist="19050" dir="2700000" algn="tl" rotWithShape="0">
-                    <a:schemeClr val="dk1">
-                      <a:alpha val="40000"/>
-                    </a:schemeClr>
-                  </a:outerShdw>
-                </a:effectLst>
-              </a:rPr>
-              <a:t>ARIEL MAGALHÃES LIRA RA 01182003 </a:t>
-            </a:r>
-            <a:endParaRPr lang="en-US" sz="2400" b="1" cap="none" spc="0">
-              <a:ln w="0"/>
-              <a:solidFill>
-                <a:schemeClr val="bg1"/>
-              </a:solidFill>
-              <a:effectLst>
-                <a:outerShdw blurRad="38100" dist="19050" dir="2700000" algn="tl" rotWithShape="0">
-                  <a:schemeClr val="dk1">
-                    <a:alpha val="40000"/>
-                  </a:schemeClr>
-                </a:outerShdw>
-              </a:effectLst>
-            </a:endParaRPr>
-          </a:p>
-        </p:txBody>
-      </p:sp>
-      <p:sp>
-        <p:nvSpPr>
-          <p:cNvPr id="7" name="Espaço Reservado para Texto 1">
-            <a:extLst>
-              <a:ext uri="{FF2B5EF4-FFF2-40B4-BE49-F238E27FC236}">
-                <a16:creationId xmlns:a16="http://schemas.microsoft.com/office/drawing/2014/main" id="{B7190582-8247-9D4E-89C0-39ABA5E7DF72}"/>
-              </a:ext>
-            </a:extLst>
-          </p:cNvPr>
-          <p:cNvSpPr txBox="1">
-            <a:spLocks/>
-          </p:cNvSpPr>
-          <p:nvPr/>
-        </p:nvSpPr>
-        <p:spPr>
-          <a:xfrm>
-            <a:off x="1130987" y="680978"/>
-            <a:ext cx="9930018" cy="1296144"/>
-          </a:xfrm>
-          <a:prstGeom prst="rect">
-            <a:avLst/>
-          </a:prstGeom>
-        </p:spPr>
-        <p:txBody>
-          <a:bodyPr/>
-          <a:lstStyle>
-            <a:lvl1pPr marL="391146" indent="-391146" algn="l" defTabSz="1043056" rtl="0" eaLnBrk="1" latinLnBrk="0" hangingPunct="1">
-              <a:spcBef>
-                <a:spcPct val="20000"/>
-              </a:spcBef>
-              <a:buFont typeface="Arial" pitchFamily="34" charset="0"/>
-              <a:buChar char="•"/>
-              <a:defRPr sz="3700" kern="1200">
-                <a:solidFill>
-                  <a:schemeClr val="tx1"/>
-                </a:solidFill>
-                <a:latin typeface="+mn-lt"/>
-                <a:ea typeface="+mn-ea"/>
-                <a:cs typeface="+mn-cs"/>
-              </a:defRPr>
-            </a:lvl1pPr>
-            <a:lvl2pPr marL="847483" indent="-325955" algn="l" defTabSz="1043056" rtl="0" eaLnBrk="1" latinLnBrk="0" hangingPunct="1">
-              <a:spcBef>
-                <a:spcPct val="20000"/>
-              </a:spcBef>
-              <a:buFont typeface="Arial" pitchFamily="34" charset="0"/>
-              <a:buChar char="–"/>
-              <a:defRPr sz="3200" kern="1200">
-                <a:solidFill>
-                  <a:schemeClr val="tx1"/>
-                </a:solidFill>
-                <a:latin typeface="+mn-lt"/>
-                <a:ea typeface="+mn-ea"/>
-                <a:cs typeface="+mn-cs"/>
-              </a:defRPr>
-            </a:lvl2pPr>
-            <a:lvl3pPr marL="1303820" indent="-260764" algn="l" defTabSz="1043056" rtl="0" eaLnBrk="1" latinLnBrk="0" hangingPunct="1">
-              <a:spcBef>
-                <a:spcPct val="20000"/>
-              </a:spcBef>
-              <a:buFont typeface="Arial" pitchFamily="34" charset="0"/>
-              <a:buChar char="•"/>
-              <a:defRPr sz="2700" kern="1200">
-                <a:solidFill>
-                  <a:schemeClr val="tx1"/>
-                </a:solidFill>
-                <a:latin typeface="+mn-lt"/>
-                <a:ea typeface="+mn-ea"/>
-                <a:cs typeface="+mn-cs"/>
-              </a:defRPr>
-            </a:lvl3pPr>
-            <a:lvl4pPr marL="1825348" indent="-260764" algn="l" defTabSz="1043056" rtl="0" eaLnBrk="1" latinLnBrk="0" hangingPunct="1">
-              <a:spcBef>
-                <a:spcPct val="20000"/>
-              </a:spcBef>
-              <a:buFont typeface="Arial" pitchFamily="34" charset="0"/>
-              <a:buChar char="–"/>
-              <a:defRPr sz="2300" kern="1200">
-                <a:solidFill>
-                  <a:schemeClr val="tx1"/>
-                </a:solidFill>
-                <a:latin typeface="+mn-lt"/>
-                <a:ea typeface="+mn-ea"/>
-                <a:cs typeface="+mn-cs"/>
-              </a:defRPr>
-            </a:lvl4pPr>
-            <a:lvl5pPr marL="2346876" indent="-260764" algn="l" defTabSz="1043056" rtl="0" eaLnBrk="1" latinLnBrk="0" hangingPunct="1">
-              <a:spcBef>
-                <a:spcPct val="20000"/>
-              </a:spcBef>
-              <a:buFont typeface="Arial" pitchFamily="34" charset="0"/>
-              <a:buChar char="»"/>
-              <a:defRPr sz="2300" kern="1200">
-                <a:solidFill>
-                  <a:schemeClr val="tx1"/>
-                </a:solidFill>
-                <a:latin typeface="+mn-lt"/>
-                <a:ea typeface="+mn-ea"/>
-                <a:cs typeface="+mn-cs"/>
-              </a:defRPr>
-            </a:lvl5pPr>
-            <a:lvl6pPr marL="2868404" indent="-260764" algn="l" defTabSz="1043056" rtl="0" eaLnBrk="1" latinLnBrk="0" hangingPunct="1">
-              <a:spcBef>
-                <a:spcPct val="20000"/>
-              </a:spcBef>
-              <a:buFont typeface="Arial" pitchFamily="34" charset="0"/>
-              <a:buChar char="•"/>
-              <a:defRPr sz="2300" kern="1200">
-                <a:solidFill>
-                  <a:schemeClr val="tx1"/>
-                </a:solidFill>
-                <a:latin typeface="+mn-lt"/>
-                <a:ea typeface="+mn-ea"/>
-                <a:cs typeface="+mn-cs"/>
-              </a:defRPr>
-            </a:lvl6pPr>
-            <a:lvl7pPr marL="3389932" indent="-260764" algn="l" defTabSz="1043056" rtl="0" eaLnBrk="1" latinLnBrk="0" hangingPunct="1">
-              <a:spcBef>
-                <a:spcPct val="20000"/>
-              </a:spcBef>
-              <a:buFont typeface="Arial" pitchFamily="34" charset="0"/>
-              <a:buChar char="•"/>
-              <a:defRPr sz="2300" kern="1200">
-                <a:solidFill>
-                  <a:schemeClr val="tx1"/>
-                </a:solidFill>
-                <a:latin typeface="+mn-lt"/>
-                <a:ea typeface="+mn-ea"/>
-                <a:cs typeface="+mn-cs"/>
-              </a:defRPr>
-            </a:lvl7pPr>
-            <a:lvl8pPr marL="3911460" indent="-260764" algn="l" defTabSz="1043056" rtl="0" eaLnBrk="1" latinLnBrk="0" hangingPunct="1">
-              <a:spcBef>
-                <a:spcPct val="20000"/>
-              </a:spcBef>
-              <a:buFont typeface="Arial" pitchFamily="34" charset="0"/>
-              <a:buChar char="•"/>
-              <a:defRPr sz="2300" kern="1200">
-                <a:solidFill>
-                  <a:schemeClr val="tx1"/>
-                </a:solidFill>
-                <a:latin typeface="+mn-lt"/>
-                <a:ea typeface="+mn-ea"/>
-                <a:cs typeface="+mn-cs"/>
-              </a:defRPr>
-            </a:lvl8pPr>
-            <a:lvl9pPr marL="4432988" indent="-260764" algn="l" defTabSz="1043056" rtl="0" eaLnBrk="1" latinLnBrk="0" hangingPunct="1">
-              <a:spcBef>
-                <a:spcPct val="20000"/>
-              </a:spcBef>
-              <a:buFont typeface="Arial" pitchFamily="34" charset="0"/>
-              <a:buChar char="•"/>
-              <a:defRPr sz="2300" kern="1200">
-                <a:solidFill>
-                  <a:schemeClr val="tx1"/>
-                </a:solidFill>
-                <a:latin typeface="+mn-lt"/>
-                <a:ea typeface="+mn-ea"/>
-                <a:cs typeface="+mn-cs"/>
-              </a:defRPr>
-            </a:lvl9pPr>
-          </a:lstStyle>
-          <a:p>
-            <a:pPr marL="0" indent="0" algn="ctr">
-              <a:lnSpc>
-                <a:spcPct val="150000"/>
-              </a:lnSpc>
-              <a:buNone/>
-            </a:pPr>
-            <a:r>
-              <a:rPr lang="pt-BR" sz="5400" b="1">
-                <a:solidFill>
-                  <a:srgbClr val="32B9CD"/>
-                </a:solidFill>
-              </a:rPr>
-              <a:t>CARBONTOWER</a:t>
-            </a:r>
-          </a:p>
-        </p:txBody>
-      </p:sp>
-      <p:pic>
-        <p:nvPicPr>
-          <p:cNvPr id="8" name="Picture 7">
-            <a:extLst>
-              <a:ext uri="{FF2B5EF4-FFF2-40B4-BE49-F238E27FC236}">
-                <a16:creationId xmlns:a16="http://schemas.microsoft.com/office/drawing/2014/main" id="{42276C8C-8F07-B343-A77A-0C5E3CD17BB7}"/>
-              </a:ext>
-            </a:extLst>
-          </p:cNvPr>
-          <p:cNvPicPr>
-            <a:picLocks noChangeAspect="1"/>
-          </p:cNvPicPr>
-          <p:nvPr/>
-        </p:nvPicPr>
-        <p:blipFill>
-          <a:blip r:embed="rId3"/>
-          <a:stretch>
-            <a:fillRect/>
-          </a:stretch>
-        </p:blipFill>
-        <p:spPr>
-          <a:xfrm>
-            <a:off x="10479031" y="6239799"/>
-            <a:ext cx="1660199" cy="618201"/>
-          </a:xfrm>
-          <a:prstGeom prst="rect">
-            <a:avLst/>
-          </a:prstGeom>
-        </p:spPr>
-      </p:pic>
-      <p:sp>
-        <p:nvSpPr>
-          <p:cNvPr id="9" name="TextBox 8">
-            <a:extLst>
-              <a:ext uri="{FF2B5EF4-FFF2-40B4-BE49-F238E27FC236}">
-                <a16:creationId xmlns:a16="http://schemas.microsoft.com/office/drawing/2014/main" id="{04255526-24C6-3E45-9B53-F59FF6DD05BD}"/>
-              </a:ext>
-            </a:extLst>
-          </p:cNvPr>
-          <p:cNvSpPr txBox="1"/>
-          <p:nvPr/>
-        </p:nvSpPr>
-        <p:spPr>
-          <a:xfrm>
-            <a:off x="12344400" y="617220"/>
-            <a:ext cx="184731" cy="369332"/>
-          </a:xfrm>
-          <a:prstGeom prst="rect">
-            <a:avLst/>
-          </a:prstGeom>
-          <a:noFill/>
-        </p:spPr>
-        <p:txBody>
-          <a:bodyPr wrap="none" rtlCol="0">
-            <a:spAutoFit/>
-          </a:bodyPr>
-          <a:lstStyle/>
-          <a:p>
-            <a:endParaRPr lang="en-US"/>
-          </a:p>
-        </p:txBody>
-      </p:sp>
-      <p:sp>
-        <p:nvSpPr>
-          <p:cNvPr id="10" name="Rectangle 9">
-            <a:extLst>
-              <a:ext uri="{FF2B5EF4-FFF2-40B4-BE49-F238E27FC236}">
-                <a16:creationId xmlns:a16="http://schemas.microsoft.com/office/drawing/2014/main" id="{2EBB8E2F-237A-234C-9FAD-94C628D8661D}"/>
-              </a:ext>
-            </a:extLst>
-          </p:cNvPr>
-          <p:cNvSpPr/>
-          <p:nvPr/>
-        </p:nvSpPr>
-        <p:spPr>
-          <a:xfrm>
-            <a:off x="2973914" y="2864533"/>
-            <a:ext cx="6244164" cy="461665"/>
-          </a:xfrm>
-          <a:prstGeom prst="rect">
-            <a:avLst/>
-          </a:prstGeom>
-          <a:noFill/>
-        </p:spPr>
-        <p:txBody>
-          <a:bodyPr wrap="square" lIns="91440" tIns="45720" rIns="91440" bIns="45720">
-            <a:spAutoFit/>
-          </a:bodyPr>
-          <a:lstStyle/>
-          <a:p>
-            <a:pPr algn="ctr"/>
-            <a:r>
-              <a:rPr lang="en-US" sz="2400" b="1">
-                <a:ln w="0"/>
-                <a:solidFill>
-                  <a:schemeClr val="bg1"/>
-                </a:solidFill>
-                <a:effectLst>
-                  <a:outerShdw blurRad="38100" dist="19050" dir="2700000" algn="tl" rotWithShape="0">
-                    <a:schemeClr val="dk1">
-                      <a:alpha val="40000"/>
-                    </a:schemeClr>
-                  </a:outerShdw>
-                </a:effectLst>
-              </a:rPr>
-              <a:t>GUSTAVO HERRERO CANO RA 01182100</a:t>
-            </a:r>
-            <a:endParaRPr lang="en-US" sz="2400" b="1" cap="none" spc="0">
-              <a:ln w="0"/>
-              <a:solidFill>
-                <a:schemeClr val="bg1"/>
-              </a:solidFill>
-              <a:effectLst>
-                <a:outerShdw blurRad="38100" dist="19050" dir="2700000" algn="tl" rotWithShape="0">
-                  <a:schemeClr val="dk1">
-                    <a:alpha val="40000"/>
-                  </a:schemeClr>
-                </a:outerShdw>
-              </a:effectLst>
-            </a:endParaRPr>
-          </a:p>
-        </p:txBody>
-      </p:sp>
-      <p:sp>
-        <p:nvSpPr>
-          <p:cNvPr id="11" name="Rectangle 10">
-            <a:extLst>
-              <a:ext uri="{FF2B5EF4-FFF2-40B4-BE49-F238E27FC236}">
-                <a16:creationId xmlns:a16="http://schemas.microsoft.com/office/drawing/2014/main" id="{6D34BF40-5B53-3C46-B2C7-4DD8380985DE}"/>
-              </a:ext>
-            </a:extLst>
-          </p:cNvPr>
-          <p:cNvSpPr/>
-          <p:nvPr/>
-        </p:nvSpPr>
-        <p:spPr>
-          <a:xfrm>
-            <a:off x="2900537" y="3385525"/>
-            <a:ext cx="6390920" cy="461665"/>
-          </a:xfrm>
-          <a:prstGeom prst="rect">
-            <a:avLst/>
-          </a:prstGeom>
-          <a:noFill/>
-        </p:spPr>
-        <p:txBody>
-          <a:bodyPr wrap="square" lIns="91440" tIns="45720" rIns="91440" bIns="45720">
-            <a:spAutoFit/>
-          </a:bodyPr>
-          <a:lstStyle/>
-          <a:p>
-            <a:pPr algn="ctr"/>
-            <a:r>
-              <a:rPr lang="en-US" sz="2400" b="1">
-                <a:ln w="0"/>
-                <a:solidFill>
-                  <a:schemeClr val="bg1"/>
-                </a:solidFill>
-                <a:effectLst>
-                  <a:outerShdw blurRad="38100" dist="19050" dir="2700000" algn="tl" rotWithShape="0">
-                    <a:schemeClr val="dk1">
-                      <a:alpha val="40000"/>
-                    </a:schemeClr>
-                  </a:outerShdw>
-                </a:effectLst>
-              </a:rPr>
-              <a:t>IGOR INÁCIO MARTINS RA 01182022</a:t>
-            </a:r>
-            <a:endParaRPr lang="en-US" sz="2400" b="1" cap="none" spc="0">
-              <a:ln w="0"/>
-              <a:solidFill>
-                <a:schemeClr val="bg1"/>
-              </a:solidFill>
-              <a:effectLst>
-                <a:outerShdw blurRad="38100" dist="19050" dir="2700000" algn="tl" rotWithShape="0">
-                  <a:schemeClr val="dk1">
-                    <a:alpha val="40000"/>
-                  </a:schemeClr>
-                </a:outerShdw>
-              </a:effectLst>
-            </a:endParaRPr>
-          </a:p>
-        </p:txBody>
-      </p:sp>
-      <p:sp>
-        <p:nvSpPr>
-          <p:cNvPr id="12" name="Rectangle 11">
-            <a:extLst>
-              <a:ext uri="{FF2B5EF4-FFF2-40B4-BE49-F238E27FC236}">
-                <a16:creationId xmlns:a16="http://schemas.microsoft.com/office/drawing/2014/main" id="{3F0BFD2E-4936-6E49-828C-BD30E0E0CCF1}"/>
-              </a:ext>
-            </a:extLst>
-          </p:cNvPr>
-          <p:cNvSpPr/>
-          <p:nvPr/>
-        </p:nvSpPr>
-        <p:spPr>
-          <a:xfrm>
-            <a:off x="3098092" y="3953509"/>
-            <a:ext cx="5995810" cy="461665"/>
-          </a:xfrm>
-          <a:prstGeom prst="rect">
-            <a:avLst/>
-          </a:prstGeom>
-          <a:noFill/>
-        </p:spPr>
-        <p:txBody>
-          <a:bodyPr wrap="square" lIns="91440" tIns="45720" rIns="91440" bIns="45720">
-            <a:spAutoFit/>
-          </a:bodyPr>
-          <a:lstStyle/>
-          <a:p>
-            <a:pPr algn="ctr"/>
-            <a:r>
-              <a:rPr lang="en-US" sz="2400" b="1">
-                <a:ln w="0"/>
-                <a:solidFill>
-                  <a:schemeClr val="bg1"/>
-                </a:solidFill>
-                <a:effectLst>
-                  <a:outerShdw blurRad="38100" dist="19050" dir="2700000" algn="tl" rotWithShape="0">
-                    <a:schemeClr val="dk1">
-                      <a:alpha val="40000"/>
-                    </a:schemeClr>
-                  </a:outerShdw>
-                </a:effectLst>
-              </a:rPr>
-              <a:t>LUCAS YUDI GANEKO RA 01182044</a:t>
-            </a:r>
-            <a:endParaRPr lang="en-US" sz="2400" b="1" cap="none" spc="0">
-              <a:ln w="0"/>
-              <a:solidFill>
-                <a:schemeClr val="bg1"/>
-              </a:solidFill>
-              <a:effectLst>
-                <a:outerShdw blurRad="38100" dist="19050" dir="2700000" algn="tl" rotWithShape="0">
-                  <a:schemeClr val="dk1">
-                    <a:alpha val="40000"/>
-                  </a:schemeClr>
-                </a:outerShdw>
-              </a:effectLst>
-            </a:endParaRPr>
-          </a:p>
-        </p:txBody>
-      </p:sp>
-      <p:sp>
-        <p:nvSpPr>
-          <p:cNvPr id="14" name="Rectangle 13">
-            <a:extLst>
-              <a:ext uri="{FF2B5EF4-FFF2-40B4-BE49-F238E27FC236}">
-                <a16:creationId xmlns:a16="http://schemas.microsoft.com/office/drawing/2014/main" id="{F6FB5D85-4EF4-5B4E-ACB9-16BCB64BE0B2}"/>
-              </a:ext>
-            </a:extLst>
-          </p:cNvPr>
-          <p:cNvSpPr/>
-          <p:nvPr/>
-        </p:nvSpPr>
-        <p:spPr>
-          <a:xfrm>
-            <a:off x="2686047" y="4521493"/>
-            <a:ext cx="6819899" cy="461665"/>
-          </a:xfrm>
-          <a:prstGeom prst="rect">
-            <a:avLst/>
-          </a:prstGeom>
-          <a:noFill/>
-        </p:spPr>
-        <p:txBody>
-          <a:bodyPr wrap="square" lIns="91440" tIns="45720" rIns="91440" bIns="45720">
-            <a:spAutoFit/>
-          </a:bodyPr>
-          <a:lstStyle/>
-          <a:p>
-            <a:pPr algn="ctr"/>
-            <a:r>
-              <a:rPr lang="en-US" sz="2400" b="1">
-                <a:ln w="0"/>
-                <a:solidFill>
-                  <a:schemeClr val="bg1"/>
-                </a:solidFill>
-                <a:effectLst>
-                  <a:outerShdw blurRad="38100" dist="19050" dir="2700000" algn="tl" rotWithShape="0">
-                    <a:schemeClr val="dk1">
-                      <a:alpha val="40000"/>
-                    </a:schemeClr>
-                  </a:outerShdw>
-                </a:effectLst>
-              </a:rPr>
-              <a:t>VINICIUS LUCENA VIANA RA 01182077</a:t>
-            </a:r>
-            <a:endParaRPr lang="en-US" sz="2400" b="1" cap="none" spc="0">
-              <a:ln w="0"/>
-              <a:solidFill>
-                <a:schemeClr val="bg1"/>
-              </a:solidFill>
-              <a:effectLst>
-                <a:outerShdw blurRad="38100" dist="19050" dir="2700000" algn="tl" rotWithShape="0">
-                  <a:schemeClr val="dk1">
-                    <a:alpha val="40000"/>
-                  </a:schemeClr>
-                </a:outerShdw>
-              </a:effectLst>
-            </a:endParaRPr>
-          </a:p>
-        </p:txBody>
-      </p:sp>
-    </p:spTree>
-    <p:extLst>
-      <p:ext uri="{BB962C8B-B14F-4D97-AF65-F5344CB8AC3E}">
-        <p14:creationId xmlns:p14="http://schemas.microsoft.com/office/powerpoint/2010/main" val="292984706"/>
       </p:ext>
     </p:extLst>
   </p:cSld>
@@ -13743,6 +13954,12 @@
 </file>
 
 <file path=customXml/item2.xml><?xml version="1.0" encoding="utf-8"?>
+<p:properties xmlns:p="http://schemas.microsoft.com/office/2006/metadata/properties" xmlns:xsi="http://www.w3.org/2001/XMLSchema-instance" xmlns:pc="http://schemas.microsoft.com/office/infopath/2007/PartnerControls">
+  <documentManagement/>
+</p:properties>
+</file>
+
+<file path=customXml/item3.xml><?xml version="1.0" encoding="utf-8"?>
 <ct:contentTypeSchema xmlns:ct="http://schemas.microsoft.com/office/2006/metadata/contentType" xmlns:ma="http://schemas.microsoft.com/office/2006/metadata/properties/metaAttributes" ct:_="" ma:_="" ma:contentTypeName="Documento" ma:contentTypeID="0x01010049EF22FAA227184C9F17DB94FF991B99" ma:contentTypeVersion="4" ma:contentTypeDescription="Crie um novo documento." ma:contentTypeScope="" ma:versionID="442411e1f160c779f1992de5e0fb256a">
   <xsd:schema xmlns:xsd="http://www.w3.org/2001/XMLSchema" xmlns:xs="http://www.w3.org/2001/XMLSchema" xmlns:p="http://schemas.microsoft.com/office/2006/metadata/properties" xmlns:ns2="020b5f2f-eb9b-4b5b-ac28-78b24d18aac0" targetNamespace="http://schemas.microsoft.com/office/2006/metadata/properties" ma:root="true" ma:fieldsID="77a5a8c295f322286c01b5981d5f1d8b" ns2:_="">
     <xsd:import namespace="020b5f2f-eb9b-4b5b-ac28-78b24d18aac0"/>
@@ -13888,12 +14105,6 @@
 </ct:contentTypeSchema>
 </file>
 
-<file path=customXml/item3.xml><?xml version="1.0" encoding="utf-8"?>
-<p:properties xmlns:p="http://schemas.microsoft.com/office/2006/metadata/properties" xmlns:xsi="http://www.w3.org/2001/XMLSchema-instance" xmlns:pc="http://schemas.microsoft.com/office/infopath/2007/PartnerControls">
-  <documentManagement/>
-</p:properties>
-</file>
-
 <file path=customXml/itemProps1.xml><?xml version="1.0" encoding="utf-8"?>
 <ds:datastoreItem xmlns:ds="http://schemas.openxmlformats.org/officeDocument/2006/customXml" ds:itemID="{370E4D61-1BE4-4B15-A784-AD2954D7A6D9}">
   <ds:schemaRefs>
@@ -13903,6 +14114,15 @@
 </file>
 
 <file path=customXml/itemProps2.xml><?xml version="1.0" encoding="utf-8"?>
+<ds:datastoreItem xmlns:ds="http://schemas.openxmlformats.org/officeDocument/2006/customXml" ds:itemID="{55798A40-9FAD-445E-91C1-7CEFB25D743E}">
+  <ds:schemaRefs>
+    <ds:schemaRef ds:uri="http://schemas.microsoft.com/office/2006/metadata/properties"/>
+    <ds:schemaRef ds:uri="http://schemas.microsoft.com/office/infopath/2007/PartnerControls"/>
+  </ds:schemaRefs>
+</ds:datastoreItem>
+</file>
+
+<file path=customXml/itemProps3.xml><?xml version="1.0" encoding="utf-8"?>
 <ds:datastoreItem xmlns:ds="http://schemas.openxmlformats.org/officeDocument/2006/customXml" ds:itemID="{29EA2E90-B8E6-4B7F-88C3-E8C22CC710BC}">
   <ds:schemaRefs>
     <ds:schemaRef ds:uri="http://schemas.microsoft.com/office/2006/metadata/contentType"/>
@@ -13918,13 +14138,4 @@
     <ds:schemaRef ds:uri="http://schemas.microsoft.com/internal/obd"/>
   </ds:schemaRefs>
 </ds:datastoreItem>
-</file>
-
-<file path=customXml/itemProps3.xml><?xml version="1.0" encoding="utf-8"?>
-<ds:datastoreItem xmlns:ds="http://schemas.openxmlformats.org/officeDocument/2006/customXml" ds:itemID="{55798A40-9FAD-445E-91C1-7CEFB25D743E}">
-  <ds:schemaRefs>
-    <ds:schemaRef ds:uri="http://schemas.microsoft.com/office/2006/metadata/properties"/>
-    <ds:schemaRef ds:uri="http://schemas.microsoft.com/office/infopath/2007/PartnerControls"/>
-  </ds:schemaRefs>
-</ds:datastoreItem>
 </file>
--- a/Powerpoint/CARBONTOWER-v2.0.pptx
+++ b/Powerpoint/CARBONTOWER-v2.0.pptx
@@ -270,7 +270,7 @@
           <a:p>
             <a:fld id="{F0ED955F-D8D6-CE41-B014-F2E9EF585494}" type="datetimeFigureOut">
               <a:rPr lang="en-US" smtClean="0"/>
-              <a:t>4/28/2019</a:t>
+              <a:t>4/29/2019</a:t>
             </a:fld>
             <a:endParaRPr lang="en-US"/>
           </a:p>
@@ -468,7 +468,7 @@
           <a:p>
             <a:fld id="{F0ED955F-D8D6-CE41-B014-F2E9EF585494}" type="datetimeFigureOut">
               <a:rPr lang="en-US" smtClean="0"/>
-              <a:t>4/28/2019</a:t>
+              <a:t>4/29/2019</a:t>
             </a:fld>
             <a:endParaRPr lang="en-US"/>
           </a:p>
@@ -676,7 +676,7 @@
           <a:p>
             <a:fld id="{F0ED955F-D8D6-CE41-B014-F2E9EF585494}" type="datetimeFigureOut">
               <a:rPr lang="en-US" smtClean="0"/>
-              <a:t>4/28/2019</a:t>
+              <a:t>4/29/2019</a:t>
             </a:fld>
             <a:endParaRPr lang="en-US"/>
           </a:p>
@@ -874,7 +874,7 @@
           <a:p>
             <a:fld id="{F0ED955F-D8D6-CE41-B014-F2E9EF585494}" type="datetimeFigureOut">
               <a:rPr lang="en-US" smtClean="0"/>
-              <a:t>4/28/2019</a:t>
+              <a:t>4/29/2019</a:t>
             </a:fld>
             <a:endParaRPr lang="en-US"/>
           </a:p>
@@ -1149,7 +1149,7 @@
           <a:p>
             <a:fld id="{F0ED955F-D8D6-CE41-B014-F2E9EF585494}" type="datetimeFigureOut">
               <a:rPr lang="en-US" smtClean="0"/>
-              <a:t>4/28/2019</a:t>
+              <a:t>4/29/2019</a:t>
             </a:fld>
             <a:endParaRPr lang="en-US"/>
           </a:p>
@@ -1414,7 +1414,7 @@
           <a:p>
             <a:fld id="{F0ED955F-D8D6-CE41-B014-F2E9EF585494}" type="datetimeFigureOut">
               <a:rPr lang="en-US" smtClean="0"/>
-              <a:t>4/28/2019</a:t>
+              <a:t>4/29/2019</a:t>
             </a:fld>
             <a:endParaRPr lang="en-US"/>
           </a:p>
@@ -1826,7 +1826,7 @@
           <a:p>
             <a:fld id="{F0ED955F-D8D6-CE41-B014-F2E9EF585494}" type="datetimeFigureOut">
               <a:rPr lang="en-US" smtClean="0"/>
-              <a:t>4/28/2019</a:t>
+              <a:t>4/29/2019</a:t>
             </a:fld>
             <a:endParaRPr lang="en-US"/>
           </a:p>
@@ -1967,7 +1967,7 @@
           <a:p>
             <a:fld id="{F0ED955F-D8D6-CE41-B014-F2E9EF585494}" type="datetimeFigureOut">
               <a:rPr lang="en-US" smtClean="0"/>
-              <a:t>4/28/2019</a:t>
+              <a:t>4/29/2019</a:t>
             </a:fld>
             <a:endParaRPr lang="en-US"/>
           </a:p>
@@ -2080,7 +2080,7 @@
           <a:p>
             <a:fld id="{F0ED955F-D8D6-CE41-B014-F2E9EF585494}" type="datetimeFigureOut">
               <a:rPr lang="en-US" smtClean="0"/>
-              <a:t>4/28/2019</a:t>
+              <a:t>4/29/2019</a:t>
             </a:fld>
             <a:endParaRPr lang="en-US"/>
           </a:p>
@@ -2391,7 +2391,7 @@
           <a:p>
             <a:fld id="{F0ED955F-D8D6-CE41-B014-F2E9EF585494}" type="datetimeFigureOut">
               <a:rPr lang="en-US" smtClean="0"/>
-              <a:t>4/28/2019</a:t>
+              <a:t>4/29/2019</a:t>
             </a:fld>
             <a:endParaRPr lang="en-US"/>
           </a:p>
@@ -2679,7 +2679,7 @@
           <a:p>
             <a:fld id="{F0ED955F-D8D6-CE41-B014-F2E9EF585494}" type="datetimeFigureOut">
               <a:rPr lang="en-US" smtClean="0"/>
-              <a:t>4/28/2019</a:t>
+              <a:t>4/29/2019</a:t>
             </a:fld>
             <a:endParaRPr lang="en-US"/>
           </a:p>
@@ -2925,7 +2925,7 @@
           <a:p>
             <a:fld id="{F0ED955F-D8D6-CE41-B014-F2E9EF585494}" type="datetimeFigureOut">
               <a:rPr lang="en-US" smtClean="0"/>
-              <a:t>4/28/2019</a:t>
+              <a:t>4/29/2019</a:t>
             </a:fld>
             <a:endParaRPr lang="en-US"/>
           </a:p>
@@ -10454,6 +10454,58 @@
       </p:grpSpPr>
       <p:sp>
         <p:nvSpPr>
+          <p:cNvPr id="84" name="Retângulo: Cantos Arredondados 97">
+            <a:extLst>
+              <a:ext uri="{FF2B5EF4-FFF2-40B4-BE49-F238E27FC236}">
+                <a16:creationId xmlns:a16="http://schemas.microsoft.com/office/drawing/2014/main" id="{74FBB26D-C047-494A-B028-33D0F7937557}"/>
+              </a:ext>
+            </a:extLst>
+          </p:cNvPr>
+          <p:cNvSpPr/>
+          <p:nvPr/>
+        </p:nvSpPr>
+        <p:spPr>
+          <a:xfrm>
+            <a:off x="940421" y="4165399"/>
+            <a:ext cx="1448935" cy="700958"/>
+          </a:xfrm>
+          <a:prstGeom prst="roundRect">
+            <a:avLst/>
+          </a:prstGeom>
+          <a:solidFill>
+            <a:schemeClr val="bg1"/>
+          </a:solidFill>
+          <a:ln>
+            <a:noFill/>
+          </a:ln>
+        </p:spPr>
+        <p:style>
+          <a:lnRef idx="2">
+            <a:schemeClr val="accent1">
+              <a:shade val="50000"/>
+            </a:schemeClr>
+          </a:lnRef>
+          <a:fillRef idx="1">
+            <a:schemeClr val="accent1"/>
+          </a:fillRef>
+          <a:effectRef idx="0">
+            <a:schemeClr val="accent1"/>
+          </a:effectRef>
+          <a:fontRef idx="minor">
+            <a:schemeClr val="lt1"/>
+          </a:fontRef>
+        </p:style>
+        <p:txBody>
+          <a:bodyPr rtlCol="0" anchor="ctr"/>
+          <a:lstStyle/>
+          <a:p>
+            <a:pPr algn="ctr"/>
+            <a:endParaRPr lang="pt-BR"/>
+          </a:p>
+        </p:txBody>
+      </p:sp>
+      <p:sp>
+        <p:nvSpPr>
           <p:cNvPr id="88" name="Retângulo 87"/>
           <p:cNvSpPr/>
           <p:nvPr/>
@@ -10667,7 +10719,7 @@
         </p:nvSpPr>
         <p:spPr>
           <a:xfrm>
-            <a:off x="889800" y="4916239"/>
+            <a:off x="889800" y="5500961"/>
             <a:ext cx="1448935" cy="700958"/>
           </a:xfrm>
           <a:prstGeom prst="roundRect">
@@ -10953,7 +11005,7 @@
         </p:nvGrpSpPr>
         <p:grpSpPr>
           <a:xfrm>
-            <a:off x="9771286" y="5662129"/>
+            <a:off x="9771286" y="5803860"/>
             <a:ext cx="869411" cy="768699"/>
             <a:chOff x="5032752" y="5313613"/>
             <a:chExt cx="1492398" cy="1319518"/>
@@ -11203,7 +11255,7 @@
         </p:nvGrpSpPr>
         <p:grpSpPr>
           <a:xfrm>
-            <a:off x="10577838" y="5676878"/>
+            <a:off x="10577838" y="5818609"/>
             <a:ext cx="729996" cy="706175"/>
             <a:chOff x="7672566" y="5423309"/>
             <a:chExt cx="1190589" cy="1151740"/>
@@ -11487,7 +11539,7 @@
         </p:nvGrpSpPr>
         <p:grpSpPr>
           <a:xfrm>
-            <a:off x="4422870" y="5724280"/>
+            <a:off x="1338803" y="4199689"/>
             <a:ext cx="640667" cy="713321"/>
             <a:chOff x="8705391" y="3255362"/>
             <a:chExt cx="1604841" cy="1786839"/>
@@ -11633,8 +11685,8 @@
         </p:nvSpPr>
         <p:spPr>
           <a:xfrm>
-            <a:off x="5036530" y="5709004"/>
-            <a:ext cx="1406800" cy="691388"/>
+            <a:off x="351067" y="4821193"/>
+            <a:ext cx="2627641" cy="691388"/>
           </a:xfrm>
           <a:prstGeom prst="rect">
             <a:avLst/>
@@ -11780,14 +11832,14 @@
             </a:lvl9pPr>
           </a:lstStyle>
           <a:p>
-            <a:pPr marL="0" indent="0">
+            <a:pPr marL="0" indent="0" algn="ctr">
               <a:lnSpc>
                 <a:spcPct val="150000"/>
               </a:lnSpc>
               <a:buNone/>
             </a:pPr>
             <a:r>
-              <a:rPr lang="pt-BR" sz="1200" dirty="0" err="1">
+              <a:rPr lang="pt-BR" sz="1400" b="1" dirty="0" err="1">
                 <a:solidFill>
                   <a:schemeClr val="bg1">
                     <a:lumMod val="85000"/>
@@ -11797,7 +11849,7 @@
               <a:t>APIs</a:t>
             </a:r>
             <a:r>
-              <a:rPr lang="pt-BR" sz="1200" dirty="0">
+              <a:rPr lang="pt-BR" sz="1400" b="1" dirty="0">
                 <a:solidFill>
                   <a:schemeClr val="bg1">
                     <a:lumMod val="85000"/>
@@ -11817,7 +11869,7 @@
         </p:nvGrpSpPr>
         <p:grpSpPr>
           <a:xfrm>
-            <a:off x="4123703" y="4459153"/>
+            <a:off x="4123703" y="4614993"/>
             <a:ext cx="962354" cy="569169"/>
             <a:chOff x="6183099" y="2355080"/>
             <a:chExt cx="962354" cy="569169"/>
@@ -11934,7 +11986,7 @@
         </p:blipFill>
         <p:spPr bwMode="auto">
           <a:xfrm>
-            <a:off x="5343786" y="4570230"/>
+            <a:off x="5343786" y="4695654"/>
             <a:ext cx="1136309" cy="381373"/>
           </a:xfrm>
           <a:prstGeom prst="rect">
@@ -12506,8 +12558,8 @@
         </p:nvGrpSpPr>
         <p:grpSpPr>
           <a:xfrm>
-            <a:off x="4454552" y="4959315"/>
-            <a:ext cx="1584793" cy="783080"/>
+            <a:off x="4238564" y="5220868"/>
+            <a:ext cx="2052073" cy="1013973"/>
             <a:chOff x="1223363" y="4830938"/>
             <a:chExt cx="1171532" cy="578879"/>
           </a:xfrm>
@@ -13065,7 +13117,7 @@
         </p:nvGrpSpPr>
         <p:grpSpPr>
           <a:xfrm>
-            <a:off x="8452774" y="5162543"/>
+            <a:off x="8452774" y="5304274"/>
             <a:ext cx="3022167" cy="1357928"/>
             <a:chOff x="4946017" y="2029285"/>
             <a:chExt cx="3022167" cy="1357928"/>
@@ -13406,7 +13458,7 @@
         </p:nvGrpSpPr>
         <p:grpSpPr>
           <a:xfrm>
-            <a:off x="8458252" y="2827693"/>
+            <a:off x="8458252" y="2434744"/>
             <a:ext cx="3284334" cy="1462553"/>
             <a:chOff x="4994431" y="1358207"/>
             <a:chExt cx="3284334" cy="1462553"/>
@@ -14027,7 +14079,7 @@
         </p:nvGrpSpPr>
         <p:grpSpPr>
           <a:xfrm>
-            <a:off x="8602370" y="2196525"/>
+            <a:off x="8602370" y="1803576"/>
             <a:ext cx="1054487" cy="692067"/>
             <a:chOff x="5253474" y="2384967"/>
             <a:chExt cx="1054487" cy="692067"/>
@@ -14425,7 +14477,7 @@
         </p:nvCxnSpPr>
         <p:spPr>
           <a:xfrm flipH="1">
-            <a:off x="6609478" y="5769350"/>
+            <a:off x="6609478" y="5911081"/>
             <a:ext cx="1992892" cy="0"/>
           </a:xfrm>
           <a:prstGeom prst="straightConnector1">
@@ -14470,7 +14522,7 @@
         </p:nvCxnSpPr>
         <p:spPr>
           <a:xfrm flipV="1">
-            <a:off x="6609478" y="3495819"/>
+            <a:off x="6609478" y="3102870"/>
             <a:ext cx="1992892" cy="1455785"/>
           </a:xfrm>
           <a:prstGeom prst="bentConnector3">
@@ -14517,7 +14569,7 @@
         </p:nvSpPr>
         <p:spPr>
           <a:xfrm>
-            <a:off x="6938957" y="4459153"/>
+            <a:off x="6938957" y="4066204"/>
             <a:ext cx="1013816" cy="381373"/>
           </a:xfrm>
           <a:prstGeom prst="rect">
@@ -14713,7 +14765,7 @@
         </p:nvSpPr>
         <p:spPr>
           <a:xfrm>
-            <a:off x="7160180" y="5484380"/>
+            <a:off x="7160180" y="5626111"/>
             <a:ext cx="1013816" cy="381373"/>
           </a:xfrm>
           <a:prstGeom prst="rect">
@@ -14906,7 +14958,7 @@
         </p:blipFill>
         <p:spPr bwMode="auto">
           <a:xfrm>
-            <a:off x="970721" y="5018531"/>
+            <a:off x="970721" y="5603253"/>
             <a:ext cx="1287091" cy="526903"/>
           </a:xfrm>
           <a:prstGeom prst="rect">
@@ -14941,7 +14993,7 @@
         </p:nvCxnSpPr>
         <p:spPr>
           <a:xfrm flipH="1" flipV="1">
-            <a:off x="2338735" y="5266718"/>
+            <a:off x="2338735" y="5851440"/>
             <a:ext cx="1649060" cy="5446"/>
           </a:xfrm>
           <a:prstGeom prst="straightConnector1">
@@ -15015,6 +15067,620 @@
           </a:fontRef>
         </p:style>
       </p:cxnSp>
+      <p:sp>
+        <p:nvSpPr>
+          <p:cNvPr id="65" name="Espaço Reservado para Texto 1">
+            <a:extLst>
+              <a:ext uri="{FF2B5EF4-FFF2-40B4-BE49-F238E27FC236}">
+                <a16:creationId xmlns:a16="http://schemas.microsoft.com/office/drawing/2014/main" id="{CB43A817-747F-41D2-B1AB-7A461310F25B}"/>
+              </a:ext>
+            </a:extLst>
+          </p:cNvPr>
+          <p:cNvSpPr txBox="1">
+            <a:spLocks/>
+          </p:cNvSpPr>
+          <p:nvPr/>
+        </p:nvSpPr>
+        <p:spPr>
+          <a:xfrm>
+            <a:off x="2647085" y="5593367"/>
+            <a:ext cx="1013816" cy="280676"/>
+          </a:xfrm>
+          <a:prstGeom prst="rect">
+            <a:avLst/>
+          </a:prstGeom>
+        </p:spPr>
+        <p:txBody>
+          <a:bodyPr/>
+          <a:lstStyle>
+            <a:lvl1pPr marL="391146" indent="-391146" algn="l" defTabSz="1043056" rtl="0" eaLnBrk="1" latinLnBrk="0" hangingPunct="1">
+              <a:spcBef>
+                <a:spcPct val="20000"/>
+              </a:spcBef>
+              <a:buFont typeface="Arial" pitchFamily="34" charset="0"/>
+              <a:buChar char="•"/>
+              <a:defRPr sz="3700" kern="1200">
+                <a:solidFill>
+                  <a:schemeClr val="tx1"/>
+                </a:solidFill>
+                <a:latin typeface="+mn-lt"/>
+                <a:ea typeface="+mn-ea"/>
+                <a:cs typeface="+mn-cs"/>
+              </a:defRPr>
+            </a:lvl1pPr>
+            <a:lvl2pPr marL="847483" indent="-325955" algn="l" defTabSz="1043056" rtl="0" eaLnBrk="1" latinLnBrk="0" hangingPunct="1">
+              <a:spcBef>
+                <a:spcPct val="20000"/>
+              </a:spcBef>
+              <a:buFont typeface="Arial" pitchFamily="34" charset="0"/>
+              <a:buChar char="–"/>
+              <a:defRPr sz="3200" kern="1200">
+                <a:solidFill>
+                  <a:schemeClr val="tx1"/>
+                </a:solidFill>
+                <a:latin typeface="+mn-lt"/>
+                <a:ea typeface="+mn-ea"/>
+                <a:cs typeface="+mn-cs"/>
+              </a:defRPr>
+            </a:lvl2pPr>
+            <a:lvl3pPr marL="1303820" indent="-260764" algn="l" defTabSz="1043056" rtl="0" eaLnBrk="1" latinLnBrk="0" hangingPunct="1">
+              <a:spcBef>
+                <a:spcPct val="20000"/>
+              </a:spcBef>
+              <a:buFont typeface="Arial" pitchFamily="34" charset="0"/>
+              <a:buChar char="•"/>
+              <a:defRPr sz="2700" kern="1200">
+                <a:solidFill>
+                  <a:schemeClr val="tx1"/>
+                </a:solidFill>
+                <a:latin typeface="+mn-lt"/>
+                <a:ea typeface="+mn-ea"/>
+                <a:cs typeface="+mn-cs"/>
+              </a:defRPr>
+            </a:lvl3pPr>
+            <a:lvl4pPr marL="1825348" indent="-260764" algn="l" defTabSz="1043056" rtl="0" eaLnBrk="1" latinLnBrk="0" hangingPunct="1">
+              <a:spcBef>
+                <a:spcPct val="20000"/>
+              </a:spcBef>
+              <a:buFont typeface="Arial" pitchFamily="34" charset="0"/>
+              <a:buChar char="–"/>
+              <a:defRPr sz="2300" kern="1200">
+                <a:solidFill>
+                  <a:schemeClr val="tx1"/>
+                </a:solidFill>
+                <a:latin typeface="+mn-lt"/>
+                <a:ea typeface="+mn-ea"/>
+                <a:cs typeface="+mn-cs"/>
+              </a:defRPr>
+            </a:lvl4pPr>
+            <a:lvl5pPr marL="2346876" indent="-260764" algn="l" defTabSz="1043056" rtl="0" eaLnBrk="1" latinLnBrk="0" hangingPunct="1">
+              <a:spcBef>
+                <a:spcPct val="20000"/>
+              </a:spcBef>
+              <a:buFont typeface="Arial" pitchFamily="34" charset="0"/>
+              <a:buChar char="»"/>
+              <a:defRPr sz="2300" kern="1200">
+                <a:solidFill>
+                  <a:schemeClr val="tx1"/>
+                </a:solidFill>
+                <a:latin typeface="+mn-lt"/>
+                <a:ea typeface="+mn-ea"/>
+                <a:cs typeface="+mn-cs"/>
+              </a:defRPr>
+            </a:lvl5pPr>
+            <a:lvl6pPr marL="2868404" indent="-260764" algn="l" defTabSz="1043056" rtl="0" eaLnBrk="1" latinLnBrk="0" hangingPunct="1">
+              <a:spcBef>
+                <a:spcPct val="20000"/>
+              </a:spcBef>
+              <a:buFont typeface="Arial" pitchFamily="34" charset="0"/>
+              <a:buChar char="•"/>
+              <a:defRPr sz="2300" kern="1200">
+                <a:solidFill>
+                  <a:schemeClr val="tx1"/>
+                </a:solidFill>
+                <a:latin typeface="+mn-lt"/>
+                <a:ea typeface="+mn-ea"/>
+                <a:cs typeface="+mn-cs"/>
+              </a:defRPr>
+            </a:lvl6pPr>
+            <a:lvl7pPr marL="3389932" indent="-260764" algn="l" defTabSz="1043056" rtl="0" eaLnBrk="1" latinLnBrk="0" hangingPunct="1">
+              <a:spcBef>
+                <a:spcPct val="20000"/>
+              </a:spcBef>
+              <a:buFont typeface="Arial" pitchFamily="34" charset="0"/>
+              <a:buChar char="•"/>
+              <a:defRPr sz="2300" kern="1200">
+                <a:solidFill>
+                  <a:schemeClr val="tx1"/>
+                </a:solidFill>
+                <a:latin typeface="+mn-lt"/>
+                <a:ea typeface="+mn-ea"/>
+                <a:cs typeface="+mn-cs"/>
+              </a:defRPr>
+            </a:lvl7pPr>
+            <a:lvl8pPr marL="3911460" indent="-260764" algn="l" defTabSz="1043056" rtl="0" eaLnBrk="1" latinLnBrk="0" hangingPunct="1">
+              <a:spcBef>
+                <a:spcPct val="20000"/>
+              </a:spcBef>
+              <a:buFont typeface="Arial" pitchFamily="34" charset="0"/>
+              <a:buChar char="•"/>
+              <a:defRPr sz="2300" kern="1200">
+                <a:solidFill>
+                  <a:schemeClr val="tx1"/>
+                </a:solidFill>
+                <a:latin typeface="+mn-lt"/>
+                <a:ea typeface="+mn-ea"/>
+                <a:cs typeface="+mn-cs"/>
+              </a:defRPr>
+            </a:lvl8pPr>
+            <a:lvl9pPr marL="4432988" indent="-260764" algn="l" defTabSz="1043056" rtl="0" eaLnBrk="1" latinLnBrk="0" hangingPunct="1">
+              <a:spcBef>
+                <a:spcPct val="20000"/>
+              </a:spcBef>
+              <a:buFont typeface="Arial" pitchFamily="34" charset="0"/>
+              <a:buChar char="•"/>
+              <a:defRPr sz="2300" kern="1200">
+                <a:solidFill>
+                  <a:schemeClr val="tx1"/>
+                </a:solidFill>
+                <a:latin typeface="+mn-lt"/>
+                <a:ea typeface="+mn-ea"/>
+                <a:cs typeface="+mn-cs"/>
+              </a:defRPr>
+            </a:lvl9pPr>
+          </a:lstStyle>
+          <a:p>
+            <a:pPr marL="0" indent="0" algn="ctr">
+              <a:lnSpc>
+                <a:spcPts val="1100"/>
+              </a:lnSpc>
+              <a:buNone/>
+            </a:pPr>
+            <a:r>
+              <a:rPr lang="pt-BR" sz="1600" dirty="0">
+                <a:solidFill>
+                  <a:srgbClr val="FFFFFF"/>
+                </a:solidFill>
+              </a:rPr>
+              <a:t>HTTP</a:t>
+            </a:r>
+          </a:p>
+        </p:txBody>
+      </p:sp>
+      <p:cxnSp>
+        <p:nvCxnSpPr>
+          <p:cNvPr id="77" name="Conector de Seta Reta 76">
+            <a:extLst>
+              <a:ext uri="{FF2B5EF4-FFF2-40B4-BE49-F238E27FC236}">
+                <a16:creationId xmlns:a16="http://schemas.microsoft.com/office/drawing/2014/main" id="{60606D3D-91C1-4527-AC4E-8A593E754D38}"/>
+              </a:ext>
+            </a:extLst>
+          </p:cNvPr>
+          <p:cNvCxnSpPr>
+            <a:cxnSpLocks/>
+          </p:cNvCxnSpPr>
+          <p:nvPr/>
+        </p:nvCxnSpPr>
+        <p:spPr>
+          <a:xfrm flipH="1" flipV="1">
+            <a:off x="2338735" y="4548325"/>
+            <a:ext cx="1649060" cy="5446"/>
+          </a:xfrm>
+          <a:prstGeom prst="straightConnector1">
+            <a:avLst/>
+          </a:prstGeom>
+          <a:ln w="57150">
+            <a:solidFill>
+              <a:schemeClr val="bg1"/>
+            </a:solidFill>
+            <a:headEnd type="triangle"/>
+            <a:tailEnd type="triangle"/>
+          </a:ln>
+        </p:spPr>
+        <p:style>
+          <a:lnRef idx="1">
+            <a:schemeClr val="accent1"/>
+          </a:lnRef>
+          <a:fillRef idx="0">
+            <a:schemeClr val="accent1"/>
+          </a:fillRef>
+          <a:effectRef idx="0">
+            <a:schemeClr val="accent1"/>
+          </a:effectRef>
+          <a:fontRef idx="minor">
+            <a:schemeClr val="tx1"/>
+          </a:fontRef>
+        </p:style>
+      </p:cxnSp>
+      <p:sp>
+        <p:nvSpPr>
+          <p:cNvPr id="79" name="Espaço Reservado para Texto 1">
+            <a:extLst>
+              <a:ext uri="{FF2B5EF4-FFF2-40B4-BE49-F238E27FC236}">
+                <a16:creationId xmlns:a16="http://schemas.microsoft.com/office/drawing/2014/main" id="{CB43A817-747F-41D2-B1AB-7A461310F25B}"/>
+              </a:ext>
+            </a:extLst>
+          </p:cNvPr>
+          <p:cNvSpPr txBox="1">
+            <a:spLocks/>
+          </p:cNvSpPr>
+          <p:nvPr/>
+        </p:nvSpPr>
+        <p:spPr>
+          <a:xfrm>
+            <a:off x="2647085" y="4290252"/>
+            <a:ext cx="1013816" cy="280676"/>
+          </a:xfrm>
+          <a:prstGeom prst="rect">
+            <a:avLst/>
+          </a:prstGeom>
+        </p:spPr>
+        <p:txBody>
+          <a:bodyPr/>
+          <a:lstStyle>
+            <a:lvl1pPr marL="391146" indent="-391146" algn="l" defTabSz="1043056" rtl="0" eaLnBrk="1" latinLnBrk="0" hangingPunct="1">
+              <a:spcBef>
+                <a:spcPct val="20000"/>
+              </a:spcBef>
+              <a:buFont typeface="Arial" pitchFamily="34" charset="0"/>
+              <a:buChar char="•"/>
+              <a:defRPr sz="3700" kern="1200">
+                <a:solidFill>
+                  <a:schemeClr val="tx1"/>
+                </a:solidFill>
+                <a:latin typeface="+mn-lt"/>
+                <a:ea typeface="+mn-ea"/>
+                <a:cs typeface="+mn-cs"/>
+              </a:defRPr>
+            </a:lvl1pPr>
+            <a:lvl2pPr marL="847483" indent="-325955" algn="l" defTabSz="1043056" rtl="0" eaLnBrk="1" latinLnBrk="0" hangingPunct="1">
+              <a:spcBef>
+                <a:spcPct val="20000"/>
+              </a:spcBef>
+              <a:buFont typeface="Arial" pitchFamily="34" charset="0"/>
+              <a:buChar char="–"/>
+              <a:defRPr sz="3200" kern="1200">
+                <a:solidFill>
+                  <a:schemeClr val="tx1"/>
+                </a:solidFill>
+                <a:latin typeface="+mn-lt"/>
+                <a:ea typeface="+mn-ea"/>
+                <a:cs typeface="+mn-cs"/>
+              </a:defRPr>
+            </a:lvl2pPr>
+            <a:lvl3pPr marL="1303820" indent="-260764" algn="l" defTabSz="1043056" rtl="0" eaLnBrk="1" latinLnBrk="0" hangingPunct="1">
+              <a:spcBef>
+                <a:spcPct val="20000"/>
+              </a:spcBef>
+              <a:buFont typeface="Arial" pitchFamily="34" charset="0"/>
+              <a:buChar char="•"/>
+              <a:defRPr sz="2700" kern="1200">
+                <a:solidFill>
+                  <a:schemeClr val="tx1"/>
+                </a:solidFill>
+                <a:latin typeface="+mn-lt"/>
+                <a:ea typeface="+mn-ea"/>
+                <a:cs typeface="+mn-cs"/>
+              </a:defRPr>
+            </a:lvl3pPr>
+            <a:lvl4pPr marL="1825348" indent="-260764" algn="l" defTabSz="1043056" rtl="0" eaLnBrk="1" latinLnBrk="0" hangingPunct="1">
+              <a:spcBef>
+                <a:spcPct val="20000"/>
+              </a:spcBef>
+              <a:buFont typeface="Arial" pitchFamily="34" charset="0"/>
+              <a:buChar char="–"/>
+              <a:defRPr sz="2300" kern="1200">
+                <a:solidFill>
+                  <a:schemeClr val="tx1"/>
+                </a:solidFill>
+                <a:latin typeface="+mn-lt"/>
+                <a:ea typeface="+mn-ea"/>
+                <a:cs typeface="+mn-cs"/>
+              </a:defRPr>
+            </a:lvl4pPr>
+            <a:lvl5pPr marL="2346876" indent="-260764" algn="l" defTabSz="1043056" rtl="0" eaLnBrk="1" latinLnBrk="0" hangingPunct="1">
+              <a:spcBef>
+                <a:spcPct val="20000"/>
+              </a:spcBef>
+              <a:buFont typeface="Arial" pitchFamily="34" charset="0"/>
+              <a:buChar char="»"/>
+              <a:defRPr sz="2300" kern="1200">
+                <a:solidFill>
+                  <a:schemeClr val="tx1"/>
+                </a:solidFill>
+                <a:latin typeface="+mn-lt"/>
+                <a:ea typeface="+mn-ea"/>
+                <a:cs typeface="+mn-cs"/>
+              </a:defRPr>
+            </a:lvl5pPr>
+            <a:lvl6pPr marL="2868404" indent="-260764" algn="l" defTabSz="1043056" rtl="0" eaLnBrk="1" latinLnBrk="0" hangingPunct="1">
+              <a:spcBef>
+                <a:spcPct val="20000"/>
+              </a:spcBef>
+              <a:buFont typeface="Arial" pitchFamily="34" charset="0"/>
+              <a:buChar char="•"/>
+              <a:defRPr sz="2300" kern="1200">
+                <a:solidFill>
+                  <a:schemeClr val="tx1"/>
+                </a:solidFill>
+                <a:latin typeface="+mn-lt"/>
+                <a:ea typeface="+mn-ea"/>
+                <a:cs typeface="+mn-cs"/>
+              </a:defRPr>
+            </a:lvl6pPr>
+            <a:lvl7pPr marL="3389932" indent="-260764" algn="l" defTabSz="1043056" rtl="0" eaLnBrk="1" latinLnBrk="0" hangingPunct="1">
+              <a:spcBef>
+                <a:spcPct val="20000"/>
+              </a:spcBef>
+              <a:buFont typeface="Arial" pitchFamily="34" charset="0"/>
+              <a:buChar char="•"/>
+              <a:defRPr sz="2300" kern="1200">
+                <a:solidFill>
+                  <a:schemeClr val="tx1"/>
+                </a:solidFill>
+                <a:latin typeface="+mn-lt"/>
+                <a:ea typeface="+mn-ea"/>
+                <a:cs typeface="+mn-cs"/>
+              </a:defRPr>
+            </a:lvl7pPr>
+            <a:lvl8pPr marL="3911460" indent="-260764" algn="l" defTabSz="1043056" rtl="0" eaLnBrk="1" latinLnBrk="0" hangingPunct="1">
+              <a:spcBef>
+                <a:spcPct val="20000"/>
+              </a:spcBef>
+              <a:buFont typeface="Arial" pitchFamily="34" charset="0"/>
+              <a:buChar char="•"/>
+              <a:defRPr sz="2300" kern="1200">
+                <a:solidFill>
+                  <a:schemeClr val="tx1"/>
+                </a:solidFill>
+                <a:latin typeface="+mn-lt"/>
+                <a:ea typeface="+mn-ea"/>
+                <a:cs typeface="+mn-cs"/>
+              </a:defRPr>
+            </a:lvl8pPr>
+            <a:lvl9pPr marL="4432988" indent="-260764" algn="l" defTabSz="1043056" rtl="0" eaLnBrk="1" latinLnBrk="0" hangingPunct="1">
+              <a:spcBef>
+                <a:spcPct val="20000"/>
+              </a:spcBef>
+              <a:buFont typeface="Arial" pitchFamily="34" charset="0"/>
+              <a:buChar char="•"/>
+              <a:defRPr sz="2300" kern="1200">
+                <a:solidFill>
+                  <a:schemeClr val="tx1"/>
+                </a:solidFill>
+                <a:latin typeface="+mn-lt"/>
+                <a:ea typeface="+mn-ea"/>
+                <a:cs typeface="+mn-cs"/>
+              </a:defRPr>
+            </a:lvl9pPr>
+          </a:lstStyle>
+          <a:p>
+            <a:pPr marL="0" indent="0" algn="ctr">
+              <a:lnSpc>
+                <a:spcPts val="1100"/>
+              </a:lnSpc>
+              <a:buNone/>
+            </a:pPr>
+            <a:r>
+              <a:rPr lang="pt-BR" sz="1600" dirty="0">
+                <a:solidFill>
+                  <a:srgbClr val="FFFFFF"/>
+                </a:solidFill>
+              </a:rPr>
+              <a:t>HTTP</a:t>
+            </a:r>
+          </a:p>
+        </p:txBody>
+      </p:sp>
+      <p:sp>
+        <p:nvSpPr>
+          <p:cNvPr id="85" name="Espaço Reservado para Texto 1">
+            <a:extLst>
+              <a:ext uri="{FF2B5EF4-FFF2-40B4-BE49-F238E27FC236}">
+                <a16:creationId xmlns:a16="http://schemas.microsoft.com/office/drawing/2014/main" id="{AC30D2B6-A39B-8B49-96B2-224D7C1FED1A}"/>
+              </a:ext>
+            </a:extLst>
+          </p:cNvPr>
+          <p:cNvSpPr txBox="1">
+            <a:spLocks/>
+          </p:cNvSpPr>
+          <p:nvPr/>
+        </p:nvSpPr>
+        <p:spPr>
+          <a:xfrm>
+            <a:off x="300445" y="6133078"/>
+            <a:ext cx="2627641" cy="691388"/>
+          </a:xfrm>
+          <a:prstGeom prst="rect">
+            <a:avLst/>
+          </a:prstGeom>
+        </p:spPr>
+        <p:txBody>
+          <a:bodyPr/>
+          <a:lstStyle>
+            <a:lvl1pPr marL="391146" indent="-391146" algn="l" defTabSz="1043056" rtl="0" eaLnBrk="1" latinLnBrk="0" hangingPunct="1">
+              <a:spcBef>
+                <a:spcPct val="20000"/>
+              </a:spcBef>
+              <a:buFont typeface="Arial" pitchFamily="34" charset="0"/>
+              <a:buChar char="•"/>
+              <a:defRPr sz="3700" kern="1200">
+                <a:solidFill>
+                  <a:schemeClr val="tx1"/>
+                </a:solidFill>
+                <a:latin typeface="+mn-lt"/>
+                <a:ea typeface="+mn-ea"/>
+                <a:cs typeface="+mn-cs"/>
+              </a:defRPr>
+            </a:lvl1pPr>
+            <a:lvl2pPr marL="847483" indent="-325955" algn="l" defTabSz="1043056" rtl="0" eaLnBrk="1" latinLnBrk="0" hangingPunct="1">
+              <a:spcBef>
+                <a:spcPct val="20000"/>
+              </a:spcBef>
+              <a:buFont typeface="Arial" pitchFamily="34" charset="0"/>
+              <a:buChar char="–"/>
+              <a:defRPr sz="3200" kern="1200">
+                <a:solidFill>
+                  <a:schemeClr val="tx1"/>
+                </a:solidFill>
+                <a:latin typeface="+mn-lt"/>
+                <a:ea typeface="+mn-ea"/>
+                <a:cs typeface="+mn-cs"/>
+              </a:defRPr>
+            </a:lvl2pPr>
+            <a:lvl3pPr marL="1303820" indent="-260764" algn="l" defTabSz="1043056" rtl="0" eaLnBrk="1" latinLnBrk="0" hangingPunct="1">
+              <a:spcBef>
+                <a:spcPct val="20000"/>
+              </a:spcBef>
+              <a:buFont typeface="Arial" pitchFamily="34" charset="0"/>
+              <a:buChar char="•"/>
+              <a:defRPr sz="2700" kern="1200">
+                <a:solidFill>
+                  <a:schemeClr val="tx1"/>
+                </a:solidFill>
+                <a:latin typeface="+mn-lt"/>
+                <a:ea typeface="+mn-ea"/>
+                <a:cs typeface="+mn-cs"/>
+              </a:defRPr>
+            </a:lvl3pPr>
+            <a:lvl4pPr marL="1825348" indent="-260764" algn="l" defTabSz="1043056" rtl="0" eaLnBrk="1" latinLnBrk="0" hangingPunct="1">
+              <a:spcBef>
+                <a:spcPct val="20000"/>
+              </a:spcBef>
+              <a:buFont typeface="Arial" pitchFamily="34" charset="0"/>
+              <a:buChar char="–"/>
+              <a:defRPr sz="2300" kern="1200">
+                <a:solidFill>
+                  <a:schemeClr val="tx1"/>
+                </a:solidFill>
+                <a:latin typeface="+mn-lt"/>
+                <a:ea typeface="+mn-ea"/>
+                <a:cs typeface="+mn-cs"/>
+              </a:defRPr>
+            </a:lvl4pPr>
+            <a:lvl5pPr marL="2346876" indent="-260764" algn="l" defTabSz="1043056" rtl="0" eaLnBrk="1" latinLnBrk="0" hangingPunct="1">
+              <a:spcBef>
+                <a:spcPct val="20000"/>
+              </a:spcBef>
+              <a:buFont typeface="Arial" pitchFamily="34" charset="0"/>
+              <a:buChar char="»"/>
+              <a:defRPr sz="2300" kern="1200">
+                <a:solidFill>
+                  <a:schemeClr val="tx1"/>
+                </a:solidFill>
+                <a:latin typeface="+mn-lt"/>
+                <a:ea typeface="+mn-ea"/>
+                <a:cs typeface="+mn-cs"/>
+              </a:defRPr>
+            </a:lvl5pPr>
+            <a:lvl6pPr marL="2868404" indent="-260764" algn="l" defTabSz="1043056" rtl="0" eaLnBrk="1" latinLnBrk="0" hangingPunct="1">
+              <a:spcBef>
+                <a:spcPct val="20000"/>
+              </a:spcBef>
+              <a:buFont typeface="Arial" pitchFamily="34" charset="0"/>
+              <a:buChar char="•"/>
+              <a:defRPr sz="2300" kern="1200">
+                <a:solidFill>
+                  <a:schemeClr val="tx1"/>
+                </a:solidFill>
+                <a:latin typeface="+mn-lt"/>
+                <a:ea typeface="+mn-ea"/>
+                <a:cs typeface="+mn-cs"/>
+              </a:defRPr>
+            </a:lvl6pPr>
+            <a:lvl7pPr marL="3389932" indent="-260764" algn="l" defTabSz="1043056" rtl="0" eaLnBrk="1" latinLnBrk="0" hangingPunct="1">
+              <a:spcBef>
+                <a:spcPct val="20000"/>
+              </a:spcBef>
+              <a:buFont typeface="Arial" pitchFamily="34" charset="0"/>
+              <a:buChar char="•"/>
+              <a:defRPr sz="2300" kern="1200">
+                <a:solidFill>
+                  <a:schemeClr val="tx1"/>
+                </a:solidFill>
+                <a:latin typeface="+mn-lt"/>
+                <a:ea typeface="+mn-ea"/>
+                <a:cs typeface="+mn-cs"/>
+              </a:defRPr>
+            </a:lvl7pPr>
+            <a:lvl8pPr marL="3911460" indent="-260764" algn="l" defTabSz="1043056" rtl="0" eaLnBrk="1" latinLnBrk="0" hangingPunct="1">
+              <a:spcBef>
+                <a:spcPct val="20000"/>
+              </a:spcBef>
+              <a:buFont typeface="Arial" pitchFamily="34" charset="0"/>
+              <a:buChar char="•"/>
+              <a:defRPr sz="2300" kern="1200">
+                <a:solidFill>
+                  <a:schemeClr val="tx1"/>
+                </a:solidFill>
+                <a:latin typeface="+mn-lt"/>
+                <a:ea typeface="+mn-ea"/>
+                <a:cs typeface="+mn-cs"/>
+              </a:defRPr>
+            </a:lvl8pPr>
+            <a:lvl9pPr marL="4432988" indent="-260764" algn="l" defTabSz="1043056" rtl="0" eaLnBrk="1" latinLnBrk="0" hangingPunct="1">
+              <a:spcBef>
+                <a:spcPct val="20000"/>
+              </a:spcBef>
+              <a:buFont typeface="Arial" pitchFamily="34" charset="0"/>
+              <a:buChar char="•"/>
+              <a:defRPr sz="2300" kern="1200">
+                <a:solidFill>
+                  <a:schemeClr val="tx1"/>
+                </a:solidFill>
+                <a:latin typeface="+mn-lt"/>
+                <a:ea typeface="+mn-ea"/>
+                <a:cs typeface="+mn-cs"/>
+              </a:defRPr>
+            </a:lvl9pPr>
+          </a:lstStyle>
+          <a:p>
+            <a:pPr marL="0" indent="0" algn="ctr">
+              <a:lnSpc>
+                <a:spcPct val="150000"/>
+              </a:lnSpc>
+              <a:buNone/>
+            </a:pPr>
+            <a:r>
+              <a:rPr lang="pt-BR" sz="1400" b="1" dirty="0" err="1">
+                <a:solidFill>
+                  <a:schemeClr val="bg1">
+                    <a:lumMod val="85000"/>
+                  </a:schemeClr>
+                </a:solidFill>
+              </a:rPr>
+              <a:t>APIs</a:t>
+            </a:r>
+            <a:r>
+              <a:rPr lang="pt-BR" sz="1400" b="1" dirty="0">
+                <a:solidFill>
+                  <a:schemeClr val="bg1">
+                    <a:lumMod val="85000"/>
+                  </a:schemeClr>
+                </a:solidFill>
+              </a:rPr>
+              <a:t> </a:t>
+            </a:r>
+            <a:r>
+              <a:rPr lang="pt-BR" sz="1400" b="1" dirty="0" smtClean="0">
+                <a:solidFill>
+                  <a:schemeClr val="bg1">
+                    <a:lumMod val="85000"/>
+                  </a:schemeClr>
+                </a:solidFill>
+              </a:rPr>
+              <a:t>SLACK</a:t>
+            </a:r>
+            <a:endParaRPr lang="pt-BR" sz="1400" b="1" dirty="0">
+              <a:solidFill>
+                <a:schemeClr val="bg1">
+                  <a:lumMod val="85000"/>
+                </a:schemeClr>
+              </a:solidFill>
+            </a:endParaRPr>
+          </a:p>
+        </p:txBody>
+      </p:sp>
     </p:spTree>
     <p:extLst>
       <p:ext uri="{BB962C8B-B14F-4D97-AF65-F5344CB8AC3E}">
@@ -15025,6 +15691,13 @@
   <p:clrMapOvr>
     <a:masterClrMapping/>
   </p:clrMapOvr>
+  <p:timing>
+    <p:tnLst>
+      <p:par>
+        <p:cTn id="1" dur="indefinite" restart="never" nodeType="tmRoot"/>
+      </p:par>
+    </p:tnLst>
+  </p:timing>
 </p:sld>
 </file>
 
@@ -15281,28 +15954,28 @@
       </p:sp>
       <p:pic>
         <p:nvPicPr>
-          <p:cNvPr id="9" name="Imagem 8">
-            <a:extLst>
-              <a:ext uri="{FF2B5EF4-FFF2-40B4-BE49-F238E27FC236}">
-                <a16:creationId xmlns:a16="http://schemas.microsoft.com/office/drawing/2014/main" id="{E451D0B1-2A0E-4D51-9185-061AEFBB01CC}"/>
-              </a:ext>
-            </a:extLst>
-          </p:cNvPr>
+          <p:cNvPr id="3" name="Imagem 2"/>
           <p:cNvPicPr>
             <a:picLocks noChangeAspect="1"/>
           </p:cNvPicPr>
           <p:nvPr/>
         </p:nvPicPr>
         <p:blipFill>
-          <a:blip r:embed="rId2"/>
+          <a:blip r:embed="rId2">
+            <a:extLst>
+              <a:ext uri="{28A0092B-C50C-407E-A947-70E740481C1C}">
+                <a14:useLocalDpi xmlns:a14="http://schemas.microsoft.com/office/drawing/2010/main" val="0"/>
+              </a:ext>
+            </a:extLst>
+          </a:blip>
           <a:stretch>
             <a:fillRect/>
           </a:stretch>
         </p:blipFill>
         <p:spPr>
           <a:xfrm>
-            <a:off x="1118870" y="509839"/>
-            <a:ext cx="9954260" cy="6348161"/>
+            <a:off x="1059971" y="514351"/>
+            <a:ext cx="10068493" cy="6343650"/>
           </a:xfrm>
           <a:prstGeom prst="rect">
             <a:avLst/>
@@ -15319,6 +15992,13 @@
   <p:clrMapOvr>
     <a:masterClrMapping/>
   </p:clrMapOvr>
+  <p:timing>
+    <p:tnLst>
+      <p:par>
+        <p:cTn id="1" dur="indefinite" restart="never" nodeType="tmRoot"/>
+      </p:par>
+    </p:tnLst>
+  </p:timing>
 </p:sld>
 </file>
 
@@ -15613,6 +16293,13 @@
   <p:clrMapOvr>
     <a:masterClrMapping/>
   </p:clrMapOvr>
+  <p:timing>
+    <p:tnLst>
+      <p:par>
+        <p:cTn id="1" dur="indefinite" restart="never" nodeType="tmRoot"/>
+      </p:par>
+    </p:tnLst>
+  </p:timing>
 </p:sld>
 </file>
 
@@ -18981,18 +19668,18 @@
 </file>
 
 <file path=customXml/item2.xml><?xml version="1.0" encoding="utf-8"?>
+<p:properties xmlns:p="http://schemas.microsoft.com/office/2006/metadata/properties" xmlns:xsi="http://www.w3.org/2001/XMLSchema-instance" xmlns:pc="http://schemas.microsoft.com/office/infopath/2007/PartnerControls">
+  <documentManagement/>
+</p:properties>
+</file>
+
+<file path=customXml/item3.xml><?xml version="1.0" encoding="utf-8"?>
 <?mso-contentType ?>
 <FormTemplates xmlns="http://schemas.microsoft.com/sharepoint/v3/contenttype/forms">
   <Display>DocumentLibraryForm</Display>
   <Edit>DocumentLibraryForm</Edit>
   <New>DocumentLibraryForm</New>
 </FormTemplates>
-</file>
-
-<file path=customXml/item3.xml><?xml version="1.0" encoding="utf-8"?>
-<p:properties xmlns:p="http://schemas.microsoft.com/office/2006/metadata/properties" xmlns:xsi="http://www.w3.org/2001/XMLSchema-instance" xmlns:pc="http://schemas.microsoft.com/office/infopath/2007/PartnerControls">
-  <documentManagement/>
-</p:properties>
 </file>
 
 <file path=customXml/itemProps1.xml><?xml version="1.0" encoding="utf-8"?>
@@ -19014,18 +19701,18 @@
 </file>
 
 <file path=customXml/itemProps2.xml><?xml version="1.0" encoding="utf-8"?>
-<ds:datastoreItem xmlns:ds="http://schemas.openxmlformats.org/officeDocument/2006/customXml" ds:itemID="{370E4D61-1BE4-4B15-A784-AD2954D7A6D9}">
-  <ds:schemaRefs>
-    <ds:schemaRef ds:uri="http://schemas.microsoft.com/sharepoint/v3/contenttype/forms"/>
-  </ds:schemaRefs>
-</ds:datastoreItem>
-</file>
-
-<file path=customXml/itemProps3.xml><?xml version="1.0" encoding="utf-8"?>
 <ds:datastoreItem xmlns:ds="http://schemas.openxmlformats.org/officeDocument/2006/customXml" ds:itemID="{55798A40-9FAD-445E-91C1-7CEFB25D743E}">
   <ds:schemaRefs>
     <ds:schemaRef ds:uri="http://schemas.microsoft.com/office/2006/metadata/properties"/>
     <ds:schemaRef ds:uri="http://schemas.microsoft.com/office/infopath/2007/PartnerControls"/>
   </ds:schemaRefs>
 </ds:datastoreItem>
+</file>
+
+<file path=customXml/itemProps3.xml><?xml version="1.0" encoding="utf-8"?>
+<ds:datastoreItem xmlns:ds="http://schemas.openxmlformats.org/officeDocument/2006/customXml" ds:itemID="{370E4D61-1BE4-4B15-A784-AD2954D7A6D9}">
+  <ds:schemaRefs>
+    <ds:schemaRef ds:uri="http://schemas.microsoft.com/sharepoint/v3/contenttype/forms"/>
+  </ds:schemaRefs>
+</ds:datastoreItem>
 </file>